--- a/Presentation1.pptx
+++ b/Presentation1.pptx
@@ -9,11 +9,17 @@
     <p:sldId id="257" r:id="rId3"/>
     <p:sldId id="258" r:id="rId4"/>
     <p:sldId id="259" r:id="rId5"/>
-    <p:sldId id="260" r:id="rId6"/>
-    <p:sldId id="261" r:id="rId7"/>
-    <p:sldId id="262" r:id="rId8"/>
-    <p:sldId id="264" r:id="rId9"/>
-    <p:sldId id="265" r:id="rId10"/>
+    <p:sldId id="269" r:id="rId6"/>
+    <p:sldId id="260" r:id="rId7"/>
+    <p:sldId id="261" r:id="rId8"/>
+    <p:sldId id="270" r:id="rId9"/>
+    <p:sldId id="271" r:id="rId10"/>
+    <p:sldId id="266" r:id="rId11"/>
+    <p:sldId id="267" r:id="rId12"/>
+    <p:sldId id="268" r:id="rId13"/>
+    <p:sldId id="262" r:id="rId14"/>
+    <p:sldId id="264" r:id="rId15"/>
+    <p:sldId id="265" r:id="rId16"/>
   </p:sldIdLst>
   <p:sldSz cx="9144000" cy="6858000" type="screen4x3"/>
   <p:notesSz cx="6858000" cy="9144000"/>
@@ -296,7 +302,7 @@
           <a:p>
             <a:fld id="{4379EDEC-C803-4068-9F33-E4FAC38A8998}" type="datetimeFigureOut">
               <a:rPr lang="en-US" smtClean="0"/>
-              <a:t>16-Feb-24</a:t>
+              <a:t>22-Mar-24</a:t>
             </a:fld>
             <a:endParaRPr lang="en-US" dirty="0"/>
           </a:p>
@@ -466,7 +472,7 @@
           <a:p>
             <a:fld id="{4379EDEC-C803-4068-9F33-E4FAC38A8998}" type="datetimeFigureOut">
               <a:rPr lang="en-US" smtClean="0"/>
-              <a:t>16-Feb-24</a:t>
+              <a:t>22-Mar-24</a:t>
             </a:fld>
             <a:endParaRPr lang="en-US" dirty="0"/>
           </a:p>
@@ -646,7 +652,7 @@
           <a:p>
             <a:fld id="{4379EDEC-C803-4068-9F33-E4FAC38A8998}" type="datetimeFigureOut">
               <a:rPr lang="en-US" smtClean="0"/>
-              <a:t>16-Feb-24</a:t>
+              <a:t>22-Mar-24</a:t>
             </a:fld>
             <a:endParaRPr lang="en-US" dirty="0"/>
           </a:p>
@@ -816,7 +822,7 @@
           <a:p>
             <a:fld id="{4379EDEC-C803-4068-9F33-E4FAC38A8998}" type="datetimeFigureOut">
               <a:rPr lang="en-US" smtClean="0"/>
-              <a:t>16-Feb-24</a:t>
+              <a:t>22-Mar-24</a:t>
             </a:fld>
             <a:endParaRPr lang="en-US" dirty="0"/>
           </a:p>
@@ -1062,7 +1068,7 @@
           <a:p>
             <a:fld id="{4379EDEC-C803-4068-9F33-E4FAC38A8998}" type="datetimeFigureOut">
               <a:rPr lang="en-US" smtClean="0"/>
-              <a:t>16-Feb-24</a:t>
+              <a:t>22-Mar-24</a:t>
             </a:fld>
             <a:endParaRPr lang="en-US" dirty="0"/>
           </a:p>
@@ -1350,7 +1356,7 @@
           <a:p>
             <a:fld id="{4379EDEC-C803-4068-9F33-E4FAC38A8998}" type="datetimeFigureOut">
               <a:rPr lang="en-US" smtClean="0"/>
-              <a:t>16-Feb-24</a:t>
+              <a:t>22-Mar-24</a:t>
             </a:fld>
             <a:endParaRPr lang="en-US" dirty="0"/>
           </a:p>
@@ -1772,7 +1778,7 @@
           <a:p>
             <a:fld id="{4379EDEC-C803-4068-9F33-E4FAC38A8998}" type="datetimeFigureOut">
               <a:rPr lang="en-US" smtClean="0"/>
-              <a:t>16-Feb-24</a:t>
+              <a:t>22-Mar-24</a:t>
             </a:fld>
             <a:endParaRPr lang="en-US" dirty="0"/>
           </a:p>
@@ -1890,7 +1896,7 @@
           <a:p>
             <a:fld id="{4379EDEC-C803-4068-9F33-E4FAC38A8998}" type="datetimeFigureOut">
               <a:rPr lang="en-US" smtClean="0"/>
-              <a:t>16-Feb-24</a:t>
+              <a:t>22-Mar-24</a:t>
             </a:fld>
             <a:endParaRPr lang="en-US" dirty="0"/>
           </a:p>
@@ -1985,7 +1991,7 @@
           <a:p>
             <a:fld id="{4379EDEC-C803-4068-9F33-E4FAC38A8998}" type="datetimeFigureOut">
               <a:rPr lang="en-US" smtClean="0"/>
-              <a:t>16-Feb-24</a:t>
+              <a:t>22-Mar-24</a:t>
             </a:fld>
             <a:endParaRPr lang="en-US" dirty="0"/>
           </a:p>
@@ -2262,7 +2268,7 @@
           <a:p>
             <a:fld id="{4379EDEC-C803-4068-9F33-E4FAC38A8998}" type="datetimeFigureOut">
               <a:rPr lang="en-US" smtClean="0"/>
-              <a:t>16-Feb-24</a:t>
+              <a:t>22-Mar-24</a:t>
             </a:fld>
             <a:endParaRPr lang="en-US" dirty="0"/>
           </a:p>
@@ -2515,7 +2521,7 @@
           <a:p>
             <a:fld id="{4379EDEC-C803-4068-9F33-E4FAC38A8998}" type="datetimeFigureOut">
               <a:rPr lang="en-US" smtClean="0"/>
-              <a:t>16-Feb-24</a:t>
+              <a:t>22-Mar-24</a:t>
             </a:fld>
             <a:endParaRPr lang="en-US" dirty="0"/>
           </a:p>
@@ -2728,7 +2734,7 @@
           <a:p>
             <a:fld id="{4379EDEC-C803-4068-9F33-E4FAC38A8998}" type="datetimeFigureOut">
               <a:rPr lang="en-US" smtClean="0"/>
-              <a:t>16-Feb-24</a:t>
+              <a:t>22-Mar-24</a:t>
             </a:fld>
             <a:endParaRPr lang="en-US" dirty="0"/>
           </a:p>
@@ -3139,7 +3145,7 @@
 </p:sld>
 </file>
 
-<file path=ppt/slides/slide2.xml><?xml version="1.0" encoding="utf-8"?>
+<file path=ppt/slides/slide10.xml><?xml version="1.0" encoding="utf-8"?>
 <p:sld xmlns:a="http://schemas.openxmlformats.org/drawingml/2006/main" xmlns:r="http://schemas.openxmlformats.org/officeDocument/2006/relationships" xmlns:p="http://schemas.openxmlformats.org/presentationml/2006/main">
   <p:cSld>
     <p:spTree>
@@ -3172,10 +3178,9 @@
           <a:lstStyle/>
           <a:p>
             <a:r>
-              <a:rPr lang="en-US" dirty="0" smtClean="0"/>
-              <a:t>Users</a:t>
-            </a:r>
-            <a:endParaRPr lang="en-US" dirty="0"/>
+              <a:rPr lang="en-US" dirty="0"/>
+              <a:t>Task Analysis</a:t>
+            </a:r>
           </a:p>
         </p:txBody>
       </p:sp>
@@ -3196,36 +3201,100 @@
           </a:bodyPr>
           <a:lstStyle/>
           <a:p>
-            <a:r>
-              <a:rPr lang="en-US" sz="2400" dirty="0" smtClean="0"/>
-              <a:t>Users:</a:t>
-            </a:r>
-          </a:p>
-          <a:p>
-            <a:r>
-              <a:rPr lang="en-US" sz="2400" dirty="0" smtClean="0"/>
-              <a:t>1.Language Learners: Individuals of various proficiency levels seeking to learn or improve their skills in a foreign language.</a:t>
-            </a:r>
-          </a:p>
-          <a:p>
-            <a:r>
-              <a:rPr lang="en-US" sz="2400" dirty="0" smtClean="0"/>
-              <a:t>2.Educators/Tutors: Language teachers or tutors who may use the platform to supplement their teaching materials or guide their students.</a:t>
-            </a:r>
-          </a:p>
-          <a:p>
-            <a:r>
-              <a:rPr lang="en-US" sz="2400" dirty="0" smtClean="0"/>
-              <a:t>3.Administrators: Those responsible for managing and maintaining the platform, including content moderation, user management, and technical support.</a:t>
-            </a:r>
-            <a:endParaRPr lang="en-US" sz="2400" dirty="0"/>
+            <a:pPr marL="0" indent="0">
+              <a:buNone/>
+            </a:pPr>
+            <a:r>
+              <a:rPr lang="en-US" sz="2000" b="1" i="1" dirty="0"/>
+              <a:t>1.Language </a:t>
+            </a:r>
+            <a:r>
+              <a:rPr lang="en-US" sz="2000" b="1" i="1" dirty="0" smtClean="0"/>
+              <a:t>Learners: </a:t>
+            </a:r>
+          </a:p>
+          <a:p>
+            <a:pPr marL="0" indent="0">
+              <a:buNone/>
+            </a:pPr>
+            <a:r>
+              <a:rPr lang="en-US" sz="2000" i="1" dirty="0" smtClean="0"/>
+              <a:t>Accessing </a:t>
+            </a:r>
+            <a:r>
+              <a:rPr lang="en-US" sz="2000" i="1" dirty="0"/>
+              <a:t>learning materials: </a:t>
+            </a:r>
+            <a:r>
+              <a:rPr lang="en-US" sz="2000" dirty="0"/>
+              <a:t>Navigating the platform to find relevant lessons, exercises, and </a:t>
+            </a:r>
+            <a:r>
+              <a:rPr lang="en-US" sz="2000" dirty="0" smtClean="0"/>
+              <a:t>resources. </a:t>
+            </a:r>
+          </a:p>
+          <a:p>
+            <a:pPr marL="0" indent="0">
+              <a:buNone/>
+            </a:pPr>
+            <a:r>
+              <a:rPr lang="en-US" sz="2000" i="1" dirty="0" smtClean="0"/>
+              <a:t>Listening </a:t>
+            </a:r>
+            <a:r>
+              <a:rPr lang="en-US" sz="2000" i="1" dirty="0"/>
+              <a:t>and pronunciation practice:</a:t>
+            </a:r>
+            <a:r>
+              <a:rPr lang="en-US" sz="2000" dirty="0"/>
+              <a:t> Engaging in audio playback activities and pronunciation </a:t>
+            </a:r>
+            <a:r>
+              <a:rPr lang="en-US" sz="2000" dirty="0" smtClean="0"/>
+              <a:t>exercises. </a:t>
+            </a:r>
+          </a:p>
+          <a:p>
+            <a:pPr marL="0" indent="0">
+              <a:buNone/>
+            </a:pPr>
+            <a:r>
+              <a:rPr lang="en-US" sz="2000" i="1" dirty="0" smtClean="0"/>
+              <a:t>Progress </a:t>
+            </a:r>
+            <a:r>
+              <a:rPr lang="en-US" sz="2000" i="1" dirty="0"/>
+              <a:t>tracking: </a:t>
+            </a:r>
+            <a:r>
+              <a:rPr lang="en-US" sz="2000" dirty="0"/>
+              <a:t>Monitoring their learning progress, setting goals, and accessing personalized learning </a:t>
+            </a:r>
+            <a:r>
+              <a:rPr lang="en-US" sz="2000" dirty="0" smtClean="0"/>
+              <a:t>paths. </a:t>
+            </a:r>
+          </a:p>
+          <a:p>
+            <a:pPr marL="0" indent="0">
+              <a:buNone/>
+            </a:pPr>
+            <a:r>
+              <a:rPr lang="en-US" sz="2000" i="1" dirty="0" smtClean="0"/>
+              <a:t>Interacting with quizzes and assessments: </a:t>
+            </a:r>
+            <a:r>
+              <a:rPr lang="en-US" sz="2000" dirty="0" smtClean="0"/>
+              <a:t>Participating in interactive quizzes to gauge learning outcomes and receive feedback.</a:t>
+            </a:r>
           </a:p>
         </p:txBody>
       </p:sp>
     </p:spTree>
     <p:extLst>
       <p:ext uri="{BB962C8B-B14F-4D97-AF65-F5344CB8AC3E}">
-        <p14:creationId xmlns:p14="http://schemas.microsoft.com/office/powerpoint/2010/main" val="705171496"/>
+        <p14:creationId xmlns:p14="http://schemas.microsoft.com/office/powerpoint/2010/main" val="4139792502"/>
       </p:ext>
     </p:extLst>
   </p:cSld>
@@ -3235,7 +3304,7 @@
 </p:sld>
 </file>
 
-<file path=ppt/slides/slide3.xml><?xml version="1.0" encoding="utf-8"?>
+<file path=ppt/slides/slide11.xml><?xml version="1.0" encoding="utf-8"?>
 <p:sld xmlns:a="http://schemas.openxmlformats.org/drawingml/2006/main" xmlns:r="http://schemas.openxmlformats.org/officeDocument/2006/relationships" xmlns:p="http://schemas.openxmlformats.org/presentationml/2006/main">
   <p:cSld>
     <p:spTree>
@@ -3268,8 +3337,12 @@
           <a:lstStyle/>
           <a:p>
             <a:r>
+              <a:rPr lang="en-US" dirty="0" err="1" smtClean="0"/>
+              <a:t>Cont</a:t>
+            </a:r>
+            <a:r>
               <a:rPr lang="en-US" dirty="0" smtClean="0"/>
-              <a:t>User Requirements</a:t>
+              <a:t>…</a:t>
             </a:r>
             <a:endParaRPr lang="en-US" dirty="0"/>
           </a:p>
@@ -3288,26 +3361,64 @@
         <p:spPr/>
         <p:txBody>
           <a:bodyPr>
-            <a:normAutofit fontScale="70000" lnSpcReduction="20000"/>
+            <a:normAutofit/>
           </a:bodyPr>
           <a:lstStyle/>
           <a:p>
-            <a:r>
-              <a:rPr lang="en-US" dirty="0" smtClean="0"/>
-              <a:t>1.Language Learners: Access to a user-friendly interface for easy navigation. Availability of audio playback for listening comprehension. Interactive pronunciation practice activities. Personalized learning paths based on proficiency levels and learning preferences. Progress tracking and performance assessment tools.</a:t>
-            </a:r>
-          </a:p>
-          <a:p>
-            <a:r>
-              <a:rPr lang="en-US" dirty="0" smtClean="0"/>
-              <a:t>2.Educators/Tutors: Ability to create and customize learning materials and assignments. Monitoring tools to track students' progress and performance. Access to teaching resources and professional development materials.</a:t>
-            </a:r>
-          </a:p>
-          <a:p>
-            <a:r>
-              <a:rPr lang="en-US" dirty="0" smtClean="0"/>
-              <a:t>3.Administrators: User management functionalities for registration, authentication, and profile management. Content management tools for uploading, organizing, and updating learning materials. System monitoring and maintenance features to ensure platform stability and security.</a:t>
-            </a:r>
+            <a:pPr marL="0" indent="0">
+              <a:buNone/>
+            </a:pPr>
+            <a:r>
+              <a:rPr lang="en-US" sz="2000" b="1" i="1" dirty="0"/>
+              <a:t>2.Educators/Tutors: </a:t>
+            </a:r>
+            <a:endParaRPr lang="en-US" sz="2000" b="1" i="1" dirty="0" smtClean="0"/>
+          </a:p>
+          <a:p>
+            <a:r>
+              <a:rPr lang="en-US" sz="2000" i="1" dirty="0" smtClean="0"/>
+              <a:t>Creating </a:t>
+            </a:r>
+            <a:r>
+              <a:rPr lang="en-US" sz="2000" i="1" dirty="0"/>
+              <a:t>and customizing learning materials: </a:t>
+            </a:r>
+            <a:r>
+              <a:rPr lang="en-US" sz="2000" dirty="0"/>
+              <a:t>Developing or curating vocabulary lists, grammar lessons, dialogues, and reading exercises. </a:t>
+            </a:r>
+            <a:endParaRPr lang="en-US" sz="2000" dirty="0" smtClean="0"/>
+          </a:p>
+          <a:p>
+            <a:r>
+              <a:rPr lang="en-US" sz="2000" i="1" dirty="0" smtClean="0"/>
+              <a:t>Monitoring </a:t>
+            </a:r>
+            <a:r>
+              <a:rPr lang="en-US" sz="2000" i="1" dirty="0"/>
+              <a:t>students' progress: </a:t>
+            </a:r>
+            <a:r>
+              <a:rPr lang="en-US" sz="2000" dirty="0"/>
+              <a:t>Tracking students' performance, providing feedback, and adjusting teaching strategies accordingly. </a:t>
+            </a:r>
+            <a:endParaRPr lang="en-US" sz="2000" dirty="0" smtClean="0"/>
+          </a:p>
+          <a:p>
+            <a:r>
+              <a:rPr lang="en-US" sz="2000" i="1" dirty="0" smtClean="0"/>
+              <a:t>Assigning </a:t>
+            </a:r>
+            <a:r>
+              <a:rPr lang="en-US" sz="2000" i="1" dirty="0"/>
+              <a:t>tasks and assessments: </a:t>
+            </a:r>
+            <a:r>
+              <a:rPr lang="en-US" sz="2000" dirty="0"/>
+              <a:t>Designing quizzes, assignments, and assessments to evaluate students' language proficiency.</a:t>
+            </a:r>
+          </a:p>
+          <a:p>
             <a:endParaRPr lang="en-US" dirty="0"/>
           </a:p>
         </p:txBody>
@@ -3315,7 +3426,7 @@
     </p:spTree>
     <p:extLst>
       <p:ext uri="{BB962C8B-B14F-4D97-AF65-F5344CB8AC3E}">
-        <p14:creationId xmlns:p14="http://schemas.microsoft.com/office/powerpoint/2010/main" val="3357471889"/>
+        <p14:creationId xmlns:p14="http://schemas.microsoft.com/office/powerpoint/2010/main" val="4235055188"/>
       </p:ext>
     </p:extLst>
   </p:cSld>
@@ -3325,7 +3436,7 @@
 </p:sld>
 </file>
 
-<file path=ppt/slides/slide4.xml><?xml version="1.0" encoding="utf-8"?>
+<file path=ppt/slides/slide12.xml><?xml version="1.0" encoding="utf-8"?>
 <p:sld xmlns:a="http://schemas.openxmlformats.org/drawingml/2006/main" xmlns:r="http://schemas.openxmlformats.org/officeDocument/2006/relationships" xmlns:p="http://schemas.openxmlformats.org/presentationml/2006/main">
   <p:cSld>
     <p:spTree>
@@ -3358,10 +3469,9 @@
           <a:lstStyle/>
           <a:p>
             <a:r>
-              <a:rPr lang="en-US" dirty="0" smtClean="0"/>
-              <a:t>Functional Requirements</a:t>
-            </a:r>
-            <a:endParaRPr lang="en-US" dirty="0"/>
+              <a:rPr lang="en-US" dirty="0"/>
+              <a:t>Domain Analysis</a:t>
+            </a:r>
           </a:p>
         </p:txBody>
       </p:sp>
@@ -3378,46 +3488,118 @@
         <p:spPr/>
         <p:txBody>
           <a:bodyPr>
-            <a:normAutofit fontScale="62500" lnSpcReduction="20000"/>
+            <a:normAutofit/>
           </a:bodyPr>
           <a:lstStyle/>
           <a:p>
-            <a:r>
-              <a:rPr lang="en-US" dirty="0" smtClean="0"/>
-              <a:t>1.User Interface: Navigation system. Responsive design for compatibility across devices. Clear presentation of learning materials and activities.</a:t>
-            </a:r>
-          </a:p>
-          <a:p>
-            <a:r>
-              <a:rPr lang="en-US" dirty="0" smtClean="0"/>
-              <a:t>2.Audio Playback: Integration of audio files for listening exercises. Play/pause, rewind, and volume control options. Compatibility with various audio formats.</a:t>
-            </a:r>
-          </a:p>
-          <a:p>
-            <a:r>
-              <a:rPr lang="en-US" dirty="0" smtClean="0"/>
-              <a:t>3.Pronunciation Practice: Interactive pronunciation exercises. Recording and playback functionalities for user-generated audio. Comparative analysis tools for self-assessment.</a:t>
-            </a:r>
-          </a:p>
-          <a:p>
-            <a:r>
-              <a:rPr lang="en-US" dirty="0" smtClean="0"/>
-              <a:t>4.Learning Materials: Vocabulary lists, grammar lessons, dialogues, and reading exercises. Integration of multimedia content (e.g., images, videos) to enhance learning experiences.</a:t>
-            </a:r>
-          </a:p>
-          <a:p>
-            <a:r>
-              <a:rPr lang="en-US" dirty="0" smtClean="0"/>
-              <a:t>5.Personalization and Progress Tracking: User profiles with customizable preferences and learning goals. Algorithm-driven recommendations for tailored learning paths. Visual representations of progress through dashboards and reports.</a:t>
-            </a:r>
-            <a:endParaRPr lang="en-US" dirty="0"/>
+            <a:pPr marL="0" indent="0">
+              <a:buNone/>
+            </a:pPr>
+            <a:r>
+              <a:rPr lang="en-US" sz="2000" i="1" dirty="0"/>
+              <a:t>1.Language Learning </a:t>
+            </a:r>
+            <a:r>
+              <a:rPr lang="en-US" sz="2000" i="1" dirty="0" smtClean="0"/>
+              <a:t>Pedagogy: </a:t>
+            </a:r>
+            <a:r>
+              <a:rPr lang="en-US" sz="2000" dirty="0" smtClean="0"/>
+              <a:t>Incorporating </a:t>
+            </a:r>
+            <a:r>
+              <a:rPr lang="en-US" sz="2000" dirty="0"/>
+              <a:t>evidence-based language learning methodologies and best </a:t>
+            </a:r>
+            <a:r>
+              <a:rPr lang="en-US" sz="2000" dirty="0" smtClean="0"/>
+              <a:t>practices. Alignment </a:t>
+            </a:r>
+            <a:r>
+              <a:rPr lang="en-US" sz="2000" dirty="0"/>
+              <a:t>with proficiency standards and frameworks (e.g., CEFR, ACTFL</a:t>
+            </a:r>
+            <a:r>
+              <a:rPr lang="en-US" sz="2000" dirty="0" smtClean="0"/>
+              <a:t>). Collaboration </a:t>
+            </a:r>
+            <a:r>
+              <a:rPr lang="en-US" sz="2000" dirty="0"/>
+              <a:t>with linguists and language education experts for content development and curriculum design</a:t>
+            </a:r>
+            <a:r>
+              <a:rPr lang="en-US" sz="2000" dirty="0" smtClean="0"/>
+              <a:t>.</a:t>
+            </a:r>
+          </a:p>
+          <a:p>
+            <a:pPr marL="0" indent="0">
+              <a:buNone/>
+            </a:pPr>
+            <a:r>
+              <a:rPr lang="en-US" sz="2000" i="1" dirty="0" smtClean="0"/>
+              <a:t>2.Technology Infrastructure: </a:t>
+            </a:r>
+            <a:r>
+              <a:rPr lang="en-US" sz="2000" dirty="0" smtClean="0"/>
+              <a:t>Utilization </a:t>
+            </a:r>
+            <a:r>
+              <a:rPr lang="en-US" sz="2000" dirty="0"/>
+              <a:t>of cloud-based hosting services for scalability and </a:t>
+            </a:r>
+            <a:r>
+              <a:rPr lang="en-US" sz="2000" dirty="0" smtClean="0"/>
+              <a:t>reliability. Integration </a:t>
+            </a:r>
+            <a:r>
+              <a:rPr lang="en-US" sz="2000" dirty="0"/>
+              <a:t>with third-party APIs for language processing and pronunciation </a:t>
+            </a:r>
+            <a:r>
+              <a:rPr lang="en-US" sz="2000" dirty="0" smtClean="0"/>
+              <a:t>analysis.</a:t>
+            </a:r>
+            <a:r>
+              <a:rPr lang="en-US" sz="2000" dirty="0"/>
+              <a:t> </a:t>
+            </a:r>
+            <a:r>
+              <a:rPr lang="en-US" sz="2000" dirty="0" smtClean="0"/>
+              <a:t>Compatibility </a:t>
+            </a:r>
+            <a:r>
+              <a:rPr lang="en-US" sz="2000" dirty="0"/>
+              <a:t>with modern web browsers and operating systems</a:t>
+            </a:r>
+            <a:r>
+              <a:rPr lang="en-US" sz="2000" dirty="0" smtClean="0"/>
+              <a:t>.</a:t>
+            </a:r>
+          </a:p>
+          <a:p>
+            <a:pPr marL="0" indent="0">
+              <a:buNone/>
+            </a:pPr>
+            <a:r>
+              <a:rPr lang="en-US" sz="2000" i="1" dirty="0" smtClean="0"/>
+              <a:t>3.Regulatory Compliance: </a:t>
+            </a:r>
+            <a:r>
+              <a:rPr lang="en-US" sz="2000" dirty="0" smtClean="0"/>
+              <a:t>Adherence </a:t>
+            </a:r>
+            <a:r>
+              <a:rPr lang="en-US" sz="2000" dirty="0"/>
+              <a:t>to data protection regulations (e.g., GDPR, CCPA) for handling user data and privacy.</a:t>
+            </a:r>
           </a:p>
         </p:txBody>
       </p:sp>
     </p:spTree>
     <p:extLst>
       <p:ext uri="{BB962C8B-B14F-4D97-AF65-F5344CB8AC3E}">
-        <p14:creationId xmlns:p14="http://schemas.microsoft.com/office/powerpoint/2010/main" val="1321531085"/>
+        <p14:creationId xmlns:p14="http://schemas.microsoft.com/office/powerpoint/2010/main" val="898153965"/>
       </p:ext>
     </p:extLst>
   </p:cSld>
@@ -3427,193 +3609,7 @@
 </p:sld>
 </file>
 
-<file path=ppt/slides/slide5.xml><?xml version="1.0" encoding="utf-8"?>
-<p:sld xmlns:a="http://schemas.openxmlformats.org/drawingml/2006/main" xmlns:r="http://schemas.openxmlformats.org/officeDocument/2006/relationships" xmlns:p="http://schemas.openxmlformats.org/presentationml/2006/main">
-  <p:cSld>
-    <p:spTree>
-      <p:nvGrpSpPr>
-        <p:cNvPr id="1" name=""/>
-        <p:cNvGrpSpPr/>
-        <p:nvPr/>
-      </p:nvGrpSpPr>
-      <p:grpSpPr>
-        <a:xfrm>
-          <a:off x="0" y="0"/>
-          <a:ext cx="0" cy="0"/>
-          <a:chOff x="0" y="0"/>
-          <a:chExt cx="0" cy="0"/>
-        </a:xfrm>
-      </p:grpSpPr>
-      <p:sp>
-        <p:nvSpPr>
-          <p:cNvPr id="2" name="Title 1"/>
-          <p:cNvSpPr>
-            <a:spLocks noGrp="1"/>
-          </p:cNvSpPr>
-          <p:nvPr>
-            <p:ph type="title"/>
-          </p:nvPr>
-        </p:nvSpPr>
-        <p:spPr/>
-        <p:txBody>
-          <a:bodyPr/>
-          <a:lstStyle/>
-          <a:p>
-            <a:r>
-              <a:rPr lang="en-US" dirty="0" smtClean="0"/>
-              <a:t>Non-Functional Requirements</a:t>
-            </a:r>
-            <a:endParaRPr lang="en-US" dirty="0"/>
-          </a:p>
-        </p:txBody>
-      </p:sp>
-      <p:sp>
-        <p:nvSpPr>
-          <p:cNvPr id="3" name="Content Placeholder 2"/>
-          <p:cNvSpPr>
-            <a:spLocks noGrp="1"/>
-          </p:cNvSpPr>
-          <p:nvPr>
-            <p:ph idx="1"/>
-          </p:nvPr>
-        </p:nvSpPr>
-        <p:spPr/>
-        <p:txBody>
-          <a:bodyPr>
-            <a:normAutofit fontScale="77500" lnSpcReduction="20000"/>
-          </a:bodyPr>
-          <a:lstStyle/>
-          <a:p>
-            <a:r>
-              <a:rPr lang="en-US" dirty="0" smtClean="0"/>
-              <a:t>1.Performance: Low latency and fast response times to ensure smooth user experience. Scalability to accommodate a growing user base without degradation in performance.</a:t>
-            </a:r>
-          </a:p>
-          <a:p>
-            <a:r>
-              <a:rPr lang="en-US" dirty="0" smtClean="0"/>
-              <a:t>2.Security: Secure authentication and authorization mechanisms. Encryption of sensitive user data (e.g., login credentials, progress tracking information).</a:t>
-            </a:r>
-          </a:p>
-          <a:p>
-            <a:r>
-              <a:rPr lang="en-US" dirty="0" smtClean="0"/>
-              <a:t>3.Reliability: High availability and uptime to minimize service disruptions. Automated backup and recovery procedures to prevent data loss.</a:t>
-            </a:r>
-          </a:p>
-          <a:p>
-            <a:r>
-              <a:rPr lang="en-US" dirty="0" smtClean="0"/>
-              <a:t>4.Accessibility: Compliance with accessibility standards (e.g., WCAG) to ensure inclusivity for users with disabilities. Support for multiple languages and localization options.</a:t>
-            </a:r>
-            <a:endParaRPr lang="en-US" dirty="0"/>
-          </a:p>
-        </p:txBody>
-      </p:sp>
-    </p:spTree>
-    <p:extLst>
-      <p:ext uri="{BB962C8B-B14F-4D97-AF65-F5344CB8AC3E}">
-        <p14:creationId xmlns:p14="http://schemas.microsoft.com/office/powerpoint/2010/main" val="932808403"/>
-      </p:ext>
-    </p:extLst>
-  </p:cSld>
-  <p:clrMapOvr>
-    <a:masterClrMapping/>
-  </p:clrMapOvr>
-</p:sld>
-</file>
-
-<file path=ppt/slides/slide6.xml><?xml version="1.0" encoding="utf-8"?>
-<p:sld xmlns:a="http://schemas.openxmlformats.org/drawingml/2006/main" xmlns:r="http://schemas.openxmlformats.org/officeDocument/2006/relationships" xmlns:p="http://schemas.openxmlformats.org/presentationml/2006/main">
-  <p:cSld>
-    <p:spTree>
-      <p:nvGrpSpPr>
-        <p:cNvPr id="1" name=""/>
-        <p:cNvGrpSpPr/>
-        <p:nvPr/>
-      </p:nvGrpSpPr>
-      <p:grpSpPr>
-        <a:xfrm>
-          <a:off x="0" y="0"/>
-          <a:ext cx="0" cy="0"/>
-          <a:chOff x="0" y="0"/>
-          <a:chExt cx="0" cy="0"/>
-        </a:xfrm>
-      </p:grpSpPr>
-      <p:sp>
-        <p:nvSpPr>
-          <p:cNvPr id="2" name="Title 1"/>
-          <p:cNvSpPr>
-            <a:spLocks noGrp="1"/>
-          </p:cNvSpPr>
-          <p:nvPr>
-            <p:ph type="title"/>
-          </p:nvPr>
-        </p:nvSpPr>
-        <p:spPr/>
-        <p:txBody>
-          <a:bodyPr/>
-          <a:lstStyle/>
-          <a:p>
-            <a:r>
-              <a:rPr lang="en-US" dirty="0" smtClean="0"/>
-              <a:t>Domain Requirements</a:t>
-            </a:r>
-            <a:endParaRPr lang="en-US" dirty="0"/>
-          </a:p>
-        </p:txBody>
-      </p:sp>
-      <p:sp>
-        <p:nvSpPr>
-          <p:cNvPr id="3" name="Content Placeholder 2"/>
-          <p:cNvSpPr>
-            <a:spLocks noGrp="1"/>
-          </p:cNvSpPr>
-          <p:nvPr>
-            <p:ph idx="1"/>
-          </p:nvPr>
-        </p:nvSpPr>
-        <p:spPr/>
-        <p:txBody>
-          <a:bodyPr>
-            <a:normAutofit fontScale="77500" lnSpcReduction="20000"/>
-          </a:bodyPr>
-          <a:lstStyle/>
-          <a:p>
-            <a:r>
-              <a:rPr lang="en-US" dirty="0" smtClean="0"/>
-              <a:t>1.Language Learning Pedagogy: Incorporation of evidence-based language learning methodologies and best practices. Alignment with proficiency standards and frameworks (e.g., CEFR, ACTFL). Collaboration with linguists and language education experts for content development and curriculum design.</a:t>
-            </a:r>
-          </a:p>
-          <a:p>
-            <a:r>
-              <a:rPr lang="en-US" dirty="0" smtClean="0"/>
-              <a:t>2.Technology Infrastructure: Utilization of cloud-based hosting services for scalability and reliability. Integration with third-party APIs for language processing and pronunciation analysis. Compatibility with modern web browsers and operating systems.</a:t>
-            </a:r>
-          </a:p>
-          <a:p>
-            <a:r>
-              <a:rPr lang="en-US" dirty="0" smtClean="0"/>
-              <a:t>3.Regulatory Compliance: Adherence to data protection regulations (e.g., GDPR, CCPA) for handling user data and privacy.</a:t>
-            </a:r>
-            <a:endParaRPr lang="en-US" dirty="0"/>
-          </a:p>
-        </p:txBody>
-      </p:sp>
-    </p:spTree>
-    <p:extLst>
-      <p:ext uri="{BB962C8B-B14F-4D97-AF65-F5344CB8AC3E}">
-        <p14:creationId xmlns:p14="http://schemas.microsoft.com/office/powerpoint/2010/main" val="4094097755"/>
-      </p:ext>
-    </p:extLst>
-  </p:cSld>
-  <p:clrMapOvr>
-    <a:masterClrMapping/>
-  </p:clrMapOvr>
-</p:sld>
-</file>
-
-<file path=ppt/slides/slide7.xml><?xml version="1.0" encoding="utf-8"?>
+<file path=ppt/slides/slide13.xml><?xml version="1.0" encoding="utf-8"?>
 <p:sld xmlns:a="http://schemas.openxmlformats.org/drawingml/2006/main" xmlns:r="http://schemas.openxmlformats.org/officeDocument/2006/relationships" xmlns:p="http://schemas.openxmlformats.org/presentationml/2006/main">
   <p:cSld>
     <p:spTree>
@@ -3732,7 +3728,7 @@
 </p:sld>
 </file>
 
-<file path=ppt/slides/slide8.xml><?xml version="1.0" encoding="utf-8"?>
+<file path=ppt/slides/slide14.xml><?xml version="1.0" encoding="utf-8"?>
 <p:sld xmlns:a="http://schemas.openxmlformats.org/drawingml/2006/main" xmlns:r="http://schemas.openxmlformats.org/officeDocument/2006/relationships" xmlns:p="http://schemas.openxmlformats.org/presentationml/2006/main">
   <p:cSld>
     <p:spTree>
@@ -3851,7 +3847,7 @@
 </p:sld>
 </file>
 
-<file path=ppt/slides/slide9.xml><?xml version="1.0" encoding="utf-8"?>
+<file path=ppt/slides/slide15.xml><?xml version="1.0" encoding="utf-8"?>
 <p:sld xmlns:a="http://schemas.openxmlformats.org/drawingml/2006/main" xmlns:r="http://schemas.openxmlformats.org/officeDocument/2006/relationships" xmlns:p="http://schemas.openxmlformats.org/presentationml/2006/main">
   <p:cSld>
     <p:spTree>
@@ -3961,6 +3957,951 @@
     <p:extLst>
       <p:ext uri="{BB962C8B-B14F-4D97-AF65-F5344CB8AC3E}">
         <p14:creationId xmlns:p14="http://schemas.microsoft.com/office/powerpoint/2010/main" val="1532219585"/>
+      </p:ext>
+    </p:extLst>
+  </p:cSld>
+  <p:clrMapOvr>
+    <a:masterClrMapping/>
+  </p:clrMapOvr>
+</p:sld>
+</file>
+
+<file path=ppt/slides/slide2.xml><?xml version="1.0" encoding="utf-8"?>
+<p:sld xmlns:a="http://schemas.openxmlformats.org/drawingml/2006/main" xmlns:r="http://schemas.openxmlformats.org/officeDocument/2006/relationships" xmlns:p="http://schemas.openxmlformats.org/presentationml/2006/main">
+  <p:cSld>
+    <p:spTree>
+      <p:nvGrpSpPr>
+        <p:cNvPr id="1" name=""/>
+        <p:cNvGrpSpPr/>
+        <p:nvPr/>
+      </p:nvGrpSpPr>
+      <p:grpSpPr>
+        <a:xfrm>
+          <a:off x="0" y="0"/>
+          <a:ext cx="0" cy="0"/>
+          <a:chOff x="0" y="0"/>
+          <a:chExt cx="0" cy="0"/>
+        </a:xfrm>
+      </p:grpSpPr>
+      <p:sp>
+        <p:nvSpPr>
+          <p:cNvPr id="2" name="Title 1"/>
+          <p:cNvSpPr>
+            <a:spLocks noGrp="1"/>
+          </p:cNvSpPr>
+          <p:nvPr>
+            <p:ph type="title"/>
+          </p:nvPr>
+        </p:nvSpPr>
+        <p:spPr/>
+        <p:txBody>
+          <a:bodyPr/>
+          <a:lstStyle/>
+          <a:p>
+            <a:r>
+              <a:rPr lang="en-US" dirty="0" smtClean="0"/>
+              <a:t>Users</a:t>
+            </a:r>
+            <a:endParaRPr lang="en-US" dirty="0"/>
+          </a:p>
+        </p:txBody>
+      </p:sp>
+      <p:sp>
+        <p:nvSpPr>
+          <p:cNvPr id="3" name="Content Placeholder 2"/>
+          <p:cNvSpPr>
+            <a:spLocks noGrp="1"/>
+          </p:cNvSpPr>
+          <p:nvPr>
+            <p:ph idx="1"/>
+          </p:nvPr>
+        </p:nvSpPr>
+        <p:spPr/>
+        <p:txBody>
+          <a:bodyPr>
+            <a:normAutofit/>
+          </a:bodyPr>
+          <a:lstStyle/>
+          <a:p>
+            <a:pPr marL="0" indent="0">
+              <a:buNone/>
+            </a:pPr>
+            <a:r>
+              <a:rPr lang="en-US" sz="2000" i="1" dirty="0" smtClean="0"/>
+              <a:t>1.Language Learners: </a:t>
+            </a:r>
+            <a:r>
+              <a:rPr lang="en-US" sz="2400" dirty="0" smtClean="0"/>
+              <a:t>Individuals of various proficiency levels seeking to learn or improve their skills in a foreign language.</a:t>
+            </a:r>
+          </a:p>
+          <a:p>
+            <a:pPr marL="0" indent="0">
+              <a:buNone/>
+            </a:pPr>
+            <a:r>
+              <a:rPr lang="en-US" sz="2000" i="1" dirty="0" smtClean="0"/>
+              <a:t>2.Educators/Tutors: </a:t>
+            </a:r>
+            <a:r>
+              <a:rPr lang="en-US" sz="2400" dirty="0" smtClean="0"/>
+              <a:t>Language teachers or tutors who may use the platform to supplement their teaching materials or guide their students.</a:t>
+            </a:r>
+          </a:p>
+          <a:p>
+            <a:pPr marL="0" indent="0">
+              <a:buNone/>
+            </a:pPr>
+            <a:r>
+              <a:rPr lang="en-US" sz="2000" i="1" dirty="0" smtClean="0"/>
+              <a:t>3.Administrators: </a:t>
+            </a:r>
+            <a:r>
+              <a:rPr lang="en-US" sz="2400" dirty="0" smtClean="0"/>
+              <a:t>Those responsible for managing and maintaining the platform, including content moderation, user management, and technical support.</a:t>
+            </a:r>
+            <a:endParaRPr lang="en-US" sz="2400" dirty="0"/>
+          </a:p>
+        </p:txBody>
+      </p:sp>
+    </p:spTree>
+    <p:extLst>
+      <p:ext uri="{BB962C8B-B14F-4D97-AF65-F5344CB8AC3E}">
+        <p14:creationId xmlns:p14="http://schemas.microsoft.com/office/powerpoint/2010/main" val="705171496"/>
+      </p:ext>
+    </p:extLst>
+  </p:cSld>
+  <p:clrMapOvr>
+    <a:masterClrMapping/>
+  </p:clrMapOvr>
+</p:sld>
+</file>
+
+<file path=ppt/slides/slide3.xml><?xml version="1.0" encoding="utf-8"?>
+<p:sld xmlns:a="http://schemas.openxmlformats.org/drawingml/2006/main" xmlns:r="http://schemas.openxmlformats.org/officeDocument/2006/relationships" xmlns:p="http://schemas.openxmlformats.org/presentationml/2006/main">
+  <p:cSld>
+    <p:spTree>
+      <p:nvGrpSpPr>
+        <p:cNvPr id="1" name=""/>
+        <p:cNvGrpSpPr/>
+        <p:nvPr/>
+      </p:nvGrpSpPr>
+      <p:grpSpPr>
+        <a:xfrm>
+          <a:off x="0" y="0"/>
+          <a:ext cx="0" cy="0"/>
+          <a:chOff x="0" y="0"/>
+          <a:chExt cx="0" cy="0"/>
+        </a:xfrm>
+      </p:grpSpPr>
+      <p:sp>
+        <p:nvSpPr>
+          <p:cNvPr id="2" name="Title 1"/>
+          <p:cNvSpPr>
+            <a:spLocks noGrp="1"/>
+          </p:cNvSpPr>
+          <p:nvPr>
+            <p:ph type="title"/>
+          </p:nvPr>
+        </p:nvSpPr>
+        <p:spPr/>
+        <p:txBody>
+          <a:bodyPr/>
+          <a:lstStyle/>
+          <a:p>
+            <a:r>
+              <a:rPr lang="en-US" dirty="0" smtClean="0"/>
+              <a:t>User Requirements</a:t>
+            </a:r>
+            <a:endParaRPr lang="en-US" dirty="0"/>
+          </a:p>
+        </p:txBody>
+      </p:sp>
+      <p:sp>
+        <p:nvSpPr>
+          <p:cNvPr id="3" name="Content Placeholder 2"/>
+          <p:cNvSpPr>
+            <a:spLocks noGrp="1"/>
+          </p:cNvSpPr>
+          <p:nvPr>
+            <p:ph idx="1"/>
+          </p:nvPr>
+        </p:nvSpPr>
+        <p:spPr/>
+        <p:txBody>
+          <a:bodyPr>
+            <a:normAutofit/>
+          </a:bodyPr>
+          <a:lstStyle/>
+          <a:p>
+            <a:pPr marL="0" indent="0">
+              <a:buNone/>
+            </a:pPr>
+            <a:r>
+              <a:rPr lang="en-US" sz="2000" i="1" dirty="0" smtClean="0"/>
+              <a:t>1.Language Learners: </a:t>
+            </a:r>
+            <a:r>
+              <a:rPr lang="en-US" sz="2000" dirty="0" smtClean="0"/>
+              <a:t>Access to a user-friendly interface for easy navigation. Availability of audio playback for listening comprehension. Interactive pronunciation practice activities. Personalized learning paths based on proficiency levels and learning preferences. Progress tracking and performance assessment tools.</a:t>
+            </a:r>
+          </a:p>
+          <a:p>
+            <a:pPr marL="0" indent="0">
+              <a:buNone/>
+            </a:pPr>
+            <a:r>
+              <a:rPr lang="en-US" sz="2000" i="1" dirty="0" smtClean="0"/>
+              <a:t>2.Educators/Tutors: </a:t>
+            </a:r>
+            <a:r>
+              <a:rPr lang="en-US" sz="2000" dirty="0" smtClean="0"/>
+              <a:t>Ability to create and customize learning materials and assignments. Monitoring tools to track students' progress and performance. Access to teaching resources and professional development materials.</a:t>
+            </a:r>
+          </a:p>
+          <a:p>
+            <a:pPr marL="0" indent="0">
+              <a:buNone/>
+            </a:pPr>
+            <a:r>
+              <a:rPr lang="en-US" sz="2000" i="1" dirty="0" smtClean="0"/>
+              <a:t>3.Administrators: </a:t>
+            </a:r>
+            <a:r>
+              <a:rPr lang="en-US" sz="2000" dirty="0" smtClean="0"/>
+              <a:t>User management functionalities for registration, authentication, and profile management. Content management tools for uploading, organizing, and updating learning materials. System monitoring and maintenance features to ensure platform stability and security.</a:t>
+            </a:r>
+            <a:endParaRPr lang="en-US" sz="2000" dirty="0"/>
+          </a:p>
+        </p:txBody>
+      </p:sp>
+    </p:spTree>
+    <p:extLst>
+      <p:ext uri="{BB962C8B-B14F-4D97-AF65-F5344CB8AC3E}">
+        <p14:creationId xmlns:p14="http://schemas.microsoft.com/office/powerpoint/2010/main" val="3357471889"/>
+      </p:ext>
+    </p:extLst>
+  </p:cSld>
+  <p:clrMapOvr>
+    <a:masterClrMapping/>
+  </p:clrMapOvr>
+</p:sld>
+</file>
+
+<file path=ppt/slides/slide4.xml><?xml version="1.0" encoding="utf-8"?>
+<p:sld xmlns:a="http://schemas.openxmlformats.org/drawingml/2006/main" xmlns:r="http://schemas.openxmlformats.org/officeDocument/2006/relationships" xmlns:p="http://schemas.openxmlformats.org/presentationml/2006/main">
+  <p:cSld>
+    <p:spTree>
+      <p:nvGrpSpPr>
+        <p:cNvPr id="1" name=""/>
+        <p:cNvGrpSpPr/>
+        <p:nvPr/>
+      </p:nvGrpSpPr>
+      <p:grpSpPr>
+        <a:xfrm>
+          <a:off x="0" y="0"/>
+          <a:ext cx="0" cy="0"/>
+          <a:chOff x="0" y="0"/>
+          <a:chExt cx="0" cy="0"/>
+        </a:xfrm>
+      </p:grpSpPr>
+      <p:sp>
+        <p:nvSpPr>
+          <p:cNvPr id="2" name="Title 1"/>
+          <p:cNvSpPr>
+            <a:spLocks noGrp="1"/>
+          </p:cNvSpPr>
+          <p:nvPr>
+            <p:ph type="title"/>
+          </p:nvPr>
+        </p:nvSpPr>
+        <p:spPr/>
+        <p:txBody>
+          <a:bodyPr/>
+          <a:lstStyle/>
+          <a:p>
+            <a:r>
+              <a:rPr lang="en-US" dirty="0" smtClean="0"/>
+              <a:t>Functional Requirements</a:t>
+            </a:r>
+            <a:endParaRPr lang="en-US" dirty="0"/>
+          </a:p>
+        </p:txBody>
+      </p:sp>
+      <p:sp>
+        <p:nvSpPr>
+          <p:cNvPr id="3" name="Content Placeholder 2"/>
+          <p:cNvSpPr>
+            <a:spLocks noGrp="1"/>
+          </p:cNvSpPr>
+          <p:nvPr>
+            <p:ph idx="1"/>
+          </p:nvPr>
+        </p:nvSpPr>
+        <p:spPr/>
+        <p:txBody>
+          <a:bodyPr>
+            <a:noAutofit/>
+          </a:bodyPr>
+          <a:lstStyle/>
+          <a:p>
+            <a:pPr marL="0" indent="0">
+              <a:buNone/>
+            </a:pPr>
+            <a:r>
+              <a:rPr lang="en-US" sz="2000" dirty="0" smtClean="0"/>
+              <a:t>1.User Interface: Navigation system. Responsive design for compatibility across devices. Clear presentation of learning materials and activities.</a:t>
+            </a:r>
+          </a:p>
+          <a:p>
+            <a:pPr marL="0" indent="0">
+              <a:buNone/>
+            </a:pPr>
+            <a:r>
+              <a:rPr lang="en-US" sz="2000" dirty="0" smtClean="0"/>
+              <a:t>2.Audio Playback: Integration of audio files for listening exercises. Play/pause, rewind, and volume control options. Compatibility with various audio formats.</a:t>
+            </a:r>
+          </a:p>
+          <a:p>
+            <a:pPr marL="0" indent="0">
+              <a:buNone/>
+            </a:pPr>
+            <a:r>
+              <a:rPr lang="en-US" sz="2000" dirty="0" smtClean="0"/>
+              <a:t>3.Pronunciation Practice: Interactive pronunciation exercises. Recording and playback functionalities for user-generated audio. Comparative analysis tools for self-assessment.</a:t>
+            </a:r>
+          </a:p>
+        </p:txBody>
+      </p:sp>
+    </p:spTree>
+    <p:extLst>
+      <p:ext uri="{BB962C8B-B14F-4D97-AF65-F5344CB8AC3E}">
+        <p14:creationId xmlns:p14="http://schemas.microsoft.com/office/powerpoint/2010/main" val="1321531085"/>
+      </p:ext>
+    </p:extLst>
+  </p:cSld>
+  <p:clrMapOvr>
+    <a:masterClrMapping/>
+  </p:clrMapOvr>
+  <p:timing>
+    <p:tnLst>
+      <p:par>
+        <p:cTn id="1" dur="indefinite" restart="never" nodeType="tmRoot"/>
+      </p:par>
+    </p:tnLst>
+  </p:timing>
+</p:sld>
+</file>
+
+<file path=ppt/slides/slide5.xml><?xml version="1.0" encoding="utf-8"?>
+<p:sld xmlns:a="http://schemas.openxmlformats.org/drawingml/2006/main" xmlns:r="http://schemas.openxmlformats.org/officeDocument/2006/relationships" xmlns:p="http://schemas.openxmlformats.org/presentationml/2006/main">
+  <p:cSld>
+    <p:spTree>
+      <p:nvGrpSpPr>
+        <p:cNvPr id="1" name=""/>
+        <p:cNvGrpSpPr/>
+        <p:nvPr/>
+      </p:nvGrpSpPr>
+      <p:grpSpPr>
+        <a:xfrm>
+          <a:off x="0" y="0"/>
+          <a:ext cx="0" cy="0"/>
+          <a:chOff x="0" y="0"/>
+          <a:chExt cx="0" cy="0"/>
+        </a:xfrm>
+      </p:grpSpPr>
+      <p:sp>
+        <p:nvSpPr>
+          <p:cNvPr id="2" name="Title 1"/>
+          <p:cNvSpPr>
+            <a:spLocks noGrp="1"/>
+          </p:cNvSpPr>
+          <p:nvPr>
+            <p:ph type="title"/>
+          </p:nvPr>
+        </p:nvSpPr>
+        <p:spPr/>
+        <p:txBody>
+          <a:bodyPr/>
+          <a:lstStyle/>
+          <a:p>
+            <a:r>
+              <a:rPr lang="en-US" dirty="0" err="1" smtClean="0"/>
+              <a:t>Cont</a:t>
+            </a:r>
+            <a:r>
+              <a:rPr lang="en-US" dirty="0" smtClean="0"/>
+              <a:t>…</a:t>
+            </a:r>
+            <a:endParaRPr lang="en-US" dirty="0"/>
+          </a:p>
+        </p:txBody>
+      </p:sp>
+      <p:sp>
+        <p:nvSpPr>
+          <p:cNvPr id="3" name="Content Placeholder 2"/>
+          <p:cNvSpPr>
+            <a:spLocks noGrp="1"/>
+          </p:cNvSpPr>
+          <p:nvPr>
+            <p:ph idx="1"/>
+          </p:nvPr>
+        </p:nvSpPr>
+        <p:spPr/>
+        <p:txBody>
+          <a:bodyPr>
+            <a:normAutofit/>
+          </a:bodyPr>
+          <a:lstStyle/>
+          <a:p>
+            <a:pPr marL="0" indent="0">
+              <a:buNone/>
+            </a:pPr>
+            <a:r>
+              <a:rPr lang="en-US" sz="2200" i="1" dirty="0"/>
+              <a:t>4.Learning Materials: </a:t>
+            </a:r>
+            <a:r>
+              <a:rPr lang="en-US" sz="2200" dirty="0"/>
+              <a:t>Vocabulary lists, grammar lessons, dialogues, and reading exercises. Integration of multimedia content (e.g., images, videos) to enhance learning experiences.</a:t>
+            </a:r>
+          </a:p>
+          <a:p>
+            <a:pPr marL="0" indent="0">
+              <a:buNone/>
+            </a:pPr>
+            <a:r>
+              <a:rPr lang="en-US" sz="2200" i="1" dirty="0"/>
+              <a:t>5.Personalization and Progress Tracking: </a:t>
+            </a:r>
+            <a:r>
+              <a:rPr lang="en-US" sz="2200" dirty="0"/>
+              <a:t>User profiles with customizable preferences and learning goals. Algorithm-driven recommendations for tailored learning paths. Visual representations of progress through dashboards and reports.</a:t>
+            </a:r>
+          </a:p>
+          <a:p>
+            <a:endParaRPr lang="en-US" dirty="0"/>
+          </a:p>
+        </p:txBody>
+      </p:sp>
+    </p:spTree>
+    <p:extLst>
+      <p:ext uri="{BB962C8B-B14F-4D97-AF65-F5344CB8AC3E}">
+        <p14:creationId xmlns:p14="http://schemas.microsoft.com/office/powerpoint/2010/main" val="1161000469"/>
+      </p:ext>
+    </p:extLst>
+  </p:cSld>
+  <p:clrMapOvr>
+    <a:masterClrMapping/>
+  </p:clrMapOvr>
+  <p:timing>
+    <p:tnLst>
+      <p:par>
+        <p:cTn id="1" dur="indefinite" restart="never" nodeType="tmRoot"/>
+      </p:par>
+    </p:tnLst>
+  </p:timing>
+</p:sld>
+</file>
+
+<file path=ppt/slides/slide6.xml><?xml version="1.0" encoding="utf-8"?>
+<p:sld xmlns:a="http://schemas.openxmlformats.org/drawingml/2006/main" xmlns:r="http://schemas.openxmlformats.org/officeDocument/2006/relationships" xmlns:p="http://schemas.openxmlformats.org/presentationml/2006/main">
+  <p:cSld>
+    <p:spTree>
+      <p:nvGrpSpPr>
+        <p:cNvPr id="1" name=""/>
+        <p:cNvGrpSpPr/>
+        <p:nvPr/>
+      </p:nvGrpSpPr>
+      <p:grpSpPr>
+        <a:xfrm>
+          <a:off x="0" y="0"/>
+          <a:ext cx="0" cy="0"/>
+          <a:chOff x="0" y="0"/>
+          <a:chExt cx="0" cy="0"/>
+        </a:xfrm>
+      </p:grpSpPr>
+      <p:sp>
+        <p:nvSpPr>
+          <p:cNvPr id="2" name="Title 1"/>
+          <p:cNvSpPr>
+            <a:spLocks noGrp="1"/>
+          </p:cNvSpPr>
+          <p:nvPr>
+            <p:ph type="title"/>
+          </p:nvPr>
+        </p:nvSpPr>
+        <p:spPr/>
+        <p:txBody>
+          <a:bodyPr/>
+          <a:lstStyle/>
+          <a:p>
+            <a:r>
+              <a:rPr lang="en-US" dirty="0" smtClean="0"/>
+              <a:t>Non-Functional Requirements</a:t>
+            </a:r>
+            <a:endParaRPr lang="en-US" dirty="0"/>
+          </a:p>
+        </p:txBody>
+      </p:sp>
+      <p:sp>
+        <p:nvSpPr>
+          <p:cNvPr id="3" name="Content Placeholder 2"/>
+          <p:cNvSpPr>
+            <a:spLocks noGrp="1"/>
+          </p:cNvSpPr>
+          <p:nvPr>
+            <p:ph idx="1"/>
+          </p:nvPr>
+        </p:nvSpPr>
+        <p:spPr/>
+        <p:txBody>
+          <a:bodyPr>
+            <a:normAutofit/>
+          </a:bodyPr>
+          <a:lstStyle/>
+          <a:p>
+            <a:r>
+              <a:rPr lang="en-US" sz="2000" i="1" dirty="0" smtClean="0"/>
+              <a:t>1.Performance: </a:t>
+            </a:r>
+            <a:r>
+              <a:rPr lang="en-US" sz="2000" dirty="0" smtClean="0"/>
+              <a:t>Low latency and fast response times to ensure smooth user experience. Scalability to accommodate a growing user base without degradation in performance.</a:t>
+            </a:r>
+          </a:p>
+          <a:p>
+            <a:r>
+              <a:rPr lang="en-US" sz="2000" i="1" dirty="0" smtClean="0"/>
+              <a:t>2.Security: </a:t>
+            </a:r>
+            <a:r>
+              <a:rPr lang="en-US" sz="2000" dirty="0" smtClean="0"/>
+              <a:t>Secure authentication and authorization mechanisms. Encryption of sensitive user data (e.g., login credentials, progress tracking information).</a:t>
+            </a:r>
+          </a:p>
+          <a:p>
+            <a:r>
+              <a:rPr lang="en-US" sz="2000" i="1" dirty="0" smtClean="0"/>
+              <a:t>3.Reliability: </a:t>
+            </a:r>
+            <a:r>
+              <a:rPr lang="en-US" sz="2000" dirty="0" smtClean="0"/>
+              <a:t>High availability and uptime to minimize service disruptions. Automated backup and recovery procedures to prevent data loss.</a:t>
+            </a:r>
+          </a:p>
+          <a:p>
+            <a:r>
+              <a:rPr lang="en-US" sz="2000" i="1" dirty="0" smtClean="0"/>
+              <a:t>4.Accessibility: </a:t>
+            </a:r>
+            <a:r>
+              <a:rPr lang="en-US" sz="2000" dirty="0" smtClean="0"/>
+              <a:t>Compliance with accessibility standards (e.g., WCAG) to ensure inclusivity for users with disabilities. Support for multiple languages and localization options.</a:t>
+            </a:r>
+            <a:endParaRPr lang="en-US" sz="2000" dirty="0"/>
+          </a:p>
+        </p:txBody>
+      </p:sp>
+    </p:spTree>
+    <p:extLst>
+      <p:ext uri="{BB962C8B-B14F-4D97-AF65-F5344CB8AC3E}">
+        <p14:creationId xmlns:p14="http://schemas.microsoft.com/office/powerpoint/2010/main" val="932808403"/>
+      </p:ext>
+    </p:extLst>
+  </p:cSld>
+  <p:clrMapOvr>
+    <a:masterClrMapping/>
+  </p:clrMapOvr>
+  <p:timing>
+    <p:tnLst>
+      <p:par>
+        <p:cTn id="1" dur="indefinite" restart="never" nodeType="tmRoot"/>
+      </p:par>
+    </p:tnLst>
+  </p:timing>
+</p:sld>
+</file>
+
+<file path=ppt/slides/slide7.xml><?xml version="1.0" encoding="utf-8"?>
+<p:sld xmlns:a="http://schemas.openxmlformats.org/drawingml/2006/main" xmlns:r="http://schemas.openxmlformats.org/officeDocument/2006/relationships" xmlns:p="http://schemas.openxmlformats.org/presentationml/2006/main">
+  <p:cSld>
+    <p:spTree>
+      <p:nvGrpSpPr>
+        <p:cNvPr id="1" name=""/>
+        <p:cNvGrpSpPr/>
+        <p:nvPr/>
+      </p:nvGrpSpPr>
+      <p:grpSpPr>
+        <a:xfrm>
+          <a:off x="0" y="0"/>
+          <a:ext cx="0" cy="0"/>
+          <a:chOff x="0" y="0"/>
+          <a:chExt cx="0" cy="0"/>
+        </a:xfrm>
+      </p:grpSpPr>
+      <p:sp>
+        <p:nvSpPr>
+          <p:cNvPr id="2" name="Title 1"/>
+          <p:cNvSpPr>
+            <a:spLocks noGrp="1"/>
+          </p:cNvSpPr>
+          <p:nvPr>
+            <p:ph type="title"/>
+          </p:nvPr>
+        </p:nvSpPr>
+        <p:spPr/>
+        <p:txBody>
+          <a:bodyPr/>
+          <a:lstStyle/>
+          <a:p>
+            <a:r>
+              <a:rPr lang="en-US" dirty="0" smtClean="0"/>
+              <a:t>Domain Requirements</a:t>
+            </a:r>
+            <a:endParaRPr lang="en-US" dirty="0"/>
+          </a:p>
+        </p:txBody>
+      </p:sp>
+      <p:sp>
+        <p:nvSpPr>
+          <p:cNvPr id="3" name="Content Placeholder 2"/>
+          <p:cNvSpPr>
+            <a:spLocks noGrp="1"/>
+          </p:cNvSpPr>
+          <p:nvPr>
+            <p:ph idx="1"/>
+          </p:nvPr>
+        </p:nvSpPr>
+        <p:spPr/>
+        <p:txBody>
+          <a:bodyPr>
+            <a:normAutofit/>
+          </a:bodyPr>
+          <a:lstStyle/>
+          <a:p>
+            <a:r>
+              <a:rPr lang="en-US" sz="2000" i="1" dirty="0" smtClean="0"/>
+              <a:t>1.Language Learning Pedagogy: </a:t>
+            </a:r>
+            <a:r>
+              <a:rPr lang="en-US" sz="2000" dirty="0" smtClean="0"/>
+              <a:t>Incorporation of evidence-based language learning methodologies and best practices. Alignment with proficiency standards and frameworks (e.g., CEFR, ACTFL). Collaboration with linguists and language education experts for content development and curriculum design.</a:t>
+            </a:r>
+          </a:p>
+          <a:p>
+            <a:r>
+              <a:rPr lang="en-US" sz="2000" i="1" dirty="0" smtClean="0"/>
+              <a:t>2.Technology Infrastructure: </a:t>
+            </a:r>
+            <a:r>
+              <a:rPr lang="en-US" sz="2000" dirty="0" smtClean="0"/>
+              <a:t>Utilization of cloud-based hosting services for scalability and reliability. Integration with third-party APIs for language processing and pronunciation analysis. Compatibility with modern web browsers and operating systems.</a:t>
+            </a:r>
+          </a:p>
+          <a:p>
+            <a:r>
+              <a:rPr lang="en-US" sz="2000" i="1" dirty="0" smtClean="0"/>
+              <a:t>3.Regulatory Compliance: </a:t>
+            </a:r>
+            <a:r>
+              <a:rPr lang="en-US" sz="2000" dirty="0" smtClean="0"/>
+              <a:t>Adherence to data protection regulations (e.g., GDPR, CCPA) for handling user data and privacy.</a:t>
+            </a:r>
+            <a:endParaRPr lang="en-US" sz="2000" dirty="0"/>
+          </a:p>
+        </p:txBody>
+      </p:sp>
+    </p:spTree>
+    <p:extLst>
+      <p:ext uri="{BB962C8B-B14F-4D97-AF65-F5344CB8AC3E}">
+        <p14:creationId xmlns:p14="http://schemas.microsoft.com/office/powerpoint/2010/main" val="4094097755"/>
+      </p:ext>
+    </p:extLst>
+  </p:cSld>
+  <p:clrMapOvr>
+    <a:masterClrMapping/>
+  </p:clrMapOvr>
+  <p:timing>
+    <p:tnLst>
+      <p:par>
+        <p:cTn id="1" dur="indefinite" restart="never" nodeType="tmRoot"/>
+      </p:par>
+    </p:tnLst>
+  </p:timing>
+</p:sld>
+</file>
+
+<file path=ppt/slides/slide8.xml><?xml version="1.0" encoding="utf-8"?>
+<p:sld xmlns:a="http://schemas.openxmlformats.org/drawingml/2006/main" xmlns:r="http://schemas.openxmlformats.org/officeDocument/2006/relationships" xmlns:p="http://schemas.openxmlformats.org/presentationml/2006/main">
+  <p:cSld>
+    <p:spTree>
+      <p:nvGrpSpPr>
+        <p:cNvPr id="1" name=""/>
+        <p:cNvGrpSpPr/>
+        <p:nvPr/>
+      </p:nvGrpSpPr>
+      <p:grpSpPr>
+        <a:xfrm>
+          <a:off x="0" y="0"/>
+          <a:ext cx="0" cy="0"/>
+          <a:chOff x="0" y="0"/>
+          <a:chExt cx="0" cy="0"/>
+        </a:xfrm>
+      </p:grpSpPr>
+      <p:sp>
+        <p:nvSpPr>
+          <p:cNvPr id="2" name="Title 1"/>
+          <p:cNvSpPr>
+            <a:spLocks noGrp="1"/>
+          </p:cNvSpPr>
+          <p:nvPr>
+            <p:ph type="title"/>
+          </p:nvPr>
+        </p:nvSpPr>
+        <p:spPr/>
+        <p:txBody>
+          <a:bodyPr/>
+          <a:lstStyle/>
+          <a:p>
+            <a:r>
+              <a:rPr lang="en-US" dirty="0"/>
+              <a:t>User Analysis</a:t>
+            </a:r>
+          </a:p>
+        </p:txBody>
+      </p:sp>
+      <p:sp>
+        <p:nvSpPr>
+          <p:cNvPr id="3" name="Content Placeholder 2"/>
+          <p:cNvSpPr>
+            <a:spLocks noGrp="1"/>
+          </p:cNvSpPr>
+          <p:nvPr>
+            <p:ph idx="1"/>
+          </p:nvPr>
+        </p:nvSpPr>
+        <p:spPr/>
+        <p:txBody>
+          <a:bodyPr>
+            <a:noAutofit/>
+          </a:bodyPr>
+          <a:lstStyle/>
+          <a:p>
+            <a:pPr marL="0" indent="0">
+              <a:buNone/>
+            </a:pPr>
+            <a:r>
+              <a:rPr lang="en-US" sz="2000" b="1" i="1" dirty="0"/>
+              <a:t>1.Language </a:t>
+            </a:r>
+            <a:r>
+              <a:rPr lang="en-US" sz="2000" b="1" i="1" dirty="0" smtClean="0"/>
+              <a:t>Learners:</a:t>
+            </a:r>
+          </a:p>
+          <a:p>
+            <a:r>
+              <a:rPr lang="en-US" sz="2000" i="1" dirty="0" smtClean="0"/>
+              <a:t>Demographics</a:t>
+            </a:r>
+            <a:r>
+              <a:rPr lang="en-US" sz="2000" i="1" dirty="0"/>
+              <a:t>: </a:t>
+            </a:r>
+            <a:r>
+              <a:rPr lang="en-US" sz="2000" dirty="0"/>
+              <a:t>Varied age groups, backgrounds, and proficiency </a:t>
+            </a:r>
+            <a:r>
+              <a:rPr lang="en-US" sz="2000" dirty="0" smtClean="0"/>
+              <a:t>levels.</a:t>
+            </a:r>
+          </a:p>
+          <a:p>
+            <a:r>
+              <a:rPr lang="en-US" sz="2000" i="1" dirty="0" smtClean="0"/>
+              <a:t>Needs</a:t>
+            </a:r>
+            <a:r>
+              <a:rPr lang="en-US" sz="2000" i="1" dirty="0"/>
+              <a:t>: </a:t>
+            </a:r>
+            <a:r>
+              <a:rPr lang="en-US" sz="2000" dirty="0"/>
+              <a:t>Desire to learn a new language or improve existing language </a:t>
+            </a:r>
+            <a:r>
+              <a:rPr lang="en-US" sz="2000" dirty="0" smtClean="0"/>
+              <a:t>skills.</a:t>
+            </a:r>
+          </a:p>
+          <a:p>
+            <a:r>
+              <a:rPr lang="en-US" sz="2000" i="1" dirty="0" smtClean="0"/>
+              <a:t>Goals</a:t>
+            </a:r>
+            <a:r>
+              <a:rPr lang="en-US" sz="2000" i="1" dirty="0"/>
+              <a:t>: </a:t>
+            </a:r>
+            <a:r>
+              <a:rPr lang="en-US" sz="2000" dirty="0"/>
+              <a:t>Achieving fluency and confidence in speaking, listening, reading, and </a:t>
+            </a:r>
+            <a:r>
+              <a:rPr lang="en-US" sz="2000" dirty="0" smtClean="0"/>
+              <a:t>writing.</a:t>
+            </a:r>
+          </a:p>
+          <a:p>
+            <a:r>
+              <a:rPr lang="en-US" sz="2000" i="1" dirty="0" smtClean="0"/>
+              <a:t>Preferences</a:t>
+            </a:r>
+            <a:r>
+              <a:rPr lang="en-US" sz="2000" i="1" dirty="0"/>
+              <a:t>: </a:t>
+            </a:r>
+            <a:r>
+              <a:rPr lang="en-US" sz="2000" dirty="0"/>
+              <a:t>Prefer interactive and engaging learning experiences; value flexibility and personalization in learning paths</a:t>
+            </a:r>
+            <a:r>
+              <a:rPr lang="en-US" sz="2000" dirty="0" smtClean="0"/>
+              <a:t>.</a:t>
+            </a:r>
+          </a:p>
+        </p:txBody>
+      </p:sp>
+    </p:spTree>
+    <p:extLst>
+      <p:ext uri="{BB962C8B-B14F-4D97-AF65-F5344CB8AC3E}">
+        <p14:creationId xmlns:p14="http://schemas.microsoft.com/office/powerpoint/2010/main" val="544615993"/>
+      </p:ext>
+    </p:extLst>
+  </p:cSld>
+  <p:clrMapOvr>
+    <a:masterClrMapping/>
+  </p:clrMapOvr>
+</p:sld>
+</file>
+
+<file path=ppt/slides/slide9.xml><?xml version="1.0" encoding="utf-8"?>
+<p:sld xmlns:a="http://schemas.openxmlformats.org/drawingml/2006/main" xmlns:r="http://schemas.openxmlformats.org/officeDocument/2006/relationships" xmlns:p="http://schemas.openxmlformats.org/presentationml/2006/main">
+  <p:cSld>
+    <p:spTree>
+      <p:nvGrpSpPr>
+        <p:cNvPr id="1" name=""/>
+        <p:cNvGrpSpPr/>
+        <p:nvPr/>
+      </p:nvGrpSpPr>
+      <p:grpSpPr>
+        <a:xfrm>
+          <a:off x="0" y="0"/>
+          <a:ext cx="0" cy="0"/>
+          <a:chOff x="0" y="0"/>
+          <a:chExt cx="0" cy="0"/>
+        </a:xfrm>
+      </p:grpSpPr>
+      <p:sp>
+        <p:nvSpPr>
+          <p:cNvPr id="2" name="Title 1"/>
+          <p:cNvSpPr>
+            <a:spLocks noGrp="1"/>
+          </p:cNvSpPr>
+          <p:nvPr>
+            <p:ph type="title"/>
+          </p:nvPr>
+        </p:nvSpPr>
+        <p:spPr/>
+        <p:txBody>
+          <a:bodyPr/>
+          <a:lstStyle/>
+          <a:p>
+            <a:r>
+              <a:rPr lang="en-US" dirty="0" err="1" smtClean="0"/>
+              <a:t>Cont</a:t>
+            </a:r>
+            <a:r>
+              <a:rPr lang="en-US" dirty="0" smtClean="0"/>
+              <a:t>…</a:t>
+            </a:r>
+            <a:endParaRPr lang="en-US" dirty="0"/>
+          </a:p>
+        </p:txBody>
+      </p:sp>
+      <p:sp>
+        <p:nvSpPr>
+          <p:cNvPr id="3" name="Content Placeholder 2"/>
+          <p:cNvSpPr>
+            <a:spLocks noGrp="1"/>
+          </p:cNvSpPr>
+          <p:nvPr>
+            <p:ph idx="1"/>
+          </p:nvPr>
+        </p:nvSpPr>
+        <p:spPr/>
+        <p:txBody>
+          <a:bodyPr>
+            <a:normAutofit/>
+          </a:bodyPr>
+          <a:lstStyle/>
+          <a:p>
+            <a:r>
+              <a:rPr lang="en-US" sz="2000" b="1" i="1" dirty="0"/>
+              <a:t>2.Educators/Tutors:</a:t>
+            </a:r>
+          </a:p>
+          <a:p>
+            <a:r>
+              <a:rPr lang="en-US" sz="2000" i="1" dirty="0"/>
+              <a:t>Demographics: </a:t>
+            </a:r>
+            <a:r>
+              <a:rPr lang="en-US" sz="2000" dirty="0"/>
+              <a:t>Language teachers, tutors, or language enthusiasts.</a:t>
+            </a:r>
+          </a:p>
+          <a:p>
+            <a:r>
+              <a:rPr lang="en-US" sz="2000" i="1" dirty="0"/>
+              <a:t>Needs: </a:t>
+            </a:r>
+            <a:r>
+              <a:rPr lang="en-US" sz="2000" dirty="0"/>
+              <a:t>Access to effective teaching resources and tools to support students' language learning journey.</a:t>
+            </a:r>
+          </a:p>
+          <a:p>
+            <a:r>
+              <a:rPr lang="en-US" sz="2000" i="1" dirty="0"/>
+              <a:t>Goals: </a:t>
+            </a:r>
+            <a:r>
+              <a:rPr lang="en-US" sz="2000" dirty="0"/>
+              <a:t>Enhancing students' language proficiency; providing engaging and comprehensive learning materials.</a:t>
+            </a:r>
+          </a:p>
+          <a:p>
+            <a:r>
+              <a:rPr lang="en-US" sz="2000" i="1" dirty="0"/>
+              <a:t>Preferences: </a:t>
+            </a:r>
+            <a:r>
+              <a:rPr lang="en-US" sz="2000" dirty="0"/>
+              <a:t>User-friendly platforms with customizable content creation features; tools for progress monitoring and assessment.</a:t>
+            </a:r>
+          </a:p>
+          <a:p>
+            <a:endParaRPr lang="en-US" dirty="0"/>
+          </a:p>
+        </p:txBody>
+      </p:sp>
+    </p:spTree>
+    <p:extLst>
+      <p:ext uri="{BB962C8B-B14F-4D97-AF65-F5344CB8AC3E}">
+        <p14:creationId xmlns:p14="http://schemas.microsoft.com/office/powerpoint/2010/main" val="3486360435"/>
       </p:ext>
     </p:extLst>
   </p:cSld>

--- a/Presentation1.pptx
+++ b/Presentation1.pptx
@@ -17,9 +17,11 @@
     <p:sldId id="266" r:id="rId11"/>
     <p:sldId id="267" r:id="rId12"/>
     <p:sldId id="268" r:id="rId13"/>
-    <p:sldId id="262" r:id="rId14"/>
-    <p:sldId id="264" r:id="rId15"/>
-    <p:sldId id="265" r:id="rId16"/>
+    <p:sldId id="272" r:id="rId14"/>
+    <p:sldId id="273" r:id="rId15"/>
+    <p:sldId id="262" r:id="rId16"/>
+    <p:sldId id="264" r:id="rId17"/>
+    <p:sldId id="265" r:id="rId18"/>
   </p:sldIdLst>
   <p:sldSz cx="9144000" cy="6858000" type="screen4x3"/>
   <p:notesSz cx="6858000" cy="9144000"/>
@@ -3337,7 +3339,7 @@
           <a:lstStyle/>
           <a:p>
             <a:r>
-              <a:rPr lang="en-US" dirty="0" err="1" smtClean="0"/>
+              <a:rPr lang="en-US" dirty="0" smtClean="0"/>
               <a:t>Cont</a:t>
             </a:r>
             <a:r>
@@ -3610,6 +3612,317 @@
 </file>
 
 <file path=ppt/slides/slide13.xml><?xml version="1.0" encoding="utf-8"?>
+<p:sld xmlns:a="http://schemas.openxmlformats.org/drawingml/2006/main" xmlns:r="http://schemas.openxmlformats.org/officeDocument/2006/relationships" xmlns:p="http://schemas.openxmlformats.org/presentationml/2006/main">
+  <p:cSld>
+    <p:spTree>
+      <p:nvGrpSpPr>
+        <p:cNvPr id="1" name=""/>
+        <p:cNvGrpSpPr/>
+        <p:nvPr/>
+      </p:nvGrpSpPr>
+      <p:grpSpPr>
+        <a:xfrm>
+          <a:off x="0" y="0"/>
+          <a:ext cx="0" cy="0"/>
+          <a:chOff x="0" y="0"/>
+          <a:chExt cx="0" cy="0"/>
+        </a:xfrm>
+      </p:grpSpPr>
+      <p:sp>
+        <p:nvSpPr>
+          <p:cNvPr id="2" name="Title 1"/>
+          <p:cNvSpPr>
+            <a:spLocks noGrp="1"/>
+          </p:cNvSpPr>
+          <p:nvPr>
+            <p:ph type="title"/>
+          </p:nvPr>
+        </p:nvSpPr>
+        <p:spPr/>
+        <p:txBody>
+          <a:bodyPr/>
+          <a:lstStyle/>
+          <a:p>
+            <a:r>
+              <a:rPr lang="en-US" dirty="0" smtClean="0"/>
+              <a:t>Scenario</a:t>
+            </a:r>
+            <a:endParaRPr lang="en-US" dirty="0"/>
+          </a:p>
+        </p:txBody>
+      </p:sp>
+      <p:sp>
+        <p:nvSpPr>
+          <p:cNvPr id="3" name="Content Placeholder 2"/>
+          <p:cNvSpPr>
+            <a:spLocks noGrp="1"/>
+          </p:cNvSpPr>
+          <p:nvPr>
+            <p:ph idx="1"/>
+          </p:nvPr>
+        </p:nvSpPr>
+        <p:spPr/>
+        <p:txBody>
+          <a:bodyPr>
+            <a:noAutofit/>
+          </a:bodyPr>
+          <a:lstStyle/>
+          <a:p>
+            <a:r>
+              <a:rPr lang="en-US" sz="1800" dirty="0"/>
+              <a:t>Sheillah</a:t>
+            </a:r>
+            <a:r>
+              <a:rPr lang="en-US" sz="1800" dirty="0"/>
+              <a:t>, a busy professional, seeks to learn Mandarin Chinese for career growth. Finding our platform, she appreciates its flexibility. With daily dedication, she progresses through structured lessons. Empowered by newfound skills, she subscribes to premium membership, excited for future </a:t>
+            </a:r>
+            <a:r>
+              <a:rPr lang="en-US" sz="1800" dirty="0" smtClean="0"/>
+              <a:t>opportunities.</a:t>
+            </a:r>
+          </a:p>
+          <a:p>
+            <a:r>
+              <a:rPr lang="en-US" sz="1800" i="1" dirty="0"/>
+              <a:t>Sign Up: </a:t>
+            </a:r>
+            <a:r>
+              <a:rPr lang="en-US" sz="1800" dirty="0"/>
+              <a:t>Sheillah</a:t>
+            </a:r>
+            <a:r>
+              <a:rPr lang="en-US" sz="1800" dirty="0"/>
+              <a:t> creates an account on our platform, providing basic information</a:t>
+            </a:r>
+            <a:r>
+              <a:rPr lang="en-US" sz="1800" dirty="0" smtClean="0"/>
+              <a:t>.</a:t>
+            </a:r>
+          </a:p>
+          <a:p>
+            <a:r>
+              <a:rPr lang="en-US" sz="1800" dirty="0" smtClean="0"/>
+              <a:t>Assessment </a:t>
+            </a:r>
+            <a:r>
+              <a:rPr lang="en-US" sz="1800" dirty="0"/>
+              <a:t>Test: She takes an assessment test to determine her current English proficiency level</a:t>
+            </a:r>
+            <a:r>
+              <a:rPr lang="en-US" sz="1800" dirty="0" smtClean="0"/>
+              <a:t>.</a:t>
+            </a:r>
+          </a:p>
+          <a:p>
+            <a:r>
+              <a:rPr lang="en-US" sz="1800" i="1" dirty="0" smtClean="0"/>
+              <a:t>Set </a:t>
+            </a:r>
+            <a:r>
+              <a:rPr lang="en-US" sz="1800" i="1" dirty="0"/>
+              <a:t>Goals: </a:t>
+            </a:r>
+            <a:r>
+              <a:rPr lang="en-US" sz="1800" dirty="0"/>
+              <a:t>Sheillah</a:t>
+            </a:r>
+            <a:r>
+              <a:rPr lang="en-US" sz="1800" dirty="0"/>
+              <a:t> sets specific goals for her English learning journey, such as improving speaking skills for job interviews or enhancing writing skills for professional emails</a:t>
+            </a:r>
+            <a:r>
+              <a:rPr lang="en-US" sz="1800" dirty="0" smtClean="0"/>
+              <a:t>.</a:t>
+            </a:r>
+          </a:p>
+          <a:p>
+            <a:r>
+              <a:rPr lang="en-US" sz="1800" i="1" dirty="0" smtClean="0"/>
+              <a:t>Choose </a:t>
+            </a:r>
+            <a:r>
+              <a:rPr lang="en-US" sz="1800" i="1" dirty="0"/>
+              <a:t>Learning Path: </a:t>
+            </a:r>
+            <a:r>
+              <a:rPr lang="en-US" sz="1800" dirty="0"/>
+              <a:t>Based on her assessment results and goals, </a:t>
+            </a:r>
+            <a:r>
+              <a:rPr lang="en-US" sz="1800" dirty="0"/>
+              <a:t>Sheillah</a:t>
+            </a:r>
+            <a:r>
+              <a:rPr lang="en-US" sz="1800" dirty="0"/>
+              <a:t> selects a learning path tailored to her needs, whether beginner, intermediate, or advanced</a:t>
+            </a:r>
+            <a:r>
+              <a:rPr lang="en-US" sz="1800" dirty="0" smtClean="0"/>
+              <a:t>.</a:t>
+            </a:r>
+          </a:p>
+        </p:txBody>
+      </p:sp>
+    </p:spTree>
+    <p:extLst>
+      <p:ext uri="{BB962C8B-B14F-4D97-AF65-F5344CB8AC3E}">
+        <p14:creationId xmlns:p14="http://schemas.microsoft.com/office/powerpoint/2010/main" val="3218603698"/>
+      </p:ext>
+    </p:extLst>
+  </p:cSld>
+  <p:clrMapOvr>
+    <a:masterClrMapping/>
+  </p:clrMapOvr>
+</p:sld>
+</file>
+
+<file path=ppt/slides/slide14.xml><?xml version="1.0" encoding="utf-8"?>
+<p:sld xmlns:a="http://schemas.openxmlformats.org/drawingml/2006/main" xmlns:r="http://schemas.openxmlformats.org/officeDocument/2006/relationships" xmlns:p="http://schemas.openxmlformats.org/presentationml/2006/main">
+  <p:cSld>
+    <p:spTree>
+      <p:nvGrpSpPr>
+        <p:cNvPr id="1" name=""/>
+        <p:cNvGrpSpPr/>
+        <p:nvPr/>
+      </p:nvGrpSpPr>
+      <p:grpSpPr>
+        <a:xfrm>
+          <a:off x="0" y="0"/>
+          <a:ext cx="0" cy="0"/>
+          <a:chOff x="0" y="0"/>
+          <a:chExt cx="0" cy="0"/>
+        </a:xfrm>
+      </p:grpSpPr>
+      <p:sp>
+        <p:nvSpPr>
+          <p:cNvPr id="2" name="Title 1"/>
+          <p:cNvSpPr>
+            <a:spLocks noGrp="1"/>
+          </p:cNvSpPr>
+          <p:nvPr>
+            <p:ph type="title"/>
+          </p:nvPr>
+        </p:nvSpPr>
+        <p:spPr/>
+        <p:txBody>
+          <a:bodyPr/>
+          <a:lstStyle/>
+          <a:p>
+            <a:r>
+              <a:rPr lang="en-US" dirty="0" smtClean="0"/>
+              <a:t>Cont</a:t>
+            </a:r>
+            <a:r>
+              <a:rPr lang="en-US" dirty="0" smtClean="0"/>
+              <a:t>…</a:t>
+            </a:r>
+            <a:endParaRPr lang="en-US" dirty="0"/>
+          </a:p>
+        </p:txBody>
+      </p:sp>
+      <p:sp>
+        <p:nvSpPr>
+          <p:cNvPr id="3" name="Content Placeholder 2"/>
+          <p:cNvSpPr>
+            <a:spLocks noGrp="1"/>
+          </p:cNvSpPr>
+          <p:nvPr>
+            <p:ph idx="1"/>
+          </p:nvPr>
+        </p:nvSpPr>
+        <p:spPr/>
+        <p:txBody>
+          <a:bodyPr>
+            <a:normAutofit/>
+          </a:bodyPr>
+          <a:lstStyle/>
+          <a:p>
+            <a:r>
+              <a:rPr lang="en-US" sz="1800" i="1" dirty="0"/>
+              <a:t>Engage in Lessons: She begins engaging in interactive lessons covering grammar, vocabulary, listening, speaking, and writing skills.</a:t>
+            </a:r>
+          </a:p>
+          <a:p>
+            <a:r>
+              <a:rPr lang="en-US" sz="1800" i="1" dirty="0" smtClean="0"/>
+              <a:t>Practice Speaking: </a:t>
+            </a:r>
+            <a:r>
+              <a:rPr lang="en-US" sz="1800" dirty="0" smtClean="0"/>
+              <a:t>She practices speaking by recording herself and comparing it with native speakers. She also participates in speaking exercises and conversations with virtual tutors or language partners.</a:t>
+            </a:r>
+          </a:p>
+          <a:p>
+            <a:r>
+              <a:rPr lang="en-US" sz="1800" i="1" dirty="0" smtClean="0"/>
+              <a:t>Enhance </a:t>
+            </a:r>
+            <a:r>
+              <a:rPr lang="en-US" sz="1800" i="1" dirty="0"/>
+              <a:t>Listening Skills: </a:t>
+            </a:r>
+            <a:r>
+              <a:rPr lang="en-US" sz="1800" dirty="0"/>
+              <a:t>She improves her listening skills by listening to audio recordings, podcasts, and watching videos with subtitles.</a:t>
+            </a:r>
+          </a:p>
+          <a:p>
+            <a:r>
+              <a:rPr lang="en-US" sz="1800" i="1" dirty="0"/>
+              <a:t>Strengthen Writing Skills: </a:t>
+            </a:r>
+            <a:r>
+              <a:rPr lang="en-US" sz="1800" dirty="0"/>
+              <a:t>She works on her writing skills by completing exercises, writing essays, and receiving feedback from instructors or through automated tools.</a:t>
+            </a:r>
+          </a:p>
+          <a:p>
+            <a:r>
+              <a:rPr lang="en-US" sz="1800" i="1" dirty="0"/>
+              <a:t>Utilize Supplementary Resources: </a:t>
+            </a:r>
+            <a:r>
+              <a:rPr lang="en-US" sz="1800" dirty="0"/>
+              <a:t>She takes advantage of additional resources such as grammar guides, vocabulary lists, quizzes, and interactive games to reinforce learning.</a:t>
+            </a:r>
+          </a:p>
+          <a:p>
+            <a:r>
+              <a:rPr lang="en-US" sz="1800" i="1" dirty="0"/>
+              <a:t>Track Progress:</a:t>
+            </a:r>
+            <a:r>
+              <a:rPr lang="en-US" sz="1800" dirty="0"/>
+              <a:t> </a:t>
+            </a:r>
+            <a:r>
+              <a:rPr lang="en-US" sz="1800" dirty="0"/>
+              <a:t>Sheillah</a:t>
+            </a:r>
+            <a:r>
+              <a:rPr lang="en-US" sz="1800" dirty="0"/>
+              <a:t> regularly tracks her progress through quizzes, assignments, and assessments, adjusting her learning strategy.</a:t>
+            </a:r>
+          </a:p>
+          <a:p>
+            <a:endParaRPr lang="en-US" sz="2000" dirty="0"/>
+          </a:p>
+        </p:txBody>
+      </p:sp>
+    </p:spTree>
+    <p:extLst>
+      <p:ext uri="{BB962C8B-B14F-4D97-AF65-F5344CB8AC3E}">
+        <p14:creationId xmlns:p14="http://schemas.microsoft.com/office/powerpoint/2010/main" val="1826481828"/>
+      </p:ext>
+    </p:extLst>
+  </p:cSld>
+  <p:clrMapOvr>
+    <a:masterClrMapping/>
+  </p:clrMapOvr>
+</p:sld>
+</file>
+
+<file path=ppt/slides/slide15.xml><?xml version="1.0" encoding="utf-8"?>
 <p:sld xmlns:a="http://schemas.openxmlformats.org/drawingml/2006/main" xmlns:r="http://schemas.openxmlformats.org/officeDocument/2006/relationships" xmlns:p="http://schemas.openxmlformats.org/presentationml/2006/main">
   <p:cSld>
     <p:spTree>
@@ -3728,7 +4041,7 @@
 </p:sld>
 </file>
 
-<file path=ppt/slides/slide14.xml><?xml version="1.0" encoding="utf-8"?>
+<file path=ppt/slides/slide16.xml><?xml version="1.0" encoding="utf-8"?>
 <p:sld xmlns:a="http://schemas.openxmlformats.org/drawingml/2006/main" xmlns:r="http://schemas.openxmlformats.org/officeDocument/2006/relationships" xmlns:p="http://schemas.openxmlformats.org/presentationml/2006/main">
   <p:cSld>
     <p:spTree>
@@ -3847,7 +4160,7 @@
 </p:sld>
 </file>
 
-<file path=ppt/slides/slide15.xml><?xml version="1.0" encoding="utf-8"?>
+<file path=ppt/slides/slide17.xml><?xml version="1.0" encoding="utf-8"?>
 <p:sld xmlns:a="http://schemas.openxmlformats.org/drawingml/2006/main" xmlns:r="http://schemas.openxmlformats.org/officeDocument/2006/relationships" xmlns:p="http://schemas.openxmlformats.org/presentationml/2006/main">
   <p:cSld>
     <p:spTree>
@@ -4326,7 +4639,7 @@
           <a:lstStyle/>
           <a:p>
             <a:r>
-              <a:rPr lang="en-US" dirty="0" err="1" smtClean="0"/>
+              <a:rPr lang="en-US" dirty="0" smtClean="0"/>
               <a:t>Cont</a:t>
             </a:r>
             <a:r>
@@ -4820,7 +5133,7 @@
           <a:lstStyle/>
           <a:p>
             <a:r>
-              <a:rPr lang="en-US" dirty="0" err="1" smtClean="0"/>
+              <a:rPr lang="en-US" dirty="0" smtClean="0"/>
               <a:t>Cont</a:t>
             </a:r>
             <a:r>

--- a/Presentation1.pptx
+++ b/Presentation1.pptx
@@ -19,8 +19,8 @@
     <p:sldId id="268" r:id="rId13"/>
     <p:sldId id="272" r:id="rId14"/>
     <p:sldId id="273" r:id="rId15"/>
-    <p:sldId id="262" r:id="rId16"/>
-    <p:sldId id="264" r:id="rId17"/>
+    <p:sldId id="264" r:id="rId16"/>
+    <p:sldId id="262" r:id="rId17"/>
     <p:sldId id="265" r:id="rId18"/>
   </p:sldIdLst>
   <p:sldSz cx="9144000" cy="6858000" type="screen4x3"/>
@@ -3340,11 +3340,7 @@
           <a:p>
             <a:r>
               <a:rPr lang="en-US" dirty="0" smtClean="0"/>
-              <a:t>Cont</a:t>
-            </a:r>
-            <a:r>
-              <a:rPr lang="en-US" dirty="0" smtClean="0"/>
-              <a:t>…</a:t>
+              <a:t>Cont…</a:t>
             </a:r>
             <a:endParaRPr lang="en-US" dirty="0"/>
           </a:p>
@@ -3670,11 +3666,23 @@
           <a:p>
             <a:r>
               <a:rPr lang="en-US" sz="1800" dirty="0"/>
-              <a:t>Sheillah</a:t>
+              <a:t>Sheillah, a busy professional, seeks to learn </a:t>
             </a:r>
             <a:r>
               <a:rPr lang="en-US" sz="1800" dirty="0"/>
-              <a:t>, a busy professional, seeks to learn Mandarin Chinese for career growth. Finding our platform, she appreciates its flexibility. With daily dedication, she progresses through structured lessons. Empowered by newfound skills, she subscribes to premium membership, excited for future </a:t>
+              <a:t> </a:t>
+            </a:r>
+            <a:r>
+              <a:rPr lang="en-US" sz="1800" dirty="0" smtClean="0"/>
+              <a:t>English language</a:t>
+            </a:r>
+            <a:r>
+              <a:rPr lang="en-US" sz="1800" dirty="0" smtClean="0"/>
+              <a:t> </a:t>
+            </a:r>
+            <a:r>
+              <a:rPr lang="en-US" sz="1800" dirty="0"/>
+              <a:t>for career growth. Finding our platform, she appreciates its flexibility. With daily dedication, she progresses through structured lessons. Empowered by newfound skills, she subscribes to premium membership, excited for future </a:t>
             </a:r>
             <a:r>
               <a:rPr lang="en-US" sz="1800" dirty="0" smtClean="0"/>
@@ -3688,11 +3696,7 @@
             </a:r>
             <a:r>
               <a:rPr lang="en-US" sz="1800" dirty="0"/>
-              <a:t>Sheillah</a:t>
-            </a:r>
-            <a:r>
-              <a:rPr lang="en-US" sz="1800" dirty="0"/>
-              <a:t> creates an account on our platform, providing basic information</a:t>
+              <a:t>Sheillah creates an account on our platform, providing basic information</a:t>
             </a:r>
             <a:r>
               <a:rPr lang="en-US" sz="1800" dirty="0" smtClean="0"/>
@@ -3724,11 +3728,7 @@
             </a:r>
             <a:r>
               <a:rPr lang="en-US" sz="1800" dirty="0"/>
-              <a:t>Sheillah</a:t>
-            </a:r>
-            <a:r>
-              <a:rPr lang="en-US" sz="1800" dirty="0"/>
-              <a:t> sets specific goals for her English learning journey, such as improving speaking skills for job interviews or enhancing writing skills for professional emails</a:t>
+              <a:t>Sheillah sets specific goals for her English learning journey, such as improving speaking skills for job interviews or enhancing writing skills for professional emails</a:t>
             </a:r>
             <a:r>
               <a:rPr lang="en-US" sz="1800" dirty="0" smtClean="0"/>
@@ -3746,15 +3746,7 @@
             </a:r>
             <a:r>
               <a:rPr lang="en-US" sz="1800" dirty="0"/>
-              <a:t>Based on her assessment results and goals, </a:t>
-            </a:r>
-            <a:r>
-              <a:rPr lang="en-US" sz="1800" dirty="0"/>
-              <a:t>Sheillah</a:t>
-            </a:r>
-            <a:r>
-              <a:rPr lang="en-US" sz="1800" dirty="0"/>
-              <a:t> selects a learning path tailored to her needs, whether beginner, intermediate, or advanced</a:t>
+              <a:t>Based on her assessment results and goals, Sheillah selects a learning path tailored to her needs, whether beginner, intermediate, or advanced</a:t>
             </a:r>
             <a:r>
               <a:rPr lang="en-US" sz="1800" dirty="0" smtClean="0"/>
@@ -3810,11 +3802,7 @@
           <a:p>
             <a:r>
               <a:rPr lang="en-US" dirty="0" smtClean="0"/>
-              <a:t>Cont</a:t>
-            </a:r>
-            <a:r>
-              <a:rPr lang="en-US" dirty="0" smtClean="0"/>
-              <a:t>…</a:t>
+              <a:t>Cont…</a:t>
             </a:r>
             <a:endParaRPr lang="en-US" dirty="0"/>
           </a:p>
@@ -3893,15 +3881,7 @@
             </a:r>
             <a:r>
               <a:rPr lang="en-US" sz="1800" dirty="0"/>
-              <a:t> </a:t>
-            </a:r>
-            <a:r>
-              <a:rPr lang="en-US" sz="1800" dirty="0"/>
-              <a:t>Sheillah</a:t>
-            </a:r>
-            <a:r>
-              <a:rPr lang="en-US" sz="1800" dirty="0"/>
-              <a:t> regularly tracks her progress through quizzes, assignments, and assessments, adjusting her learning strategy.</a:t>
+              <a:t> Sheillah regularly tracks her progress through quizzes, assignments, and assessments, adjusting her learning strategy.</a:t>
             </a:r>
           </a:p>
           <a:p>
@@ -3923,6 +3903,125 @@
 </file>
 
 <file path=ppt/slides/slide15.xml><?xml version="1.0" encoding="utf-8"?>
+<p:sld xmlns:a="http://schemas.openxmlformats.org/drawingml/2006/main" xmlns:r="http://schemas.openxmlformats.org/officeDocument/2006/relationships" xmlns:p="http://schemas.openxmlformats.org/presentationml/2006/main">
+  <p:cSld>
+    <p:spTree>
+      <p:nvGrpSpPr>
+        <p:cNvPr id="1" name=""/>
+        <p:cNvGrpSpPr/>
+        <p:nvPr/>
+      </p:nvGrpSpPr>
+      <p:grpSpPr>
+        <a:xfrm>
+          <a:off x="0" y="0"/>
+          <a:ext cx="0" cy="0"/>
+          <a:chOff x="0" y="0"/>
+          <a:chExt cx="0" cy="0"/>
+        </a:xfrm>
+      </p:grpSpPr>
+      <p:sp>
+        <p:nvSpPr>
+          <p:cNvPr id="2" name="Title 1"/>
+          <p:cNvSpPr>
+            <a:spLocks noGrp="1"/>
+          </p:cNvSpPr>
+          <p:nvPr>
+            <p:ph type="title"/>
+          </p:nvPr>
+        </p:nvSpPr>
+        <p:spPr/>
+        <p:txBody>
+          <a:bodyPr/>
+          <a:lstStyle/>
+          <a:p>
+            <a:r>
+              <a:rPr lang="en-US" dirty="0" smtClean="0"/>
+              <a:t>Activity diagram</a:t>
+            </a:r>
+            <a:endParaRPr lang="en-US" dirty="0"/>
+          </a:p>
+        </p:txBody>
+      </p:sp>
+      <p:pic>
+        <p:nvPicPr>
+          <p:cNvPr id="2050" name="Picture 2"/>
+          <p:cNvPicPr>
+            <a:picLocks noGrp="1" noChangeAspect="1" noChangeArrowheads="1"/>
+          </p:cNvPicPr>
+          <p:nvPr>
+            <p:ph idx="1"/>
+          </p:nvPr>
+        </p:nvPicPr>
+        <p:blipFill>
+          <a:blip r:embed="rId2">
+            <a:extLst>
+              <a:ext uri="{28A0092B-C50C-407E-A947-70E740481C1C}">
+                <a14:useLocalDpi xmlns:a14="http://schemas.microsoft.com/office/drawing/2010/main" val="0"/>
+              </a:ext>
+            </a:extLst>
+          </a:blip>
+          <a:srcRect/>
+          <a:stretch>
+            <a:fillRect/>
+          </a:stretch>
+        </p:blipFill>
+        <p:spPr bwMode="auto">
+          <a:xfrm>
+            <a:off x="2800350" y="1858169"/>
+            <a:ext cx="3543300" cy="4010025"/>
+          </a:xfrm>
+          <a:prstGeom prst="rect">
+            <a:avLst/>
+          </a:prstGeom>
+          <a:noFill/>
+          <a:ln>
+            <a:noFill/>
+          </a:ln>
+          <a:effectLst/>
+          <a:extLst>
+            <a:ext uri="{909E8E84-426E-40DD-AFC4-6F175D3DCCD1}">
+              <a14:hiddenFill xmlns:a14="http://schemas.microsoft.com/office/drawing/2010/main">
+                <a:solidFill>
+                  <a:schemeClr val="accent1"/>
+                </a:solidFill>
+              </a14:hiddenFill>
+            </a:ext>
+            <a:ext uri="{91240B29-F687-4F45-9708-019B960494DF}">
+              <a14:hiddenLine xmlns:a14="http://schemas.microsoft.com/office/drawing/2010/main" w="9525">
+                <a:solidFill>
+                  <a:schemeClr val="tx1"/>
+                </a:solidFill>
+                <a:miter lim="800000"/>
+                <a:headEnd/>
+                <a:tailEnd/>
+              </a14:hiddenLine>
+            </a:ext>
+            <a:ext uri="{AF507438-7753-43E0-B8FC-AC1667EBCBE1}">
+              <a14:hiddenEffects xmlns:a14="http://schemas.microsoft.com/office/drawing/2010/main">
+                <a:effectLst>
+                  <a:outerShdw dist="35921" dir="2700000" algn="ctr" rotWithShape="0">
+                    <a:schemeClr val="bg2"/>
+                  </a:outerShdw>
+                </a:effectLst>
+              </a14:hiddenEffects>
+            </a:ext>
+          </a:extLst>
+        </p:spPr>
+      </p:pic>
+    </p:spTree>
+    <p:extLst>
+      <p:ext uri="{BB962C8B-B14F-4D97-AF65-F5344CB8AC3E}">
+        <p14:creationId xmlns:p14="http://schemas.microsoft.com/office/powerpoint/2010/main" val="1637448458"/>
+      </p:ext>
+    </p:extLst>
+  </p:cSld>
+  <p:clrMapOvr>
+    <a:masterClrMapping/>
+  </p:clrMapOvr>
+</p:sld>
+</file>
+
+<file path=ppt/slides/slide16.xml><?xml version="1.0" encoding="utf-8"?>
 <p:sld xmlns:a="http://schemas.openxmlformats.org/drawingml/2006/main" xmlns:r="http://schemas.openxmlformats.org/officeDocument/2006/relationships" xmlns:p="http://schemas.openxmlformats.org/presentationml/2006/main">
   <p:cSld>
     <p:spTree>
@@ -4032,125 +4131,6 @@
     <p:extLst>
       <p:ext uri="{BB962C8B-B14F-4D97-AF65-F5344CB8AC3E}">
         <p14:creationId xmlns:p14="http://schemas.microsoft.com/office/powerpoint/2010/main" val="1130854272"/>
-      </p:ext>
-    </p:extLst>
-  </p:cSld>
-  <p:clrMapOvr>
-    <a:masterClrMapping/>
-  </p:clrMapOvr>
-</p:sld>
-</file>
-
-<file path=ppt/slides/slide16.xml><?xml version="1.0" encoding="utf-8"?>
-<p:sld xmlns:a="http://schemas.openxmlformats.org/drawingml/2006/main" xmlns:r="http://schemas.openxmlformats.org/officeDocument/2006/relationships" xmlns:p="http://schemas.openxmlformats.org/presentationml/2006/main">
-  <p:cSld>
-    <p:spTree>
-      <p:nvGrpSpPr>
-        <p:cNvPr id="1" name=""/>
-        <p:cNvGrpSpPr/>
-        <p:nvPr/>
-      </p:nvGrpSpPr>
-      <p:grpSpPr>
-        <a:xfrm>
-          <a:off x="0" y="0"/>
-          <a:ext cx="0" cy="0"/>
-          <a:chOff x="0" y="0"/>
-          <a:chExt cx="0" cy="0"/>
-        </a:xfrm>
-      </p:grpSpPr>
-      <p:sp>
-        <p:nvSpPr>
-          <p:cNvPr id="2" name="Title 1"/>
-          <p:cNvSpPr>
-            <a:spLocks noGrp="1"/>
-          </p:cNvSpPr>
-          <p:nvPr>
-            <p:ph type="title"/>
-          </p:nvPr>
-        </p:nvSpPr>
-        <p:spPr/>
-        <p:txBody>
-          <a:bodyPr/>
-          <a:lstStyle/>
-          <a:p>
-            <a:r>
-              <a:rPr lang="en-US" dirty="0" smtClean="0"/>
-              <a:t>Activity diagram</a:t>
-            </a:r>
-            <a:endParaRPr lang="en-US" dirty="0"/>
-          </a:p>
-        </p:txBody>
-      </p:sp>
-      <p:pic>
-        <p:nvPicPr>
-          <p:cNvPr id="2050" name="Picture 2"/>
-          <p:cNvPicPr>
-            <a:picLocks noGrp="1" noChangeAspect="1" noChangeArrowheads="1"/>
-          </p:cNvPicPr>
-          <p:nvPr>
-            <p:ph idx="1"/>
-          </p:nvPr>
-        </p:nvPicPr>
-        <p:blipFill>
-          <a:blip r:embed="rId2">
-            <a:extLst>
-              <a:ext uri="{28A0092B-C50C-407E-A947-70E740481C1C}">
-                <a14:useLocalDpi xmlns:a14="http://schemas.microsoft.com/office/drawing/2010/main" val="0"/>
-              </a:ext>
-            </a:extLst>
-          </a:blip>
-          <a:srcRect/>
-          <a:stretch>
-            <a:fillRect/>
-          </a:stretch>
-        </p:blipFill>
-        <p:spPr bwMode="auto">
-          <a:xfrm>
-            <a:off x="2800350" y="1858169"/>
-            <a:ext cx="3543300" cy="4010025"/>
-          </a:xfrm>
-          <a:prstGeom prst="rect">
-            <a:avLst/>
-          </a:prstGeom>
-          <a:noFill/>
-          <a:ln>
-            <a:noFill/>
-          </a:ln>
-          <a:effectLst/>
-          <a:extLst>
-            <a:ext uri="{909E8E84-426E-40DD-AFC4-6F175D3DCCD1}">
-              <a14:hiddenFill xmlns:a14="http://schemas.microsoft.com/office/drawing/2010/main">
-                <a:solidFill>
-                  <a:schemeClr val="accent1"/>
-                </a:solidFill>
-              </a14:hiddenFill>
-            </a:ext>
-            <a:ext uri="{91240B29-F687-4F45-9708-019B960494DF}">
-              <a14:hiddenLine xmlns:a14="http://schemas.microsoft.com/office/drawing/2010/main" w="9525">
-                <a:solidFill>
-                  <a:schemeClr val="tx1"/>
-                </a:solidFill>
-                <a:miter lim="800000"/>
-                <a:headEnd/>
-                <a:tailEnd/>
-              </a14:hiddenLine>
-            </a:ext>
-            <a:ext uri="{AF507438-7753-43E0-B8FC-AC1667EBCBE1}">
-              <a14:hiddenEffects xmlns:a14="http://schemas.microsoft.com/office/drawing/2010/main">
-                <a:effectLst>
-                  <a:outerShdw dist="35921" dir="2700000" algn="ctr" rotWithShape="0">
-                    <a:schemeClr val="bg2"/>
-                  </a:outerShdw>
-                </a:effectLst>
-              </a14:hiddenEffects>
-            </a:ext>
-          </a:extLst>
-        </p:spPr>
-      </p:pic>
-    </p:spTree>
-    <p:extLst>
-      <p:ext uri="{BB962C8B-B14F-4D97-AF65-F5344CB8AC3E}">
-        <p14:creationId xmlns:p14="http://schemas.microsoft.com/office/powerpoint/2010/main" val="1637448458"/>
       </p:ext>
     </p:extLst>
   </p:cSld>
@@ -4640,11 +4620,7 @@
           <a:p>
             <a:r>
               <a:rPr lang="en-US" dirty="0" smtClean="0"/>
-              <a:t>Cont</a:t>
-            </a:r>
-            <a:r>
-              <a:rPr lang="en-US" dirty="0" smtClean="0"/>
-              <a:t>…</a:t>
+              <a:t>Cont…</a:t>
             </a:r>
             <a:endParaRPr lang="en-US" dirty="0"/>
           </a:p>
@@ -5134,11 +5110,7 @@
           <a:p>
             <a:r>
               <a:rPr lang="en-US" dirty="0" smtClean="0"/>
-              <a:t>Cont</a:t>
-            </a:r>
-            <a:r>
-              <a:rPr lang="en-US" dirty="0" smtClean="0"/>
-              <a:t>…</a:t>
+              <a:t>Cont…</a:t>
             </a:r>
             <a:endParaRPr lang="en-US" dirty="0"/>
           </a:p>

--- a/Presentation1.pptx
+++ b/Presentation1.pptx
@@ -6,22 +6,38 @@
   </p:sldMasterIdLst>
   <p:sldIdLst>
     <p:sldId id="263" r:id="rId2"/>
-    <p:sldId id="257" r:id="rId3"/>
-    <p:sldId id="258" r:id="rId4"/>
-    <p:sldId id="259" r:id="rId5"/>
-    <p:sldId id="269" r:id="rId6"/>
-    <p:sldId id="260" r:id="rId7"/>
-    <p:sldId id="261" r:id="rId8"/>
-    <p:sldId id="270" r:id="rId9"/>
-    <p:sldId id="271" r:id="rId10"/>
-    <p:sldId id="266" r:id="rId11"/>
-    <p:sldId id="267" r:id="rId12"/>
-    <p:sldId id="268" r:id="rId13"/>
-    <p:sldId id="272" r:id="rId14"/>
-    <p:sldId id="273" r:id="rId15"/>
-    <p:sldId id="264" r:id="rId16"/>
-    <p:sldId id="262" r:id="rId17"/>
-    <p:sldId id="265" r:id="rId18"/>
+    <p:sldId id="276" r:id="rId3"/>
+    <p:sldId id="277" r:id="rId4"/>
+    <p:sldId id="278" r:id="rId5"/>
+    <p:sldId id="279" r:id="rId6"/>
+    <p:sldId id="280" r:id="rId7"/>
+    <p:sldId id="281" r:id="rId8"/>
+    <p:sldId id="282" r:id="rId9"/>
+    <p:sldId id="283" r:id="rId10"/>
+    <p:sldId id="306" r:id="rId11"/>
+    <p:sldId id="307" r:id="rId12"/>
+    <p:sldId id="284" r:id="rId13"/>
+    <p:sldId id="285" r:id="rId14"/>
+    <p:sldId id="286" r:id="rId15"/>
+    <p:sldId id="287" r:id="rId16"/>
+    <p:sldId id="288" r:id="rId17"/>
+    <p:sldId id="289" r:id="rId18"/>
+    <p:sldId id="290" r:id="rId19"/>
+    <p:sldId id="291" r:id="rId20"/>
+    <p:sldId id="292" r:id="rId21"/>
+    <p:sldId id="293" r:id="rId22"/>
+    <p:sldId id="294" r:id="rId23"/>
+    <p:sldId id="295" r:id="rId24"/>
+    <p:sldId id="296" r:id="rId25"/>
+    <p:sldId id="297" r:id="rId26"/>
+    <p:sldId id="298" r:id="rId27"/>
+    <p:sldId id="299" r:id="rId28"/>
+    <p:sldId id="300" r:id="rId29"/>
+    <p:sldId id="301" r:id="rId30"/>
+    <p:sldId id="302" r:id="rId31"/>
+    <p:sldId id="303" r:id="rId32"/>
+    <p:sldId id="304" r:id="rId33"/>
+    <p:sldId id="305" r:id="rId34"/>
   </p:sldIdLst>
   <p:sldSz cx="9144000" cy="6858000" type="screen4x3"/>
   <p:notesSz cx="6858000" cy="9144000"/>
@@ -304,7 +320,7 @@
           <a:p>
             <a:fld id="{4379EDEC-C803-4068-9F33-E4FAC38A8998}" type="datetimeFigureOut">
               <a:rPr lang="en-US" smtClean="0"/>
-              <a:t>22-Mar-24</a:t>
+              <a:t>26-Mar-24</a:t>
             </a:fld>
             <a:endParaRPr lang="en-US" dirty="0"/>
           </a:p>
@@ -474,7 +490,7 @@
           <a:p>
             <a:fld id="{4379EDEC-C803-4068-9F33-E4FAC38A8998}" type="datetimeFigureOut">
               <a:rPr lang="en-US" smtClean="0"/>
-              <a:t>22-Mar-24</a:t>
+              <a:t>26-Mar-24</a:t>
             </a:fld>
             <a:endParaRPr lang="en-US" dirty="0"/>
           </a:p>
@@ -654,7 +670,7 @@
           <a:p>
             <a:fld id="{4379EDEC-C803-4068-9F33-E4FAC38A8998}" type="datetimeFigureOut">
               <a:rPr lang="en-US" smtClean="0"/>
-              <a:t>22-Mar-24</a:t>
+              <a:t>26-Mar-24</a:t>
             </a:fld>
             <a:endParaRPr lang="en-US" dirty="0"/>
           </a:p>
@@ -824,7 +840,7 @@
           <a:p>
             <a:fld id="{4379EDEC-C803-4068-9F33-E4FAC38A8998}" type="datetimeFigureOut">
               <a:rPr lang="en-US" smtClean="0"/>
-              <a:t>22-Mar-24</a:t>
+              <a:t>26-Mar-24</a:t>
             </a:fld>
             <a:endParaRPr lang="en-US" dirty="0"/>
           </a:p>
@@ -1070,7 +1086,7 @@
           <a:p>
             <a:fld id="{4379EDEC-C803-4068-9F33-E4FAC38A8998}" type="datetimeFigureOut">
               <a:rPr lang="en-US" smtClean="0"/>
-              <a:t>22-Mar-24</a:t>
+              <a:t>26-Mar-24</a:t>
             </a:fld>
             <a:endParaRPr lang="en-US" dirty="0"/>
           </a:p>
@@ -1358,7 +1374,7 @@
           <a:p>
             <a:fld id="{4379EDEC-C803-4068-9F33-E4FAC38A8998}" type="datetimeFigureOut">
               <a:rPr lang="en-US" smtClean="0"/>
-              <a:t>22-Mar-24</a:t>
+              <a:t>26-Mar-24</a:t>
             </a:fld>
             <a:endParaRPr lang="en-US" dirty="0"/>
           </a:p>
@@ -1780,7 +1796,7 @@
           <a:p>
             <a:fld id="{4379EDEC-C803-4068-9F33-E4FAC38A8998}" type="datetimeFigureOut">
               <a:rPr lang="en-US" smtClean="0"/>
-              <a:t>22-Mar-24</a:t>
+              <a:t>26-Mar-24</a:t>
             </a:fld>
             <a:endParaRPr lang="en-US" dirty="0"/>
           </a:p>
@@ -1898,7 +1914,7 @@
           <a:p>
             <a:fld id="{4379EDEC-C803-4068-9F33-E4FAC38A8998}" type="datetimeFigureOut">
               <a:rPr lang="en-US" smtClean="0"/>
-              <a:t>22-Mar-24</a:t>
+              <a:t>26-Mar-24</a:t>
             </a:fld>
             <a:endParaRPr lang="en-US" dirty="0"/>
           </a:p>
@@ -1993,7 +2009,7 @@
           <a:p>
             <a:fld id="{4379EDEC-C803-4068-9F33-E4FAC38A8998}" type="datetimeFigureOut">
               <a:rPr lang="en-US" smtClean="0"/>
-              <a:t>22-Mar-24</a:t>
+              <a:t>26-Mar-24</a:t>
             </a:fld>
             <a:endParaRPr lang="en-US" dirty="0"/>
           </a:p>
@@ -2270,7 +2286,7 @@
           <a:p>
             <a:fld id="{4379EDEC-C803-4068-9F33-E4FAC38A8998}" type="datetimeFigureOut">
               <a:rPr lang="en-US" smtClean="0"/>
-              <a:t>22-Mar-24</a:t>
+              <a:t>26-Mar-24</a:t>
             </a:fld>
             <a:endParaRPr lang="en-US" dirty="0"/>
           </a:p>
@@ -2523,7 +2539,7 @@
           <a:p>
             <a:fld id="{4379EDEC-C803-4068-9F33-E4FAC38A8998}" type="datetimeFigureOut">
               <a:rPr lang="en-US" smtClean="0"/>
-              <a:t>22-Mar-24</a:t>
+              <a:t>26-Mar-24</a:t>
             </a:fld>
             <a:endParaRPr lang="en-US" dirty="0"/>
           </a:p>
@@ -2736,7 +2752,7 @@
           <a:p>
             <a:fld id="{4379EDEC-C803-4068-9F33-E4FAC38A8998}" type="datetimeFigureOut">
               <a:rPr lang="en-US" smtClean="0"/>
-              <a:t>22-Mar-24</a:t>
+              <a:t>26-Mar-24</a:t>
             </a:fld>
             <a:endParaRPr lang="en-US" dirty="0"/>
           </a:p>
@@ -3179,130 +3195,56 @@
           <a:bodyPr/>
           <a:lstStyle/>
           <a:p>
-            <a:r>
-              <a:rPr lang="en-US" dirty="0"/>
-              <a:t>Task Analysis</a:t>
-            </a:r>
-          </a:p>
-        </p:txBody>
-      </p:sp>
-      <p:sp>
-        <p:nvSpPr>
-          <p:cNvPr id="3" name="Content Placeholder 2"/>
-          <p:cNvSpPr>
-            <a:spLocks noGrp="1"/>
-          </p:cNvSpPr>
+            <a:endParaRPr lang="en-US"/>
+          </a:p>
+        </p:txBody>
+      </p:sp>
+      <p:pic>
+        <p:nvPicPr>
+          <p:cNvPr id="4" name="Content Placeholder 3"/>
+          <p:cNvPicPr>
+            <a:picLocks noGrp="1" noChangeAspect="1"/>
+          </p:cNvPicPr>
           <p:nvPr>
             <p:ph idx="1"/>
           </p:nvPr>
-        </p:nvSpPr>
-        <p:spPr/>
-        <p:txBody>
-          <a:bodyPr>
-            <a:normAutofit/>
-          </a:bodyPr>
-          <a:lstStyle/>
-          <a:p>
-            <a:pPr marL="0" indent="0">
-              <a:buNone/>
-            </a:pPr>
-            <a:r>
-              <a:rPr lang="en-US" sz="2000" b="1" i="1" dirty="0"/>
-              <a:t>1.Language </a:t>
-            </a:r>
-            <a:r>
-              <a:rPr lang="en-US" sz="2000" b="1" i="1" dirty="0" smtClean="0"/>
-              <a:t>Learners: </a:t>
-            </a:r>
-          </a:p>
-          <a:p>
-            <a:pPr marL="0" indent="0">
-              <a:buNone/>
-            </a:pPr>
-            <a:r>
-              <a:rPr lang="en-US" sz="2000" i="1" dirty="0" smtClean="0"/>
-              <a:t>Accessing </a:t>
-            </a:r>
-            <a:r>
-              <a:rPr lang="en-US" sz="2000" i="1" dirty="0"/>
-              <a:t>learning materials: </a:t>
-            </a:r>
-            <a:r>
-              <a:rPr lang="en-US" sz="2000" dirty="0"/>
-              <a:t>Navigating the platform to find relevant lessons, exercises, and </a:t>
-            </a:r>
-            <a:r>
-              <a:rPr lang="en-US" sz="2000" dirty="0" smtClean="0"/>
-              <a:t>resources. </a:t>
-            </a:r>
-          </a:p>
-          <a:p>
-            <a:pPr marL="0" indent="0">
-              <a:buNone/>
-            </a:pPr>
-            <a:r>
-              <a:rPr lang="en-US" sz="2000" i="1" dirty="0" smtClean="0"/>
-              <a:t>Listening </a:t>
-            </a:r>
-            <a:r>
-              <a:rPr lang="en-US" sz="2000" i="1" dirty="0"/>
-              <a:t>and pronunciation practice:</a:t>
-            </a:r>
-            <a:r>
-              <a:rPr lang="en-US" sz="2000" dirty="0"/>
-              <a:t> Engaging in audio playback activities and pronunciation </a:t>
-            </a:r>
-            <a:r>
-              <a:rPr lang="en-US" sz="2000" dirty="0" smtClean="0"/>
-              <a:t>exercises. </a:t>
-            </a:r>
-          </a:p>
-          <a:p>
-            <a:pPr marL="0" indent="0">
-              <a:buNone/>
-            </a:pPr>
-            <a:r>
-              <a:rPr lang="en-US" sz="2000" i="1" dirty="0" smtClean="0"/>
-              <a:t>Progress </a:t>
-            </a:r>
-            <a:r>
-              <a:rPr lang="en-US" sz="2000" i="1" dirty="0"/>
-              <a:t>tracking: </a:t>
-            </a:r>
-            <a:r>
-              <a:rPr lang="en-US" sz="2000" dirty="0"/>
-              <a:t>Monitoring their learning progress, setting goals, and accessing personalized learning </a:t>
-            </a:r>
-            <a:r>
-              <a:rPr lang="en-US" sz="2000" dirty="0" smtClean="0"/>
-              <a:t>paths. </a:t>
-            </a:r>
-          </a:p>
-          <a:p>
-            <a:pPr marL="0" indent="0">
-              <a:buNone/>
-            </a:pPr>
-            <a:r>
-              <a:rPr lang="en-US" sz="2000" i="1" dirty="0" smtClean="0"/>
-              <a:t>Interacting with quizzes and assessments: </a:t>
-            </a:r>
-            <a:r>
-              <a:rPr lang="en-US" sz="2000" dirty="0" smtClean="0"/>
-              <a:t>Participating in interactive quizzes to gauge learning outcomes and receive feedback.</a:t>
-            </a:r>
-          </a:p>
-        </p:txBody>
-      </p:sp>
+        </p:nvPicPr>
+        <p:blipFill>
+          <a:blip r:embed="rId2">
+            <a:extLst>
+              <a:ext uri="{28A0092B-C50C-407E-A947-70E740481C1C}">
+                <a14:useLocalDpi xmlns:a14="http://schemas.microsoft.com/office/drawing/2010/main" val="0"/>
+              </a:ext>
+            </a:extLst>
+          </a:blip>
+          <a:stretch>
+            <a:fillRect/>
+          </a:stretch>
+        </p:blipFill>
+        <p:spPr>
+          <a:xfrm>
+            <a:off x="457200" y="1738546"/>
+            <a:ext cx="8229600" cy="4249270"/>
+          </a:xfrm>
+        </p:spPr>
+      </p:pic>
     </p:spTree>
     <p:extLst>
       <p:ext uri="{BB962C8B-B14F-4D97-AF65-F5344CB8AC3E}">
-        <p14:creationId xmlns:p14="http://schemas.microsoft.com/office/powerpoint/2010/main" val="4139792502"/>
+        <p14:creationId xmlns:p14="http://schemas.microsoft.com/office/powerpoint/2010/main" val="3682813032"/>
       </p:ext>
     </p:extLst>
   </p:cSld>
   <p:clrMapOvr>
     <a:masterClrMapping/>
   </p:clrMapOvr>
+  <p:timing>
+    <p:tnLst>
+      <p:par>
+        <p:cTn id="1" dur="indefinite" restart="never" nodeType="tmRoot"/>
+      </p:par>
+    </p:tnLst>
+  </p:timing>
 </p:sld>
 </file>
 
@@ -3338,99 +3280,56 @@
           <a:bodyPr/>
           <a:lstStyle/>
           <a:p>
-            <a:r>
-              <a:rPr lang="en-US" dirty="0" smtClean="0"/>
-              <a:t>Cont…</a:t>
-            </a:r>
-            <a:endParaRPr lang="en-US" dirty="0"/>
-          </a:p>
-        </p:txBody>
-      </p:sp>
-      <p:sp>
-        <p:nvSpPr>
-          <p:cNvPr id="3" name="Content Placeholder 2"/>
-          <p:cNvSpPr>
-            <a:spLocks noGrp="1"/>
-          </p:cNvSpPr>
+            <a:endParaRPr lang="en-US"/>
+          </a:p>
+        </p:txBody>
+      </p:sp>
+      <p:pic>
+        <p:nvPicPr>
+          <p:cNvPr id="4" name="Content Placeholder 3"/>
+          <p:cNvPicPr>
+            <a:picLocks noGrp="1" noChangeAspect="1"/>
+          </p:cNvPicPr>
           <p:nvPr>
             <p:ph idx="1"/>
           </p:nvPr>
-        </p:nvSpPr>
-        <p:spPr/>
-        <p:txBody>
-          <a:bodyPr>
-            <a:normAutofit/>
-          </a:bodyPr>
-          <a:lstStyle/>
-          <a:p>
-            <a:pPr marL="0" indent="0">
-              <a:buNone/>
-            </a:pPr>
-            <a:r>
-              <a:rPr lang="en-US" sz="2000" b="1" i="1" dirty="0"/>
-              <a:t>2.Educators/Tutors: </a:t>
-            </a:r>
-            <a:endParaRPr lang="en-US" sz="2000" b="1" i="1" dirty="0" smtClean="0"/>
-          </a:p>
-          <a:p>
-            <a:r>
-              <a:rPr lang="en-US" sz="2000" i="1" dirty="0" smtClean="0"/>
-              <a:t>Creating </a:t>
-            </a:r>
-            <a:r>
-              <a:rPr lang="en-US" sz="2000" i="1" dirty="0"/>
-              <a:t>and customizing learning materials: </a:t>
-            </a:r>
-            <a:r>
-              <a:rPr lang="en-US" sz="2000" dirty="0"/>
-              <a:t>Developing or curating vocabulary lists, grammar lessons, dialogues, and reading exercises. </a:t>
-            </a:r>
-            <a:endParaRPr lang="en-US" sz="2000" dirty="0" smtClean="0"/>
-          </a:p>
-          <a:p>
-            <a:r>
-              <a:rPr lang="en-US" sz="2000" i="1" dirty="0" smtClean="0"/>
-              <a:t>Monitoring </a:t>
-            </a:r>
-            <a:r>
-              <a:rPr lang="en-US" sz="2000" i="1" dirty="0"/>
-              <a:t>students' progress: </a:t>
-            </a:r>
-            <a:r>
-              <a:rPr lang="en-US" sz="2000" dirty="0"/>
-              <a:t>Tracking students' performance, providing feedback, and adjusting teaching strategies accordingly. </a:t>
-            </a:r>
-            <a:endParaRPr lang="en-US" sz="2000" dirty="0" smtClean="0"/>
-          </a:p>
-          <a:p>
-            <a:r>
-              <a:rPr lang="en-US" sz="2000" i="1" dirty="0" smtClean="0"/>
-              <a:t>Assigning </a:t>
-            </a:r>
-            <a:r>
-              <a:rPr lang="en-US" sz="2000" i="1" dirty="0"/>
-              <a:t>tasks and assessments: </a:t>
-            </a:r>
-            <a:r>
-              <a:rPr lang="en-US" sz="2000" dirty="0"/>
-              <a:t>Designing quizzes, assignments, and assessments to evaluate students' language proficiency.</a:t>
-            </a:r>
-          </a:p>
-          <a:p>
-            <a:endParaRPr lang="en-US" dirty="0"/>
-          </a:p>
-        </p:txBody>
-      </p:sp>
+        </p:nvPicPr>
+        <p:blipFill>
+          <a:blip r:embed="rId2">
+            <a:extLst>
+              <a:ext uri="{28A0092B-C50C-407E-A947-70E740481C1C}">
+                <a14:useLocalDpi xmlns:a14="http://schemas.microsoft.com/office/drawing/2010/main" val="0"/>
+              </a:ext>
+            </a:extLst>
+          </a:blip>
+          <a:stretch>
+            <a:fillRect/>
+          </a:stretch>
+        </p:blipFill>
+        <p:spPr>
+          <a:xfrm>
+            <a:off x="457200" y="1629016"/>
+            <a:ext cx="8229600" cy="4468330"/>
+          </a:xfrm>
+        </p:spPr>
+      </p:pic>
     </p:spTree>
     <p:extLst>
       <p:ext uri="{BB962C8B-B14F-4D97-AF65-F5344CB8AC3E}">
-        <p14:creationId xmlns:p14="http://schemas.microsoft.com/office/powerpoint/2010/main" val="4235055188"/>
+        <p14:creationId xmlns:p14="http://schemas.microsoft.com/office/powerpoint/2010/main" val="3082015971"/>
       </p:ext>
     </p:extLst>
   </p:cSld>
   <p:clrMapOvr>
     <a:masterClrMapping/>
   </p:clrMapOvr>
+  <p:timing>
+    <p:tnLst>
+      <p:par>
+        <p:cTn id="1" dur="indefinite" restart="never" nodeType="tmRoot"/>
+      </p:par>
+    </p:tnLst>
+  </p:timing>
 </p:sld>
 </file>
 
@@ -3468,7 +3367,7 @@
           <a:p>
             <a:r>
               <a:rPr lang="en-US" dirty="0"/>
-              <a:t>Domain Analysis</a:t>
+              <a:t>Description of Larger System</a:t>
             </a:r>
           </a:p>
         </p:txBody>
@@ -3490,120 +3389,34 @@
           </a:bodyPr>
           <a:lstStyle/>
           <a:p>
-            <a:pPr marL="0" indent="0">
-              <a:buNone/>
-            </a:pPr>
-            <a:r>
-              <a:rPr lang="en-US" sz="2000" i="1" dirty="0"/>
-              <a:t>1.Language Learning </a:t>
-            </a:r>
-            <a:r>
-              <a:rPr lang="en-US" sz="2000" i="1" dirty="0" smtClean="0"/>
-              <a:t>Pedagogy: </a:t>
-            </a:r>
+            <a:endParaRPr lang="en-US" sz="2000" dirty="0" smtClean="0"/>
+          </a:p>
+          <a:p>
             <a:r>
               <a:rPr lang="en-US" sz="2000" dirty="0" smtClean="0"/>
-              <a:t>Incorporating </a:t>
-            </a:r>
-            <a:r>
-              <a:rPr lang="en-US" sz="2000" dirty="0"/>
-              <a:t>evidence-based language learning methodologies and best </a:t>
-            </a:r>
-            <a:r>
-              <a:rPr lang="en-US" sz="2000" dirty="0" smtClean="0"/>
-              <a:t>practices. Alignment </a:t>
-            </a:r>
-            <a:r>
-              <a:rPr lang="en-US" sz="2000" dirty="0"/>
-              <a:t>with proficiency standards and frameworks (e.g., CEFR, ACTFL</a:t>
-            </a:r>
-            <a:r>
-              <a:rPr lang="en-US" sz="2000" dirty="0" smtClean="0"/>
-              <a:t>). Collaboration </a:t>
-            </a:r>
-            <a:r>
-              <a:rPr lang="en-US" sz="2000" dirty="0"/>
-              <a:t>with linguists and language education experts for content development and curriculum design</a:t>
-            </a:r>
-            <a:r>
-              <a:rPr lang="en-US" sz="2000" dirty="0" smtClean="0"/>
-              <a:t>.</a:t>
-            </a:r>
-          </a:p>
-          <a:p>
-            <a:pPr marL="0" indent="0">
-              <a:buNone/>
-            </a:pPr>
-            <a:r>
-              <a:rPr lang="en-US" sz="2000" i="1" dirty="0" smtClean="0"/>
-              <a:t>2.Technology Infrastructure: </a:t>
-            </a:r>
-            <a:r>
-              <a:rPr lang="en-US" sz="2000" dirty="0" smtClean="0"/>
-              <a:t>Utilization </a:t>
-            </a:r>
-            <a:r>
-              <a:rPr lang="en-US" sz="2000" dirty="0"/>
-              <a:t>of cloud-based hosting services for scalability and </a:t>
-            </a:r>
-            <a:r>
-              <a:rPr lang="en-US" sz="2000" dirty="0" smtClean="0"/>
-              <a:t>reliability. Integration </a:t>
-            </a:r>
-            <a:r>
-              <a:rPr lang="en-US" sz="2000" dirty="0"/>
-              <a:t>with third-party APIs for language processing and pronunciation </a:t>
-            </a:r>
-            <a:r>
-              <a:rPr lang="en-US" sz="2000" dirty="0" smtClean="0"/>
-              <a:t>analysis.</a:t>
-            </a:r>
-            <a:r>
-              <a:rPr lang="en-US" sz="2000" dirty="0"/>
-              <a:t> </a:t>
-            </a:r>
-            <a:r>
-              <a:rPr lang="en-US" sz="2000" dirty="0" smtClean="0"/>
-              <a:t>Compatibility </a:t>
-            </a:r>
-            <a:r>
-              <a:rPr lang="en-US" sz="2000" dirty="0"/>
-              <a:t>with modern web browsers and operating systems</a:t>
-            </a:r>
-            <a:r>
-              <a:rPr lang="en-US" sz="2000" dirty="0" smtClean="0"/>
-              <a:t>.</a:t>
-            </a:r>
-          </a:p>
-          <a:p>
-            <a:pPr marL="0" indent="0">
-              <a:buNone/>
-            </a:pPr>
-            <a:r>
-              <a:rPr lang="en-US" sz="2000" i="1" dirty="0" smtClean="0"/>
-              <a:t>3.Regulatory Compliance: </a:t>
-            </a:r>
-            <a:r>
-              <a:rPr lang="en-US" sz="2000" dirty="0" smtClean="0"/>
-              <a:t>Adherence </a:t>
-            </a:r>
-            <a:r>
-              <a:rPr lang="en-US" sz="2000" dirty="0"/>
-              <a:t>to data protection regulations (e.g., GDPR, CCPA) for handling user data and privacy.</a:t>
-            </a:r>
+              <a:t>The online learning system developed by Pixel Company for the Destined Adult School will participate in a larger technical and social organization. This organization comprises the school administration, instructors, adult learners, and the virtual learning community. The system will serve as a centralized platform for delivering educational resources, facilitating remote classes, and supporting communication and collaboration among users.</a:t>
+            </a:r>
+            <a:endParaRPr lang="en-US" sz="2000" dirty="0"/>
           </a:p>
         </p:txBody>
       </p:sp>
     </p:spTree>
     <p:extLst>
       <p:ext uri="{BB962C8B-B14F-4D97-AF65-F5344CB8AC3E}">
-        <p14:creationId xmlns:p14="http://schemas.microsoft.com/office/powerpoint/2010/main" val="898153965"/>
+        <p14:creationId xmlns:p14="http://schemas.microsoft.com/office/powerpoint/2010/main" val="3527777223"/>
       </p:ext>
     </p:extLst>
   </p:cSld>
   <p:clrMapOvr>
     <a:masterClrMapping/>
   </p:clrMapOvr>
+  <p:timing>
+    <p:tnLst>
+      <p:par>
+        <p:cTn id="1" dur="indefinite" restart="never" nodeType="tmRoot"/>
+      </p:par>
+    </p:tnLst>
+  </p:timing>
 </p:sld>
 </file>
 
@@ -3640,8 +3453,12 @@
           <a:lstStyle/>
           <a:p>
             <a:r>
+              <a:rPr lang="en-US" dirty="0"/>
+              <a:t>Analysis of Existing </a:t>
+            </a:r>
+            <a:r>
               <a:rPr lang="en-US" dirty="0" smtClean="0"/>
-              <a:t>Scenario</a:t>
+              <a:t>System</a:t>
             </a:r>
             <a:endParaRPr lang="en-US" dirty="0"/>
           </a:p>
@@ -3660,97 +3477,20 @@
         <p:spPr/>
         <p:txBody>
           <a:bodyPr>
-            <a:noAutofit/>
+            <a:normAutofit/>
           </a:bodyPr>
           <a:lstStyle/>
           <a:p>
-            <a:r>
-              <a:rPr lang="en-US" sz="1800" dirty="0"/>
-              <a:t>Sheillah, a busy professional, seeks to learn </a:t>
-            </a:r>
-            <a:r>
-              <a:rPr lang="en-US" sz="1800" dirty="0"/>
-              <a:t> </a:t>
-            </a:r>
-            <a:r>
-              <a:rPr lang="en-US" sz="1800" dirty="0" smtClean="0"/>
-              <a:t>English language</a:t>
-            </a:r>
-            <a:r>
-              <a:rPr lang="en-US" sz="1800" dirty="0" smtClean="0"/>
-              <a:t> </a:t>
-            </a:r>
-            <a:r>
-              <a:rPr lang="en-US" sz="1800" dirty="0"/>
-              <a:t>for career growth. Finding our platform, she appreciates its flexibility. With daily dedication, she progresses through structured lessons. Empowered by newfound skills, she subscribes to premium membership, excited for future </a:t>
-            </a:r>
-            <a:r>
-              <a:rPr lang="en-US" sz="1800" dirty="0" smtClean="0"/>
-              <a:t>opportunities.</a:t>
-            </a:r>
-          </a:p>
-          <a:p>
-            <a:r>
-              <a:rPr lang="en-US" sz="1800" i="1" dirty="0"/>
-              <a:t>Sign Up: </a:t>
-            </a:r>
-            <a:r>
-              <a:rPr lang="en-US" sz="1800" dirty="0"/>
-              <a:t>Sheillah creates an account on our platform, providing basic information</a:t>
-            </a:r>
-            <a:r>
-              <a:rPr lang="en-US" sz="1800" dirty="0" smtClean="0"/>
-              <a:t>.</a:t>
-            </a:r>
-          </a:p>
-          <a:p>
-            <a:r>
-              <a:rPr lang="en-US" sz="1800" dirty="0" smtClean="0"/>
-              <a:t>Assessment </a:t>
-            </a:r>
-            <a:r>
-              <a:rPr lang="en-US" sz="1800" dirty="0"/>
-              <a:t>Test: She takes an assessment test to determine her current English proficiency level</a:t>
-            </a:r>
-            <a:r>
-              <a:rPr lang="en-US" sz="1800" dirty="0" smtClean="0"/>
-              <a:t>.</a:t>
-            </a:r>
-          </a:p>
-          <a:p>
-            <a:r>
-              <a:rPr lang="en-US" sz="1800" i="1" dirty="0" smtClean="0"/>
-              <a:t>Set </a:t>
-            </a:r>
-            <a:r>
-              <a:rPr lang="en-US" sz="1800" i="1" dirty="0"/>
-              <a:t>Goals: </a:t>
-            </a:r>
-            <a:r>
-              <a:rPr lang="en-US" sz="1800" dirty="0"/>
-              <a:t>Sheillah sets specific goals for her English learning journey, such as improving speaking skills for job interviews or enhancing writing skills for professional emails</a:t>
-            </a:r>
-            <a:r>
-              <a:rPr lang="en-US" sz="1800" dirty="0" smtClean="0"/>
-              <a:t>.</a:t>
-            </a:r>
-          </a:p>
-          <a:p>
-            <a:r>
-              <a:rPr lang="en-US" sz="1800" i="1" dirty="0" smtClean="0"/>
-              <a:t>Choose </a:t>
-            </a:r>
-            <a:r>
-              <a:rPr lang="en-US" sz="1800" i="1" dirty="0"/>
-              <a:t>Learning Path: </a:t>
-            </a:r>
-            <a:r>
-              <a:rPr lang="en-US" sz="1800" dirty="0"/>
-              <a:t>Based on her assessment results and goals, Sheillah selects a learning path tailored to her needs, whether beginner, intermediate, or advanced</a:t>
-            </a:r>
-            <a:r>
-              <a:rPr lang="en-US" sz="1800" dirty="0" smtClean="0"/>
-              <a:t>.</a:t>
+            <a:endParaRPr lang="en-US" sz="2400" dirty="0" smtClean="0"/>
+          </a:p>
+          <a:p>
+            <a:r>
+              <a:rPr lang="en-US" sz="2400" dirty="0" smtClean="0"/>
+              <a:t>Currently</a:t>
+            </a:r>
+            <a:r>
+              <a:rPr lang="en-US" sz="2400" dirty="0"/>
+              <a:t>, the Destined Adult School may have a traditional classroom-based system for English language instruction. However, this system faces deficiencies when it comes to accommodating high-profile individuals who prefer not to be physically present in class. </a:t>
             </a:r>
           </a:p>
         </p:txBody>
@@ -3758,13 +3498,20 @@
     </p:spTree>
     <p:extLst>
       <p:ext uri="{BB962C8B-B14F-4D97-AF65-F5344CB8AC3E}">
-        <p14:creationId xmlns:p14="http://schemas.microsoft.com/office/powerpoint/2010/main" val="3218603698"/>
+        <p14:creationId xmlns:p14="http://schemas.microsoft.com/office/powerpoint/2010/main" val="793689602"/>
       </p:ext>
     </p:extLst>
   </p:cSld>
   <p:clrMapOvr>
     <a:masterClrMapping/>
   </p:clrMapOvr>
+  <p:timing>
+    <p:tnLst>
+      <p:par>
+        <p:cTn id="1" dur="indefinite" restart="never" nodeType="tmRoot"/>
+      </p:par>
+    </p:tnLst>
+  </p:timing>
 </p:sld>
 </file>
 
@@ -3801,104 +3548,93 @@
           <a:lstStyle/>
           <a:p>
             <a:r>
-              <a:rPr lang="en-US" dirty="0" smtClean="0"/>
-              <a:t>Cont…</a:t>
-            </a:r>
+              <a:rPr lang="en-US" dirty="0"/>
+              <a:t>Advantages</a:t>
+            </a:r>
+          </a:p>
+        </p:txBody>
+      </p:sp>
+      <p:sp>
+        <p:nvSpPr>
+          <p:cNvPr id="3" name="Content Placeholder 2"/>
+          <p:cNvSpPr>
+            <a:spLocks noGrp="1"/>
+          </p:cNvSpPr>
+          <p:nvPr>
+            <p:ph idx="1"/>
+          </p:nvPr>
+        </p:nvSpPr>
+        <p:spPr/>
+        <p:txBody>
+          <a:bodyPr/>
+          <a:lstStyle/>
+          <a:p>
+            <a:endParaRPr lang="en-US" sz="2400" dirty="0" smtClean="0"/>
+          </a:p>
+          <a:p>
+            <a:pPr marL="514350" indent="-514350">
+              <a:buFont typeface="+mj-lt"/>
+              <a:buAutoNum type="romanUcPeriod"/>
+            </a:pPr>
+            <a:r>
+              <a:rPr lang="en-US" sz="2400" dirty="0" smtClean="0"/>
+              <a:t>In-person </a:t>
+            </a:r>
+            <a:r>
+              <a:rPr lang="en-US" sz="2400" dirty="0"/>
+              <a:t>interaction between instructors and learners.</a:t>
+            </a:r>
+          </a:p>
+          <a:p>
+            <a:pPr marL="514350" indent="-514350">
+              <a:buFont typeface="+mj-lt"/>
+              <a:buAutoNum type="romanUcPeriod"/>
+            </a:pPr>
+            <a:r>
+              <a:rPr lang="en-US" sz="2400" dirty="0" smtClean="0"/>
+              <a:t>Immediate </a:t>
+            </a:r>
+            <a:r>
+              <a:rPr lang="en-US" sz="2400" dirty="0"/>
+              <a:t>clarification of doubts through face-to-face communication.</a:t>
+            </a:r>
+          </a:p>
+          <a:p>
+            <a:pPr marL="514350" indent="-514350">
+              <a:buFont typeface="+mj-lt"/>
+              <a:buAutoNum type="romanUcPeriod"/>
+            </a:pPr>
+            <a:r>
+              <a:rPr lang="en-US" sz="2400" dirty="0" smtClean="0"/>
+              <a:t>Group </a:t>
+            </a:r>
+            <a:r>
+              <a:rPr lang="en-US" sz="2400" dirty="0"/>
+              <a:t>dynamics and peer learning opportunities.</a:t>
+            </a:r>
+          </a:p>
+          <a:p>
             <a:endParaRPr lang="en-US" dirty="0"/>
-          </a:p>
-        </p:txBody>
-      </p:sp>
-      <p:sp>
-        <p:nvSpPr>
-          <p:cNvPr id="3" name="Content Placeholder 2"/>
-          <p:cNvSpPr>
-            <a:spLocks noGrp="1"/>
-          </p:cNvSpPr>
-          <p:nvPr>
-            <p:ph idx="1"/>
-          </p:nvPr>
-        </p:nvSpPr>
-        <p:spPr/>
-        <p:txBody>
-          <a:bodyPr>
-            <a:normAutofit/>
-          </a:bodyPr>
-          <a:lstStyle/>
-          <a:p>
-            <a:r>
-              <a:rPr lang="en-US" sz="1800" i="1" dirty="0"/>
-              <a:t>Engage in Lessons: She begins engaging in interactive lessons covering grammar, vocabulary, listening, speaking, and writing skills.</a:t>
-            </a:r>
-          </a:p>
-          <a:p>
-            <a:r>
-              <a:rPr lang="en-US" sz="1800" i="1" dirty="0" smtClean="0"/>
-              <a:t>Practice Speaking: </a:t>
-            </a:r>
-            <a:r>
-              <a:rPr lang="en-US" sz="1800" dirty="0" smtClean="0"/>
-              <a:t>She practices speaking by recording herself and comparing it with native speakers. She also participates in speaking exercises and conversations with virtual tutors or language partners.</a:t>
-            </a:r>
-          </a:p>
-          <a:p>
-            <a:r>
-              <a:rPr lang="en-US" sz="1800" i="1" dirty="0" smtClean="0"/>
-              <a:t>Enhance </a:t>
-            </a:r>
-            <a:r>
-              <a:rPr lang="en-US" sz="1800" i="1" dirty="0"/>
-              <a:t>Listening Skills: </a:t>
-            </a:r>
-            <a:r>
-              <a:rPr lang="en-US" sz="1800" dirty="0"/>
-              <a:t>She improves her listening skills by listening to audio recordings, podcasts, and watching videos with subtitles.</a:t>
-            </a:r>
-          </a:p>
-          <a:p>
-            <a:r>
-              <a:rPr lang="en-US" sz="1800" i="1" dirty="0"/>
-              <a:t>Strengthen Writing Skills: </a:t>
-            </a:r>
-            <a:r>
-              <a:rPr lang="en-US" sz="1800" dirty="0"/>
-              <a:t>She works on her writing skills by completing exercises, writing essays, and receiving feedback from instructors or through automated tools.</a:t>
-            </a:r>
-          </a:p>
-          <a:p>
-            <a:r>
-              <a:rPr lang="en-US" sz="1800" i="1" dirty="0"/>
-              <a:t>Utilize Supplementary Resources: </a:t>
-            </a:r>
-            <a:r>
-              <a:rPr lang="en-US" sz="1800" dirty="0"/>
-              <a:t>She takes advantage of additional resources such as grammar guides, vocabulary lists, quizzes, and interactive games to reinforce learning.</a:t>
-            </a:r>
-          </a:p>
-          <a:p>
-            <a:r>
-              <a:rPr lang="en-US" sz="1800" i="1" dirty="0"/>
-              <a:t>Track Progress:</a:t>
-            </a:r>
-            <a:r>
-              <a:rPr lang="en-US" sz="1800" dirty="0"/>
-              <a:t> Sheillah regularly tracks her progress through quizzes, assignments, and assessments, adjusting her learning strategy.</a:t>
-            </a:r>
-          </a:p>
-          <a:p>
-            <a:endParaRPr lang="en-US" sz="2000" dirty="0"/>
           </a:p>
         </p:txBody>
       </p:sp>
     </p:spTree>
     <p:extLst>
       <p:ext uri="{BB962C8B-B14F-4D97-AF65-F5344CB8AC3E}">
-        <p14:creationId xmlns:p14="http://schemas.microsoft.com/office/powerpoint/2010/main" val="1826481828"/>
+        <p14:creationId xmlns:p14="http://schemas.microsoft.com/office/powerpoint/2010/main" val="2922716336"/>
       </p:ext>
     </p:extLst>
   </p:cSld>
   <p:clrMapOvr>
     <a:masterClrMapping/>
   </p:clrMapOvr>
+  <p:timing>
+    <p:tnLst>
+      <p:par>
+        <p:cTn id="1" dur="indefinite" restart="never" nodeType="tmRoot"/>
+      </p:par>
+    </p:tnLst>
+  </p:timing>
 </p:sld>
 </file>
 
@@ -3936,88 +3672,97 @@
           <a:p>
             <a:r>
               <a:rPr lang="en-US" dirty="0" smtClean="0"/>
-              <a:t>Activity diagram</a:t>
+              <a:t>Disadvantages</a:t>
             </a:r>
             <a:endParaRPr lang="en-US" dirty="0"/>
           </a:p>
         </p:txBody>
       </p:sp>
-      <p:pic>
-        <p:nvPicPr>
-          <p:cNvPr id="2050" name="Picture 2"/>
-          <p:cNvPicPr>
-            <a:picLocks noGrp="1" noChangeAspect="1" noChangeArrowheads="1"/>
-          </p:cNvPicPr>
+      <p:sp>
+        <p:nvSpPr>
+          <p:cNvPr id="3" name="Content Placeholder 2"/>
+          <p:cNvSpPr>
+            <a:spLocks noGrp="1"/>
+          </p:cNvSpPr>
           <p:nvPr>
             <p:ph idx="1"/>
           </p:nvPr>
-        </p:nvPicPr>
-        <p:blipFill>
-          <a:blip r:embed="rId2">
-            <a:extLst>
-              <a:ext uri="{28A0092B-C50C-407E-A947-70E740481C1C}">
-                <a14:useLocalDpi xmlns:a14="http://schemas.microsoft.com/office/drawing/2010/main" val="0"/>
-              </a:ext>
-            </a:extLst>
-          </a:blip>
-          <a:srcRect/>
-          <a:stretch>
-            <a:fillRect/>
-          </a:stretch>
-        </p:blipFill>
-        <p:spPr bwMode="auto">
-          <a:xfrm>
-            <a:off x="2800350" y="1858169"/>
-            <a:ext cx="3543300" cy="4010025"/>
-          </a:xfrm>
-          <a:prstGeom prst="rect">
-            <a:avLst/>
-          </a:prstGeom>
-          <a:noFill/>
-          <a:ln>
-            <a:noFill/>
-          </a:ln>
-          <a:effectLst/>
-          <a:extLst>
-            <a:ext uri="{909E8E84-426E-40DD-AFC4-6F175D3DCCD1}">
-              <a14:hiddenFill xmlns:a14="http://schemas.microsoft.com/office/drawing/2010/main">
-                <a:solidFill>
-                  <a:schemeClr val="accent1"/>
-                </a:solidFill>
-              </a14:hiddenFill>
-            </a:ext>
-            <a:ext uri="{91240B29-F687-4F45-9708-019B960494DF}">
-              <a14:hiddenLine xmlns:a14="http://schemas.microsoft.com/office/drawing/2010/main" w="9525">
-                <a:solidFill>
-                  <a:schemeClr val="tx1"/>
-                </a:solidFill>
-                <a:miter lim="800000"/>
-                <a:headEnd/>
-                <a:tailEnd/>
-              </a14:hiddenLine>
-            </a:ext>
-            <a:ext uri="{AF507438-7753-43E0-B8FC-AC1667EBCBE1}">
-              <a14:hiddenEffects xmlns:a14="http://schemas.microsoft.com/office/drawing/2010/main">
-                <a:effectLst>
-                  <a:outerShdw dist="35921" dir="2700000" algn="ctr" rotWithShape="0">
-                    <a:schemeClr val="bg2"/>
-                  </a:outerShdw>
-                </a:effectLst>
-              </a14:hiddenEffects>
-            </a:ext>
-          </a:extLst>
-        </p:spPr>
-      </p:pic>
+        </p:nvSpPr>
+        <p:spPr/>
+        <p:txBody>
+          <a:bodyPr/>
+          <a:lstStyle/>
+          <a:p>
+            <a:pPr marL="514350" indent="-514350">
+              <a:buFont typeface="+mj-lt"/>
+              <a:buAutoNum type="romanUcPeriod"/>
+            </a:pPr>
+            <a:endParaRPr lang="en-US" sz="2400" dirty="0" smtClean="0"/>
+          </a:p>
+          <a:p>
+            <a:pPr marL="514350" indent="-514350">
+              <a:buFont typeface="+mj-lt"/>
+              <a:buAutoNum type="romanUcPeriod"/>
+            </a:pPr>
+            <a:r>
+              <a:rPr lang="en-US" sz="2400" dirty="0" smtClean="0"/>
+              <a:t>Lack </a:t>
+            </a:r>
+            <a:r>
+              <a:rPr lang="en-US" sz="2400" dirty="0"/>
+              <a:t>of privacy for high-profile individuals attending physical classes.</a:t>
+            </a:r>
+          </a:p>
+          <a:p>
+            <a:pPr marL="514350" indent="-514350">
+              <a:buFont typeface="+mj-lt"/>
+              <a:buAutoNum type="romanUcPeriod"/>
+            </a:pPr>
+            <a:r>
+              <a:rPr lang="en-US" sz="2400" dirty="0" smtClean="0"/>
+              <a:t>Limited </a:t>
+            </a:r>
+            <a:r>
+              <a:rPr lang="en-US" sz="2400" dirty="0"/>
+              <a:t>flexibility in scheduling classes, hindering learners with busy schedules.</a:t>
+            </a:r>
+          </a:p>
+          <a:p>
+            <a:pPr marL="514350" indent="-514350">
+              <a:buFont typeface="+mj-lt"/>
+              <a:buAutoNum type="romanUcPeriod"/>
+            </a:pPr>
+            <a:r>
+              <a:rPr lang="en-US" sz="2400" dirty="0" smtClean="0"/>
+              <a:t>Potential </a:t>
+            </a:r>
+            <a:r>
+              <a:rPr lang="en-US" sz="2400" dirty="0"/>
+              <a:t>stigma associated with adult learners being visibly taught basic literacy skills.</a:t>
+            </a:r>
+          </a:p>
+          <a:p>
+            <a:endParaRPr lang="en-US" dirty="0"/>
+          </a:p>
+        </p:txBody>
+      </p:sp>
     </p:spTree>
     <p:extLst>
       <p:ext uri="{BB962C8B-B14F-4D97-AF65-F5344CB8AC3E}">
-        <p14:creationId xmlns:p14="http://schemas.microsoft.com/office/powerpoint/2010/main" val="1637448458"/>
+        <p14:creationId xmlns:p14="http://schemas.microsoft.com/office/powerpoint/2010/main" val="3862596447"/>
       </p:ext>
     </p:extLst>
   </p:cSld>
   <p:clrMapOvr>
     <a:masterClrMapping/>
   </p:clrMapOvr>
+  <p:timing>
+    <p:tnLst>
+      <p:par>
+        <p:cTn id="1" dur="indefinite" restart="never" nodeType="tmRoot"/>
+      </p:par>
+    </p:tnLst>
+  </p:timing>
 </p:sld>
 </file>
 
@@ -4054,89 +3799,111 @@
           <a:lstStyle/>
           <a:p>
             <a:r>
-              <a:rPr lang="en-US" dirty="0" smtClean="0"/>
-              <a:t>Use case diagram</a:t>
-            </a:r>
+              <a:rPr lang="en-US" dirty="0"/>
+              <a:t>Initial Usability Criteria</a:t>
+            </a:r>
+          </a:p>
+        </p:txBody>
+      </p:sp>
+      <p:sp>
+        <p:nvSpPr>
+          <p:cNvPr id="3" name="Content Placeholder 2"/>
+          <p:cNvSpPr>
+            <a:spLocks noGrp="1"/>
+          </p:cNvSpPr>
+          <p:nvPr>
+            <p:ph idx="1"/>
+          </p:nvPr>
+        </p:nvSpPr>
+        <p:spPr/>
+        <p:txBody>
+          <a:bodyPr>
+            <a:normAutofit/>
+          </a:bodyPr>
+          <a:lstStyle/>
+          <a:p>
+            <a:pPr marL="1371600" indent="-1371600">
+              <a:buFont typeface="+mj-lt"/>
+              <a:buAutoNum type="romanUcPeriod"/>
+            </a:pPr>
+            <a:endParaRPr lang="en-US" sz="2000" b="1" i="1" dirty="0" smtClean="0"/>
+          </a:p>
+          <a:p>
+            <a:pPr marL="514350" indent="-514350">
+              <a:buFont typeface="+mj-lt"/>
+              <a:buAutoNum type="romanUcPeriod"/>
+            </a:pPr>
+            <a:r>
+              <a:rPr lang="en-US" sz="2000" b="1" i="1" dirty="0" smtClean="0"/>
+              <a:t>Privacy </a:t>
+            </a:r>
+            <a:r>
+              <a:rPr lang="en-US" sz="2000" b="1" i="1" dirty="0"/>
+              <a:t>and Confidentiality: </a:t>
+            </a:r>
+            <a:r>
+              <a:rPr lang="en-US" sz="2000" dirty="0"/>
+              <a:t>The system should prioritize user privacy and provide secure access to ensure the confidentiality of high-profile individuals.</a:t>
+            </a:r>
+          </a:p>
+          <a:p>
+            <a:pPr marL="514350" indent="-514350">
+              <a:buFont typeface="+mj-lt"/>
+              <a:buAutoNum type="romanUcPeriod"/>
+            </a:pPr>
+            <a:r>
+              <a:rPr lang="en-US" sz="2000" b="1" i="1" dirty="0" smtClean="0"/>
+              <a:t>User-Friendly </a:t>
+            </a:r>
+            <a:r>
+              <a:rPr lang="en-US" sz="2000" b="1" i="1" dirty="0"/>
+              <a:t>Interface: </a:t>
+            </a:r>
+            <a:r>
+              <a:rPr lang="en-US" sz="2000" dirty="0"/>
+              <a:t>The interface should be intuitive, easy to navigate, and cater to users with varying levels of digital literacy.</a:t>
+            </a:r>
+          </a:p>
+          <a:p>
+            <a:pPr marL="514350" indent="-514350">
+              <a:buFont typeface="+mj-lt"/>
+              <a:buAutoNum type="romanUcPeriod"/>
+            </a:pPr>
+            <a:r>
+              <a:rPr lang="en-US" sz="2000" b="1" i="1" dirty="0" smtClean="0"/>
+              <a:t>Flexibility </a:t>
+            </a:r>
+            <a:r>
+              <a:rPr lang="en-US" sz="2000" b="1" i="1" dirty="0"/>
+              <a:t>and Adaptability</a:t>
+            </a:r>
+            <a:r>
+              <a:rPr lang="en-US" sz="2000" dirty="0"/>
+              <a:t>: The system should offer flexible scheduling options, asynchronous learning opportunities, and adaptive content based on user needs.</a:t>
+            </a:r>
+          </a:p>
+          <a:p>
             <a:endParaRPr lang="en-US" dirty="0"/>
           </a:p>
         </p:txBody>
       </p:sp>
-      <p:pic>
-        <p:nvPicPr>
-          <p:cNvPr id="1026" name="Picture 2"/>
-          <p:cNvPicPr>
-            <a:picLocks noGrp="1" noChangeAspect="1" noChangeArrowheads="1"/>
-          </p:cNvPicPr>
-          <p:nvPr>
-            <p:ph idx="1"/>
-          </p:nvPr>
-        </p:nvPicPr>
-        <p:blipFill>
-          <a:blip r:embed="rId2">
-            <a:extLst>
-              <a:ext uri="{28A0092B-C50C-407E-A947-70E740481C1C}">
-                <a14:useLocalDpi xmlns:a14="http://schemas.microsoft.com/office/drawing/2010/main" val="0"/>
-              </a:ext>
-            </a:extLst>
-          </a:blip>
-          <a:srcRect/>
-          <a:stretch>
-            <a:fillRect/>
-          </a:stretch>
-        </p:blipFill>
-        <p:spPr bwMode="auto">
-          <a:xfrm>
-            <a:off x="1219200" y="1634331"/>
-            <a:ext cx="6200775" cy="4457700"/>
-          </a:xfrm>
-          <a:prstGeom prst="rect">
-            <a:avLst/>
-          </a:prstGeom>
-          <a:noFill/>
-          <a:ln>
-            <a:noFill/>
-          </a:ln>
-          <a:effectLst/>
-          <a:extLst>
-            <a:ext uri="{909E8E84-426E-40DD-AFC4-6F175D3DCCD1}">
-              <a14:hiddenFill xmlns:a14="http://schemas.microsoft.com/office/drawing/2010/main">
-                <a:solidFill>
-                  <a:schemeClr val="accent1"/>
-                </a:solidFill>
-              </a14:hiddenFill>
-            </a:ext>
-            <a:ext uri="{91240B29-F687-4F45-9708-019B960494DF}">
-              <a14:hiddenLine xmlns:a14="http://schemas.microsoft.com/office/drawing/2010/main" w="9525">
-                <a:solidFill>
-                  <a:schemeClr val="tx1"/>
-                </a:solidFill>
-                <a:miter lim="800000"/>
-                <a:headEnd/>
-                <a:tailEnd/>
-              </a14:hiddenLine>
-            </a:ext>
-            <a:ext uri="{AF507438-7753-43E0-B8FC-AC1667EBCBE1}">
-              <a14:hiddenEffects xmlns:a14="http://schemas.microsoft.com/office/drawing/2010/main">
-                <a:effectLst>
-                  <a:outerShdw dist="35921" dir="2700000" algn="ctr" rotWithShape="0">
-                    <a:schemeClr val="bg2"/>
-                  </a:outerShdw>
-                </a:effectLst>
-              </a14:hiddenEffects>
-            </a:ext>
-          </a:extLst>
-        </p:spPr>
-      </p:pic>
     </p:spTree>
     <p:extLst>
       <p:ext uri="{BB962C8B-B14F-4D97-AF65-F5344CB8AC3E}">
-        <p14:creationId xmlns:p14="http://schemas.microsoft.com/office/powerpoint/2010/main" val="1130854272"/>
+        <p14:creationId xmlns:p14="http://schemas.microsoft.com/office/powerpoint/2010/main" val="2648753973"/>
       </p:ext>
     </p:extLst>
   </p:cSld>
   <p:clrMapOvr>
     <a:masterClrMapping/>
   </p:clrMapOvr>
+  <p:timing>
+    <p:tnLst>
+      <p:par>
+        <p:cTn id="1" dur="indefinite" restart="never" nodeType="tmRoot"/>
+      </p:par>
+    </p:tnLst>
+  </p:timing>
 </p:sld>
 </file>
 
@@ -4173,89 +3940,343 @@
           <a:lstStyle/>
           <a:p>
             <a:r>
+              <a:rPr lang="en-US" dirty="0"/>
+              <a:t>Initial Usability </a:t>
+            </a:r>
+            <a:r>
               <a:rPr lang="en-US" dirty="0" smtClean="0"/>
-              <a:t>Conceptual design</a:t>
+              <a:t>Criteria Cont..</a:t>
             </a:r>
             <a:endParaRPr lang="en-US" dirty="0"/>
           </a:p>
         </p:txBody>
       </p:sp>
-      <p:pic>
-        <p:nvPicPr>
-          <p:cNvPr id="3074" name="Picture 2"/>
-          <p:cNvPicPr>
-            <a:picLocks noGrp="1" noChangeAspect="1" noChangeArrowheads="1"/>
-          </p:cNvPicPr>
+      <p:sp>
+        <p:nvSpPr>
+          <p:cNvPr id="3" name="Content Placeholder 2"/>
+          <p:cNvSpPr>
+            <a:spLocks noGrp="1"/>
+          </p:cNvSpPr>
           <p:nvPr>
             <p:ph idx="1"/>
           </p:nvPr>
-        </p:nvPicPr>
-        <p:blipFill>
-          <a:blip r:embed="rId2">
-            <a:extLst>
-              <a:ext uri="{28A0092B-C50C-407E-A947-70E740481C1C}">
-                <a14:useLocalDpi xmlns:a14="http://schemas.microsoft.com/office/drawing/2010/main" val="0"/>
-              </a:ext>
-            </a:extLst>
-          </a:blip>
-          <a:srcRect/>
-          <a:stretch>
-            <a:fillRect/>
-          </a:stretch>
-        </p:blipFill>
-        <p:spPr bwMode="auto">
-          <a:xfrm>
-            <a:off x="1066800" y="1600200"/>
-            <a:ext cx="6553200" cy="4525963"/>
-          </a:xfrm>
-          <a:prstGeom prst="rect">
-            <a:avLst/>
-          </a:prstGeom>
-          <a:noFill/>
-          <a:ln>
-            <a:noFill/>
-          </a:ln>
-          <a:effectLst/>
-          <a:extLst>
-            <a:ext uri="{909E8E84-426E-40DD-AFC4-6F175D3DCCD1}">
-              <a14:hiddenFill xmlns:a14="http://schemas.microsoft.com/office/drawing/2010/main">
-                <a:solidFill>
-                  <a:schemeClr val="accent1"/>
-                </a:solidFill>
-              </a14:hiddenFill>
-            </a:ext>
-            <a:ext uri="{91240B29-F687-4F45-9708-019B960494DF}">
-              <a14:hiddenLine xmlns:a14="http://schemas.microsoft.com/office/drawing/2010/main" w="9525">
-                <a:solidFill>
-                  <a:schemeClr val="tx1"/>
-                </a:solidFill>
-                <a:miter lim="800000"/>
-                <a:headEnd/>
-                <a:tailEnd/>
-              </a14:hiddenLine>
-            </a:ext>
-            <a:ext uri="{AF507438-7753-43E0-B8FC-AC1667EBCBE1}">
-              <a14:hiddenEffects xmlns:a14="http://schemas.microsoft.com/office/drawing/2010/main">
-                <a:effectLst>
-                  <a:outerShdw dist="35921" dir="2700000" algn="ctr" rotWithShape="0">
-                    <a:schemeClr val="bg2"/>
-                  </a:outerShdw>
-                </a:effectLst>
-              </a14:hiddenEffects>
-            </a:ext>
-          </a:extLst>
-        </p:spPr>
-      </p:pic>
+        </p:nvSpPr>
+        <p:spPr/>
+        <p:txBody>
+          <a:bodyPr>
+            <a:normAutofit/>
+          </a:bodyPr>
+          <a:lstStyle/>
+          <a:p>
+            <a:pPr marL="0" indent="0">
+              <a:buNone/>
+            </a:pPr>
+            <a:endParaRPr lang="en-US" sz="2000" b="1" i="1" dirty="0" smtClean="0"/>
+          </a:p>
+          <a:p>
+            <a:pPr marL="514350" indent="-514350">
+              <a:buFont typeface="+mj-lt"/>
+              <a:buAutoNum type="romanUcPeriod" startAt="4"/>
+            </a:pPr>
+            <a:r>
+              <a:rPr lang="en-US" sz="2000" b="1" i="1" dirty="0" smtClean="0"/>
+              <a:t>Engagement and Interactivity: </a:t>
+            </a:r>
+            <a:r>
+              <a:rPr lang="en-US" sz="2000" dirty="0" smtClean="0"/>
+              <a:t>The system should incorporate interactive learning materials, multimedia content, and opportunities for collaboration and discussion.</a:t>
+            </a:r>
+          </a:p>
+          <a:p>
+            <a:pPr marL="514350" indent="-514350">
+              <a:buFont typeface="+mj-lt"/>
+              <a:buAutoNum type="romanUcPeriod" startAt="4"/>
+            </a:pPr>
+            <a:r>
+              <a:rPr lang="en-US" sz="2000" b="1" i="1" dirty="0" smtClean="0"/>
+              <a:t>Progress </a:t>
+            </a:r>
+            <a:r>
+              <a:rPr lang="en-US" sz="2000" b="1" i="1" dirty="0"/>
+              <a:t>Tracking and Personalized Feedback: </a:t>
+            </a:r>
+            <a:r>
+              <a:rPr lang="en-US" sz="2000" dirty="0"/>
+              <a:t>Users should be able to track their progress, receive personalized feedback, and set goals to monitor their language learning journey.</a:t>
+            </a:r>
+          </a:p>
+          <a:p>
+            <a:pPr marL="514350" indent="-514350">
+              <a:buFont typeface="+mj-lt"/>
+              <a:buAutoNum type="romanUcPeriod" startAt="4"/>
+            </a:pPr>
+            <a:r>
+              <a:rPr lang="en-US" sz="2000" b="1" i="1" dirty="0"/>
+              <a:t>Support and Communication:</a:t>
+            </a:r>
+            <a:r>
+              <a:rPr lang="en-US" sz="2000" dirty="0"/>
+              <a:t> The system should facilitate effective communication channels between learners, instructors, and support staff, allowing for timely assistance and guidance.</a:t>
+            </a:r>
+          </a:p>
+          <a:p>
+            <a:endParaRPr lang="en-US" dirty="0"/>
+          </a:p>
+        </p:txBody>
+      </p:sp>
     </p:spTree>
     <p:extLst>
       <p:ext uri="{BB962C8B-B14F-4D97-AF65-F5344CB8AC3E}">
-        <p14:creationId xmlns:p14="http://schemas.microsoft.com/office/powerpoint/2010/main" val="1532219585"/>
+        <p14:creationId xmlns:p14="http://schemas.microsoft.com/office/powerpoint/2010/main" val="4079655203"/>
       </p:ext>
     </p:extLst>
   </p:cSld>
   <p:clrMapOvr>
     <a:masterClrMapping/>
   </p:clrMapOvr>
+  <p:timing>
+    <p:tnLst>
+      <p:par>
+        <p:cTn id="1" dur="indefinite" restart="never" nodeType="tmRoot"/>
+      </p:par>
+    </p:tnLst>
+  </p:timing>
+</p:sld>
+</file>
+
+<file path=ppt/slides/slide18.xml><?xml version="1.0" encoding="utf-8"?>
+<p:sld xmlns:a="http://schemas.openxmlformats.org/drawingml/2006/main" xmlns:r="http://schemas.openxmlformats.org/officeDocument/2006/relationships" xmlns:p="http://schemas.openxmlformats.org/presentationml/2006/main">
+  <p:cSld>
+    <p:spTree>
+      <p:nvGrpSpPr>
+        <p:cNvPr id="1" name=""/>
+        <p:cNvGrpSpPr/>
+        <p:nvPr/>
+      </p:nvGrpSpPr>
+      <p:grpSpPr>
+        <a:xfrm>
+          <a:off x="0" y="0"/>
+          <a:ext cx="0" cy="0"/>
+          <a:chOff x="0" y="0"/>
+          <a:chExt cx="0" cy="0"/>
+        </a:xfrm>
+      </p:grpSpPr>
+      <p:sp>
+        <p:nvSpPr>
+          <p:cNvPr id="2" name="Title 1"/>
+          <p:cNvSpPr>
+            <a:spLocks noGrp="1"/>
+          </p:cNvSpPr>
+          <p:nvPr>
+            <p:ph type="title"/>
+          </p:nvPr>
+        </p:nvSpPr>
+        <p:spPr/>
+        <p:txBody>
+          <a:bodyPr/>
+          <a:lstStyle/>
+          <a:p>
+            <a:r>
+              <a:rPr lang="en-US" dirty="0"/>
+              <a:t>Gathering of Information</a:t>
+            </a:r>
+          </a:p>
+        </p:txBody>
+      </p:sp>
+      <p:sp>
+        <p:nvSpPr>
+          <p:cNvPr id="3" name="Content Placeholder 2"/>
+          <p:cNvSpPr>
+            <a:spLocks noGrp="1"/>
+          </p:cNvSpPr>
+          <p:nvPr>
+            <p:ph idx="1"/>
+          </p:nvPr>
+        </p:nvSpPr>
+        <p:spPr/>
+        <p:txBody>
+          <a:bodyPr>
+            <a:normAutofit/>
+          </a:bodyPr>
+          <a:lstStyle/>
+          <a:p>
+            <a:endParaRPr lang="en-US" sz="2000" dirty="0" smtClean="0"/>
+          </a:p>
+          <a:p>
+            <a:r>
+              <a:rPr lang="en-US" sz="2000" dirty="0" smtClean="0"/>
+              <a:t>The </a:t>
+            </a:r>
+            <a:r>
+              <a:rPr lang="en-US" sz="2000" dirty="0"/>
+              <a:t>above information was gathered through a combination of analysis of the given problem scenario and the general knowledge base of the language learning domain. No specific references to existing literature or online material were used in completing this stage of the project. The information presented is based on the understanding of educational systems, adult learning principles, and user-centered design considerations.</a:t>
+            </a:r>
+          </a:p>
+        </p:txBody>
+      </p:sp>
+    </p:spTree>
+    <p:extLst>
+      <p:ext uri="{BB962C8B-B14F-4D97-AF65-F5344CB8AC3E}">
+        <p14:creationId xmlns:p14="http://schemas.microsoft.com/office/powerpoint/2010/main" val="3683200814"/>
+      </p:ext>
+    </p:extLst>
+  </p:cSld>
+  <p:clrMapOvr>
+    <a:masterClrMapping/>
+  </p:clrMapOvr>
+  <p:timing>
+    <p:tnLst>
+      <p:par>
+        <p:cTn id="1" dur="indefinite" restart="never" nodeType="tmRoot"/>
+      </p:par>
+    </p:tnLst>
+  </p:timing>
+</p:sld>
+</file>
+
+<file path=ppt/slides/slide19.xml><?xml version="1.0" encoding="utf-8"?>
+<p:sld xmlns:a="http://schemas.openxmlformats.org/drawingml/2006/main" xmlns:r="http://schemas.openxmlformats.org/officeDocument/2006/relationships" xmlns:p="http://schemas.openxmlformats.org/presentationml/2006/main">
+  <p:cSld>
+    <p:spTree>
+      <p:nvGrpSpPr>
+        <p:cNvPr id="1" name=""/>
+        <p:cNvGrpSpPr/>
+        <p:nvPr/>
+      </p:nvGrpSpPr>
+      <p:grpSpPr>
+        <a:xfrm>
+          <a:off x="0" y="0"/>
+          <a:ext cx="0" cy="0"/>
+          <a:chOff x="0" y="0"/>
+          <a:chExt cx="0" cy="0"/>
+        </a:xfrm>
+      </p:grpSpPr>
+      <p:sp>
+        <p:nvSpPr>
+          <p:cNvPr id="2" name="Title 1"/>
+          <p:cNvSpPr>
+            <a:spLocks noGrp="1"/>
+          </p:cNvSpPr>
+          <p:nvPr>
+            <p:ph type="title"/>
+          </p:nvPr>
+        </p:nvSpPr>
+        <p:spPr/>
+        <p:txBody>
+          <a:bodyPr>
+            <a:normAutofit fontScale="90000"/>
+          </a:bodyPr>
+          <a:lstStyle/>
+          <a:p>
+            <a:r>
+              <a:rPr lang="en-US" dirty="0" smtClean="0"/>
+              <a:t>Interface </a:t>
+            </a:r>
+            <a:r>
+              <a:rPr lang="en-US" dirty="0"/>
+              <a:t>designs for the online learning system</a:t>
+            </a:r>
+          </a:p>
+        </p:txBody>
+      </p:sp>
+      <p:sp>
+        <p:nvSpPr>
+          <p:cNvPr id="3" name="Content Placeholder 2"/>
+          <p:cNvSpPr>
+            <a:spLocks noGrp="1"/>
+          </p:cNvSpPr>
+          <p:nvPr>
+            <p:ph idx="1"/>
+          </p:nvPr>
+        </p:nvSpPr>
+        <p:spPr/>
+        <p:txBody>
+          <a:bodyPr>
+            <a:normAutofit/>
+          </a:bodyPr>
+          <a:lstStyle/>
+          <a:p>
+            <a:pPr marL="0" indent="0">
+              <a:buNone/>
+            </a:pPr>
+            <a:r>
+              <a:rPr lang="en-US" sz="2000" b="1" dirty="0"/>
+              <a:t>Interface Design 1: </a:t>
+            </a:r>
+            <a:r>
+              <a:rPr lang="en-US" sz="2000" i="1" dirty="0"/>
+              <a:t>Discussion Hub</a:t>
+            </a:r>
+          </a:p>
+          <a:p>
+            <a:pPr marL="0" indent="0">
+              <a:buNone/>
+            </a:pPr>
+            <a:r>
+              <a:rPr lang="en-US" sz="2000" b="1" i="1" dirty="0"/>
+              <a:t>Rationale:</a:t>
+            </a:r>
+          </a:p>
+          <a:p>
+            <a:pPr marL="0" indent="0">
+              <a:buNone/>
+            </a:pPr>
+            <a:r>
+              <a:rPr lang="en-US" sz="2000" dirty="0"/>
+              <a:t>This design focuses on promoting active discussions and collaboration among learners. It provides a centralized hub for learners to engage in threaded discussions, ask questions, and share insights, fostering a sense of community and facilitating peer-to-peer learning.</a:t>
+            </a:r>
+          </a:p>
+          <a:p>
+            <a:pPr marL="0" indent="0">
+              <a:buNone/>
+            </a:pPr>
+            <a:r>
+              <a:rPr lang="en-US" sz="2000" b="1" i="1" dirty="0"/>
+              <a:t>Illustration:</a:t>
+            </a:r>
+            <a:r>
+              <a:rPr lang="en-US" sz="2000" dirty="0"/>
+              <a:t>	</a:t>
+            </a:r>
+            <a:endParaRPr lang="en-US" sz="2000" dirty="0" smtClean="0"/>
+          </a:p>
+          <a:p>
+            <a:pPr marL="0" indent="0">
+              <a:buNone/>
+            </a:pPr>
+            <a:r>
+              <a:rPr lang="en-US" sz="2000" dirty="0" smtClean="0"/>
+              <a:t>The </a:t>
+            </a:r>
+            <a:r>
+              <a:rPr lang="en-US" sz="2000" dirty="0"/>
+              <a:t>interface includes a main discussion feed displaying recent posts, a search function to find specific topics, and options to filter discussions by category or relevance. Each discussion thread shows the post content, comments, and likes</a:t>
+            </a:r>
+            <a:r>
+              <a:rPr lang="en-US" sz="2000" dirty="0" smtClean="0"/>
+              <a:t>.</a:t>
+            </a:r>
+            <a:endParaRPr lang="en-US" sz="2000" dirty="0"/>
+          </a:p>
+        </p:txBody>
+      </p:sp>
+    </p:spTree>
+    <p:extLst>
+      <p:ext uri="{BB962C8B-B14F-4D97-AF65-F5344CB8AC3E}">
+        <p14:creationId xmlns:p14="http://schemas.microsoft.com/office/powerpoint/2010/main" val="3426718740"/>
+      </p:ext>
+    </p:extLst>
+  </p:cSld>
+  <p:clrMapOvr>
+    <a:masterClrMapping/>
+  </p:clrMapOvr>
+  <p:timing>
+    <p:tnLst>
+      <p:par>
+        <p:cTn id="1" dur="indefinite" restart="never" nodeType="tmRoot"/>
+      </p:par>
+    </p:tnLst>
+  </p:timing>
 </p:sld>
 </file>
 
@@ -4292,10 +4313,9 @@
           <a:lstStyle/>
           <a:p>
             <a:r>
-              <a:rPr lang="en-US" dirty="0" smtClean="0"/>
-              <a:t>Users</a:t>
-            </a:r>
-            <a:endParaRPr lang="en-US" dirty="0"/>
+              <a:rPr lang="en-US" dirty="0"/>
+              <a:t>Problem Definition</a:t>
+            </a:r>
           </a:p>
         </p:txBody>
       </p:sp>
@@ -4316,57 +4336,1289 @@
           </a:bodyPr>
           <a:lstStyle/>
           <a:p>
+            <a:r>
+              <a:rPr lang="en-US" sz="2000" dirty="0"/>
+              <a:t>The Destined Adult School requires the development of an online learning system to cater to adult learners, particularly high-profile individuals, who are reluctant to attend physical classes due to privacy concerns. The system is needed to provide a secure and private environment for these learners to access educational resources, participate in classes remotely, and improve their English language skills.</a:t>
+            </a:r>
+          </a:p>
+          <a:p>
             <a:pPr marL="0" indent="0">
               <a:buNone/>
             </a:pPr>
-            <a:r>
-              <a:rPr lang="en-US" sz="2000" i="1" dirty="0" smtClean="0"/>
-              <a:t>1.Language Learners: </a:t>
-            </a:r>
-            <a:r>
-              <a:rPr lang="en-US" sz="2400" dirty="0" smtClean="0"/>
-              <a:t>Individuals of various proficiency levels seeking to learn or improve their skills in a foreign language.</a:t>
-            </a:r>
-          </a:p>
-          <a:p>
-            <a:pPr marL="0" indent="0">
-              <a:buNone/>
-            </a:pPr>
-            <a:r>
-              <a:rPr lang="en-US" sz="2000" i="1" dirty="0" smtClean="0"/>
-              <a:t>2.Educators/Tutors: </a:t>
-            </a:r>
-            <a:r>
-              <a:rPr lang="en-US" sz="2400" dirty="0" smtClean="0"/>
-              <a:t>Language teachers or tutors who may use the platform to supplement their teaching materials or guide their students.</a:t>
-            </a:r>
-          </a:p>
-          <a:p>
-            <a:pPr marL="0" indent="0">
-              <a:buNone/>
-            </a:pPr>
-            <a:r>
-              <a:rPr lang="en-US" sz="2000" i="1" dirty="0" smtClean="0"/>
-              <a:t>3.Administrators: </a:t>
-            </a:r>
-            <a:r>
-              <a:rPr lang="en-US" sz="2400" dirty="0" smtClean="0"/>
-              <a:t>Those responsible for managing and maintaining the platform, including content moderation, user management, and technical support.</a:t>
-            </a:r>
-            <a:endParaRPr lang="en-US" sz="2400" dirty="0"/>
+            <a:endParaRPr lang="en-US" dirty="0"/>
           </a:p>
         </p:txBody>
       </p:sp>
     </p:spTree>
     <p:extLst>
       <p:ext uri="{BB962C8B-B14F-4D97-AF65-F5344CB8AC3E}">
-        <p14:creationId xmlns:p14="http://schemas.microsoft.com/office/powerpoint/2010/main" val="705171496"/>
+        <p14:creationId xmlns:p14="http://schemas.microsoft.com/office/powerpoint/2010/main" val="2328104275"/>
       </p:ext>
     </p:extLst>
   </p:cSld>
   <p:clrMapOvr>
     <a:masterClrMapping/>
   </p:clrMapOvr>
+</p:sld>
+</file>
+
+<file path=ppt/slides/slide20.xml><?xml version="1.0" encoding="utf-8"?>
+<p:sld xmlns:a="http://schemas.openxmlformats.org/drawingml/2006/main" xmlns:r="http://schemas.openxmlformats.org/officeDocument/2006/relationships" xmlns:p="http://schemas.openxmlformats.org/presentationml/2006/main">
+  <p:cSld>
+    <p:spTree>
+      <p:nvGrpSpPr>
+        <p:cNvPr id="1" name=""/>
+        <p:cNvGrpSpPr/>
+        <p:nvPr/>
+      </p:nvGrpSpPr>
+      <p:grpSpPr>
+        <a:xfrm>
+          <a:off x="0" y="0"/>
+          <a:ext cx="0" cy="0"/>
+          <a:chOff x="0" y="0"/>
+          <a:chExt cx="0" cy="0"/>
+        </a:xfrm>
+      </p:grpSpPr>
+      <p:sp>
+        <p:nvSpPr>
+          <p:cNvPr id="2" name="Title 1"/>
+          <p:cNvSpPr>
+            <a:spLocks noGrp="1"/>
+          </p:cNvSpPr>
+          <p:nvPr>
+            <p:ph type="title"/>
+          </p:nvPr>
+        </p:nvSpPr>
+        <p:spPr/>
+        <p:txBody>
+          <a:bodyPr/>
+          <a:lstStyle/>
+          <a:p>
+            <a:r>
+              <a:rPr lang="en-US" dirty="0" smtClean="0"/>
+              <a:t>Interface design 1 </a:t>
+            </a:r>
+            <a:endParaRPr lang="en-US" dirty="0"/>
+          </a:p>
+        </p:txBody>
+      </p:sp>
+      <p:sp>
+        <p:nvSpPr>
+          <p:cNvPr id="3" name="Content Placeholder 2"/>
+          <p:cNvSpPr>
+            <a:spLocks noGrp="1"/>
+          </p:cNvSpPr>
+          <p:nvPr>
+            <p:ph idx="1"/>
+          </p:nvPr>
+        </p:nvSpPr>
+        <p:spPr/>
+        <p:txBody>
+          <a:bodyPr>
+            <a:normAutofit/>
+          </a:bodyPr>
+          <a:lstStyle/>
+          <a:p>
+            <a:pPr marL="0" indent="0">
+              <a:buNone/>
+            </a:pPr>
+            <a:r>
+              <a:rPr lang="en-US" sz="2000" b="1" i="1" dirty="0"/>
+              <a:t>Scenario</a:t>
+            </a:r>
+            <a:r>
+              <a:rPr lang="en-US" sz="2000" b="1" i="1" dirty="0" smtClean="0"/>
+              <a:t>:</a:t>
+            </a:r>
+            <a:endParaRPr lang="en-US" sz="2000" b="1" i="1" dirty="0"/>
+          </a:p>
+          <a:p>
+            <a:pPr marL="0" indent="0">
+              <a:buNone/>
+            </a:pPr>
+            <a:r>
+              <a:rPr lang="en-US" sz="2000" dirty="0" err="1"/>
+              <a:t>Otieno</a:t>
+            </a:r>
+            <a:r>
+              <a:rPr lang="en-US" sz="2000" dirty="0"/>
+              <a:t>, an adult learner, accesses the discussion hub to seek clarification on a grammar rule. He posts his question in the relevant category and receives responses from other learners and instructors within a few hours. He engages in a back-and-forth discussion, gaining a deeper understanding of the concept</a:t>
+            </a:r>
+            <a:r>
+              <a:rPr lang="en-US" sz="2000" dirty="0" smtClean="0"/>
+              <a:t>.</a:t>
+            </a:r>
+          </a:p>
+          <a:p>
+            <a:pPr marL="0" indent="0">
+              <a:buNone/>
+            </a:pPr>
+            <a:endParaRPr lang="en-US" sz="2000" dirty="0"/>
+          </a:p>
+          <a:p>
+            <a:pPr marL="0" indent="0">
+              <a:buNone/>
+            </a:pPr>
+            <a:r>
+              <a:rPr lang="en-US" sz="2000" b="1" i="1" dirty="0"/>
+              <a:t>Assessment:</a:t>
+            </a:r>
+          </a:p>
+          <a:p>
+            <a:pPr marL="0" indent="0">
+              <a:buNone/>
+            </a:pPr>
+            <a:r>
+              <a:rPr lang="en-US" sz="2000" dirty="0"/>
+              <a:t>User feedback indicates that the discussion hub enhances learner engagement, encourages interaction, and provides a valuable platform for knowledge sharing. Learners appreciate the ability to connect with peers, receive diverse perspectives, and receive timely responses from instructors.</a:t>
+            </a:r>
+          </a:p>
+          <a:p>
+            <a:endParaRPr lang="en-US" dirty="0"/>
+          </a:p>
+          <a:p>
+            <a:pPr marL="0" indent="0">
+              <a:buNone/>
+            </a:pPr>
+            <a:endParaRPr lang="en-US" dirty="0"/>
+          </a:p>
+        </p:txBody>
+      </p:sp>
+    </p:spTree>
+    <p:extLst>
+      <p:ext uri="{BB962C8B-B14F-4D97-AF65-F5344CB8AC3E}">
+        <p14:creationId xmlns:p14="http://schemas.microsoft.com/office/powerpoint/2010/main" val="3882476868"/>
+      </p:ext>
+    </p:extLst>
+  </p:cSld>
+  <p:clrMapOvr>
+    <a:masterClrMapping/>
+  </p:clrMapOvr>
+  <p:timing>
+    <p:tnLst>
+      <p:par>
+        <p:cTn id="1" dur="indefinite" restart="never" nodeType="tmRoot"/>
+      </p:par>
+    </p:tnLst>
+  </p:timing>
+</p:sld>
+</file>
+
+<file path=ppt/slides/slide21.xml><?xml version="1.0" encoding="utf-8"?>
+<p:sld xmlns:a="http://schemas.openxmlformats.org/drawingml/2006/main" xmlns:r="http://schemas.openxmlformats.org/officeDocument/2006/relationships" xmlns:p="http://schemas.openxmlformats.org/presentationml/2006/main">
+  <p:cSld>
+    <p:spTree>
+      <p:nvGrpSpPr>
+        <p:cNvPr id="1" name=""/>
+        <p:cNvGrpSpPr/>
+        <p:nvPr/>
+      </p:nvGrpSpPr>
+      <p:grpSpPr>
+        <a:xfrm>
+          <a:off x="0" y="0"/>
+          <a:ext cx="0" cy="0"/>
+          <a:chOff x="0" y="0"/>
+          <a:chExt cx="0" cy="0"/>
+        </a:xfrm>
+      </p:grpSpPr>
+      <p:sp>
+        <p:nvSpPr>
+          <p:cNvPr id="2" name="Title 1"/>
+          <p:cNvSpPr>
+            <a:spLocks noGrp="1"/>
+          </p:cNvSpPr>
+          <p:nvPr>
+            <p:ph type="title"/>
+          </p:nvPr>
+        </p:nvSpPr>
+        <p:spPr/>
+        <p:txBody>
+          <a:bodyPr/>
+          <a:lstStyle/>
+          <a:p>
+            <a:r>
+              <a:rPr lang="en-US" dirty="0" smtClean="0"/>
+              <a:t>Interface designs</a:t>
+            </a:r>
+            <a:endParaRPr lang="en-US" dirty="0"/>
+          </a:p>
+        </p:txBody>
+      </p:sp>
+      <p:sp>
+        <p:nvSpPr>
+          <p:cNvPr id="3" name="Content Placeholder 2"/>
+          <p:cNvSpPr>
+            <a:spLocks noGrp="1"/>
+          </p:cNvSpPr>
+          <p:nvPr>
+            <p:ph idx="1"/>
+          </p:nvPr>
+        </p:nvSpPr>
+        <p:spPr/>
+        <p:txBody>
+          <a:bodyPr>
+            <a:normAutofit/>
+          </a:bodyPr>
+          <a:lstStyle/>
+          <a:p>
+            <a:pPr marL="0" indent="0">
+              <a:buNone/>
+            </a:pPr>
+            <a:r>
+              <a:rPr lang="en-US" sz="2000" b="1" dirty="0"/>
+              <a:t>Interface Design 2: </a:t>
+            </a:r>
+            <a:r>
+              <a:rPr lang="en-US" sz="2000" i="1" dirty="0"/>
+              <a:t>Virtual Classroom</a:t>
+            </a:r>
+          </a:p>
+          <a:p>
+            <a:pPr marL="0" indent="0">
+              <a:buNone/>
+            </a:pPr>
+            <a:r>
+              <a:rPr lang="en-US" sz="2000" b="1" i="1" dirty="0"/>
+              <a:t>Rationale:</a:t>
+            </a:r>
+          </a:p>
+          <a:p>
+            <a:pPr marL="0" indent="0">
+              <a:buNone/>
+            </a:pPr>
+            <a:r>
+              <a:rPr lang="en-US" sz="2000" dirty="0"/>
+              <a:t>This design focuses on replicating the traditional classroom experience in a virtual setting. It enables live interactions, real-time discussions, and instructor-led sessions, allowing learners to actively participate and engage with course content</a:t>
+            </a:r>
+            <a:r>
+              <a:rPr lang="en-US" sz="2000" dirty="0" smtClean="0"/>
+              <a:t>.</a:t>
+            </a:r>
+            <a:endParaRPr lang="en-US" sz="2000" dirty="0"/>
+          </a:p>
+          <a:p>
+            <a:pPr marL="0" indent="0">
+              <a:buNone/>
+            </a:pPr>
+            <a:r>
+              <a:rPr lang="en-US" sz="2000" b="1" i="1" dirty="0"/>
+              <a:t>Illustration:</a:t>
+            </a:r>
+          </a:p>
+          <a:p>
+            <a:pPr marL="0" indent="0">
+              <a:buNone/>
+            </a:pPr>
+            <a:r>
+              <a:rPr lang="en-US" sz="2000" dirty="0"/>
+              <a:t>The interface features a virtual classroom with video conferencing capabilities. It includes a main screen displaying the instructor's video feed, a chat window for text-based communication, and a shared whiteboard for collaborative activities. Learners can raise hand, ask questions, and participate in polls.</a:t>
+            </a:r>
+          </a:p>
+          <a:p>
+            <a:endParaRPr lang="en-US" dirty="0"/>
+          </a:p>
+        </p:txBody>
+      </p:sp>
+    </p:spTree>
+    <p:extLst>
+      <p:ext uri="{BB962C8B-B14F-4D97-AF65-F5344CB8AC3E}">
+        <p14:creationId xmlns:p14="http://schemas.microsoft.com/office/powerpoint/2010/main" val="1669359259"/>
+      </p:ext>
+    </p:extLst>
+  </p:cSld>
+  <p:clrMapOvr>
+    <a:masterClrMapping/>
+  </p:clrMapOvr>
+  <p:timing>
+    <p:tnLst>
+      <p:par>
+        <p:cTn id="1" dur="indefinite" restart="never" nodeType="tmRoot"/>
+      </p:par>
+    </p:tnLst>
+  </p:timing>
+</p:sld>
+</file>
+
+<file path=ppt/slides/slide22.xml><?xml version="1.0" encoding="utf-8"?>
+<p:sld xmlns:a="http://schemas.openxmlformats.org/drawingml/2006/main" xmlns:r="http://schemas.openxmlformats.org/officeDocument/2006/relationships" xmlns:p="http://schemas.openxmlformats.org/presentationml/2006/main">
+  <p:cSld>
+    <p:spTree>
+      <p:nvGrpSpPr>
+        <p:cNvPr id="1" name=""/>
+        <p:cNvGrpSpPr/>
+        <p:nvPr/>
+      </p:nvGrpSpPr>
+      <p:grpSpPr>
+        <a:xfrm>
+          <a:off x="0" y="0"/>
+          <a:ext cx="0" cy="0"/>
+          <a:chOff x="0" y="0"/>
+          <a:chExt cx="0" cy="0"/>
+        </a:xfrm>
+      </p:grpSpPr>
+      <p:sp>
+        <p:nvSpPr>
+          <p:cNvPr id="2" name="Title 1"/>
+          <p:cNvSpPr>
+            <a:spLocks noGrp="1"/>
+          </p:cNvSpPr>
+          <p:nvPr>
+            <p:ph type="title"/>
+          </p:nvPr>
+        </p:nvSpPr>
+        <p:spPr/>
+        <p:txBody>
+          <a:bodyPr/>
+          <a:lstStyle/>
+          <a:p>
+            <a:r>
+              <a:rPr lang="en-US" dirty="0" smtClean="0"/>
+              <a:t>Interface design 2 </a:t>
+            </a:r>
+            <a:endParaRPr lang="en-US" dirty="0"/>
+          </a:p>
+        </p:txBody>
+      </p:sp>
+      <p:sp>
+        <p:nvSpPr>
+          <p:cNvPr id="3" name="Content Placeholder 2"/>
+          <p:cNvSpPr>
+            <a:spLocks noGrp="1"/>
+          </p:cNvSpPr>
+          <p:nvPr>
+            <p:ph idx="1"/>
+          </p:nvPr>
+        </p:nvSpPr>
+        <p:spPr/>
+        <p:txBody>
+          <a:bodyPr>
+            <a:normAutofit/>
+          </a:bodyPr>
+          <a:lstStyle/>
+          <a:p>
+            <a:pPr marL="0" indent="0">
+              <a:buNone/>
+            </a:pPr>
+            <a:r>
+              <a:rPr lang="en-US" sz="2000" b="1" i="1" dirty="0"/>
+              <a:t>Scenario:</a:t>
+            </a:r>
+          </a:p>
+          <a:p>
+            <a:pPr marL="0" indent="0">
+              <a:buNone/>
+            </a:pPr>
+            <a:r>
+              <a:rPr lang="en-US" sz="2000" dirty="0"/>
+              <a:t>Victor, an adult learner, joins a virtual classroom session conducted by his instructor. He sees the instructor's video feed and presentation on the main screen. He actively participates by typing questions in the chat window and contributing to the discussion. The instructor addresses his questions and encourages input from other learners.</a:t>
+            </a:r>
+          </a:p>
+          <a:p>
+            <a:pPr marL="0" indent="0">
+              <a:buNone/>
+            </a:pPr>
+            <a:r>
+              <a:rPr lang="en-US" sz="2000" b="1" i="1" dirty="0"/>
+              <a:t>Assessment:</a:t>
+            </a:r>
+          </a:p>
+          <a:p>
+            <a:pPr marL="0" indent="0">
+              <a:buNone/>
+            </a:pPr>
+            <a:r>
+              <a:rPr lang="en-US" sz="2000" dirty="0"/>
+              <a:t>Feedback from users indicates that the virtual classroom design provides a dynamic and engaging learning experience. Learners appreciate the ability to interact with instructors and peers in real-time, fostering a sense of connection and active participation</a:t>
+            </a:r>
+          </a:p>
+          <a:p>
+            <a:endParaRPr lang="en-US" dirty="0"/>
+          </a:p>
+        </p:txBody>
+      </p:sp>
+    </p:spTree>
+    <p:extLst>
+      <p:ext uri="{BB962C8B-B14F-4D97-AF65-F5344CB8AC3E}">
+        <p14:creationId xmlns:p14="http://schemas.microsoft.com/office/powerpoint/2010/main" val="1150248468"/>
+      </p:ext>
+    </p:extLst>
+  </p:cSld>
+  <p:clrMapOvr>
+    <a:masterClrMapping/>
+  </p:clrMapOvr>
+  <p:timing>
+    <p:tnLst>
+      <p:par>
+        <p:cTn id="1" dur="indefinite" restart="never" nodeType="tmRoot"/>
+      </p:par>
+    </p:tnLst>
+  </p:timing>
+</p:sld>
+</file>
+
+<file path=ppt/slides/slide23.xml><?xml version="1.0" encoding="utf-8"?>
+<p:sld xmlns:a="http://schemas.openxmlformats.org/drawingml/2006/main" xmlns:r="http://schemas.openxmlformats.org/officeDocument/2006/relationships" xmlns:p="http://schemas.openxmlformats.org/presentationml/2006/main">
+  <p:cSld>
+    <p:spTree>
+      <p:nvGrpSpPr>
+        <p:cNvPr id="1" name=""/>
+        <p:cNvGrpSpPr/>
+        <p:nvPr/>
+      </p:nvGrpSpPr>
+      <p:grpSpPr>
+        <a:xfrm>
+          <a:off x="0" y="0"/>
+          <a:ext cx="0" cy="0"/>
+          <a:chOff x="0" y="0"/>
+          <a:chExt cx="0" cy="0"/>
+        </a:xfrm>
+      </p:grpSpPr>
+      <p:sp>
+        <p:nvSpPr>
+          <p:cNvPr id="2" name="Title 1"/>
+          <p:cNvSpPr>
+            <a:spLocks noGrp="1"/>
+          </p:cNvSpPr>
+          <p:nvPr>
+            <p:ph type="title"/>
+          </p:nvPr>
+        </p:nvSpPr>
+        <p:spPr/>
+        <p:txBody>
+          <a:bodyPr/>
+          <a:lstStyle/>
+          <a:p>
+            <a:r>
+              <a:rPr lang="en-US" dirty="0" smtClean="0"/>
+              <a:t>Interface designs</a:t>
+            </a:r>
+            <a:endParaRPr lang="en-US" dirty="0"/>
+          </a:p>
+        </p:txBody>
+      </p:sp>
+      <p:sp>
+        <p:nvSpPr>
+          <p:cNvPr id="3" name="Content Placeholder 2"/>
+          <p:cNvSpPr>
+            <a:spLocks noGrp="1"/>
+          </p:cNvSpPr>
+          <p:nvPr>
+            <p:ph idx="1"/>
+          </p:nvPr>
+        </p:nvSpPr>
+        <p:spPr/>
+        <p:txBody>
+          <a:bodyPr>
+            <a:normAutofit/>
+          </a:bodyPr>
+          <a:lstStyle/>
+          <a:p>
+            <a:pPr marL="0" indent="0">
+              <a:buNone/>
+            </a:pPr>
+            <a:r>
+              <a:rPr lang="en-US" sz="2000" b="1" dirty="0"/>
+              <a:t>Interface Design 3: </a:t>
+            </a:r>
+            <a:r>
+              <a:rPr lang="en-US" sz="2000" i="1" dirty="0"/>
+              <a:t>Personalized Progress Tracker</a:t>
+            </a:r>
+          </a:p>
+          <a:p>
+            <a:pPr marL="0" indent="0">
+              <a:buNone/>
+            </a:pPr>
+            <a:r>
+              <a:rPr lang="en-US" sz="2000" b="1" i="1" dirty="0"/>
+              <a:t>Rationale:</a:t>
+            </a:r>
+          </a:p>
+          <a:p>
+            <a:pPr marL="0" indent="0">
+              <a:buNone/>
+            </a:pPr>
+            <a:r>
+              <a:rPr lang="en-US" sz="2000" dirty="0"/>
+              <a:t>This design focuses on empowering learners to track their progress and set goals. It provides personalized feedback, performance analytics, and goal-setting features, enabling learners to monitor their language learning journey and stay motivated.</a:t>
+            </a:r>
+          </a:p>
+          <a:p>
+            <a:pPr marL="0" indent="0">
+              <a:buNone/>
+            </a:pPr>
+            <a:r>
+              <a:rPr lang="en-US" sz="2000" b="1" i="1" dirty="0"/>
+              <a:t>Illustration:</a:t>
+            </a:r>
+          </a:p>
+          <a:p>
+            <a:pPr marL="0" indent="0">
+              <a:buNone/>
+            </a:pPr>
+            <a:r>
+              <a:rPr lang="en-US" sz="2000" dirty="0"/>
+              <a:t>The interface includes a dashboard displaying a learner's progress, achievements, and recommendations. It shows completed lessons, quiz scores, and areas for improvement. Learners can set goals, track their performance over time, and receive personalized feedback from instructors.</a:t>
+            </a:r>
+          </a:p>
+          <a:p>
+            <a:endParaRPr lang="en-US" dirty="0"/>
+          </a:p>
+        </p:txBody>
+      </p:sp>
+    </p:spTree>
+    <p:extLst>
+      <p:ext uri="{BB962C8B-B14F-4D97-AF65-F5344CB8AC3E}">
+        <p14:creationId xmlns:p14="http://schemas.microsoft.com/office/powerpoint/2010/main" val="2261140792"/>
+      </p:ext>
+    </p:extLst>
+  </p:cSld>
+  <p:clrMapOvr>
+    <a:masterClrMapping/>
+  </p:clrMapOvr>
+  <p:timing>
+    <p:tnLst>
+      <p:par>
+        <p:cTn id="1" dur="indefinite" restart="never" nodeType="tmRoot"/>
+      </p:par>
+    </p:tnLst>
+  </p:timing>
+</p:sld>
+</file>
+
+<file path=ppt/slides/slide24.xml><?xml version="1.0" encoding="utf-8"?>
+<p:sld xmlns:a="http://schemas.openxmlformats.org/drawingml/2006/main" xmlns:r="http://schemas.openxmlformats.org/officeDocument/2006/relationships" xmlns:p="http://schemas.openxmlformats.org/presentationml/2006/main">
+  <p:cSld>
+    <p:spTree>
+      <p:nvGrpSpPr>
+        <p:cNvPr id="1" name=""/>
+        <p:cNvGrpSpPr/>
+        <p:nvPr/>
+      </p:nvGrpSpPr>
+      <p:grpSpPr>
+        <a:xfrm>
+          <a:off x="0" y="0"/>
+          <a:ext cx="0" cy="0"/>
+          <a:chOff x="0" y="0"/>
+          <a:chExt cx="0" cy="0"/>
+        </a:xfrm>
+      </p:grpSpPr>
+      <p:sp>
+        <p:nvSpPr>
+          <p:cNvPr id="2" name="Title 1"/>
+          <p:cNvSpPr>
+            <a:spLocks noGrp="1"/>
+          </p:cNvSpPr>
+          <p:nvPr>
+            <p:ph type="title"/>
+          </p:nvPr>
+        </p:nvSpPr>
+        <p:spPr/>
+        <p:txBody>
+          <a:bodyPr/>
+          <a:lstStyle/>
+          <a:p>
+            <a:r>
+              <a:rPr lang="en-US" dirty="0" smtClean="0"/>
+              <a:t>Interface design 3 </a:t>
+            </a:r>
+            <a:endParaRPr lang="en-US" dirty="0"/>
+          </a:p>
+        </p:txBody>
+      </p:sp>
+      <p:sp>
+        <p:nvSpPr>
+          <p:cNvPr id="3" name="Content Placeholder 2"/>
+          <p:cNvSpPr>
+            <a:spLocks noGrp="1"/>
+          </p:cNvSpPr>
+          <p:nvPr>
+            <p:ph idx="1"/>
+          </p:nvPr>
+        </p:nvSpPr>
+        <p:spPr/>
+        <p:txBody>
+          <a:bodyPr>
+            <a:normAutofit/>
+          </a:bodyPr>
+          <a:lstStyle/>
+          <a:p>
+            <a:pPr marL="0" indent="0">
+              <a:buNone/>
+            </a:pPr>
+            <a:r>
+              <a:rPr lang="en-US" sz="2000" b="1" i="1" dirty="0"/>
+              <a:t>Scenario:</a:t>
+            </a:r>
+          </a:p>
+          <a:p>
+            <a:pPr marL="0" indent="0">
+              <a:buNone/>
+            </a:pPr>
+            <a:r>
+              <a:rPr lang="en-US" sz="2000" dirty="0"/>
+              <a:t>Sally, an adult learner, logs into her account and accesses her personalized progress tracker. She sees her completion percentage, recent achievements, and areas she needs to focus on. She sets a goal to improve her vocabulary and receives recommendations for relevant lessons and exercises to work on.</a:t>
+            </a:r>
+          </a:p>
+          <a:p>
+            <a:pPr marL="0" indent="0">
+              <a:buNone/>
+            </a:pPr>
+            <a:r>
+              <a:rPr lang="en-US" sz="2000" b="1" i="1" dirty="0"/>
+              <a:t>Assessment:</a:t>
+            </a:r>
+          </a:p>
+          <a:p>
+            <a:pPr marL="0" indent="0">
+              <a:buNone/>
+            </a:pPr>
+            <a:r>
+              <a:rPr lang="en-US" sz="2000" dirty="0"/>
+              <a:t>User feedback indicates that the personalized progress tracker design motivates learners and provides them with a clear overview of their language learning journey. Learners appreciate the ability to set goals, track their improvement, and receive tailored recommendations for their individual needs.</a:t>
+            </a:r>
+          </a:p>
+          <a:p>
+            <a:endParaRPr lang="en-US" dirty="0"/>
+          </a:p>
+        </p:txBody>
+      </p:sp>
+    </p:spTree>
+    <p:extLst>
+      <p:ext uri="{BB962C8B-B14F-4D97-AF65-F5344CB8AC3E}">
+        <p14:creationId xmlns:p14="http://schemas.microsoft.com/office/powerpoint/2010/main" val="4265265142"/>
+      </p:ext>
+    </p:extLst>
+  </p:cSld>
+  <p:clrMapOvr>
+    <a:masterClrMapping/>
+  </p:clrMapOvr>
+  <p:timing>
+    <p:tnLst>
+      <p:par>
+        <p:cTn id="1" dur="indefinite" restart="never" nodeType="tmRoot"/>
+      </p:par>
+    </p:tnLst>
+  </p:timing>
+</p:sld>
+</file>
+
+<file path=ppt/slides/slide25.xml><?xml version="1.0" encoding="utf-8"?>
+<p:sld xmlns:a="http://schemas.openxmlformats.org/drawingml/2006/main" xmlns:r="http://schemas.openxmlformats.org/officeDocument/2006/relationships" xmlns:p="http://schemas.openxmlformats.org/presentationml/2006/main">
+  <p:cSld>
+    <p:spTree>
+      <p:nvGrpSpPr>
+        <p:cNvPr id="1" name=""/>
+        <p:cNvGrpSpPr/>
+        <p:nvPr/>
+      </p:nvGrpSpPr>
+      <p:grpSpPr>
+        <a:xfrm>
+          <a:off x="0" y="0"/>
+          <a:ext cx="0" cy="0"/>
+          <a:chOff x="0" y="0"/>
+          <a:chExt cx="0" cy="0"/>
+        </a:xfrm>
+      </p:grpSpPr>
+      <p:sp>
+        <p:nvSpPr>
+          <p:cNvPr id="2" name="Title 1"/>
+          <p:cNvSpPr>
+            <a:spLocks noGrp="1"/>
+          </p:cNvSpPr>
+          <p:nvPr>
+            <p:ph type="title"/>
+          </p:nvPr>
+        </p:nvSpPr>
+        <p:spPr/>
+        <p:txBody>
+          <a:bodyPr/>
+          <a:lstStyle/>
+          <a:p>
+            <a:r>
+              <a:rPr lang="en-US" dirty="0"/>
+              <a:t>Explanation for Design Choices</a:t>
+            </a:r>
+          </a:p>
+        </p:txBody>
+      </p:sp>
+      <p:sp>
+        <p:nvSpPr>
+          <p:cNvPr id="3" name="Content Placeholder 2"/>
+          <p:cNvSpPr>
+            <a:spLocks noGrp="1"/>
+          </p:cNvSpPr>
+          <p:nvPr>
+            <p:ph idx="1"/>
+          </p:nvPr>
+        </p:nvSpPr>
+        <p:spPr/>
+        <p:txBody>
+          <a:bodyPr>
+            <a:normAutofit/>
+          </a:bodyPr>
+          <a:lstStyle/>
+          <a:p>
+            <a:endParaRPr lang="en-US" sz="2400" dirty="0" smtClean="0"/>
+          </a:p>
+          <a:p>
+            <a:r>
+              <a:rPr lang="en-US" sz="2000" dirty="0" smtClean="0"/>
+              <a:t>These </a:t>
+            </a:r>
+            <a:r>
+              <a:rPr lang="en-US" sz="2000" dirty="0"/>
+              <a:t>three interface designs were chosen to explore different aspects of the online learning system that support communication and collaboration among users. The discussion hub emphasizes peer-to-peer interaction and knowledge sharing, the virtual classroom focuses on real-time engagement and instructor-led sessions, and the personalized progress tracker empowers learners to monitor their own progress and receive personalized feedback.</a:t>
+            </a:r>
+          </a:p>
+        </p:txBody>
+      </p:sp>
+    </p:spTree>
+    <p:extLst>
+      <p:ext uri="{BB962C8B-B14F-4D97-AF65-F5344CB8AC3E}">
+        <p14:creationId xmlns:p14="http://schemas.microsoft.com/office/powerpoint/2010/main" val="149105787"/>
+      </p:ext>
+    </p:extLst>
+  </p:cSld>
+  <p:clrMapOvr>
+    <a:masterClrMapping/>
+  </p:clrMapOvr>
+  <p:timing>
+    <p:tnLst>
+      <p:par>
+        <p:cTn id="1" dur="indefinite" restart="never" nodeType="tmRoot"/>
+      </p:par>
+    </p:tnLst>
+  </p:timing>
+</p:sld>
+</file>
+
+<file path=ppt/slides/slide26.xml><?xml version="1.0" encoding="utf-8"?>
+<p:sld xmlns:a="http://schemas.openxmlformats.org/drawingml/2006/main" xmlns:r="http://schemas.openxmlformats.org/officeDocument/2006/relationships" xmlns:p="http://schemas.openxmlformats.org/presentationml/2006/main">
+  <p:cSld>
+    <p:spTree>
+      <p:nvGrpSpPr>
+        <p:cNvPr id="1" name=""/>
+        <p:cNvGrpSpPr/>
+        <p:nvPr/>
+      </p:nvGrpSpPr>
+      <p:grpSpPr>
+        <a:xfrm>
+          <a:off x="0" y="0"/>
+          <a:ext cx="0" cy="0"/>
+          <a:chOff x="0" y="0"/>
+          <a:chExt cx="0" cy="0"/>
+        </a:xfrm>
+      </p:grpSpPr>
+      <p:sp>
+        <p:nvSpPr>
+          <p:cNvPr id="2" name="Title 1"/>
+          <p:cNvSpPr>
+            <a:spLocks noGrp="1"/>
+          </p:cNvSpPr>
+          <p:nvPr>
+            <p:ph type="title"/>
+          </p:nvPr>
+        </p:nvSpPr>
+        <p:spPr/>
+        <p:txBody>
+          <a:bodyPr>
+            <a:normAutofit fontScale="90000"/>
+          </a:bodyPr>
+          <a:lstStyle/>
+          <a:p>
+            <a:r>
+              <a:rPr lang="en-US" dirty="0"/>
+              <a:t>Modifications to Requirements Specification and Usability Criteria</a:t>
+            </a:r>
+          </a:p>
+        </p:txBody>
+      </p:sp>
+      <p:sp>
+        <p:nvSpPr>
+          <p:cNvPr id="3" name="Content Placeholder 2"/>
+          <p:cNvSpPr>
+            <a:spLocks noGrp="1"/>
+          </p:cNvSpPr>
+          <p:nvPr>
+            <p:ph idx="1"/>
+          </p:nvPr>
+        </p:nvSpPr>
+        <p:spPr/>
+        <p:txBody>
+          <a:bodyPr>
+            <a:normAutofit/>
+          </a:bodyPr>
+          <a:lstStyle/>
+          <a:p>
+            <a:endParaRPr lang="en-US" sz="2400" dirty="0" smtClean="0"/>
+          </a:p>
+          <a:p>
+            <a:r>
+              <a:rPr lang="en-US" sz="2000" dirty="0" smtClean="0"/>
+              <a:t>Based </a:t>
+            </a:r>
+            <a:r>
+              <a:rPr lang="en-US" sz="2000" dirty="0"/>
+              <a:t>on the exploration of these interface designs and user feedback, the requirements specification and usability criteria may be modified to include specific features related to the discussion hub, virtual classroom, and personalized progress tracker. The modifications will reflect the importance of promoting collaboration, real-time interactions, personalized tracking, and feedback in the design of the online learning system.</a:t>
+            </a:r>
+          </a:p>
+        </p:txBody>
+      </p:sp>
+    </p:spTree>
+    <p:extLst>
+      <p:ext uri="{BB962C8B-B14F-4D97-AF65-F5344CB8AC3E}">
+        <p14:creationId xmlns:p14="http://schemas.microsoft.com/office/powerpoint/2010/main" val="728700153"/>
+      </p:ext>
+    </p:extLst>
+  </p:cSld>
+  <p:clrMapOvr>
+    <a:masterClrMapping/>
+  </p:clrMapOvr>
+  <p:timing>
+    <p:tnLst>
+      <p:par>
+        <p:cTn id="1" dur="indefinite" restart="never" nodeType="tmRoot"/>
+      </p:par>
+    </p:tnLst>
+  </p:timing>
+</p:sld>
+</file>
+
+<file path=ppt/slides/slide27.xml><?xml version="1.0" encoding="utf-8"?>
+<p:sld xmlns:a="http://schemas.openxmlformats.org/drawingml/2006/main" xmlns:r="http://schemas.openxmlformats.org/officeDocument/2006/relationships" xmlns:p="http://schemas.openxmlformats.org/presentationml/2006/main">
+  <p:cSld>
+    <p:spTree>
+      <p:nvGrpSpPr>
+        <p:cNvPr id="1" name=""/>
+        <p:cNvGrpSpPr/>
+        <p:nvPr/>
+      </p:nvGrpSpPr>
+      <p:grpSpPr>
+        <a:xfrm>
+          <a:off x="0" y="0"/>
+          <a:ext cx="0" cy="0"/>
+          <a:chOff x="0" y="0"/>
+          <a:chExt cx="0" cy="0"/>
+        </a:xfrm>
+      </p:grpSpPr>
+      <p:sp>
+        <p:nvSpPr>
+          <p:cNvPr id="2" name="Title 1"/>
+          <p:cNvSpPr>
+            <a:spLocks noGrp="1"/>
+          </p:cNvSpPr>
+          <p:nvPr>
+            <p:ph type="title"/>
+          </p:nvPr>
+        </p:nvSpPr>
+        <p:spPr/>
+        <p:txBody>
+          <a:bodyPr/>
+          <a:lstStyle/>
+          <a:p>
+            <a:r>
+              <a:rPr lang="en-US" dirty="0"/>
+              <a:t>Overall Description of Final Design</a:t>
+            </a:r>
+          </a:p>
+        </p:txBody>
+      </p:sp>
+      <p:sp>
+        <p:nvSpPr>
+          <p:cNvPr id="3" name="Content Placeholder 2"/>
+          <p:cNvSpPr>
+            <a:spLocks noGrp="1"/>
+          </p:cNvSpPr>
+          <p:nvPr>
+            <p:ph idx="1"/>
+          </p:nvPr>
+        </p:nvSpPr>
+        <p:spPr/>
+        <p:txBody>
+          <a:bodyPr>
+            <a:normAutofit/>
+          </a:bodyPr>
+          <a:lstStyle/>
+          <a:p>
+            <a:endParaRPr lang="en-US" sz="2400" dirty="0" smtClean="0"/>
+          </a:p>
+          <a:p>
+            <a:r>
+              <a:rPr lang="en-US" sz="2000" dirty="0" smtClean="0"/>
+              <a:t>The final design of the online learning system is a comprehensive platform that incorporates key features to support effective language learning, communication, collaboration, and progress tracking. The design aims to create an engaging and user-friendly interface that caters to the needs of adult learners, instructors, and support staff. It emphasizes personalized learning, interactive experiences, and seamless communication channels.</a:t>
+            </a:r>
+            <a:endParaRPr lang="en-US" sz="2000" dirty="0"/>
+          </a:p>
+        </p:txBody>
+      </p:sp>
+    </p:spTree>
+    <p:extLst>
+      <p:ext uri="{BB962C8B-B14F-4D97-AF65-F5344CB8AC3E}">
+        <p14:creationId xmlns:p14="http://schemas.microsoft.com/office/powerpoint/2010/main" val="261279653"/>
+      </p:ext>
+    </p:extLst>
+  </p:cSld>
+  <p:clrMapOvr>
+    <a:masterClrMapping/>
+  </p:clrMapOvr>
+  <p:timing>
+    <p:tnLst>
+      <p:par>
+        <p:cTn id="1" dur="indefinite" restart="never" nodeType="tmRoot"/>
+      </p:par>
+    </p:tnLst>
+  </p:timing>
+</p:sld>
+</file>
+
+<file path=ppt/slides/slide28.xml><?xml version="1.0" encoding="utf-8"?>
+<p:sld xmlns:a="http://schemas.openxmlformats.org/drawingml/2006/main" xmlns:r="http://schemas.openxmlformats.org/officeDocument/2006/relationships" xmlns:p="http://schemas.openxmlformats.org/presentationml/2006/main">
+  <p:cSld>
+    <p:spTree>
+      <p:nvGrpSpPr>
+        <p:cNvPr id="1" name=""/>
+        <p:cNvGrpSpPr/>
+        <p:nvPr/>
+      </p:nvGrpSpPr>
+      <p:grpSpPr>
+        <a:xfrm>
+          <a:off x="0" y="0"/>
+          <a:ext cx="0" cy="0"/>
+          <a:chOff x="0" y="0"/>
+          <a:chExt cx="0" cy="0"/>
+        </a:xfrm>
+      </p:grpSpPr>
+      <p:sp>
+        <p:nvSpPr>
+          <p:cNvPr id="2" name="Title 1"/>
+          <p:cNvSpPr>
+            <a:spLocks noGrp="1"/>
+          </p:cNvSpPr>
+          <p:nvPr>
+            <p:ph type="title"/>
+          </p:nvPr>
+        </p:nvSpPr>
+        <p:spPr/>
+        <p:txBody>
+          <a:bodyPr/>
+          <a:lstStyle/>
+          <a:p>
+            <a:r>
+              <a:rPr lang="en-US" dirty="0" smtClean="0"/>
+              <a:t>Prototypes</a:t>
+            </a:r>
+            <a:endParaRPr lang="en-US" dirty="0"/>
+          </a:p>
+        </p:txBody>
+      </p:sp>
+      <p:sp>
+        <p:nvSpPr>
+          <p:cNvPr id="3" name="Content Placeholder 2"/>
+          <p:cNvSpPr>
+            <a:spLocks noGrp="1"/>
+          </p:cNvSpPr>
+          <p:nvPr>
+            <p:ph idx="1"/>
+          </p:nvPr>
+        </p:nvSpPr>
+        <p:spPr/>
+        <p:txBody>
+          <a:bodyPr>
+            <a:normAutofit/>
+          </a:bodyPr>
+          <a:lstStyle/>
+          <a:p>
+            <a:pPr marL="0" indent="0">
+              <a:buNone/>
+            </a:pPr>
+            <a:r>
+              <a:rPr lang="en-US" sz="2000" b="1" dirty="0"/>
+              <a:t>Prototype 1: </a:t>
+            </a:r>
+            <a:r>
+              <a:rPr lang="en-US" sz="2000" i="1" dirty="0"/>
+              <a:t>Interactive Lesson </a:t>
+            </a:r>
+            <a:r>
+              <a:rPr lang="en-US" sz="2000" i="1" dirty="0" smtClean="0"/>
+              <a:t>Module</a:t>
+            </a:r>
+          </a:p>
+          <a:p>
+            <a:pPr marL="0" indent="0">
+              <a:buNone/>
+            </a:pPr>
+            <a:endParaRPr lang="en-US" sz="2000" i="1" dirty="0"/>
+          </a:p>
+          <a:p>
+            <a:pPr marL="0" indent="0">
+              <a:buNone/>
+            </a:pPr>
+            <a:r>
+              <a:rPr lang="en-US" sz="2000" b="1" i="1" dirty="0" smtClean="0"/>
+              <a:t>Visual </a:t>
+            </a:r>
+            <a:r>
+              <a:rPr lang="en-US" sz="2000" b="1" i="1" dirty="0"/>
+              <a:t>Material: </a:t>
+            </a:r>
+            <a:r>
+              <a:rPr lang="en-US" sz="2000" dirty="0"/>
+              <a:t>The prototype includes a lesson module interface with interactive elements such as videos, audio exercises, and interactive quizzes</a:t>
+            </a:r>
+            <a:r>
+              <a:rPr lang="en-US" sz="2000" dirty="0" smtClean="0"/>
+              <a:t>.</a:t>
+            </a:r>
+          </a:p>
+          <a:p>
+            <a:pPr marL="0" indent="0">
+              <a:buNone/>
+            </a:pPr>
+            <a:endParaRPr lang="en-US" sz="2000" dirty="0"/>
+          </a:p>
+          <a:p>
+            <a:pPr marL="0" indent="0">
+              <a:buNone/>
+            </a:pPr>
+            <a:r>
+              <a:rPr lang="en-US" sz="2000" b="1" i="1" dirty="0" smtClean="0"/>
+              <a:t>Scenario</a:t>
+            </a:r>
+            <a:r>
+              <a:rPr lang="en-US" sz="2000" b="1" i="1" dirty="0"/>
+              <a:t>: </a:t>
+            </a:r>
+            <a:r>
+              <a:rPr lang="en-US" sz="2000" dirty="0"/>
+              <a:t>Sarah, an adult learner, accesses a lesson module on verb tenses. She watches a short instructional video, practices verb conjugation through interactive exercises, and completes a quiz to test her understanding</a:t>
+            </a:r>
+            <a:r>
+              <a:rPr lang="en-US" sz="2000" dirty="0" smtClean="0"/>
+              <a:t>.</a:t>
+            </a:r>
+          </a:p>
+          <a:p>
+            <a:pPr marL="0" indent="0">
+              <a:buNone/>
+            </a:pPr>
+            <a:endParaRPr lang="en-US" sz="2000" dirty="0"/>
+          </a:p>
+          <a:p>
+            <a:pPr marL="0" indent="0">
+              <a:buNone/>
+            </a:pPr>
+            <a:r>
+              <a:rPr lang="en-US" sz="2000" b="1" i="1" dirty="0" smtClean="0"/>
+              <a:t>Assessment</a:t>
+            </a:r>
+            <a:r>
+              <a:rPr lang="en-US" sz="2000" b="1" i="1" dirty="0"/>
+              <a:t>: </a:t>
+            </a:r>
+            <a:r>
+              <a:rPr lang="en-US" sz="2000" dirty="0"/>
+              <a:t>User feedback indicates that the interactive lesson module design enhances learner engagement, provides multimedia learning experiences, and allows for immediate feedback on performance.</a:t>
+            </a:r>
+          </a:p>
+          <a:p>
+            <a:endParaRPr lang="en-US" dirty="0"/>
+          </a:p>
+        </p:txBody>
+      </p:sp>
+    </p:spTree>
+    <p:extLst>
+      <p:ext uri="{BB962C8B-B14F-4D97-AF65-F5344CB8AC3E}">
+        <p14:creationId xmlns:p14="http://schemas.microsoft.com/office/powerpoint/2010/main" val="302315143"/>
+      </p:ext>
+    </p:extLst>
+  </p:cSld>
+  <p:clrMapOvr>
+    <a:masterClrMapping/>
+  </p:clrMapOvr>
+  <p:timing>
+    <p:tnLst>
+      <p:par>
+        <p:cTn id="1" dur="indefinite" restart="never" nodeType="tmRoot"/>
+      </p:par>
+    </p:tnLst>
+  </p:timing>
+</p:sld>
+</file>
+
+<file path=ppt/slides/slide29.xml><?xml version="1.0" encoding="utf-8"?>
+<p:sld xmlns:a="http://schemas.openxmlformats.org/drawingml/2006/main" xmlns:r="http://schemas.openxmlformats.org/officeDocument/2006/relationships" xmlns:p="http://schemas.openxmlformats.org/presentationml/2006/main">
+  <p:cSld>
+    <p:spTree>
+      <p:nvGrpSpPr>
+        <p:cNvPr id="1" name=""/>
+        <p:cNvGrpSpPr/>
+        <p:nvPr/>
+      </p:nvGrpSpPr>
+      <p:grpSpPr>
+        <a:xfrm>
+          <a:off x="0" y="0"/>
+          <a:ext cx="0" cy="0"/>
+          <a:chOff x="0" y="0"/>
+          <a:chExt cx="0" cy="0"/>
+        </a:xfrm>
+      </p:grpSpPr>
+      <p:sp>
+        <p:nvSpPr>
+          <p:cNvPr id="2" name="Title 1"/>
+          <p:cNvSpPr>
+            <a:spLocks noGrp="1"/>
+          </p:cNvSpPr>
+          <p:nvPr>
+            <p:ph type="title"/>
+          </p:nvPr>
+        </p:nvSpPr>
+        <p:spPr/>
+        <p:txBody>
+          <a:bodyPr/>
+          <a:lstStyle/>
+          <a:p>
+            <a:r>
+              <a:rPr lang="en-US" dirty="0" smtClean="0"/>
+              <a:t>Prototypes</a:t>
+            </a:r>
+            <a:endParaRPr lang="en-US" dirty="0"/>
+          </a:p>
+        </p:txBody>
+      </p:sp>
+      <p:sp>
+        <p:nvSpPr>
+          <p:cNvPr id="3" name="Content Placeholder 2"/>
+          <p:cNvSpPr>
+            <a:spLocks noGrp="1"/>
+          </p:cNvSpPr>
+          <p:nvPr>
+            <p:ph idx="1"/>
+          </p:nvPr>
+        </p:nvSpPr>
+        <p:spPr/>
+        <p:txBody>
+          <a:bodyPr>
+            <a:normAutofit lnSpcReduction="10000"/>
+          </a:bodyPr>
+          <a:lstStyle/>
+          <a:p>
+            <a:pPr marL="0" indent="0">
+              <a:buNone/>
+            </a:pPr>
+            <a:r>
+              <a:rPr lang="en-US" sz="2000" b="1" i="1" dirty="0"/>
+              <a:t>Prototype 2: </a:t>
+            </a:r>
+            <a:r>
+              <a:rPr lang="en-US" sz="2000" i="1" dirty="0"/>
+              <a:t>Collaborative Project </a:t>
+            </a:r>
+            <a:r>
+              <a:rPr lang="en-US" sz="2000" i="1" dirty="0" smtClean="0"/>
+              <a:t>Workspace.</a:t>
+            </a:r>
+          </a:p>
+          <a:p>
+            <a:pPr marL="0" indent="0">
+              <a:buNone/>
+            </a:pPr>
+            <a:endParaRPr lang="en-US" sz="2000" dirty="0"/>
+          </a:p>
+          <a:p>
+            <a:pPr marL="0" indent="0">
+              <a:buNone/>
+            </a:pPr>
+            <a:r>
+              <a:rPr lang="en-US" sz="2000" b="1" i="1" dirty="0" smtClean="0"/>
+              <a:t>Visual </a:t>
+            </a:r>
+            <a:r>
+              <a:rPr lang="en-US" sz="2000" b="1" i="1" dirty="0"/>
+              <a:t>Material: </a:t>
+            </a:r>
+            <a:r>
+              <a:rPr lang="en-US" sz="2000" dirty="0"/>
+              <a:t>The prototype showcases a collaborative project workspace where learners can collaborate on group assignments, share documents, and communicate with team members</a:t>
+            </a:r>
+            <a:r>
+              <a:rPr lang="en-US" sz="2000" dirty="0" smtClean="0"/>
+              <a:t>.</a:t>
+            </a:r>
+          </a:p>
+          <a:p>
+            <a:pPr marL="0" indent="0">
+              <a:buNone/>
+            </a:pPr>
+            <a:endParaRPr lang="en-US" sz="2000" dirty="0"/>
+          </a:p>
+          <a:p>
+            <a:pPr marL="0" indent="0">
+              <a:buNone/>
+            </a:pPr>
+            <a:r>
+              <a:rPr lang="en-US" sz="2000" b="1" i="1" dirty="0" smtClean="0"/>
+              <a:t>Scenario</a:t>
+            </a:r>
+            <a:r>
+              <a:rPr lang="en-US" sz="2000" b="1" i="1" dirty="0"/>
+              <a:t>: </a:t>
+            </a:r>
+            <a:r>
+              <a:rPr lang="en-US" sz="2000" dirty="0"/>
+              <a:t>Sam, Nelson, and Esther form a study group and access the project workspace. They create a shared document, discuss ideas through a chat feature, and contribute to the project simultaneously</a:t>
+            </a:r>
+            <a:r>
+              <a:rPr lang="en-US" sz="2000" dirty="0" smtClean="0"/>
+              <a:t>.</a:t>
+            </a:r>
+          </a:p>
+          <a:p>
+            <a:pPr marL="0" indent="0">
+              <a:buNone/>
+            </a:pPr>
+            <a:endParaRPr lang="en-US" sz="2000" dirty="0"/>
+          </a:p>
+          <a:p>
+            <a:pPr marL="0" indent="0">
+              <a:buNone/>
+            </a:pPr>
+            <a:r>
+              <a:rPr lang="en-US" sz="2000" b="1" i="1" dirty="0" smtClean="0"/>
+              <a:t>Assessment</a:t>
+            </a:r>
+            <a:r>
+              <a:rPr lang="en-US" sz="2000" b="1" i="1" dirty="0"/>
+              <a:t>: </a:t>
+            </a:r>
+            <a:r>
+              <a:rPr lang="en-US" sz="2000" dirty="0"/>
+              <a:t>User feedback suggests that the collaborative project workspace design fosters teamwork, facilitates effective communication and coordination among group members, and promotes a sense of shared responsibility and accomplishment.</a:t>
+            </a:r>
+          </a:p>
+          <a:p>
+            <a:endParaRPr lang="en-US" dirty="0"/>
+          </a:p>
+        </p:txBody>
+      </p:sp>
+    </p:spTree>
+    <p:extLst>
+      <p:ext uri="{BB962C8B-B14F-4D97-AF65-F5344CB8AC3E}">
+        <p14:creationId xmlns:p14="http://schemas.microsoft.com/office/powerpoint/2010/main" val="2165232331"/>
+      </p:ext>
+    </p:extLst>
+  </p:cSld>
+  <p:clrMapOvr>
+    <a:masterClrMapping/>
+  </p:clrMapOvr>
+  <p:timing>
+    <p:tnLst>
+      <p:par>
+        <p:cTn id="1" dur="indefinite" restart="never" nodeType="tmRoot"/>
+      </p:par>
+    </p:tnLst>
+  </p:timing>
 </p:sld>
 </file>
 
@@ -4403,10 +5655,9 @@
           <a:lstStyle/>
           <a:p>
             <a:r>
-              <a:rPr lang="en-US" dirty="0" smtClean="0"/>
-              <a:t>User Requirements</a:t>
-            </a:r>
-            <a:endParaRPr lang="en-US" dirty="0"/>
+              <a:rPr lang="en-US" dirty="0"/>
+              <a:t>Characteristics of Users</a:t>
+            </a:r>
           </a:p>
         </p:txBody>
       </p:sp>
@@ -4427,42 +5678,54 @@
           </a:bodyPr>
           <a:lstStyle/>
           <a:p>
-            <a:pPr marL="0" indent="0">
-              <a:buNone/>
-            </a:pPr>
-            <a:r>
-              <a:rPr lang="en-US" sz="2000" i="1" dirty="0" smtClean="0"/>
-              <a:t>1.Language Learners: </a:t>
+            <a:pPr marL="571500" indent="-571500">
+              <a:buFont typeface="+mj-lt"/>
+              <a:buAutoNum type="romanUcPeriod"/>
+            </a:pPr>
+            <a:r>
+              <a:rPr lang="en-US" dirty="0" smtClean="0"/>
+              <a:t> </a:t>
+            </a:r>
+            <a:r>
+              <a:rPr lang="en-US" sz="2000" b="1" i="1" dirty="0"/>
+              <a:t>Adult Learners: </a:t>
+            </a:r>
+            <a:r>
+              <a:rPr lang="en-US" sz="2000" dirty="0"/>
+              <a:t>The users of the system are adults seeking to enhance their reading, writing, and speaking skills in English. They may have varying levels of digital literacy and language proficiency</a:t>
             </a:r>
             <a:r>
               <a:rPr lang="en-US" sz="2000" dirty="0" smtClean="0"/>
-              <a:t>Access to a user-friendly interface for easy navigation. Availability of audio playback for listening comprehension. Interactive pronunciation practice activities. Personalized learning paths based on proficiency levels and learning preferences. Progress tracking and performance assessment tools.</a:t>
-            </a:r>
-          </a:p>
-          <a:p>
-            <a:pPr marL="0" indent="0">
-              <a:buNone/>
-            </a:pPr>
-            <a:r>
-              <a:rPr lang="en-US" sz="2000" i="1" dirty="0" smtClean="0"/>
-              <a:t>2.Educators/Tutors: </a:t>
+              <a:t>.</a:t>
+            </a:r>
+          </a:p>
+          <a:p>
+            <a:pPr marL="514350" indent="-514350">
+              <a:buFont typeface="+mj-lt"/>
+              <a:buAutoNum type="romanUcPeriod"/>
+            </a:pPr>
+            <a:endParaRPr lang="en-US" sz="2000" dirty="0"/>
+          </a:p>
+          <a:p>
+            <a:pPr marL="514350" indent="-514350">
+              <a:buFont typeface="+mj-lt"/>
+              <a:buAutoNum type="romanUcPeriod"/>
+            </a:pPr>
+            <a:r>
+              <a:rPr lang="en-US" sz="2000" b="1" i="1" dirty="0" smtClean="0"/>
+              <a:t>High-Profile </a:t>
+            </a:r>
+            <a:r>
+              <a:rPr lang="en-US" sz="2000" b="1" i="1" dirty="0"/>
+              <a:t>Individuals: </a:t>
+            </a:r>
+            <a:r>
+              <a:rPr lang="en-US" sz="2000" dirty="0"/>
+              <a:t>The target users include high-profile individuals who value privacy and confidentiality. They may have specific scheduling constraints and require a flexible learning solution that respects their privacy needs</a:t>
             </a:r>
             <a:r>
               <a:rPr lang="en-US" sz="2000" dirty="0" smtClean="0"/>
-              <a:t>Ability to create and customize learning materials and assignments. Monitoring tools to track students' progress and performance. Access to teaching resources and professional development materials.</a:t>
-            </a:r>
-          </a:p>
-          <a:p>
-            <a:pPr marL="0" indent="0">
-              <a:buNone/>
-            </a:pPr>
-            <a:r>
-              <a:rPr lang="en-US" sz="2000" i="1" dirty="0" smtClean="0"/>
-              <a:t>3.Administrators: </a:t>
-            </a:r>
-            <a:r>
-              <a:rPr lang="en-US" sz="2000" dirty="0" smtClean="0"/>
-              <a:t>User management functionalities for registration, authentication, and profile management. Content management tools for uploading, organizing, and updating learning materials. System monitoring and maintenance features to ensure platform stability and security.</a:t>
+              <a:t>.</a:t>
             </a:r>
             <a:endParaRPr lang="en-US" sz="2000" dirty="0"/>
           </a:p>
@@ -4471,13 +5734,641 @@
     </p:spTree>
     <p:extLst>
       <p:ext uri="{BB962C8B-B14F-4D97-AF65-F5344CB8AC3E}">
-        <p14:creationId xmlns:p14="http://schemas.microsoft.com/office/powerpoint/2010/main" val="3357471889"/>
+        <p14:creationId xmlns:p14="http://schemas.microsoft.com/office/powerpoint/2010/main" val="1810169374"/>
       </p:ext>
     </p:extLst>
   </p:cSld>
   <p:clrMapOvr>
     <a:masterClrMapping/>
   </p:clrMapOvr>
+  <p:timing>
+    <p:tnLst>
+      <p:par>
+        <p:cTn id="1" dur="indefinite" restart="never" nodeType="tmRoot"/>
+      </p:par>
+    </p:tnLst>
+  </p:timing>
+</p:sld>
+</file>
+
+<file path=ppt/slides/slide30.xml><?xml version="1.0" encoding="utf-8"?>
+<p:sld xmlns:a="http://schemas.openxmlformats.org/drawingml/2006/main" xmlns:r="http://schemas.openxmlformats.org/officeDocument/2006/relationships" xmlns:p="http://schemas.openxmlformats.org/presentationml/2006/main">
+  <p:cSld>
+    <p:spTree>
+      <p:nvGrpSpPr>
+        <p:cNvPr id="1" name=""/>
+        <p:cNvGrpSpPr/>
+        <p:nvPr/>
+      </p:nvGrpSpPr>
+      <p:grpSpPr>
+        <a:xfrm>
+          <a:off x="0" y="0"/>
+          <a:ext cx="0" cy="0"/>
+          <a:chOff x="0" y="0"/>
+          <a:chExt cx="0" cy="0"/>
+        </a:xfrm>
+      </p:grpSpPr>
+      <p:sp>
+        <p:nvSpPr>
+          <p:cNvPr id="2" name="Title 1"/>
+          <p:cNvSpPr>
+            <a:spLocks noGrp="1"/>
+          </p:cNvSpPr>
+          <p:nvPr>
+            <p:ph type="title"/>
+          </p:nvPr>
+        </p:nvSpPr>
+        <p:spPr/>
+        <p:txBody>
+          <a:bodyPr/>
+          <a:lstStyle/>
+          <a:p>
+            <a:r>
+              <a:rPr lang="en-US" dirty="0" smtClean="0"/>
+              <a:t>Prototypes</a:t>
+            </a:r>
+            <a:endParaRPr lang="en-US" dirty="0"/>
+          </a:p>
+        </p:txBody>
+      </p:sp>
+      <p:sp>
+        <p:nvSpPr>
+          <p:cNvPr id="3" name="Content Placeholder 2"/>
+          <p:cNvSpPr>
+            <a:spLocks noGrp="1"/>
+          </p:cNvSpPr>
+          <p:nvPr>
+            <p:ph idx="1"/>
+          </p:nvPr>
+        </p:nvSpPr>
+        <p:spPr/>
+        <p:txBody>
+          <a:bodyPr>
+            <a:normAutofit lnSpcReduction="10000"/>
+          </a:bodyPr>
+          <a:lstStyle/>
+          <a:p>
+            <a:pPr marL="0" indent="0">
+              <a:buNone/>
+            </a:pPr>
+            <a:r>
+              <a:rPr lang="en-US" sz="2000" b="1" dirty="0"/>
+              <a:t>Prototype 3: </a:t>
+            </a:r>
+            <a:r>
+              <a:rPr lang="en-US" sz="2000" i="1" dirty="0"/>
+              <a:t>Personalized Progress </a:t>
+            </a:r>
+            <a:r>
+              <a:rPr lang="en-US" sz="2000" i="1" dirty="0" smtClean="0"/>
+              <a:t>Dashboard.</a:t>
+            </a:r>
+          </a:p>
+          <a:p>
+            <a:pPr marL="0" indent="0">
+              <a:buNone/>
+            </a:pPr>
+            <a:endParaRPr lang="en-US" sz="2000" i="1" dirty="0"/>
+          </a:p>
+          <a:p>
+            <a:pPr marL="0" indent="0">
+              <a:buNone/>
+            </a:pPr>
+            <a:r>
+              <a:rPr lang="en-US" sz="2000" b="1" i="1" dirty="0" smtClean="0"/>
+              <a:t>Visual </a:t>
+            </a:r>
+            <a:r>
+              <a:rPr lang="en-US" sz="2000" b="1" i="1" dirty="0"/>
+              <a:t>Material: </a:t>
+            </a:r>
+            <a:r>
+              <a:rPr lang="en-US" sz="2000" dirty="0"/>
+              <a:t>The prototype presents a personalized progress dashboard that displays a learner's overall progress, achievements, and areas for improvement</a:t>
+            </a:r>
+            <a:r>
+              <a:rPr lang="en-US" sz="2000" dirty="0" smtClean="0"/>
+              <a:t>.</a:t>
+            </a:r>
+          </a:p>
+          <a:p>
+            <a:pPr marL="0" indent="0">
+              <a:buNone/>
+            </a:pPr>
+            <a:endParaRPr lang="en-US" sz="2000" dirty="0"/>
+          </a:p>
+          <a:p>
+            <a:pPr marL="0" indent="0">
+              <a:buNone/>
+            </a:pPr>
+            <a:r>
+              <a:rPr lang="en-US" sz="2000" b="1" i="1" dirty="0" smtClean="0"/>
+              <a:t>Scenario</a:t>
+            </a:r>
+            <a:r>
+              <a:rPr lang="en-US" sz="2000" b="1" i="1" dirty="0"/>
+              <a:t>: </a:t>
+            </a:r>
+            <a:r>
+              <a:rPr lang="en-US" sz="2000" dirty="0"/>
+              <a:t>Esther logs into her account and views her progress dashboard. She sees her completion percentage, recent achievements, and a breakdown of her performance in different language skills. She sets new goals based on the feedback and recommendations provided</a:t>
+            </a:r>
+            <a:r>
+              <a:rPr lang="en-US" sz="2000" dirty="0" smtClean="0"/>
+              <a:t>.</a:t>
+            </a:r>
+          </a:p>
+          <a:p>
+            <a:pPr marL="0" indent="0">
+              <a:buNone/>
+            </a:pPr>
+            <a:endParaRPr lang="en-US" sz="2000" dirty="0"/>
+          </a:p>
+          <a:p>
+            <a:pPr marL="0" indent="0">
+              <a:buNone/>
+            </a:pPr>
+            <a:r>
+              <a:rPr lang="en-US" sz="2000" b="1" i="1" dirty="0" smtClean="0"/>
+              <a:t>Assessment</a:t>
+            </a:r>
+            <a:r>
+              <a:rPr lang="en-US" sz="2000" b="1" i="1" dirty="0"/>
+              <a:t>: </a:t>
+            </a:r>
+            <a:r>
+              <a:rPr lang="en-US" sz="2000" dirty="0"/>
+              <a:t>User feedback indicates that the personalized progress dashboard design empowers learners, provides a comprehensive overview of their language learning journey, and motivates them to achieve their goals.</a:t>
+            </a:r>
+          </a:p>
+          <a:p>
+            <a:endParaRPr lang="en-US" dirty="0"/>
+          </a:p>
+        </p:txBody>
+      </p:sp>
+    </p:spTree>
+    <p:extLst>
+      <p:ext uri="{BB962C8B-B14F-4D97-AF65-F5344CB8AC3E}">
+        <p14:creationId xmlns:p14="http://schemas.microsoft.com/office/powerpoint/2010/main" val="1001441195"/>
+      </p:ext>
+    </p:extLst>
+  </p:cSld>
+  <p:clrMapOvr>
+    <a:masterClrMapping/>
+  </p:clrMapOvr>
+  <p:timing>
+    <p:tnLst>
+      <p:par>
+        <p:cTn id="1" dur="indefinite" restart="never" nodeType="tmRoot"/>
+      </p:par>
+    </p:tnLst>
+  </p:timing>
+</p:sld>
+</file>
+
+<file path=ppt/slides/slide31.xml><?xml version="1.0" encoding="utf-8"?>
+<p:sld xmlns:a="http://schemas.openxmlformats.org/drawingml/2006/main" xmlns:r="http://schemas.openxmlformats.org/officeDocument/2006/relationships" xmlns:p="http://schemas.openxmlformats.org/presentationml/2006/main">
+  <p:cSld>
+    <p:spTree>
+      <p:nvGrpSpPr>
+        <p:cNvPr id="1" name=""/>
+        <p:cNvGrpSpPr/>
+        <p:nvPr/>
+      </p:nvGrpSpPr>
+      <p:grpSpPr>
+        <a:xfrm>
+          <a:off x="0" y="0"/>
+          <a:ext cx="0" cy="0"/>
+          <a:chOff x="0" y="0"/>
+          <a:chExt cx="0" cy="0"/>
+        </a:xfrm>
+      </p:grpSpPr>
+      <p:sp>
+        <p:nvSpPr>
+          <p:cNvPr id="2" name="Title 1"/>
+          <p:cNvSpPr>
+            <a:spLocks noGrp="1"/>
+          </p:cNvSpPr>
+          <p:nvPr>
+            <p:ph type="title"/>
+          </p:nvPr>
+        </p:nvSpPr>
+        <p:spPr/>
+        <p:txBody>
+          <a:bodyPr/>
+          <a:lstStyle/>
+          <a:p>
+            <a:r>
+              <a:rPr lang="en-US" dirty="0"/>
+              <a:t>Evaluation Plan</a:t>
+            </a:r>
+          </a:p>
+        </p:txBody>
+      </p:sp>
+      <p:sp>
+        <p:nvSpPr>
+          <p:cNvPr id="3" name="Content Placeholder 2"/>
+          <p:cNvSpPr>
+            <a:spLocks noGrp="1"/>
+          </p:cNvSpPr>
+          <p:nvPr>
+            <p:ph idx="1"/>
+          </p:nvPr>
+        </p:nvSpPr>
+        <p:spPr/>
+        <p:txBody>
+          <a:bodyPr>
+            <a:normAutofit/>
+          </a:bodyPr>
+          <a:lstStyle/>
+          <a:p>
+            <a:pPr marL="0" indent="0">
+              <a:buNone/>
+            </a:pPr>
+            <a:endParaRPr lang="en-US" sz="2000" b="1" dirty="0" smtClean="0"/>
+          </a:p>
+          <a:p>
+            <a:pPr marL="457200" indent="-457200">
+              <a:buFont typeface="+mj-lt"/>
+              <a:buAutoNum type="arabicPeriod"/>
+            </a:pPr>
+            <a:r>
+              <a:rPr lang="en-US" sz="2000" b="1" dirty="0" smtClean="0"/>
+              <a:t>Usability </a:t>
+            </a:r>
+            <a:r>
+              <a:rPr lang="en-US" sz="2000" b="1" dirty="0"/>
+              <a:t>Testing: </a:t>
+            </a:r>
+            <a:r>
+              <a:rPr lang="en-US" sz="2000" dirty="0"/>
+              <a:t>Conduct usability testing exercises where representative users navigate the system, perform specific tasks, and provide feedback on the overall usability, intuitive design, and ease of use. This exercise will validate the usability criteria and identify areas for improvement</a:t>
+            </a:r>
+            <a:r>
+              <a:rPr lang="en-US" sz="2000" dirty="0" smtClean="0"/>
+              <a:t>.</a:t>
+            </a:r>
+          </a:p>
+          <a:p>
+            <a:pPr marL="0" indent="0">
+              <a:buNone/>
+            </a:pPr>
+            <a:endParaRPr lang="en-US" sz="2000" dirty="0"/>
+          </a:p>
+          <a:p>
+            <a:pPr marL="457200" indent="-457200">
+              <a:buFont typeface="+mj-lt"/>
+              <a:buAutoNum type="arabicPeriod" startAt="2"/>
+            </a:pPr>
+            <a:r>
+              <a:rPr lang="en-US" sz="2000" b="1" dirty="0" smtClean="0"/>
+              <a:t>Focus </a:t>
+            </a:r>
+            <a:r>
+              <a:rPr lang="en-US" sz="2000" b="1" dirty="0"/>
+              <a:t>Groups: </a:t>
+            </a:r>
+            <a:r>
+              <a:rPr lang="en-US" sz="2000" dirty="0"/>
+              <a:t>Organize focus groups with learners, instructors, and support staff to gather qualitative feedback on specific features, functionalities, and user experiences. This exercise will help identify user preferences, pain points, and suggestions for enhancing communication, collaboration, and personalization</a:t>
+            </a:r>
+            <a:r>
+              <a:rPr lang="en-US" sz="2000" dirty="0" smtClean="0"/>
+              <a:t>.</a:t>
+            </a:r>
+            <a:endParaRPr lang="en-US" sz="2000" dirty="0"/>
+          </a:p>
+        </p:txBody>
+      </p:sp>
+    </p:spTree>
+    <p:extLst>
+      <p:ext uri="{BB962C8B-B14F-4D97-AF65-F5344CB8AC3E}">
+        <p14:creationId xmlns:p14="http://schemas.microsoft.com/office/powerpoint/2010/main" val="823266812"/>
+      </p:ext>
+    </p:extLst>
+  </p:cSld>
+  <p:clrMapOvr>
+    <a:masterClrMapping/>
+  </p:clrMapOvr>
+  <p:timing>
+    <p:tnLst>
+      <p:par>
+        <p:cTn id="1" dur="indefinite" restart="never" nodeType="tmRoot"/>
+      </p:par>
+    </p:tnLst>
+  </p:timing>
+</p:sld>
+</file>
+
+<file path=ppt/slides/slide32.xml><?xml version="1.0" encoding="utf-8"?>
+<p:sld xmlns:a="http://schemas.openxmlformats.org/drawingml/2006/main" xmlns:r="http://schemas.openxmlformats.org/officeDocument/2006/relationships" xmlns:p="http://schemas.openxmlformats.org/presentationml/2006/main">
+  <p:cSld>
+    <p:spTree>
+      <p:nvGrpSpPr>
+        <p:cNvPr id="1" name=""/>
+        <p:cNvGrpSpPr/>
+        <p:nvPr/>
+      </p:nvGrpSpPr>
+      <p:grpSpPr>
+        <a:xfrm>
+          <a:off x="0" y="0"/>
+          <a:ext cx="0" cy="0"/>
+          <a:chOff x="0" y="0"/>
+          <a:chExt cx="0" cy="0"/>
+        </a:xfrm>
+      </p:grpSpPr>
+      <p:sp>
+        <p:nvSpPr>
+          <p:cNvPr id="2" name="Title 1"/>
+          <p:cNvSpPr>
+            <a:spLocks noGrp="1"/>
+          </p:cNvSpPr>
+          <p:nvPr>
+            <p:ph type="title"/>
+          </p:nvPr>
+        </p:nvSpPr>
+        <p:spPr/>
+        <p:txBody>
+          <a:bodyPr/>
+          <a:lstStyle/>
+          <a:p>
+            <a:r>
+              <a:rPr lang="en-US" dirty="0" smtClean="0"/>
+              <a:t>Evaluation Plan</a:t>
+            </a:r>
+            <a:endParaRPr lang="en-US" dirty="0"/>
+          </a:p>
+        </p:txBody>
+      </p:sp>
+      <p:sp>
+        <p:nvSpPr>
+          <p:cNvPr id="3" name="Content Placeholder 2"/>
+          <p:cNvSpPr>
+            <a:spLocks noGrp="1"/>
+          </p:cNvSpPr>
+          <p:nvPr>
+            <p:ph idx="1"/>
+          </p:nvPr>
+        </p:nvSpPr>
+        <p:spPr/>
+        <p:txBody>
+          <a:bodyPr>
+            <a:normAutofit/>
+          </a:bodyPr>
+          <a:lstStyle/>
+          <a:p>
+            <a:pPr marL="457200" indent="-457200">
+              <a:buFont typeface="+mj-lt"/>
+              <a:buAutoNum type="arabicPeriod" startAt="3"/>
+            </a:pPr>
+            <a:r>
+              <a:rPr lang="en-US" sz="2000" b="1" i="1" dirty="0" smtClean="0"/>
+              <a:t>Surveys and Feedback Forms: </a:t>
+            </a:r>
+            <a:r>
+              <a:rPr lang="en-US" sz="2000" dirty="0" smtClean="0"/>
+              <a:t>Distribute </a:t>
+            </a:r>
+            <a:r>
+              <a:rPr lang="en-US" sz="2000" dirty="0"/>
+              <a:t>surveys and </a:t>
+            </a:r>
+            <a:r>
+              <a:rPr lang="en-US" sz="2000" dirty="0" smtClean="0"/>
+              <a:t>feedback </a:t>
+            </a:r>
+            <a:r>
+              <a:rPr lang="en-US" sz="2000" dirty="0"/>
+              <a:t>forms to gather quantitative and qualitative data on user satisfaction, perceived effectiveness, and overall experience with the online learning system. This exercise will help assess the system's impact on learning outcomes, user engagement, and satisfaction</a:t>
+            </a:r>
+            <a:r>
+              <a:rPr lang="en-US" sz="2000" dirty="0" smtClean="0"/>
+              <a:t>.</a:t>
+            </a:r>
+          </a:p>
+          <a:p>
+            <a:pPr marL="0" indent="0">
+              <a:buNone/>
+            </a:pPr>
+            <a:endParaRPr lang="en-US" sz="2000" dirty="0"/>
+          </a:p>
+          <a:p>
+            <a:pPr marL="0" indent="0">
+              <a:buNone/>
+            </a:pPr>
+            <a:r>
+              <a:rPr lang="en-US" sz="2000" b="1" i="1" dirty="0"/>
+              <a:t>Rationale for Evaluation Exercises</a:t>
+            </a:r>
+            <a:r>
+              <a:rPr lang="en-US" sz="2000" b="1" i="1" dirty="0" smtClean="0"/>
+              <a:t>:</a:t>
+            </a:r>
+          </a:p>
+          <a:p>
+            <a:pPr marL="0" indent="0">
+              <a:buNone/>
+            </a:pPr>
+            <a:endParaRPr lang="en-US" sz="2000" b="1" dirty="0"/>
+          </a:p>
+          <a:p>
+            <a:pPr marL="514350" indent="-514350">
+              <a:buFont typeface="+mj-lt"/>
+              <a:buAutoNum type="romanUcPeriod"/>
+            </a:pPr>
+            <a:r>
+              <a:rPr lang="en-US" sz="2000" b="1" i="1" dirty="0" smtClean="0"/>
+              <a:t>Usability </a:t>
+            </a:r>
+            <a:r>
+              <a:rPr lang="en-US" sz="2000" b="1" i="1" dirty="0"/>
+              <a:t>Testing: </a:t>
+            </a:r>
+            <a:r>
+              <a:rPr lang="en-US" sz="2000" dirty="0"/>
+              <a:t>This exercise will validate the usability criteria and ensure that the system is easy to navigate, understand, and use, meeting the needs of users with varying levels of digital literacy.</a:t>
+            </a:r>
+          </a:p>
+          <a:p>
+            <a:pPr marL="0" indent="0">
+              <a:buNone/>
+            </a:pPr>
+            <a:endParaRPr lang="en-US" dirty="0"/>
+          </a:p>
+        </p:txBody>
+      </p:sp>
+    </p:spTree>
+    <p:extLst>
+      <p:ext uri="{BB962C8B-B14F-4D97-AF65-F5344CB8AC3E}">
+        <p14:creationId xmlns:p14="http://schemas.microsoft.com/office/powerpoint/2010/main" val="3057852922"/>
+      </p:ext>
+    </p:extLst>
+  </p:cSld>
+  <p:clrMapOvr>
+    <a:masterClrMapping/>
+  </p:clrMapOvr>
+  <p:timing>
+    <p:tnLst>
+      <p:par>
+        <p:cTn id="1" dur="indefinite" restart="never" nodeType="tmRoot"/>
+      </p:par>
+    </p:tnLst>
+  </p:timing>
+</p:sld>
+</file>
+
+<file path=ppt/slides/slide33.xml><?xml version="1.0" encoding="utf-8"?>
+<p:sld xmlns:a="http://schemas.openxmlformats.org/drawingml/2006/main" xmlns:r="http://schemas.openxmlformats.org/officeDocument/2006/relationships" xmlns:p="http://schemas.openxmlformats.org/presentationml/2006/main">
+  <p:cSld>
+    <p:spTree>
+      <p:nvGrpSpPr>
+        <p:cNvPr id="1" name=""/>
+        <p:cNvGrpSpPr/>
+        <p:nvPr/>
+      </p:nvGrpSpPr>
+      <p:grpSpPr>
+        <a:xfrm>
+          <a:off x="0" y="0"/>
+          <a:ext cx="0" cy="0"/>
+          <a:chOff x="0" y="0"/>
+          <a:chExt cx="0" cy="0"/>
+        </a:xfrm>
+      </p:grpSpPr>
+      <p:sp>
+        <p:nvSpPr>
+          <p:cNvPr id="2" name="Title 1"/>
+          <p:cNvSpPr>
+            <a:spLocks noGrp="1"/>
+          </p:cNvSpPr>
+          <p:nvPr>
+            <p:ph type="title"/>
+          </p:nvPr>
+        </p:nvSpPr>
+        <p:spPr/>
+        <p:txBody>
+          <a:bodyPr/>
+          <a:lstStyle/>
+          <a:p>
+            <a:r>
+              <a:rPr lang="en-US" dirty="0" smtClean="0"/>
+              <a:t>Evaluation Plan</a:t>
+            </a:r>
+            <a:endParaRPr lang="en-US" dirty="0"/>
+          </a:p>
+        </p:txBody>
+      </p:sp>
+      <p:sp>
+        <p:nvSpPr>
+          <p:cNvPr id="3" name="Content Placeholder 2"/>
+          <p:cNvSpPr>
+            <a:spLocks noGrp="1"/>
+          </p:cNvSpPr>
+          <p:nvPr>
+            <p:ph idx="1"/>
+          </p:nvPr>
+        </p:nvSpPr>
+        <p:spPr/>
+        <p:txBody>
+          <a:bodyPr>
+            <a:normAutofit/>
+          </a:bodyPr>
+          <a:lstStyle/>
+          <a:p>
+            <a:pPr marL="0" indent="0">
+              <a:buNone/>
+            </a:pPr>
+            <a:endParaRPr lang="en-US" sz="2000" dirty="0" smtClean="0"/>
+          </a:p>
+          <a:p>
+            <a:pPr marL="0" indent="0">
+              <a:buNone/>
+            </a:pPr>
+            <a:r>
+              <a:rPr lang="en-US" sz="2000" b="1" i="1" dirty="0" smtClean="0"/>
+              <a:t>Rationale </a:t>
+            </a:r>
+            <a:r>
+              <a:rPr lang="en-US" sz="2000" b="1" i="1" dirty="0"/>
+              <a:t>for Evaluation </a:t>
+            </a:r>
+            <a:r>
+              <a:rPr lang="en-US" sz="2000" b="1" i="1" dirty="0" smtClean="0"/>
+              <a:t>Exercises:</a:t>
+            </a:r>
+          </a:p>
+          <a:p>
+            <a:pPr marL="0" indent="0">
+              <a:buNone/>
+            </a:pPr>
+            <a:endParaRPr lang="en-US" sz="2000" b="1" i="1" dirty="0" smtClean="0"/>
+          </a:p>
+          <a:p>
+            <a:pPr marL="514350" indent="-514350">
+              <a:buFont typeface="+mj-lt"/>
+              <a:buAutoNum type="romanUcPeriod" startAt="2"/>
+            </a:pPr>
+            <a:r>
+              <a:rPr lang="en-US" sz="2000" b="1" i="1" dirty="0" smtClean="0"/>
+              <a:t>Focus </a:t>
+            </a:r>
+            <a:r>
+              <a:rPr lang="en-US" sz="2000" b="1" i="1" dirty="0"/>
+              <a:t>Groups: </a:t>
+            </a:r>
+            <a:r>
+              <a:rPr lang="en-US" sz="2000" dirty="0"/>
+              <a:t>By involving different stakeholders, this exercise will gather diverse perspectives, identify potential areas of improvement, and ensure that the system aligns with user expectations and preferences</a:t>
+            </a:r>
+            <a:r>
+              <a:rPr lang="en-US" sz="2000" dirty="0" smtClean="0"/>
+              <a:t>.</a:t>
+            </a:r>
+          </a:p>
+          <a:p>
+            <a:pPr marL="0" indent="0">
+              <a:buNone/>
+            </a:pPr>
+            <a:endParaRPr lang="en-US" sz="2000" dirty="0"/>
+          </a:p>
+          <a:p>
+            <a:pPr marL="514350" indent="-514350">
+              <a:buFont typeface="+mj-lt"/>
+              <a:buAutoNum type="romanUcPeriod" startAt="3"/>
+            </a:pPr>
+            <a:r>
+              <a:rPr lang="en-US" sz="2000" b="1" i="1" dirty="0"/>
+              <a:t>Surveys and Feedback Forms: </a:t>
+            </a:r>
+            <a:r>
+              <a:rPr lang="en-US" sz="2000" dirty="0"/>
+              <a:t>These evaluation methods will provide quantitative and qualitative data to assess user satisfaction, effectiveness, and overall user experience, validating the usability criteria and requirements related to communication, collaboration, and progress tracking.</a:t>
+            </a:r>
+          </a:p>
+          <a:p>
+            <a:pPr marL="0" indent="0">
+              <a:buNone/>
+            </a:pPr>
+            <a:endParaRPr lang="en-US" dirty="0"/>
+          </a:p>
+        </p:txBody>
+      </p:sp>
+    </p:spTree>
+    <p:extLst>
+      <p:ext uri="{BB962C8B-B14F-4D97-AF65-F5344CB8AC3E}">
+        <p14:creationId xmlns:p14="http://schemas.microsoft.com/office/powerpoint/2010/main" val="3873382837"/>
+      </p:ext>
+    </p:extLst>
+  </p:cSld>
+  <p:clrMapOvr>
+    <a:masterClrMapping/>
+  </p:clrMapOvr>
+  <p:timing>
+    <p:tnLst>
+      <p:par>
+        <p:cTn id="1" dur="indefinite" restart="never" nodeType="tmRoot"/>
+      </p:par>
+    </p:tnLst>
+  </p:timing>
 </p:sld>
 </file>
 
@@ -4510,12 +6401,22 @@
         </p:nvSpPr>
         <p:spPr/>
         <p:txBody>
-          <a:bodyPr/>
+          <a:bodyPr>
+            <a:normAutofit/>
+          </a:bodyPr>
           <a:lstStyle/>
           <a:p>
             <a:r>
               <a:rPr lang="en-US" dirty="0" smtClean="0"/>
-              <a:t>Functional Requirements</a:t>
+              <a:t>Characteristics </a:t>
+            </a:r>
+            <a:r>
+              <a:rPr lang="en-US" dirty="0"/>
+              <a:t>of User </a:t>
+            </a:r>
+            <a:r>
+              <a:rPr lang="en-US" dirty="0" smtClean="0"/>
+              <a:t>Tasks</a:t>
             </a:r>
             <a:endParaRPr lang="en-US" dirty="0"/>
           </a:p>
@@ -4531,45 +6432,126 @@
             <p:ph idx="1"/>
           </p:nvPr>
         </p:nvSpPr>
-        <p:spPr/>
+        <p:spPr>
+          <a:xfrm>
+            <a:off x="457200" y="1447800"/>
+            <a:ext cx="8229600" cy="5181600"/>
+          </a:xfrm>
+        </p:spPr>
         <p:txBody>
           <a:bodyPr>
-            <a:noAutofit/>
+            <a:normAutofit fontScale="25000" lnSpcReduction="20000"/>
           </a:bodyPr>
           <a:lstStyle/>
           <a:p>
             <a:pPr marL="0" indent="0">
               <a:buNone/>
             </a:pPr>
-            <a:r>
-              <a:rPr lang="en-US" sz="2000" dirty="0" smtClean="0"/>
-              <a:t>1.User Interface: Navigation system. Responsive design for compatibility across devices. Clear presentation of learning materials and activities.</a:t>
-            </a:r>
-          </a:p>
-          <a:p>
-            <a:pPr marL="0" indent="0">
-              <a:buNone/>
-            </a:pPr>
-            <a:r>
-              <a:rPr lang="en-US" sz="2000" dirty="0" smtClean="0"/>
-              <a:t>2.Audio Playback: Integration of audio files for listening exercises. Play/pause, rewind, and volume control options. Compatibility with various audio formats.</a:t>
-            </a:r>
-          </a:p>
-          <a:p>
-            <a:pPr marL="0" indent="0">
-              <a:buNone/>
-            </a:pPr>
-            <a:r>
-              <a:rPr lang="en-US" sz="2000" dirty="0" smtClean="0"/>
-              <a:t>3.Pronunciation Practice: Interactive pronunciation exercises. Recording and playback functionalities for user-generated audio. Comparative analysis tools for self-assessment.</a:t>
-            </a:r>
+            <a:endParaRPr lang="en-US" sz="8000" b="1" i="1" dirty="0" smtClean="0"/>
+          </a:p>
+          <a:p>
+            <a:pPr marL="971550" lvl="1" indent="-571500">
+              <a:buFont typeface="+mj-lt"/>
+              <a:buAutoNum type="romanUcPeriod"/>
+            </a:pPr>
+            <a:r>
+              <a:rPr lang="en-US" sz="8000" b="1" i="1" dirty="0" smtClean="0"/>
+              <a:t>Accessing </a:t>
+            </a:r>
+            <a:r>
+              <a:rPr lang="en-US" sz="8000" b="1" i="1" dirty="0"/>
+              <a:t>Learning Materials: </a:t>
+            </a:r>
+            <a:r>
+              <a:rPr lang="en-US" sz="8000" dirty="0"/>
+              <a:t>Users need to navigate the online platform to access a variety of learning resources, including interactive lessons, multimedia content, exercises, and quizzes.</a:t>
+            </a:r>
+          </a:p>
+          <a:p>
+            <a:pPr marL="971550" lvl="1" indent="-571500">
+              <a:buFont typeface="+mj-lt"/>
+              <a:buAutoNum type="romanUcPeriod"/>
+            </a:pPr>
+            <a:r>
+              <a:rPr lang="en-US" sz="8000" b="1" i="1" dirty="0" smtClean="0"/>
+              <a:t>Participating </a:t>
+            </a:r>
+            <a:r>
+              <a:rPr lang="en-US" sz="8000" b="1" i="1" dirty="0"/>
+              <a:t>in Remote Classes: </a:t>
+            </a:r>
+            <a:r>
+              <a:rPr lang="en-US" sz="8000" dirty="0"/>
+              <a:t>Users should be able to join virtual classrooms, engage in live or recorded sessions, interact with instructors and peers, and contribute to discussions or group activities.</a:t>
+            </a:r>
+          </a:p>
+          <a:p>
+            <a:pPr marL="971550" lvl="1" indent="-571500">
+              <a:buFont typeface="+mj-lt"/>
+              <a:buAutoNum type="romanUcPeriod"/>
+            </a:pPr>
+            <a:r>
+              <a:rPr lang="en-US" sz="8000" b="1" i="1" dirty="0" smtClean="0"/>
+              <a:t>Tracking </a:t>
+            </a:r>
+            <a:r>
+              <a:rPr lang="en-US" sz="8000" b="1" i="1" dirty="0"/>
+              <a:t>Progress and Feedback: </a:t>
+            </a:r>
+            <a:r>
+              <a:rPr lang="en-US" sz="8000" dirty="0"/>
+              <a:t>Users should have the ability to monitor their progress, receive personalized feedback on their performance, and set goals to track their language learning journey</a:t>
+            </a:r>
+            <a:r>
+              <a:rPr lang="en-US" sz="8000" dirty="0" smtClean="0"/>
+              <a:t>.</a:t>
+            </a:r>
+          </a:p>
+          <a:p>
+            <a:pPr marL="971550" lvl="1" indent="-571500">
+              <a:buFont typeface="+mj-lt"/>
+              <a:buAutoNum type="romanUcPeriod"/>
+            </a:pPr>
+            <a:r>
+              <a:rPr lang="en-US" sz="8000" dirty="0" smtClean="0"/>
+              <a:t> </a:t>
+            </a:r>
+            <a:r>
+              <a:rPr lang="en-US" sz="8000" b="1" i="1" dirty="0"/>
+              <a:t>Customizing Learning Paths: </a:t>
+            </a:r>
+            <a:r>
+              <a:rPr lang="en-US" sz="8000" dirty="0"/>
+              <a:t>Users should be able to tailor their learning experience based on their individual goals, interests, and skill levels, selecting specific topics or modules that align with their needs.</a:t>
+            </a:r>
+          </a:p>
+          <a:p>
+            <a:pPr marL="971550" lvl="1" indent="-571500">
+              <a:buFont typeface="+mj-lt"/>
+              <a:buAutoNum type="romanUcPeriod"/>
+            </a:pPr>
+            <a:r>
+              <a:rPr lang="en-US" sz="8000" b="1" i="1" dirty="0" smtClean="0"/>
+              <a:t>Seeking </a:t>
+            </a:r>
+            <a:r>
+              <a:rPr lang="en-US" sz="8000" b="1" i="1" dirty="0"/>
+              <a:t>Support: </a:t>
+            </a:r>
+            <a:r>
+              <a:rPr lang="en-US" sz="8000" dirty="0"/>
+              <a:t>Users may require assistance from instructors or tutors, either through online chat, email, or scheduled consultations, to address questions, clarify concepts, or seek guidance.</a:t>
+            </a:r>
+          </a:p>
+          <a:p>
+            <a:endParaRPr lang="en-US" dirty="0"/>
           </a:p>
         </p:txBody>
       </p:sp>
     </p:spTree>
     <p:extLst>
       <p:ext uri="{BB962C8B-B14F-4D97-AF65-F5344CB8AC3E}">
-        <p14:creationId xmlns:p14="http://schemas.microsoft.com/office/powerpoint/2010/main" val="1321531085"/>
+        <p14:creationId xmlns:p14="http://schemas.microsoft.com/office/powerpoint/2010/main" val="2231148021"/>
       </p:ext>
     </p:extLst>
   </p:cSld>
@@ -4615,14 +6597,15 @@
         </p:nvSpPr>
         <p:spPr/>
         <p:txBody>
-          <a:bodyPr/>
-          <a:lstStyle/>
-          <a:p>
-            <a:r>
-              <a:rPr lang="en-US" dirty="0" smtClean="0"/>
-              <a:t>Cont…</a:t>
-            </a:r>
-            <a:endParaRPr lang="en-US" dirty="0"/>
+          <a:bodyPr>
+            <a:normAutofit fontScale="90000"/>
+          </a:bodyPr>
+          <a:lstStyle/>
+          <a:p>
+            <a:r>
+              <a:rPr lang="en-US" dirty="0"/>
+              <a:t>Characteristics of Task Environment</a:t>
+            </a:r>
           </a:p>
         </p:txBody>
       </p:sp>
@@ -4646,26 +6629,78 @@
             <a:pPr marL="0" indent="0">
               <a:buNone/>
             </a:pPr>
-            <a:r>
-              <a:rPr lang="en-US" sz="2200" i="1" dirty="0"/>
-              <a:t>4.Learning Materials: </a:t>
-            </a:r>
-            <a:r>
-              <a:rPr lang="en-US" sz="2200" dirty="0"/>
-              <a:t>Vocabulary lists, grammar lessons, dialogues, and reading exercises. Integration of multimedia content (e.g., images, videos) to enhance learning experiences.</a:t>
-            </a:r>
-          </a:p>
-          <a:p>
-            <a:pPr marL="0" indent="0">
-              <a:buNone/>
-            </a:pPr>
-            <a:r>
-              <a:rPr lang="en-US" sz="2200" i="1" dirty="0"/>
-              <a:t>5.Personalization and Progress Tracking: </a:t>
-            </a:r>
-            <a:r>
-              <a:rPr lang="en-US" sz="2200" dirty="0"/>
-              <a:t>User profiles with customizable preferences and learning goals. Algorithm-driven recommendations for tailored learning paths. Visual representations of progress through dashboards and reports.</a:t>
+            <a:endParaRPr lang="en-US" sz="2200" b="1" i="1" dirty="0"/>
+          </a:p>
+          <a:p>
+            <a:pPr marL="914400" lvl="1" indent="-514350">
+              <a:buFont typeface="+mj-lt"/>
+              <a:buAutoNum type="romanUcPeriod"/>
+            </a:pPr>
+            <a:r>
+              <a:rPr lang="en-US" sz="2000" b="1" i="1" dirty="0" smtClean="0"/>
+              <a:t>Digital </a:t>
+            </a:r>
+            <a:r>
+              <a:rPr lang="en-US" sz="2000" b="1" i="1" dirty="0"/>
+              <a:t>Learning Environment: </a:t>
+            </a:r>
+            <a:r>
+              <a:rPr lang="en-US" sz="2000" dirty="0"/>
+              <a:t>Users interact with the online learning platform through computers, laptops, or mobile devices with internet access.</a:t>
+            </a:r>
+          </a:p>
+          <a:p>
+            <a:pPr marL="914400" lvl="1" indent="-514350">
+              <a:buFont typeface="+mj-lt"/>
+              <a:buAutoNum type="romanUcPeriod"/>
+            </a:pPr>
+            <a:r>
+              <a:rPr lang="en-US" sz="2000" b="1" i="1" dirty="0" smtClean="0"/>
+              <a:t>Remote </a:t>
+            </a:r>
+            <a:r>
+              <a:rPr lang="en-US" sz="2000" b="1" i="1" dirty="0"/>
+              <a:t>Learning Setup: </a:t>
+            </a:r>
+            <a:r>
+              <a:rPr lang="en-US" sz="2000" dirty="0"/>
+              <a:t>Users engage in learning activities from their preferred location, such as their homes or private workspaces, to maintain privacy and convenience.</a:t>
+            </a:r>
+          </a:p>
+          <a:p>
+            <a:pPr marL="914400" lvl="1" indent="-514350">
+              <a:buFont typeface="+mj-lt"/>
+              <a:buAutoNum type="romanUcPeriod"/>
+            </a:pPr>
+            <a:r>
+              <a:rPr lang="en-US" sz="2000" b="1" i="1" dirty="0" smtClean="0"/>
+              <a:t>Connectivity </a:t>
+            </a:r>
+            <a:r>
+              <a:rPr lang="en-US" sz="2000" b="1" i="1" dirty="0"/>
+              <a:t>and Technology: </a:t>
+            </a:r>
+            <a:r>
+              <a:rPr lang="en-US" sz="2000" dirty="0"/>
+              <a:t>Users rely on stable internet connectivity and compatible devices to access the system, stream content, and participate in virtual classes.</a:t>
+            </a:r>
+          </a:p>
+          <a:p>
+            <a:pPr marL="914400" lvl="1" indent="-514350">
+              <a:buFont typeface="+mj-lt"/>
+              <a:buAutoNum type="romanUcPeriod"/>
+            </a:pPr>
+            <a:r>
+              <a:rPr lang="en-US" sz="2000" b="1" i="1" dirty="0" smtClean="0"/>
+              <a:t>Time </a:t>
+            </a:r>
+            <a:r>
+              <a:rPr lang="en-US" sz="2000" b="1" i="1" dirty="0"/>
+              <a:t>Flexibility: </a:t>
+            </a:r>
+            <a:r>
+              <a:rPr lang="en-US" sz="2000" dirty="0"/>
+              <a:t>The system should accommodate users' varying schedules and provide asynchronous learning options, allowing them to study at their own pace.</a:t>
             </a:r>
           </a:p>
           <a:p>
@@ -4676,7 +6711,7 @@
     </p:spTree>
     <p:extLst>
       <p:ext uri="{BB962C8B-B14F-4D97-AF65-F5344CB8AC3E}">
-        <p14:creationId xmlns:p14="http://schemas.microsoft.com/office/powerpoint/2010/main" val="1161000469"/>
+        <p14:creationId xmlns:p14="http://schemas.microsoft.com/office/powerpoint/2010/main" val="831202697"/>
       </p:ext>
     </p:extLst>
   </p:cSld>
@@ -4727,9 +6762,12 @@
           <a:p>
             <a:r>
               <a:rPr lang="en-US" dirty="0" smtClean="0"/>
-              <a:t>Non-Functional Requirements</a:t>
-            </a:r>
-            <a:endParaRPr lang="en-US" dirty="0"/>
+              <a:t>TASK </a:t>
+            </a:r>
+            <a:r>
+              <a:rPr lang="en-US" dirty="0"/>
+              <a:t>ANALYSIS</a:t>
+            </a:r>
           </a:p>
         </p:txBody>
       </p:sp>
@@ -4750,52 +6788,189 @@
           </a:bodyPr>
           <a:lstStyle/>
           <a:p>
+            <a:pPr>
+              <a:buFont typeface="Wingdings" pitchFamily="2" charset="2"/>
+              <a:buChar char="Ø"/>
+            </a:pPr>
+            <a:endParaRPr lang="en-US" sz="2000" b="1" dirty="0" smtClean="0"/>
+          </a:p>
+          <a:p>
+            <a:pPr>
+              <a:buFont typeface="Wingdings" pitchFamily="2" charset="2"/>
+              <a:buChar char="Ø"/>
+            </a:pPr>
+            <a:r>
+              <a:rPr lang="en-US" sz="2000" b="1" dirty="0" smtClean="0"/>
+              <a:t>Main </a:t>
+            </a:r>
+            <a:r>
+              <a:rPr lang="en-US" sz="2000" b="1" dirty="0"/>
+              <a:t>task: </a:t>
+            </a:r>
+            <a:r>
+              <a:rPr lang="en-US" sz="2000" i="1" dirty="0"/>
+              <a:t>Access and participate in an online English language </a:t>
+            </a:r>
             <a:r>
               <a:rPr lang="en-US" sz="2000" i="1" dirty="0" smtClean="0"/>
-              <a:t>1.Performance: </a:t>
-            </a:r>
+              <a:t>learning.</a:t>
+            </a:r>
+          </a:p>
+          <a:p>
+            <a:pPr>
+              <a:buFont typeface="Wingdings" pitchFamily="2" charset="2"/>
+              <a:buChar char="Ø"/>
+            </a:pPr>
+            <a:endParaRPr lang="en-US" sz="2000" i="1" dirty="0"/>
+          </a:p>
+          <a:p>
+            <a:pPr marL="400050" lvl="1" indent="0">
+              <a:buNone/>
+            </a:pPr>
+            <a:r>
+              <a:rPr lang="en-US" sz="2000" b="1" i="1" dirty="0" smtClean="0"/>
+              <a:t>Subtask </a:t>
+            </a:r>
+            <a:r>
+              <a:rPr lang="en-US" sz="2000" b="1" i="1" dirty="0"/>
+              <a:t>1</a:t>
+            </a:r>
+            <a:r>
+              <a:rPr lang="en-US" sz="2000" dirty="0"/>
+              <a:t>: </a:t>
+            </a:r>
+            <a:r>
+              <a:rPr lang="en-US" sz="2000" i="1" dirty="0"/>
+              <a:t>Log in to the online learning </a:t>
+            </a:r>
+            <a:r>
+              <a:rPr lang="en-US" sz="2000" i="1" dirty="0" smtClean="0"/>
+              <a:t>platform.</a:t>
+            </a:r>
+            <a:endParaRPr lang="en-US" sz="2000" i="1" dirty="0"/>
+          </a:p>
+          <a:p>
+            <a:pPr marL="1314450" lvl="2" indent="-514350">
+              <a:buFont typeface="+mj-lt"/>
+              <a:buAutoNum type="romanUcPeriod"/>
+            </a:pPr>
             <a:r>
               <a:rPr lang="en-US" sz="2000" dirty="0" smtClean="0"/>
-              <a:t>Low latency and fast response times to ensure smooth user experience. Scalability to accommodate a growing user base without degradation in performance.</a:t>
-            </a:r>
-          </a:p>
-          <a:p>
+              <a:t>Enter </a:t>
+            </a:r>
+            <a:r>
+              <a:rPr lang="en-US" sz="2000" dirty="0"/>
+              <a:t>username and password</a:t>
+            </a:r>
+          </a:p>
+          <a:p>
+            <a:pPr marL="1314450" lvl="2" indent="-514350">
+              <a:buFont typeface="+mj-lt"/>
+              <a:buAutoNum type="romanUcPeriod"/>
+            </a:pPr>
+            <a:r>
+              <a:rPr lang="en-US" sz="2000" dirty="0" smtClean="0"/>
+              <a:t>Click </a:t>
+            </a:r>
+            <a:r>
+              <a:rPr lang="en-US" sz="2000" dirty="0"/>
+              <a:t>on "Login" button</a:t>
+            </a:r>
+          </a:p>
+          <a:p>
+            <a:pPr marL="1314450" lvl="2" indent="-514350">
+              <a:buFont typeface="+mj-lt"/>
+              <a:buAutoNum type="romanUcPeriod"/>
+            </a:pPr>
+            <a:r>
+              <a:rPr lang="en-US" sz="2000" dirty="0" smtClean="0"/>
+              <a:t>Verify </a:t>
+            </a:r>
+            <a:r>
+              <a:rPr lang="en-US" sz="2000" dirty="0"/>
+              <a:t>credentials and gain access to the platform</a:t>
+            </a:r>
+          </a:p>
+          <a:p>
+            <a:pPr marL="400050" lvl="1" indent="0">
+              <a:buNone/>
+            </a:pPr>
+            <a:r>
+              <a:rPr lang="en-US" sz="2000" b="1" i="1" dirty="0" smtClean="0"/>
+              <a:t>Subtask </a:t>
+            </a:r>
+            <a:r>
+              <a:rPr lang="en-US" sz="2000" b="1" i="1" dirty="0"/>
+              <a:t>2</a:t>
+            </a:r>
+            <a:r>
+              <a:rPr lang="en-US" sz="2000" dirty="0"/>
+              <a:t>: </a:t>
+            </a:r>
+            <a:r>
+              <a:rPr lang="en-US" sz="2000" i="1" dirty="0"/>
+              <a:t>Navigate to the desired course or learning </a:t>
+            </a:r>
             <a:r>
               <a:rPr lang="en-US" sz="2000" i="1" dirty="0" smtClean="0"/>
-              <a:t>2.Security: </a:t>
-            </a:r>
+              <a:t>materials.</a:t>
+            </a:r>
+            <a:endParaRPr lang="en-US" sz="2000" i="1" dirty="0"/>
+          </a:p>
+          <a:p>
+            <a:pPr marL="1314450" lvl="2" indent="-514350">
+              <a:buFont typeface="+mj-lt"/>
+              <a:buAutoNum type="romanUcPeriod"/>
+            </a:pPr>
             <a:r>
               <a:rPr lang="en-US" sz="2000" dirty="0" smtClean="0"/>
-              <a:t>Secure authentication and authorization mechanisms. Encryption of sensitive user data (e.g., login credentials, progress tracking information).</a:t>
-            </a:r>
-          </a:p>
-          <a:p>
-            <a:r>
-              <a:rPr lang="en-US" sz="2000" i="1" dirty="0" smtClean="0"/>
-              <a:t>3.Reliability: </a:t>
-            </a:r>
+              <a:t>Browse </a:t>
+            </a:r>
+            <a:r>
+              <a:rPr lang="en-US" sz="2000" dirty="0"/>
+              <a:t>through available courses or subjects</a:t>
+            </a:r>
+          </a:p>
+          <a:p>
+            <a:pPr marL="1314450" lvl="2" indent="-514350">
+              <a:buFont typeface="+mj-lt"/>
+              <a:buAutoNum type="romanUcPeriod"/>
+            </a:pPr>
             <a:r>
               <a:rPr lang="en-US" sz="2000" dirty="0" smtClean="0"/>
-              <a:t>High availability and uptime to minimize service disruptions. Automated backup and recovery procedures to prevent data loss.</a:t>
-            </a:r>
-          </a:p>
-          <a:p>
-            <a:r>
-              <a:rPr lang="en-US" sz="2000" i="1" dirty="0" smtClean="0"/>
-              <a:t>4.Accessibility: </a:t>
-            </a:r>
+              <a:t>Select </a:t>
+            </a:r>
+            <a:r>
+              <a:rPr lang="en-US" sz="2000" dirty="0"/>
+              <a:t>the desired course or learning materials</a:t>
+            </a:r>
+          </a:p>
+          <a:p>
+            <a:pPr marL="1314450" lvl="2" indent="-514350">
+              <a:buFont typeface="+mj-lt"/>
+              <a:buAutoNum type="romanUcPeriod"/>
+            </a:pPr>
             <a:r>
               <a:rPr lang="en-US" sz="2000" dirty="0" smtClean="0"/>
-              <a:t>Compliance with accessibility standards (e.g., WCAG) to ensure inclusivity for users with disabilities. Support for multiple languages and localization options.</a:t>
-            </a:r>
-            <a:endParaRPr lang="en-US" sz="2000" dirty="0"/>
+              <a:t>Click </a:t>
+            </a:r>
+            <a:r>
+              <a:rPr lang="en-US" sz="2000" dirty="0"/>
+              <a:t>on the course to access its content</a:t>
+            </a:r>
+          </a:p>
+          <a:p>
+            <a:pPr marL="0" indent="0">
+              <a:buNone/>
+            </a:pPr>
+            <a:endParaRPr lang="en-US" dirty="0"/>
           </a:p>
         </p:txBody>
       </p:sp>
     </p:spTree>
     <p:extLst>
       <p:ext uri="{BB962C8B-B14F-4D97-AF65-F5344CB8AC3E}">
-        <p14:creationId xmlns:p14="http://schemas.microsoft.com/office/powerpoint/2010/main" val="932808403"/>
+        <p14:creationId xmlns:p14="http://schemas.microsoft.com/office/powerpoint/2010/main" val="1160864638"/>
       </p:ext>
     </p:extLst>
   </p:cSld>
@@ -4846,7 +7021,7 @@
           <a:p>
             <a:r>
               <a:rPr lang="en-US" dirty="0" smtClean="0"/>
-              <a:t>Domain Requirements</a:t>
+              <a:t>TASK ANALYSIS</a:t>
             </a:r>
             <a:endParaRPr lang="en-US" dirty="0"/>
           </a:p>
@@ -4869,33 +7044,168 @@
           </a:bodyPr>
           <a:lstStyle/>
           <a:p>
+            <a:pPr marL="0" indent="0">
+              <a:buNone/>
+            </a:pPr>
+            <a:r>
+              <a:rPr lang="en-US" sz="2000" b="1" i="1" dirty="0"/>
+              <a:t>Subtask 3: </a:t>
+            </a:r>
+            <a:r>
+              <a:rPr lang="en-US" sz="2000" i="1" dirty="0"/>
+              <a:t>Access interactive lessons, multimedia content, and </a:t>
+            </a:r>
             <a:r>
               <a:rPr lang="en-US" sz="2000" i="1" dirty="0" smtClean="0"/>
-              <a:t>1.Language Learning Pedagogy: </a:t>
-            </a:r>
+              <a:t>exercises.</a:t>
+            </a:r>
+          </a:p>
+          <a:p>
+            <a:pPr marL="914400" lvl="1" indent="-514350">
+              <a:buFont typeface="+mj-lt"/>
+              <a:buAutoNum type="romanUcPeriod"/>
+            </a:pPr>
             <a:r>
               <a:rPr lang="en-US" sz="2000" dirty="0" smtClean="0"/>
-              <a:t>Incorporation of evidence-based language learning methodologies and best practices. Alignment with proficiency standards and frameworks (e.g., CEFR, ACTFL). Collaboration with linguists and language education experts for content development and curriculum design.</a:t>
-            </a:r>
-          </a:p>
-          <a:p>
+              <a:t>Open </a:t>
+            </a:r>
+            <a:r>
+              <a:rPr lang="en-US" sz="2000" dirty="0"/>
+              <a:t>the selected course or module</a:t>
+            </a:r>
+          </a:p>
+          <a:p>
+            <a:pPr marL="914400" lvl="1" indent="-514350">
+              <a:buFont typeface="+mj-lt"/>
+              <a:buAutoNum type="romanUcPeriod"/>
+            </a:pPr>
+            <a:r>
+              <a:rPr lang="en-US" sz="2000" dirty="0" smtClean="0"/>
+              <a:t>View </a:t>
+            </a:r>
+            <a:r>
+              <a:rPr lang="en-US" sz="2000" dirty="0"/>
+              <a:t>the lessons and topics available</a:t>
+            </a:r>
+          </a:p>
+          <a:p>
+            <a:pPr marL="914400" lvl="1" indent="-514350">
+              <a:buFont typeface="+mj-lt"/>
+              <a:buAutoNum type="romanUcPeriod"/>
+            </a:pPr>
+            <a:r>
+              <a:rPr lang="en-US" sz="2000" dirty="0" smtClean="0"/>
+              <a:t>Click </a:t>
+            </a:r>
+            <a:r>
+              <a:rPr lang="en-US" sz="2000" dirty="0"/>
+              <a:t>on a lesson or topic to access its content</a:t>
+            </a:r>
+          </a:p>
+          <a:p>
+            <a:pPr marL="914400" lvl="1" indent="-514350">
+              <a:buFont typeface="+mj-lt"/>
+              <a:buAutoNum type="romanUcPeriod"/>
+            </a:pPr>
+            <a:r>
+              <a:rPr lang="en-US" sz="2000" dirty="0" smtClean="0"/>
+              <a:t>Engage </a:t>
+            </a:r>
+            <a:r>
+              <a:rPr lang="en-US" sz="2000" dirty="0"/>
+              <a:t>with interactive elements such as videos, audio exercises, and </a:t>
+            </a:r>
+            <a:r>
+              <a:rPr lang="en-US" sz="2000" dirty="0" smtClean="0"/>
+              <a:t>quizzes</a:t>
+            </a:r>
+          </a:p>
+          <a:p>
+            <a:pPr marL="400050" lvl="1" indent="0">
+              <a:buNone/>
+            </a:pPr>
+            <a:endParaRPr lang="en-US" sz="2000" dirty="0"/>
+          </a:p>
+          <a:p>
+            <a:pPr marL="0" indent="0">
+              <a:buNone/>
+            </a:pPr>
+            <a:r>
+              <a:rPr lang="en-US" sz="2000" b="1" i="1" dirty="0" smtClean="0"/>
+              <a:t>Subtask </a:t>
+            </a:r>
+            <a:r>
+              <a:rPr lang="en-US" sz="2000" b="1" i="1" dirty="0"/>
+              <a:t>4: </a:t>
+            </a:r>
+            <a:r>
+              <a:rPr lang="en-US" sz="2000" i="1" dirty="0"/>
+              <a:t>Join virtual classrooms or recorded </a:t>
+            </a:r>
             <a:r>
               <a:rPr lang="en-US" sz="2000" i="1" dirty="0" smtClean="0"/>
-              <a:t>2.Technology Infrastructure: </a:t>
-            </a:r>
+              <a:t>sessions.</a:t>
+            </a:r>
+            <a:endParaRPr lang="en-US" sz="2000" i="1" dirty="0"/>
+          </a:p>
+          <a:p>
+            <a:pPr marL="914400" lvl="1" indent="-514350">
+              <a:buFont typeface="+mj-lt"/>
+              <a:buAutoNum type="romanUcPeriod"/>
+            </a:pPr>
             <a:r>
               <a:rPr lang="en-US" sz="2000" dirty="0" smtClean="0"/>
-              <a:t>Utilization of cloud-based hosting services for scalability and reliability. Integration with third-party APIs for language processing and pronunciation analysis. Compatibility with modern web browsers and operating systems.</a:t>
-            </a:r>
-          </a:p>
-          <a:p>
-            <a:r>
-              <a:rPr lang="en-US" sz="2000" i="1" dirty="0" smtClean="0"/>
-              <a:t>3.Regulatory Compliance: </a:t>
-            </a:r>
+              <a:t>Explore </a:t>
+            </a:r>
+            <a:r>
+              <a:rPr lang="en-US" sz="2000" dirty="0"/>
+              <a:t>the course menu or navigation options</a:t>
+            </a:r>
+          </a:p>
+          <a:p>
+            <a:pPr marL="914400" lvl="1" indent="-514350">
+              <a:buFont typeface="+mj-lt"/>
+              <a:buAutoNum type="romanUcPeriod"/>
+            </a:pPr>
             <a:r>
               <a:rPr lang="en-US" sz="2000" dirty="0" smtClean="0"/>
-              <a:t>Adherence to data protection regulations (e.g., GDPR, CCPA) for handling user data and privacy.</a:t>
+              <a:t>Look </a:t>
+            </a:r>
+            <a:r>
+              <a:rPr lang="en-US" sz="2000" dirty="0"/>
+              <a:t>for virtual classrooms or recorded sessions</a:t>
+            </a:r>
+          </a:p>
+          <a:p>
+            <a:pPr marL="914400" lvl="1" indent="-514350">
+              <a:buFont typeface="+mj-lt"/>
+              <a:buAutoNum type="romanUcPeriod"/>
+            </a:pPr>
+            <a:r>
+              <a:rPr lang="en-US" sz="2000" dirty="0" smtClean="0"/>
+              <a:t>Click </a:t>
+            </a:r>
+            <a:r>
+              <a:rPr lang="en-US" sz="2000" dirty="0"/>
+              <a:t>on the desired session or enter the virtual classroom</a:t>
+            </a:r>
+          </a:p>
+          <a:p>
+            <a:pPr marL="914400" lvl="1" indent="-514350">
+              <a:buFont typeface="+mj-lt"/>
+              <a:buAutoNum type="romanUcPeriod"/>
+            </a:pPr>
+            <a:r>
+              <a:rPr lang="en-US" sz="2000" dirty="0" smtClean="0"/>
+              <a:t>Follow </a:t>
+            </a:r>
+            <a:r>
+              <a:rPr lang="en-US" sz="2000" dirty="0"/>
+              <a:t>instructions to join the session or play the </a:t>
+            </a:r>
+            <a:r>
+              <a:rPr lang="en-US" sz="2000" dirty="0" smtClean="0"/>
+              <a:t>recording</a:t>
             </a:r>
             <a:endParaRPr lang="en-US" sz="2000" dirty="0"/>
           </a:p>
@@ -4904,7 +7214,7 @@
     </p:spTree>
     <p:extLst>
       <p:ext uri="{BB962C8B-B14F-4D97-AF65-F5344CB8AC3E}">
-        <p14:creationId xmlns:p14="http://schemas.microsoft.com/office/powerpoint/2010/main" val="4094097755"/>
+        <p14:creationId xmlns:p14="http://schemas.microsoft.com/office/powerpoint/2010/main" val="4247769898"/>
       </p:ext>
     </p:extLst>
   </p:cSld>
@@ -4954,9 +7264,10 @@
           <a:lstStyle/>
           <a:p>
             <a:r>
-              <a:rPr lang="en-US" dirty="0"/>
-              <a:t>User Analysis</a:t>
-            </a:r>
+              <a:rPr lang="en-US" dirty="0" smtClean="0"/>
+              <a:t>TASK ANALYSIS</a:t>
+            </a:r>
+            <a:endParaRPr lang="en-US" dirty="0"/>
           </a:p>
         </p:txBody>
       </p:sp>
@@ -4973,106 +7284,211 @@
         <p:spPr/>
         <p:txBody>
           <a:bodyPr>
-            <a:noAutofit/>
+            <a:normAutofit fontScale="77500" lnSpcReduction="20000"/>
           </a:bodyPr>
           <a:lstStyle/>
           <a:p>
             <a:pPr marL="0" indent="0">
               <a:buNone/>
             </a:pPr>
-            <a:r>
-              <a:rPr lang="en-US" sz="2000" b="1" i="1" dirty="0"/>
-              <a:t>1.Language </a:t>
-            </a:r>
-            <a:r>
-              <a:rPr lang="en-US" sz="2000" b="1" i="1" dirty="0" smtClean="0"/>
-              <a:t>Learners:</a:t>
-            </a:r>
-          </a:p>
-          <a:p>
-            <a:r>
-              <a:rPr lang="en-US" sz="2000" i="1" dirty="0" smtClean="0"/>
-              <a:t>Demographics</a:t>
-            </a:r>
-            <a:r>
-              <a:rPr lang="en-US" sz="2000" i="1" dirty="0"/>
-              <a:t>: </a:t>
-            </a:r>
-            <a:r>
-              <a:rPr lang="en-US" sz="2000" dirty="0"/>
-              <a:t>Varied age groups, backgrounds, and proficiency </a:t>
-            </a:r>
-            <a:r>
-              <a:rPr lang="en-US" sz="2000" dirty="0" smtClean="0"/>
-              <a:t>levels.</a:t>
-            </a:r>
-          </a:p>
-          <a:p>
-            <a:r>
-              <a:rPr lang="en-US" sz="2000" i="1" dirty="0" smtClean="0"/>
-              <a:t>Needs</a:t>
-            </a:r>
-            <a:r>
-              <a:rPr lang="en-US" sz="2000" i="1" dirty="0"/>
-              <a:t>: </a:t>
-            </a:r>
-            <a:r>
-              <a:rPr lang="en-US" sz="2000" dirty="0"/>
-              <a:t>Desire to learn a new language or improve existing language </a:t>
-            </a:r>
-            <a:r>
-              <a:rPr lang="en-US" sz="2000" dirty="0" smtClean="0"/>
-              <a:t>skills.</a:t>
-            </a:r>
-          </a:p>
-          <a:p>
-            <a:r>
-              <a:rPr lang="en-US" sz="2000" i="1" dirty="0" smtClean="0"/>
-              <a:t>Goals</a:t>
-            </a:r>
-            <a:r>
-              <a:rPr lang="en-US" sz="2000" i="1" dirty="0"/>
-              <a:t>: </a:t>
-            </a:r>
-            <a:r>
-              <a:rPr lang="en-US" sz="2000" dirty="0"/>
-              <a:t>Achieving fluency and confidence in speaking, listening, reading, and </a:t>
-            </a:r>
-            <a:r>
-              <a:rPr lang="en-US" sz="2000" dirty="0" smtClean="0"/>
-              <a:t>writing.</a:t>
-            </a:r>
-          </a:p>
-          <a:p>
-            <a:r>
-              <a:rPr lang="en-US" sz="2000" i="1" dirty="0" smtClean="0"/>
-              <a:t>Preferences</a:t>
-            </a:r>
-            <a:r>
-              <a:rPr lang="en-US" sz="2000" i="1" dirty="0"/>
-              <a:t>: </a:t>
-            </a:r>
-            <a:r>
-              <a:rPr lang="en-US" sz="2000" dirty="0"/>
-              <a:t>Prefer interactive and engaging learning experiences; value flexibility and personalization in learning paths</a:t>
-            </a:r>
-            <a:r>
-              <a:rPr lang="en-US" sz="2000" dirty="0" smtClean="0"/>
-              <a:t>.</a:t>
-            </a:r>
+            <a:endParaRPr lang="en-US" sz="2900" b="1" i="1" dirty="0" smtClean="0"/>
+          </a:p>
+          <a:p>
+            <a:pPr marL="0" indent="0">
+              <a:buNone/>
+            </a:pPr>
+            <a:r>
+              <a:rPr lang="en-US" sz="2600" b="1" i="1" dirty="0" smtClean="0"/>
+              <a:t>Subtask </a:t>
+            </a:r>
+            <a:r>
+              <a:rPr lang="en-US" sz="2600" b="1" i="1" dirty="0"/>
+              <a:t>5:</a:t>
+            </a:r>
+            <a:r>
+              <a:rPr lang="en-US" sz="2600" dirty="0"/>
+              <a:t> </a:t>
+            </a:r>
+            <a:r>
+              <a:rPr lang="en-US" sz="2600" i="1" dirty="0"/>
+              <a:t>Engage in discussions, group activities, or </a:t>
+            </a:r>
+            <a:r>
+              <a:rPr lang="en-US" sz="2600" i="1" dirty="0" smtClean="0"/>
+              <a:t>assignments.</a:t>
+            </a:r>
+            <a:endParaRPr lang="en-US" sz="2600" i="1" dirty="0"/>
+          </a:p>
+          <a:p>
+            <a:pPr marL="971550" lvl="1" indent="-571500">
+              <a:buFont typeface="+mj-lt"/>
+              <a:buAutoNum type="romanUcPeriod"/>
+            </a:pPr>
+            <a:r>
+              <a:rPr lang="en-US" sz="2600" dirty="0" smtClean="0"/>
+              <a:t>Find </a:t>
+            </a:r>
+            <a:r>
+              <a:rPr lang="en-US" sz="2600" dirty="0"/>
+              <a:t>discussion boards, group activities, or assignments within the course</a:t>
+            </a:r>
+          </a:p>
+          <a:p>
+            <a:pPr marL="971550" lvl="1" indent="-571500">
+              <a:buFont typeface="+mj-lt"/>
+              <a:buAutoNum type="romanUcPeriod"/>
+            </a:pPr>
+            <a:r>
+              <a:rPr lang="en-US" sz="2600" dirty="0" smtClean="0"/>
+              <a:t>Click </a:t>
+            </a:r>
+            <a:r>
+              <a:rPr lang="en-US" sz="2600" dirty="0"/>
+              <a:t>on the relevant section or topic</a:t>
+            </a:r>
+          </a:p>
+          <a:p>
+            <a:pPr marL="971550" lvl="1" indent="-571500">
+              <a:buFont typeface="+mj-lt"/>
+              <a:buAutoNum type="romanUcPeriod"/>
+            </a:pPr>
+            <a:r>
+              <a:rPr lang="en-US" sz="2600" dirty="0" smtClean="0"/>
+              <a:t>Read </a:t>
+            </a:r>
+            <a:r>
+              <a:rPr lang="en-US" sz="2600" dirty="0"/>
+              <a:t>and respond to discussion posts or prompts</a:t>
+            </a:r>
+          </a:p>
+          <a:p>
+            <a:pPr marL="971550" lvl="1" indent="-571500">
+              <a:buFont typeface="+mj-lt"/>
+              <a:buAutoNum type="romanUcPeriod"/>
+            </a:pPr>
+            <a:r>
+              <a:rPr lang="en-US" sz="2600" dirty="0" smtClean="0"/>
+              <a:t>Collaborate </a:t>
+            </a:r>
+            <a:r>
+              <a:rPr lang="en-US" sz="2600" dirty="0"/>
+              <a:t>with other learners, provide feedback, or submit </a:t>
+            </a:r>
+            <a:r>
+              <a:rPr lang="en-US" sz="2600" dirty="0" smtClean="0"/>
+              <a:t>assignments</a:t>
+            </a:r>
+          </a:p>
+          <a:p>
+            <a:pPr marL="400050" lvl="1" indent="0">
+              <a:buNone/>
+            </a:pPr>
+            <a:endParaRPr lang="en-US" sz="2600" dirty="0"/>
+          </a:p>
+          <a:p>
+            <a:pPr marL="0" indent="0">
+              <a:buNone/>
+            </a:pPr>
+            <a:r>
+              <a:rPr lang="en-US" sz="2600" b="1" i="1" dirty="0" smtClean="0"/>
+              <a:t>Subtask </a:t>
+            </a:r>
+            <a:r>
+              <a:rPr lang="en-US" sz="2600" b="1" i="1" dirty="0"/>
+              <a:t>6:</a:t>
+            </a:r>
+            <a:r>
+              <a:rPr lang="en-US" sz="2600" dirty="0"/>
+              <a:t> </a:t>
+            </a:r>
+            <a:r>
+              <a:rPr lang="en-US" sz="2600" i="1" dirty="0"/>
+              <a:t>Monitor progress and receive personalized </a:t>
+            </a:r>
+            <a:r>
+              <a:rPr lang="en-US" sz="2600" i="1" dirty="0" smtClean="0"/>
+              <a:t>feedback.</a:t>
+            </a:r>
+            <a:endParaRPr lang="en-US" sz="2600" i="1" dirty="0"/>
+          </a:p>
+          <a:p>
+            <a:pPr marL="971550" lvl="1" indent="-571500">
+              <a:buFont typeface="+mj-lt"/>
+              <a:buAutoNum type="romanUcPeriod"/>
+            </a:pPr>
+            <a:r>
+              <a:rPr lang="en-US" sz="2600" dirty="0" smtClean="0"/>
+              <a:t>Access </a:t>
+            </a:r>
+            <a:r>
+              <a:rPr lang="en-US" sz="2600" dirty="0"/>
+              <a:t>the progress or dashboard section</a:t>
+            </a:r>
+          </a:p>
+          <a:p>
+            <a:pPr marL="971550" lvl="1" indent="-571500">
+              <a:buFont typeface="+mj-lt"/>
+              <a:buAutoNum type="romanUcPeriod"/>
+            </a:pPr>
+            <a:r>
+              <a:rPr lang="en-US" sz="2600" dirty="0" smtClean="0"/>
+              <a:t>View </a:t>
+            </a:r>
+            <a:r>
+              <a:rPr lang="en-US" sz="2600" dirty="0"/>
+              <a:t>overall progress, achievements, and areas for improvement</a:t>
+            </a:r>
+          </a:p>
+          <a:p>
+            <a:pPr marL="971550" lvl="1" indent="-571500">
+              <a:buFont typeface="+mj-lt"/>
+              <a:buAutoNum type="romanUcPeriod"/>
+            </a:pPr>
+            <a:r>
+              <a:rPr lang="en-US" sz="2600" dirty="0" smtClean="0"/>
+              <a:t>Receive </a:t>
+            </a:r>
+            <a:r>
+              <a:rPr lang="en-US" sz="2600" dirty="0"/>
+              <a:t>personalized feedback on performance and suggested learning paths</a:t>
+            </a:r>
+          </a:p>
+          <a:p>
+            <a:pPr marL="971550" lvl="1" indent="-571500">
+              <a:buFont typeface="+mj-lt"/>
+              <a:buAutoNum type="romanUcPeriod"/>
+            </a:pPr>
+            <a:r>
+              <a:rPr lang="en-US" sz="2600" dirty="0" smtClean="0"/>
+              <a:t>Set </a:t>
+            </a:r>
+            <a:r>
+              <a:rPr lang="en-US" sz="2600" dirty="0"/>
+              <a:t>goals and track progress over time</a:t>
+            </a:r>
+          </a:p>
+          <a:p>
+            <a:endParaRPr lang="en-US" dirty="0"/>
           </a:p>
         </p:txBody>
       </p:sp>
     </p:spTree>
     <p:extLst>
       <p:ext uri="{BB962C8B-B14F-4D97-AF65-F5344CB8AC3E}">
-        <p14:creationId xmlns:p14="http://schemas.microsoft.com/office/powerpoint/2010/main" val="544615993"/>
+        <p14:creationId xmlns:p14="http://schemas.microsoft.com/office/powerpoint/2010/main" val="1980914101"/>
       </p:ext>
     </p:extLst>
   </p:cSld>
   <p:clrMapOvr>
     <a:masterClrMapping/>
   </p:clrMapOvr>
+  <p:timing>
+    <p:tnLst>
+      <p:par>
+        <p:cTn id="1" dur="indefinite" restart="never" nodeType="tmRoot"/>
+      </p:par>
+    </p:tnLst>
+  </p:timing>
 </p:sld>
 </file>
 
@@ -5110,7 +7526,7 @@
           <a:p>
             <a:r>
               <a:rPr lang="en-US" dirty="0" smtClean="0"/>
-              <a:t>Cont…</a:t>
+              <a:t>TASK ANALYSIS </a:t>
             </a:r>
             <a:endParaRPr lang="en-US" dirty="0"/>
           </a:p>
@@ -5129,70 +7545,199 @@
         <p:spPr/>
         <p:txBody>
           <a:bodyPr>
-            <a:normAutofit/>
+            <a:noAutofit/>
           </a:bodyPr>
           <a:lstStyle/>
           <a:p>
+            <a:pPr marL="0" indent="0">
+              <a:buNone/>
+            </a:pPr>
+            <a:r>
+              <a:rPr lang="en-US" sz="2000" b="1" i="1" dirty="0" smtClean="0"/>
+              <a:t>Subtask </a:t>
+            </a:r>
             <a:r>
               <a:rPr lang="en-US" sz="2000" b="1" i="1" dirty="0"/>
-              <a:t>2.Educators/Tutors:</a:t>
-            </a:r>
-          </a:p>
-          <a:p>
+              <a:t>7:</a:t>
+            </a:r>
+            <a:r>
+              <a:rPr lang="en-US" sz="2000" dirty="0"/>
+              <a:t> </a:t>
+            </a:r>
             <a:r>
               <a:rPr lang="en-US" sz="2000" i="1" dirty="0"/>
-              <a:t>Demographics: </a:t>
+              <a:t>Seek support from instructors or tutors, if </a:t>
+            </a:r>
+            <a:r>
+              <a:rPr lang="en-US" sz="2000" i="1" dirty="0" smtClean="0"/>
+              <a:t>needed.</a:t>
+            </a:r>
+          </a:p>
+          <a:p>
+            <a:pPr marL="914400" lvl="1" indent="-514350">
+              <a:buFont typeface="+mj-lt"/>
+              <a:buAutoNum type="romanUcPeriod"/>
+            </a:pPr>
+            <a:r>
+              <a:rPr lang="en-US" sz="2000" dirty="0" smtClean="0"/>
+              <a:t>Locate </a:t>
             </a:r>
             <a:r>
               <a:rPr lang="en-US" sz="2000" dirty="0"/>
-              <a:t>Language teachers, tutors, or language enthusiasts.</a:t>
-            </a:r>
-          </a:p>
-          <a:p>
+              <a:t>the support or contact information section</a:t>
+            </a:r>
+          </a:p>
+          <a:p>
+            <a:pPr marL="914400" lvl="1" indent="-514350">
+              <a:buFont typeface="+mj-lt"/>
+              <a:buAutoNum type="romanUcPeriod"/>
+            </a:pPr>
+            <a:r>
+              <a:rPr lang="en-US" sz="2000" dirty="0" smtClean="0"/>
+              <a:t>Find </a:t>
+            </a:r>
+            <a:r>
+              <a:rPr lang="en-US" sz="2000" dirty="0"/>
+              <a:t>instructor or tutor availability details</a:t>
+            </a:r>
+          </a:p>
+          <a:p>
+            <a:pPr marL="914400" lvl="1" indent="-514350">
+              <a:buFont typeface="+mj-lt"/>
+              <a:buAutoNum type="romanUcPeriod"/>
+            </a:pPr>
+            <a:r>
+              <a:rPr lang="en-US" sz="2000" dirty="0" smtClean="0"/>
+              <a:t>Use </a:t>
+            </a:r>
+            <a:r>
+              <a:rPr lang="en-US" sz="2000" dirty="0"/>
+              <a:t>provided communication channels (e.g., email, chat) to reach out for support</a:t>
+            </a:r>
+          </a:p>
+          <a:p>
+            <a:pPr marL="914400" lvl="1" indent="-514350">
+              <a:buFont typeface="+mj-lt"/>
+              <a:buAutoNum type="romanUcPeriod"/>
+            </a:pPr>
+            <a:r>
+              <a:rPr lang="en-US" sz="2000" dirty="0" smtClean="0"/>
+              <a:t>Ask </a:t>
+            </a:r>
+            <a:r>
+              <a:rPr lang="en-US" sz="2000" dirty="0"/>
+              <a:t>questions, seek clarification, or request </a:t>
+            </a:r>
+            <a:r>
+              <a:rPr lang="en-US" sz="2000" dirty="0" smtClean="0"/>
+              <a:t>assistance</a:t>
+            </a:r>
+            <a:endParaRPr lang="en-US" sz="2000" dirty="0"/>
+          </a:p>
+          <a:p>
+            <a:pPr marL="0" indent="0">
+              <a:buNone/>
+            </a:pPr>
+            <a:r>
+              <a:rPr lang="en-US" sz="2000" b="1" i="1" dirty="0" smtClean="0"/>
+              <a:t>Subtask </a:t>
+            </a:r>
+            <a:r>
+              <a:rPr lang="en-US" sz="2000" b="1" i="1" dirty="0"/>
+              <a:t>8:</a:t>
+            </a:r>
+            <a:r>
+              <a:rPr lang="en-US" sz="2000" dirty="0"/>
+              <a:t> </a:t>
+            </a:r>
             <a:r>
               <a:rPr lang="en-US" sz="2000" i="1" dirty="0"/>
-              <a:t>Needs: </a:t>
+              <a:t>Customize learning paths and set goals based on individual </a:t>
+            </a:r>
+            <a:r>
+              <a:rPr lang="en-US" sz="2000" i="1" dirty="0" smtClean="0"/>
+              <a:t>needs.</a:t>
+            </a:r>
+            <a:endParaRPr lang="en-US" sz="2000" i="1" dirty="0"/>
+          </a:p>
+          <a:p>
+            <a:pPr marL="914400" lvl="1" indent="-514350">
+              <a:buFont typeface="+mj-lt"/>
+              <a:buAutoNum type="romanUcPeriod"/>
+            </a:pPr>
+            <a:r>
+              <a:rPr lang="en-US" sz="2000" dirty="0" smtClean="0"/>
+              <a:t>Explore </a:t>
             </a:r>
             <a:r>
               <a:rPr lang="en-US" sz="2000" dirty="0"/>
-              <a:t>Access to effective teaching resources and tools to support students' language learning journey.</a:t>
-            </a:r>
-          </a:p>
-          <a:p>
-            <a:r>
-              <a:rPr lang="en-US" sz="2000" i="1" dirty="0"/>
-              <a:t>Goals: </a:t>
+              <a:t>the customization or personalization options</a:t>
+            </a:r>
+          </a:p>
+          <a:p>
+            <a:pPr marL="914400" lvl="1" indent="-514350">
+              <a:buFont typeface="+mj-lt"/>
+              <a:buAutoNum type="romanUcPeriod"/>
+            </a:pPr>
+            <a:r>
+              <a:rPr lang="en-US" sz="2000" dirty="0" smtClean="0"/>
+              <a:t>Modify </a:t>
             </a:r>
             <a:r>
               <a:rPr lang="en-US" sz="2000" dirty="0"/>
-              <a:t>Enhancing students' language proficiency; providing engaging and comprehensive learning materials.</a:t>
-            </a:r>
-          </a:p>
-          <a:p>
-            <a:r>
-              <a:rPr lang="en-US" sz="2000" i="1" dirty="0"/>
-              <a:t>Preferences: </a:t>
+              <a:t>learning preferences or settings</a:t>
+            </a:r>
+          </a:p>
+          <a:p>
+            <a:pPr marL="914400" lvl="1" indent="-514350">
+              <a:buFont typeface="+mj-lt"/>
+              <a:buAutoNum type="romanUcPeriod"/>
+            </a:pPr>
+            <a:r>
+              <a:rPr lang="en-US" sz="2000" dirty="0" smtClean="0"/>
+              <a:t>Set </a:t>
             </a:r>
             <a:r>
               <a:rPr lang="en-US" sz="2000" dirty="0"/>
-              <a:t>User-friendly platforms with customizable content creation features; tools for progress monitoring and assessment.</a:t>
-            </a:r>
-          </a:p>
-          <a:p>
-            <a:endParaRPr lang="en-US" dirty="0"/>
+              <a:t>specific learning goals based on individual needs and aspirations</a:t>
+            </a:r>
+          </a:p>
+          <a:p>
+            <a:pPr marL="914400" lvl="1" indent="-514350">
+              <a:buFont typeface="+mj-lt"/>
+              <a:buAutoNum type="romanUcPeriod"/>
+            </a:pPr>
+            <a:r>
+              <a:rPr lang="en-US" sz="2000" dirty="0" smtClean="0"/>
+              <a:t>Adjust </a:t>
+            </a:r>
+            <a:r>
+              <a:rPr lang="en-US" sz="2000" dirty="0"/>
+              <a:t>the learning path, pace, or content according to personal requirements</a:t>
+            </a:r>
+          </a:p>
+          <a:p>
+            <a:endParaRPr lang="en-US" sz="2000" dirty="0"/>
           </a:p>
         </p:txBody>
       </p:sp>
     </p:spTree>
     <p:extLst>
       <p:ext uri="{BB962C8B-B14F-4D97-AF65-F5344CB8AC3E}">
-        <p14:creationId xmlns:p14="http://schemas.microsoft.com/office/powerpoint/2010/main" val="3486360435"/>
+        <p14:creationId xmlns:p14="http://schemas.microsoft.com/office/powerpoint/2010/main" val="545891274"/>
       </p:ext>
     </p:extLst>
   </p:cSld>
   <p:clrMapOvr>
     <a:masterClrMapping/>
   </p:clrMapOvr>
+  <p:timing>
+    <p:tnLst>
+      <p:par>
+        <p:cTn id="1" dur="indefinite" restart="never" nodeType="tmRoot"/>
+      </p:par>
+    </p:tnLst>
+  </p:timing>
 </p:sld>
 </file>
 

--- a/Presentation1.pptx
+++ b/Presentation1.pptx
@@ -2,7 +2,7 @@
 <file path=ppt/presentation.xml><?xml version="1.0" encoding="utf-8"?>
 <p:presentation xmlns:a="http://schemas.openxmlformats.org/drawingml/2006/main" xmlns:r="http://schemas.openxmlformats.org/officeDocument/2006/relationships" xmlns:p="http://schemas.openxmlformats.org/presentationml/2006/main" saveSubsetFonts="1">
   <p:sldMasterIdLst>
-    <p:sldMasterId id="2147483648" r:id="rId1"/>
+    <p:sldMasterId id="2147483696" r:id="rId1"/>
   </p:sldMasterIdLst>
   <p:sldIdLst>
     <p:sldId id="263" r:id="rId2"/>
@@ -371,7 +371,7 @@
     </p:spTree>
     <p:extLst>
       <p:ext uri="{BB962C8B-B14F-4D97-AF65-F5344CB8AC3E}">
-        <p14:creationId xmlns:p14="http://schemas.microsoft.com/office/powerpoint/2010/main" val="1528135964"/>
+        <p14:creationId xmlns:p14="http://schemas.microsoft.com/office/powerpoint/2010/main" val="1914958581"/>
       </p:ext>
     </p:extLst>
   </p:cSld>
@@ -541,7 +541,7 @@
     </p:spTree>
     <p:extLst>
       <p:ext uri="{BB962C8B-B14F-4D97-AF65-F5344CB8AC3E}">
-        <p14:creationId xmlns:p14="http://schemas.microsoft.com/office/powerpoint/2010/main" val="134120721"/>
+        <p14:creationId xmlns:p14="http://schemas.microsoft.com/office/powerpoint/2010/main" val="2687591602"/>
       </p:ext>
     </p:extLst>
   </p:cSld>
@@ -721,7 +721,7 @@
     </p:spTree>
     <p:extLst>
       <p:ext uri="{BB962C8B-B14F-4D97-AF65-F5344CB8AC3E}">
-        <p14:creationId xmlns:p14="http://schemas.microsoft.com/office/powerpoint/2010/main" val="616068127"/>
+        <p14:creationId xmlns:p14="http://schemas.microsoft.com/office/powerpoint/2010/main" val="1600468461"/>
       </p:ext>
     </p:extLst>
   </p:cSld>
@@ -891,7 +891,7 @@
     </p:spTree>
     <p:extLst>
       <p:ext uri="{BB962C8B-B14F-4D97-AF65-F5344CB8AC3E}">
-        <p14:creationId xmlns:p14="http://schemas.microsoft.com/office/powerpoint/2010/main" val="3998194497"/>
+        <p14:creationId xmlns:p14="http://schemas.microsoft.com/office/powerpoint/2010/main" val="837061762"/>
       </p:ext>
     </p:extLst>
   </p:cSld>
@@ -1137,7 +1137,7 @@
     </p:spTree>
     <p:extLst>
       <p:ext uri="{BB962C8B-B14F-4D97-AF65-F5344CB8AC3E}">
-        <p14:creationId xmlns:p14="http://schemas.microsoft.com/office/powerpoint/2010/main" val="2729413418"/>
+        <p14:creationId xmlns:p14="http://schemas.microsoft.com/office/powerpoint/2010/main" val="3332311681"/>
       </p:ext>
     </p:extLst>
   </p:cSld>
@@ -1425,7 +1425,7 @@
     </p:spTree>
     <p:extLst>
       <p:ext uri="{BB962C8B-B14F-4D97-AF65-F5344CB8AC3E}">
-        <p14:creationId xmlns:p14="http://schemas.microsoft.com/office/powerpoint/2010/main" val="4156425556"/>
+        <p14:creationId xmlns:p14="http://schemas.microsoft.com/office/powerpoint/2010/main" val="204175900"/>
       </p:ext>
     </p:extLst>
   </p:cSld>
@@ -1847,7 +1847,7 @@
     </p:spTree>
     <p:extLst>
       <p:ext uri="{BB962C8B-B14F-4D97-AF65-F5344CB8AC3E}">
-        <p14:creationId xmlns:p14="http://schemas.microsoft.com/office/powerpoint/2010/main" val="1641617009"/>
+        <p14:creationId xmlns:p14="http://schemas.microsoft.com/office/powerpoint/2010/main" val="617395605"/>
       </p:ext>
     </p:extLst>
   </p:cSld>
@@ -1965,7 +1965,7 @@
     </p:spTree>
     <p:extLst>
       <p:ext uri="{BB962C8B-B14F-4D97-AF65-F5344CB8AC3E}">
-        <p14:creationId xmlns:p14="http://schemas.microsoft.com/office/powerpoint/2010/main" val="155543638"/>
+        <p14:creationId xmlns:p14="http://schemas.microsoft.com/office/powerpoint/2010/main" val="114357001"/>
       </p:ext>
     </p:extLst>
   </p:cSld>
@@ -2060,7 +2060,7 @@
     </p:spTree>
     <p:extLst>
       <p:ext uri="{BB962C8B-B14F-4D97-AF65-F5344CB8AC3E}">
-        <p14:creationId xmlns:p14="http://schemas.microsoft.com/office/powerpoint/2010/main" val="927389114"/>
+        <p14:creationId xmlns:p14="http://schemas.microsoft.com/office/powerpoint/2010/main" val="421493092"/>
       </p:ext>
     </p:extLst>
   </p:cSld>
@@ -2337,7 +2337,7 @@
     </p:spTree>
     <p:extLst>
       <p:ext uri="{BB962C8B-B14F-4D97-AF65-F5344CB8AC3E}">
-        <p14:creationId xmlns:p14="http://schemas.microsoft.com/office/powerpoint/2010/main" val="1717744322"/>
+        <p14:creationId xmlns:p14="http://schemas.microsoft.com/office/powerpoint/2010/main" val="1537008176"/>
       </p:ext>
     </p:extLst>
   </p:cSld>
@@ -2453,7 +2453,7 @@
             </a:lvl9pPr>
           </a:lstStyle>
           <a:p>
-            <a:endParaRPr lang="en-US" dirty="0"/>
+            <a:endParaRPr lang="en-US"/>
           </a:p>
         </p:txBody>
       </p:sp>
@@ -2590,7 +2590,7 @@
     </p:spTree>
     <p:extLst>
       <p:ext uri="{BB962C8B-B14F-4D97-AF65-F5344CB8AC3E}">
-        <p14:creationId xmlns:p14="http://schemas.microsoft.com/office/powerpoint/2010/main" val="2546676757"/>
+        <p14:creationId xmlns:p14="http://schemas.microsoft.com/office/powerpoint/2010/main" val="2220689788"/>
       </p:ext>
     </p:extLst>
   </p:cSld>
@@ -2839,23 +2839,23 @@
     </p:spTree>
     <p:extLst>
       <p:ext uri="{BB962C8B-B14F-4D97-AF65-F5344CB8AC3E}">
-        <p14:creationId xmlns:p14="http://schemas.microsoft.com/office/powerpoint/2010/main" val="1938664544"/>
+        <p14:creationId xmlns:p14="http://schemas.microsoft.com/office/powerpoint/2010/main" val="3873542214"/>
       </p:ext>
     </p:extLst>
   </p:cSld>
   <p:clrMap bg1="lt1" tx1="dk1" bg2="lt2" tx2="dk2" accent1="accent1" accent2="accent2" accent3="accent3" accent4="accent4" accent5="accent5" accent6="accent6" hlink="hlink" folHlink="folHlink"/>
   <p:sldLayoutIdLst>
-    <p:sldLayoutId id="2147483649" r:id="rId1"/>
-    <p:sldLayoutId id="2147483650" r:id="rId2"/>
-    <p:sldLayoutId id="2147483651" r:id="rId3"/>
-    <p:sldLayoutId id="2147483652" r:id="rId4"/>
-    <p:sldLayoutId id="2147483653" r:id="rId5"/>
-    <p:sldLayoutId id="2147483654" r:id="rId6"/>
-    <p:sldLayoutId id="2147483655" r:id="rId7"/>
-    <p:sldLayoutId id="2147483656" r:id="rId8"/>
-    <p:sldLayoutId id="2147483657" r:id="rId9"/>
-    <p:sldLayoutId id="2147483658" r:id="rId10"/>
-    <p:sldLayoutId id="2147483659" r:id="rId11"/>
+    <p:sldLayoutId id="2147483697" r:id="rId1"/>
+    <p:sldLayoutId id="2147483698" r:id="rId2"/>
+    <p:sldLayoutId id="2147483699" r:id="rId3"/>
+    <p:sldLayoutId id="2147483700" r:id="rId4"/>
+    <p:sldLayoutId id="2147483701" r:id="rId5"/>
+    <p:sldLayoutId id="2147483702" r:id="rId6"/>
+    <p:sldLayoutId id="2147483703" r:id="rId7"/>
+    <p:sldLayoutId id="2147483704" r:id="rId8"/>
+    <p:sldLayoutId id="2147483705" r:id="rId9"/>
+    <p:sldLayoutId id="2147483706" r:id="rId10"/>
+    <p:sldLayoutId id="2147483707" r:id="rId11"/>
   </p:sldLayoutIdLst>
   <p:txStyles>
     <p:titleStyle>
@@ -3160,6 +3160,13 @@
   <p:clrMapOvr>
     <a:masterClrMapping/>
   </p:clrMapOvr>
+  <p:timing>
+    <p:tnLst>
+      <p:par>
+        <p:cTn id="1" dur="indefinite" restart="never" nodeType="tmRoot"/>
+      </p:par>
+    </p:tnLst>
+  </p:timing>
 </p:sld>
 </file>
 
@@ -3195,7 +3202,11 @@
           <a:bodyPr/>
           <a:lstStyle/>
           <a:p>
-            <a:endParaRPr lang="en-US"/>
+            <a:r>
+              <a:rPr lang="en-US" dirty="0" smtClean="0"/>
+              <a:t>Login Task Process</a:t>
+            </a:r>
+            <a:endParaRPr lang="en-US" dirty="0"/>
           </a:p>
         </p:txBody>
       </p:sp>
@@ -3280,7 +3291,11 @@
           <a:bodyPr/>
           <a:lstStyle/>
           <a:p>
-            <a:endParaRPr lang="en-US"/>
+            <a:r>
+              <a:rPr lang="en-US" dirty="0" smtClean="0"/>
+              <a:t>Learning process</a:t>
+            </a:r>
+            <a:endParaRPr lang="en-US" dirty="0"/>
           </a:p>
         </p:txBody>
       </p:sp>
@@ -4359,6 +4374,13 @@
   <p:clrMapOvr>
     <a:masterClrMapping/>
   </p:clrMapOvr>
+  <p:timing>
+    <p:tnLst>
+      <p:par>
+        <p:cTn id="1" dur="indefinite" restart="never" nodeType="tmRoot"/>
+      </p:par>
+    </p:tnLst>
+  </p:timing>
 </p:sld>
 </file>
 

--- a/Presentation1.pptx
+++ b/Presentation1.pptx
@@ -16,28 +16,29 @@
     <p:sldId id="283" r:id="rId10"/>
     <p:sldId id="306" r:id="rId11"/>
     <p:sldId id="307" r:id="rId12"/>
-    <p:sldId id="284" r:id="rId13"/>
-    <p:sldId id="285" r:id="rId14"/>
-    <p:sldId id="286" r:id="rId15"/>
-    <p:sldId id="287" r:id="rId16"/>
-    <p:sldId id="288" r:id="rId17"/>
-    <p:sldId id="289" r:id="rId18"/>
-    <p:sldId id="290" r:id="rId19"/>
-    <p:sldId id="291" r:id="rId20"/>
-    <p:sldId id="292" r:id="rId21"/>
-    <p:sldId id="293" r:id="rId22"/>
-    <p:sldId id="294" r:id="rId23"/>
-    <p:sldId id="295" r:id="rId24"/>
-    <p:sldId id="296" r:id="rId25"/>
-    <p:sldId id="297" r:id="rId26"/>
-    <p:sldId id="298" r:id="rId27"/>
-    <p:sldId id="299" r:id="rId28"/>
-    <p:sldId id="300" r:id="rId29"/>
-    <p:sldId id="301" r:id="rId30"/>
-    <p:sldId id="302" r:id="rId31"/>
-    <p:sldId id="303" r:id="rId32"/>
-    <p:sldId id="304" r:id="rId33"/>
-    <p:sldId id="305" r:id="rId34"/>
+    <p:sldId id="308" r:id="rId13"/>
+    <p:sldId id="284" r:id="rId14"/>
+    <p:sldId id="285" r:id="rId15"/>
+    <p:sldId id="286" r:id="rId16"/>
+    <p:sldId id="287" r:id="rId17"/>
+    <p:sldId id="288" r:id="rId18"/>
+    <p:sldId id="289" r:id="rId19"/>
+    <p:sldId id="290" r:id="rId20"/>
+    <p:sldId id="291" r:id="rId21"/>
+    <p:sldId id="292" r:id="rId22"/>
+    <p:sldId id="293" r:id="rId23"/>
+    <p:sldId id="294" r:id="rId24"/>
+    <p:sldId id="295" r:id="rId25"/>
+    <p:sldId id="296" r:id="rId26"/>
+    <p:sldId id="297" r:id="rId27"/>
+    <p:sldId id="298" r:id="rId28"/>
+    <p:sldId id="299" r:id="rId29"/>
+    <p:sldId id="300" r:id="rId30"/>
+    <p:sldId id="301" r:id="rId31"/>
+    <p:sldId id="302" r:id="rId32"/>
+    <p:sldId id="303" r:id="rId33"/>
+    <p:sldId id="304" r:id="rId34"/>
+    <p:sldId id="305" r:id="rId35"/>
   </p:sldIdLst>
   <p:sldSz cx="9144000" cy="6858000" type="screen4x3"/>
   <p:notesSz cx="6858000" cy="9144000"/>
@@ -320,7 +321,7 @@
           <a:p>
             <a:fld id="{4379EDEC-C803-4068-9F33-E4FAC38A8998}" type="datetimeFigureOut">
               <a:rPr lang="en-US" smtClean="0"/>
-              <a:t>26-Mar-24</a:t>
+              <a:t>02-Apr-24</a:t>
             </a:fld>
             <a:endParaRPr lang="en-US" dirty="0"/>
           </a:p>
@@ -490,7 +491,7 @@
           <a:p>
             <a:fld id="{4379EDEC-C803-4068-9F33-E4FAC38A8998}" type="datetimeFigureOut">
               <a:rPr lang="en-US" smtClean="0"/>
-              <a:t>26-Mar-24</a:t>
+              <a:t>02-Apr-24</a:t>
             </a:fld>
             <a:endParaRPr lang="en-US" dirty="0"/>
           </a:p>
@@ -670,7 +671,7 @@
           <a:p>
             <a:fld id="{4379EDEC-C803-4068-9F33-E4FAC38A8998}" type="datetimeFigureOut">
               <a:rPr lang="en-US" smtClean="0"/>
-              <a:t>26-Mar-24</a:t>
+              <a:t>02-Apr-24</a:t>
             </a:fld>
             <a:endParaRPr lang="en-US" dirty="0"/>
           </a:p>
@@ -840,7 +841,7 @@
           <a:p>
             <a:fld id="{4379EDEC-C803-4068-9F33-E4FAC38A8998}" type="datetimeFigureOut">
               <a:rPr lang="en-US" smtClean="0"/>
-              <a:t>26-Mar-24</a:t>
+              <a:t>02-Apr-24</a:t>
             </a:fld>
             <a:endParaRPr lang="en-US" dirty="0"/>
           </a:p>
@@ -1086,7 +1087,7 @@
           <a:p>
             <a:fld id="{4379EDEC-C803-4068-9F33-E4FAC38A8998}" type="datetimeFigureOut">
               <a:rPr lang="en-US" smtClean="0"/>
-              <a:t>26-Mar-24</a:t>
+              <a:t>02-Apr-24</a:t>
             </a:fld>
             <a:endParaRPr lang="en-US" dirty="0"/>
           </a:p>
@@ -1374,7 +1375,7 @@
           <a:p>
             <a:fld id="{4379EDEC-C803-4068-9F33-E4FAC38A8998}" type="datetimeFigureOut">
               <a:rPr lang="en-US" smtClean="0"/>
-              <a:t>26-Mar-24</a:t>
+              <a:t>02-Apr-24</a:t>
             </a:fld>
             <a:endParaRPr lang="en-US" dirty="0"/>
           </a:p>
@@ -1796,7 +1797,7 @@
           <a:p>
             <a:fld id="{4379EDEC-C803-4068-9F33-E4FAC38A8998}" type="datetimeFigureOut">
               <a:rPr lang="en-US" smtClean="0"/>
-              <a:t>26-Mar-24</a:t>
+              <a:t>02-Apr-24</a:t>
             </a:fld>
             <a:endParaRPr lang="en-US" dirty="0"/>
           </a:p>
@@ -1914,7 +1915,7 @@
           <a:p>
             <a:fld id="{4379EDEC-C803-4068-9F33-E4FAC38A8998}" type="datetimeFigureOut">
               <a:rPr lang="en-US" smtClean="0"/>
-              <a:t>26-Mar-24</a:t>
+              <a:t>02-Apr-24</a:t>
             </a:fld>
             <a:endParaRPr lang="en-US" dirty="0"/>
           </a:p>
@@ -2009,7 +2010,7 @@
           <a:p>
             <a:fld id="{4379EDEC-C803-4068-9F33-E4FAC38A8998}" type="datetimeFigureOut">
               <a:rPr lang="en-US" smtClean="0"/>
-              <a:t>26-Mar-24</a:t>
+              <a:t>02-Apr-24</a:t>
             </a:fld>
             <a:endParaRPr lang="en-US" dirty="0"/>
           </a:p>
@@ -2286,7 +2287,7 @@
           <a:p>
             <a:fld id="{4379EDEC-C803-4068-9F33-E4FAC38A8998}" type="datetimeFigureOut">
               <a:rPr lang="en-US" smtClean="0"/>
-              <a:t>26-Mar-24</a:t>
+              <a:t>02-Apr-24</a:t>
             </a:fld>
             <a:endParaRPr lang="en-US" dirty="0"/>
           </a:p>
@@ -2539,7 +2540,7 @@
           <a:p>
             <a:fld id="{4379EDEC-C803-4068-9F33-E4FAC38A8998}" type="datetimeFigureOut">
               <a:rPr lang="en-US" smtClean="0"/>
-              <a:t>26-Mar-24</a:t>
+              <a:t>02-Apr-24</a:t>
             </a:fld>
             <a:endParaRPr lang="en-US" dirty="0"/>
           </a:p>
@@ -2752,7 +2753,7 @@
           <a:p>
             <a:fld id="{4379EDEC-C803-4068-9F33-E4FAC38A8998}" type="datetimeFigureOut">
               <a:rPr lang="en-US" smtClean="0"/>
-              <a:t>26-Mar-24</a:t>
+              <a:t>02-Apr-24</a:t>
             </a:fld>
             <a:endParaRPr lang="en-US" dirty="0"/>
           </a:p>
@@ -3381,57 +3382,89 @@
           <a:lstStyle/>
           <a:p>
             <a:r>
-              <a:rPr lang="en-US" dirty="0"/>
-              <a:t>Description of Larger System</a:t>
-            </a:r>
-          </a:p>
-        </p:txBody>
-      </p:sp>
-      <p:sp>
-        <p:nvSpPr>
-          <p:cNvPr id="3" name="Content Placeholder 2"/>
-          <p:cNvSpPr>
-            <a:spLocks noGrp="1"/>
-          </p:cNvSpPr>
+              <a:rPr lang="en-US" dirty="0" smtClean="0"/>
+              <a:t>Conceptual design</a:t>
+            </a:r>
+            <a:endParaRPr lang="en-US" dirty="0"/>
+          </a:p>
+        </p:txBody>
+      </p:sp>
+      <p:pic>
+        <p:nvPicPr>
+          <p:cNvPr id="3074" name="Picture 2"/>
+          <p:cNvPicPr>
+            <a:picLocks noGrp="1" noChangeAspect="1" noChangeArrowheads="1"/>
+          </p:cNvPicPr>
           <p:nvPr>
             <p:ph idx="1"/>
           </p:nvPr>
-        </p:nvSpPr>
-        <p:spPr/>
-        <p:txBody>
-          <a:bodyPr>
-            <a:normAutofit/>
-          </a:bodyPr>
-          <a:lstStyle/>
-          <a:p>
-            <a:endParaRPr lang="en-US" sz="2000" dirty="0" smtClean="0"/>
-          </a:p>
-          <a:p>
-            <a:r>
-              <a:rPr lang="en-US" sz="2000" dirty="0" smtClean="0"/>
-              <a:t>The online learning system developed by Pixel Company for the Destined Adult School will participate in a larger technical and social organization. This organization comprises the school administration, instructors, adult learners, and the virtual learning community. The system will serve as a centralized platform for delivering educational resources, facilitating remote classes, and supporting communication and collaboration among users.</a:t>
-            </a:r>
-            <a:endParaRPr lang="en-US" sz="2000" dirty="0"/>
-          </a:p>
-        </p:txBody>
-      </p:sp>
+        </p:nvPicPr>
+        <p:blipFill>
+          <a:blip r:embed="rId2">
+            <a:extLst>
+              <a:ext uri="{28A0092B-C50C-407E-A947-70E740481C1C}">
+                <a14:useLocalDpi xmlns:a14="http://schemas.microsoft.com/office/drawing/2010/main" val="0"/>
+              </a:ext>
+            </a:extLst>
+          </a:blip>
+          <a:srcRect/>
+          <a:stretch>
+            <a:fillRect/>
+          </a:stretch>
+        </p:blipFill>
+        <p:spPr bwMode="auto">
+          <a:xfrm>
+            <a:off x="1295116" y="1601369"/>
+            <a:ext cx="6553768" cy="4523624"/>
+          </a:xfrm>
+          <a:prstGeom prst="rect">
+            <a:avLst/>
+          </a:prstGeom>
+          <a:noFill/>
+          <a:ln>
+            <a:noFill/>
+          </a:ln>
+          <a:effectLst/>
+          <a:extLst>
+            <a:ext uri="{909E8E84-426E-40DD-AFC4-6F175D3DCCD1}">
+              <a14:hiddenFill xmlns:a14="http://schemas.microsoft.com/office/drawing/2010/main">
+                <a:solidFill>
+                  <a:schemeClr val="accent1"/>
+                </a:solidFill>
+              </a14:hiddenFill>
+            </a:ext>
+            <a:ext uri="{91240B29-F687-4F45-9708-019B960494DF}">
+              <a14:hiddenLine xmlns:a14="http://schemas.microsoft.com/office/drawing/2010/main" w="9525">
+                <a:solidFill>
+                  <a:schemeClr val="tx1"/>
+                </a:solidFill>
+                <a:miter lim="800000"/>
+                <a:headEnd/>
+                <a:tailEnd/>
+              </a14:hiddenLine>
+            </a:ext>
+            <a:ext uri="{AF507438-7753-43E0-B8FC-AC1667EBCBE1}">
+              <a14:hiddenEffects xmlns:a14="http://schemas.microsoft.com/office/drawing/2010/main">
+                <a:effectLst>
+                  <a:outerShdw dist="35921" dir="2700000" algn="ctr" rotWithShape="0">
+                    <a:schemeClr val="bg2"/>
+                  </a:outerShdw>
+                </a:effectLst>
+              </a14:hiddenEffects>
+            </a:ext>
+          </a:extLst>
+        </p:spPr>
+      </p:pic>
     </p:spTree>
     <p:extLst>
       <p:ext uri="{BB962C8B-B14F-4D97-AF65-F5344CB8AC3E}">
-        <p14:creationId xmlns:p14="http://schemas.microsoft.com/office/powerpoint/2010/main" val="3527777223"/>
+        <p14:creationId xmlns:p14="http://schemas.microsoft.com/office/powerpoint/2010/main" val="1338713103"/>
       </p:ext>
     </p:extLst>
   </p:cSld>
   <p:clrMapOvr>
     <a:masterClrMapping/>
   </p:clrMapOvr>
-  <p:timing>
-    <p:tnLst>
-      <p:par>
-        <p:cTn id="1" dur="indefinite" restart="never" nodeType="tmRoot"/>
-      </p:par>
-    </p:tnLst>
-  </p:timing>
 </p:sld>
 </file>
 
@@ -3469,13 +3502,8 @@
           <a:p>
             <a:r>
               <a:rPr lang="en-US" dirty="0"/>
-              <a:t>Analysis of Existing </a:t>
-            </a:r>
-            <a:r>
-              <a:rPr lang="en-US" dirty="0" smtClean="0"/>
-              <a:t>System</a:t>
-            </a:r>
-            <a:endParaRPr lang="en-US" dirty="0"/>
+              <a:t>Description of Larger System</a:t>
+            </a:r>
           </a:p>
         </p:txBody>
       </p:sp>
@@ -3496,24 +3524,21 @@
           </a:bodyPr>
           <a:lstStyle/>
           <a:p>
-            <a:endParaRPr lang="en-US" sz="2400" dirty="0" smtClean="0"/>
-          </a:p>
-          <a:p>
-            <a:r>
-              <a:rPr lang="en-US" sz="2400" dirty="0" smtClean="0"/>
-              <a:t>Currently</a:t>
-            </a:r>
-            <a:r>
-              <a:rPr lang="en-US" sz="2400" dirty="0"/>
-              <a:t>, the Destined Adult School may have a traditional classroom-based system for English language instruction. However, this system faces deficiencies when it comes to accommodating high-profile individuals who prefer not to be physically present in class. </a:t>
-            </a:r>
+            <a:endParaRPr lang="en-US" sz="2000" dirty="0" smtClean="0"/>
+          </a:p>
+          <a:p>
+            <a:r>
+              <a:rPr lang="en-US" sz="2000" dirty="0" smtClean="0"/>
+              <a:t>The online learning system developed by Pixel Company for the Destined Adult School will participate in a larger technical and social organization. This organization comprises the school administration, instructors, adult learners, and the virtual learning community. The system will serve as a centralized platform for delivering educational resources, facilitating remote classes, and supporting communication and collaboration among users.</a:t>
+            </a:r>
+            <a:endParaRPr lang="en-US" sz="2000" dirty="0"/>
           </a:p>
         </p:txBody>
       </p:sp>
     </p:spTree>
     <p:extLst>
       <p:ext uri="{BB962C8B-B14F-4D97-AF65-F5344CB8AC3E}">
-        <p14:creationId xmlns:p14="http://schemas.microsoft.com/office/powerpoint/2010/main" val="793689602"/>
+        <p14:creationId xmlns:p14="http://schemas.microsoft.com/office/powerpoint/2010/main" val="3527777223"/>
       </p:ext>
     </p:extLst>
   </p:cSld>
@@ -3564,8 +3589,13 @@
           <a:p>
             <a:r>
               <a:rPr lang="en-US" dirty="0"/>
-              <a:t>Advantages</a:t>
-            </a:r>
+              <a:t>Analysis of Existing </a:t>
+            </a:r>
+            <a:r>
+              <a:rPr lang="en-US" dirty="0" smtClean="0"/>
+              <a:t>System</a:t>
+            </a:r>
+            <a:endParaRPr lang="en-US" dirty="0"/>
           </a:p>
         </p:txBody>
       </p:sp>
@@ -3581,62 +3611,29 @@
         </p:nvSpPr>
         <p:spPr/>
         <p:txBody>
-          <a:bodyPr/>
+          <a:bodyPr>
+            <a:normAutofit/>
+          </a:bodyPr>
           <a:lstStyle/>
           <a:p>
             <a:endParaRPr lang="en-US" sz="2400" dirty="0" smtClean="0"/>
           </a:p>
           <a:p>
-            <a:pPr marL="514350" indent="-514350">
-              <a:buFont typeface="+mj-lt"/>
-              <a:buAutoNum type="romanUcPeriod"/>
-            </a:pPr>
             <a:r>
               <a:rPr lang="en-US" sz="2400" dirty="0" smtClean="0"/>
-              <a:t>In-person </a:t>
+              <a:t>Currently</a:t>
             </a:r>
             <a:r>
               <a:rPr lang="en-US" sz="2400" dirty="0"/>
-              <a:t>interaction between instructors and learners.</a:t>
-            </a:r>
-          </a:p>
-          <a:p>
-            <a:pPr marL="514350" indent="-514350">
-              <a:buFont typeface="+mj-lt"/>
-              <a:buAutoNum type="romanUcPeriod"/>
-            </a:pPr>
-            <a:r>
-              <a:rPr lang="en-US" sz="2400" dirty="0" smtClean="0"/>
-              <a:t>Immediate </a:t>
-            </a:r>
-            <a:r>
-              <a:rPr lang="en-US" sz="2400" dirty="0"/>
-              <a:t>clarification of doubts through face-to-face communication.</a:t>
-            </a:r>
-          </a:p>
-          <a:p>
-            <a:pPr marL="514350" indent="-514350">
-              <a:buFont typeface="+mj-lt"/>
-              <a:buAutoNum type="romanUcPeriod"/>
-            </a:pPr>
-            <a:r>
-              <a:rPr lang="en-US" sz="2400" dirty="0" smtClean="0"/>
-              <a:t>Group </a:t>
-            </a:r>
-            <a:r>
-              <a:rPr lang="en-US" sz="2400" dirty="0"/>
-              <a:t>dynamics and peer learning opportunities.</a:t>
-            </a:r>
-          </a:p>
-          <a:p>
-            <a:endParaRPr lang="en-US" dirty="0"/>
+              <a:t>, the Destined Adult School may have a traditional classroom-based system for English language instruction. However, this system faces deficiencies when it comes to accommodating high-profile individuals who prefer not to be physically present in class. </a:t>
+            </a:r>
           </a:p>
         </p:txBody>
       </p:sp>
     </p:spTree>
     <p:extLst>
       <p:ext uri="{BB962C8B-B14F-4D97-AF65-F5344CB8AC3E}">
-        <p14:creationId xmlns:p14="http://schemas.microsoft.com/office/powerpoint/2010/main" val="2922716336"/>
+        <p14:creationId xmlns:p14="http://schemas.microsoft.com/office/powerpoint/2010/main" val="793689602"/>
       </p:ext>
     </p:extLst>
   </p:cSld>
@@ -3686,10 +3683,9 @@
           <a:lstStyle/>
           <a:p>
             <a:r>
-              <a:rPr lang="en-US" dirty="0" smtClean="0"/>
-              <a:t>Disadvantages</a:t>
-            </a:r>
-            <a:endParaRPr lang="en-US" dirty="0"/>
+              <a:rPr lang="en-US" dirty="0"/>
+              <a:t>Advantages</a:t>
+            </a:r>
           </a:p>
         </p:txBody>
       </p:sp>
@@ -3707,12 +3703,22 @@
         <p:txBody>
           <a:bodyPr/>
           <a:lstStyle/>
+          <a:p>
+            <a:endParaRPr lang="en-US" sz="2400" dirty="0" smtClean="0"/>
+          </a:p>
           <a:p>
             <a:pPr marL="514350" indent="-514350">
               <a:buFont typeface="+mj-lt"/>
               <a:buAutoNum type="romanUcPeriod"/>
             </a:pPr>
-            <a:endParaRPr lang="en-US" sz="2400" dirty="0" smtClean="0"/>
+            <a:r>
+              <a:rPr lang="en-US" sz="2400" dirty="0" smtClean="0"/>
+              <a:t>In-person </a:t>
+            </a:r>
+            <a:r>
+              <a:rPr lang="en-US" sz="2400" dirty="0"/>
+              <a:t>interaction between instructors and learners.</a:t>
+            </a:r>
           </a:p>
           <a:p>
             <a:pPr marL="514350" indent="-514350">
@@ -3721,11 +3727,11 @@
             </a:pPr>
             <a:r>
               <a:rPr lang="en-US" sz="2400" dirty="0" smtClean="0"/>
-              <a:t>Lack </a:t>
+              <a:t>Immediate </a:t>
             </a:r>
             <a:r>
               <a:rPr lang="en-US" sz="2400" dirty="0"/>
-              <a:t>of privacy for high-profile individuals attending physical classes.</a:t>
+              <a:t>clarification of doubts through face-to-face communication.</a:t>
             </a:r>
           </a:p>
           <a:p>
@@ -3735,25 +3741,11 @@
             </a:pPr>
             <a:r>
               <a:rPr lang="en-US" sz="2400" dirty="0" smtClean="0"/>
-              <a:t>Limited </a:t>
+              <a:t>Group </a:t>
             </a:r>
             <a:r>
               <a:rPr lang="en-US" sz="2400" dirty="0"/>
-              <a:t>flexibility in scheduling classes, hindering learners with busy schedules.</a:t>
-            </a:r>
-          </a:p>
-          <a:p>
-            <a:pPr marL="514350" indent="-514350">
-              <a:buFont typeface="+mj-lt"/>
-              <a:buAutoNum type="romanUcPeriod"/>
-            </a:pPr>
-            <a:r>
-              <a:rPr lang="en-US" sz="2400" dirty="0" smtClean="0"/>
-              <a:t>Potential </a:t>
-            </a:r>
-            <a:r>
-              <a:rPr lang="en-US" sz="2400" dirty="0"/>
-              <a:t>stigma associated with adult learners being visibly taught basic literacy skills.</a:t>
+              <a:t>dynamics and peer learning opportunities.</a:t>
             </a:r>
           </a:p>
           <a:p>
@@ -3764,7 +3756,7 @@
     </p:spTree>
     <p:extLst>
       <p:ext uri="{BB962C8B-B14F-4D97-AF65-F5344CB8AC3E}">
-        <p14:creationId xmlns:p14="http://schemas.microsoft.com/office/powerpoint/2010/main" val="3862596447"/>
+        <p14:creationId xmlns:p14="http://schemas.microsoft.com/office/powerpoint/2010/main" val="2922716336"/>
       </p:ext>
     </p:extLst>
   </p:cSld>
@@ -3814,9 +3806,10 @@
           <a:lstStyle/>
           <a:p>
             <a:r>
-              <a:rPr lang="en-US" dirty="0"/>
-              <a:t>Initial Usability Criteria</a:t>
-            </a:r>
+              <a:rPr lang="en-US" dirty="0" smtClean="0"/>
+              <a:t>Disadvantages</a:t>
+            </a:r>
+            <a:endParaRPr lang="en-US" dirty="0"/>
           </a:p>
         </p:txBody>
       </p:sp>
@@ -3832,34 +3825,14 @@
         </p:nvSpPr>
         <p:spPr/>
         <p:txBody>
-          <a:bodyPr>
-            <a:normAutofit/>
-          </a:bodyPr>
-          <a:lstStyle/>
-          <a:p>
-            <a:pPr marL="1371600" indent="-1371600">
-              <a:buFont typeface="+mj-lt"/>
-              <a:buAutoNum type="romanUcPeriod"/>
-            </a:pPr>
-            <a:endParaRPr lang="en-US" sz="2000" b="1" i="1" dirty="0" smtClean="0"/>
-          </a:p>
+          <a:bodyPr/>
+          <a:lstStyle/>
           <a:p>
             <a:pPr marL="514350" indent="-514350">
               <a:buFont typeface="+mj-lt"/>
               <a:buAutoNum type="romanUcPeriod"/>
             </a:pPr>
-            <a:r>
-              <a:rPr lang="en-US" sz="2000" b="1" i="1" dirty="0" smtClean="0"/>
-              <a:t>Privacy </a:t>
-            </a:r>
-            <a:r>
-              <a:rPr lang="en-US" sz="2000" b="1" i="1" dirty="0"/>
-              <a:t>and Confidentiality: </a:t>
-            </a:r>
-            <a:r>
-              <a:rPr lang="en-US" sz="2000" dirty="0"/>
-              <a:t>The system should prioritize user privacy and provide secure access to ensure the confidentiality of high-profile individuals.</a:t>
-            </a:r>
+            <a:endParaRPr lang="en-US" sz="2400" dirty="0" smtClean="0"/>
           </a:p>
           <a:p>
             <a:pPr marL="514350" indent="-514350">
@@ -3867,16 +3840,12 @@
               <a:buAutoNum type="romanUcPeriod"/>
             </a:pPr>
             <a:r>
-              <a:rPr lang="en-US" sz="2000" b="1" i="1" dirty="0" smtClean="0"/>
-              <a:t>User-Friendly </a:t>
-            </a:r>
-            <a:r>
-              <a:rPr lang="en-US" sz="2000" b="1" i="1" dirty="0"/>
-              <a:t>Interface: </a:t>
-            </a:r>
-            <a:r>
-              <a:rPr lang="en-US" sz="2000" dirty="0"/>
-              <a:t>The interface should be intuitive, easy to navigate, and cater to users with varying levels of digital literacy.</a:t>
+              <a:rPr lang="en-US" sz="2400" dirty="0" smtClean="0"/>
+              <a:t>Lack </a:t>
+            </a:r>
+            <a:r>
+              <a:rPr lang="en-US" sz="2400" dirty="0"/>
+              <a:t>of privacy for high-profile individuals attending physical classes.</a:t>
             </a:r>
           </a:p>
           <a:p>
@@ -3885,16 +3854,26 @@
               <a:buAutoNum type="romanUcPeriod"/>
             </a:pPr>
             <a:r>
-              <a:rPr lang="en-US" sz="2000" b="1" i="1" dirty="0" smtClean="0"/>
-              <a:t>Flexibility </a:t>
-            </a:r>
-            <a:r>
-              <a:rPr lang="en-US" sz="2000" b="1" i="1" dirty="0"/>
-              <a:t>and Adaptability</a:t>
-            </a:r>
-            <a:r>
-              <a:rPr lang="en-US" sz="2000" dirty="0"/>
-              <a:t>: The system should offer flexible scheduling options, asynchronous learning opportunities, and adaptive content based on user needs.</a:t>
+              <a:rPr lang="en-US" sz="2400" dirty="0" smtClean="0"/>
+              <a:t>Limited </a:t>
+            </a:r>
+            <a:r>
+              <a:rPr lang="en-US" sz="2400" dirty="0"/>
+              <a:t>flexibility in scheduling classes, hindering learners with busy schedules.</a:t>
+            </a:r>
+          </a:p>
+          <a:p>
+            <a:pPr marL="514350" indent="-514350">
+              <a:buFont typeface="+mj-lt"/>
+              <a:buAutoNum type="romanUcPeriod"/>
+            </a:pPr>
+            <a:r>
+              <a:rPr lang="en-US" sz="2400" dirty="0" smtClean="0"/>
+              <a:t>Potential </a:t>
+            </a:r>
+            <a:r>
+              <a:rPr lang="en-US" sz="2400" dirty="0"/>
+              <a:t>stigma associated with adult learners being visibly taught basic literacy skills.</a:t>
             </a:r>
           </a:p>
           <a:p>
@@ -3905,7 +3884,7 @@
     </p:spTree>
     <p:extLst>
       <p:ext uri="{BB962C8B-B14F-4D97-AF65-F5344CB8AC3E}">
-        <p14:creationId xmlns:p14="http://schemas.microsoft.com/office/powerpoint/2010/main" val="2648753973"/>
+        <p14:creationId xmlns:p14="http://schemas.microsoft.com/office/powerpoint/2010/main" val="3862596447"/>
       </p:ext>
     </p:extLst>
   </p:cSld>
@@ -3956,13 +3935,8 @@
           <a:p>
             <a:r>
               <a:rPr lang="en-US" dirty="0"/>
-              <a:t>Initial Usability </a:t>
-            </a:r>
-            <a:r>
-              <a:rPr lang="en-US" dirty="0" smtClean="0"/>
-              <a:t>Criteria Cont..</a:t>
-            </a:r>
-            <a:endParaRPr lang="en-US" dirty="0"/>
+              <a:t>Initial Usability Criteria</a:t>
+            </a:r>
           </a:p>
         </p:txBody>
       </p:sp>
@@ -3983,55 +3957,64 @@
           </a:bodyPr>
           <a:lstStyle/>
           <a:p>
-            <a:pPr marL="0" indent="0">
-              <a:buNone/>
+            <a:pPr marL="1371600" indent="-1371600">
+              <a:buFont typeface="+mj-lt"/>
+              <a:buAutoNum type="romanUcPeriod"/>
             </a:pPr>
             <a:endParaRPr lang="en-US" sz="2000" b="1" i="1" dirty="0" smtClean="0"/>
           </a:p>
           <a:p>
             <a:pPr marL="514350" indent="-514350">
               <a:buFont typeface="+mj-lt"/>
-              <a:buAutoNum type="romanUcPeriod" startAt="4"/>
+              <a:buAutoNum type="romanUcPeriod"/>
             </a:pPr>
             <a:r>
               <a:rPr lang="en-US" sz="2000" b="1" i="1" dirty="0" smtClean="0"/>
-              <a:t>Engagement and Interactivity: </a:t>
-            </a:r>
-            <a:r>
-              <a:rPr lang="en-US" sz="2000" dirty="0" smtClean="0"/>
-              <a:t>The system should incorporate interactive learning materials, multimedia content, and opportunities for collaboration and discussion.</a:t>
+              <a:t>Privacy </a:t>
+            </a:r>
+            <a:r>
+              <a:rPr lang="en-US" sz="2000" b="1" i="1" dirty="0"/>
+              <a:t>and Confidentiality: </a:t>
+            </a:r>
+            <a:r>
+              <a:rPr lang="en-US" sz="2000" dirty="0"/>
+              <a:t>The system should prioritize user privacy and provide secure access to ensure the confidentiality of high-profile individuals.</a:t>
             </a:r>
           </a:p>
           <a:p>
             <a:pPr marL="514350" indent="-514350">
               <a:buFont typeface="+mj-lt"/>
-              <a:buAutoNum type="romanUcPeriod" startAt="4"/>
+              <a:buAutoNum type="romanUcPeriod"/>
             </a:pPr>
             <a:r>
               <a:rPr lang="en-US" sz="2000" b="1" i="1" dirty="0" smtClean="0"/>
-              <a:t>Progress </a:t>
+              <a:t>User-Friendly </a:t>
             </a:r>
             <a:r>
               <a:rPr lang="en-US" sz="2000" b="1" i="1" dirty="0"/>
-              <a:t>Tracking and Personalized Feedback: </a:t>
+              <a:t>Interface: </a:t>
             </a:r>
             <a:r>
               <a:rPr lang="en-US" sz="2000" dirty="0"/>
-              <a:t>Users should be able to track their progress, receive personalized feedback, and set goals to monitor their language learning journey.</a:t>
+              <a:t>The interface should be intuitive, easy to navigate, and cater to users with varying levels of digital literacy.</a:t>
             </a:r>
           </a:p>
           <a:p>
             <a:pPr marL="514350" indent="-514350">
               <a:buFont typeface="+mj-lt"/>
-              <a:buAutoNum type="romanUcPeriod" startAt="4"/>
-            </a:pPr>
+              <a:buAutoNum type="romanUcPeriod"/>
+            </a:pPr>
+            <a:r>
+              <a:rPr lang="en-US" sz="2000" b="1" i="1" dirty="0" smtClean="0"/>
+              <a:t>Flexibility </a:t>
+            </a:r>
             <a:r>
               <a:rPr lang="en-US" sz="2000" b="1" i="1" dirty="0"/>
-              <a:t>Support and Communication:</a:t>
+              <a:t>and Adaptability</a:t>
             </a:r>
             <a:r>
               <a:rPr lang="en-US" sz="2000" dirty="0"/>
-              <a:t> The system should facilitate effective communication channels between learners, instructors, and support staff, allowing for timely assistance and guidance.</a:t>
+              <a:t>: The system should offer flexible scheduling options, asynchronous learning opportunities, and adaptive content based on user needs.</a:t>
             </a:r>
           </a:p>
           <a:p>
@@ -4042,7 +4025,7 @@
     </p:spTree>
     <p:extLst>
       <p:ext uri="{BB962C8B-B14F-4D97-AF65-F5344CB8AC3E}">
-        <p14:creationId xmlns:p14="http://schemas.microsoft.com/office/powerpoint/2010/main" val="4079655203"/>
+        <p14:creationId xmlns:p14="http://schemas.microsoft.com/office/powerpoint/2010/main" val="2648753973"/>
       </p:ext>
     </p:extLst>
   </p:cSld>
@@ -4093,8 +4076,13 @@
           <a:p>
             <a:r>
               <a:rPr lang="en-US" dirty="0"/>
-              <a:t>Gathering of Information</a:t>
-            </a:r>
+              <a:t>Initial Usability </a:t>
+            </a:r>
+            <a:r>
+              <a:rPr lang="en-US" dirty="0" smtClean="0"/>
+              <a:t>Criteria Cont..</a:t>
+            </a:r>
+            <a:endParaRPr lang="en-US" dirty="0"/>
           </a:p>
         </p:txBody>
       </p:sp>
@@ -4115,24 +4103,66 @@
           </a:bodyPr>
           <a:lstStyle/>
           <a:p>
-            <a:endParaRPr lang="en-US" sz="2000" dirty="0" smtClean="0"/>
-          </a:p>
-          <a:p>
+            <a:pPr marL="0" indent="0">
+              <a:buNone/>
+            </a:pPr>
+            <a:endParaRPr lang="en-US" sz="2000" b="1" i="1" dirty="0" smtClean="0"/>
+          </a:p>
+          <a:p>
+            <a:pPr marL="514350" indent="-514350">
+              <a:buFont typeface="+mj-lt"/>
+              <a:buAutoNum type="romanUcPeriod" startAt="4"/>
+            </a:pPr>
+            <a:r>
+              <a:rPr lang="en-US" sz="2000" b="1" i="1" dirty="0" smtClean="0"/>
+              <a:t>Engagement and Interactivity: </a:t>
+            </a:r>
             <a:r>
               <a:rPr lang="en-US" sz="2000" dirty="0" smtClean="0"/>
-              <a:t>The </a:t>
+              <a:t>The system should incorporate interactive learning materials, multimedia content, and opportunities for collaboration and discussion.</a:t>
+            </a:r>
+          </a:p>
+          <a:p>
+            <a:pPr marL="514350" indent="-514350">
+              <a:buFont typeface="+mj-lt"/>
+              <a:buAutoNum type="romanUcPeriod" startAt="4"/>
+            </a:pPr>
+            <a:r>
+              <a:rPr lang="en-US" sz="2000" b="1" i="1" dirty="0" smtClean="0"/>
+              <a:t>Progress </a:t>
+            </a:r>
+            <a:r>
+              <a:rPr lang="en-US" sz="2000" b="1" i="1" dirty="0"/>
+              <a:t>Tracking and Personalized Feedback: </a:t>
             </a:r>
             <a:r>
               <a:rPr lang="en-US" sz="2000" dirty="0"/>
-              <a:t>above information was gathered through a combination of analysis of the given problem scenario and the general knowledge base of the language learning domain. No specific references to existing literature or online material were used in completing this stage of the project. The information presented is based on the understanding of educational systems, adult learning principles, and user-centered design considerations.</a:t>
-            </a:r>
+              <a:t>Users should be able to track their progress, receive personalized feedback, and set goals to monitor their language learning journey.</a:t>
+            </a:r>
+          </a:p>
+          <a:p>
+            <a:pPr marL="514350" indent="-514350">
+              <a:buFont typeface="+mj-lt"/>
+              <a:buAutoNum type="romanUcPeriod" startAt="4"/>
+            </a:pPr>
+            <a:r>
+              <a:rPr lang="en-US" sz="2000" b="1" i="1" dirty="0"/>
+              <a:t>Support and Communication:</a:t>
+            </a:r>
+            <a:r>
+              <a:rPr lang="en-US" sz="2000" dirty="0"/>
+              <a:t> The system should facilitate effective communication channels between learners, instructors, and support staff, allowing for timely assistance and guidance.</a:t>
+            </a:r>
+          </a:p>
+          <a:p>
+            <a:endParaRPr lang="en-US" dirty="0"/>
           </a:p>
         </p:txBody>
       </p:sp>
     </p:spTree>
     <p:extLst>
       <p:ext uri="{BB962C8B-B14F-4D97-AF65-F5344CB8AC3E}">
-        <p14:creationId xmlns:p14="http://schemas.microsoft.com/office/powerpoint/2010/main" val="3683200814"/>
+        <p14:creationId xmlns:p14="http://schemas.microsoft.com/office/powerpoint/2010/main" val="4079655203"/>
       </p:ext>
     </p:extLst>
   </p:cSld>
@@ -4178,18 +4208,12 @@
         </p:nvSpPr>
         <p:spPr/>
         <p:txBody>
-          <a:bodyPr>
-            <a:normAutofit fontScale="90000"/>
-          </a:bodyPr>
-          <a:lstStyle/>
-          <a:p>
-            <a:r>
-              <a:rPr lang="en-US" dirty="0" smtClean="0"/>
-              <a:t>Interface </a:t>
-            </a:r>
+          <a:bodyPr/>
+          <a:lstStyle/>
+          <a:p>
             <a:r>
               <a:rPr lang="en-US" dirty="0"/>
-              <a:t>designs for the online learning system</a:t>
+              <a:t>Gathering of Information</a:t>
             </a:r>
           </a:p>
         </p:txBody>
@@ -4211,74 +4235,24 @@
           </a:bodyPr>
           <a:lstStyle/>
           <a:p>
-            <a:pPr marL="0" indent="0">
-              <a:buNone/>
-            </a:pPr>
-            <a:r>
-              <a:rPr lang="en-US" sz="2000" b="1" dirty="0"/>
-              <a:t>Interface Design 1: </a:t>
-            </a:r>
-            <a:r>
-              <a:rPr lang="en-US" sz="2000" i="1" dirty="0"/>
-              <a:t>Discussion Hub</a:t>
-            </a:r>
-          </a:p>
-          <a:p>
-            <a:pPr marL="0" indent="0">
-              <a:buNone/>
-            </a:pPr>
-            <a:r>
-              <a:rPr lang="en-US" sz="2000" b="1" i="1" dirty="0"/>
-              <a:t>Rationale:</a:t>
-            </a:r>
-          </a:p>
-          <a:p>
-            <a:pPr marL="0" indent="0">
-              <a:buNone/>
-            </a:pPr>
-            <a:r>
-              <a:rPr lang="en-US" sz="2000" dirty="0"/>
-              <a:t>This design focuses on promoting active discussions and collaboration among learners. It provides a centralized hub for learners to engage in threaded discussions, ask questions, and share insights, fostering a sense of community and facilitating peer-to-peer learning.</a:t>
-            </a:r>
-          </a:p>
-          <a:p>
-            <a:pPr marL="0" indent="0">
-              <a:buNone/>
-            </a:pPr>
-            <a:r>
-              <a:rPr lang="en-US" sz="2000" b="1" i="1" dirty="0"/>
-              <a:t>Illustration:</a:t>
-            </a:r>
-            <a:r>
-              <a:rPr lang="en-US" sz="2000" dirty="0"/>
-              <a:t>	</a:t>
-            </a:r>
             <a:endParaRPr lang="en-US" sz="2000" dirty="0" smtClean="0"/>
           </a:p>
           <a:p>
-            <a:pPr marL="0" indent="0">
-              <a:buNone/>
-            </a:pPr>
             <a:r>
               <a:rPr lang="en-US" sz="2000" dirty="0" smtClean="0"/>
               <a:t>The </a:t>
             </a:r>
             <a:r>
               <a:rPr lang="en-US" sz="2000" dirty="0"/>
-              <a:t>interface includes a main discussion feed displaying recent posts, a search function to find specific topics, and options to filter discussions by category or relevance. Each discussion thread shows the post content, comments, and likes</a:t>
-            </a:r>
-            <a:r>
-              <a:rPr lang="en-US" sz="2000" dirty="0" smtClean="0"/>
-              <a:t>.</a:t>
-            </a:r>
-            <a:endParaRPr lang="en-US" sz="2000" dirty="0"/>
+              <a:t>above information was gathered through a combination of analysis of the given problem scenario and the general knowledge base of the language learning domain. No specific references to existing literature or online material were used in completing this stage of the project. The information presented is based on the understanding of educational systems, adult learning principles, and user-centered design considerations.</a:t>
+            </a:r>
           </a:p>
         </p:txBody>
       </p:sp>
     </p:spTree>
     <p:extLst>
       <p:ext uri="{BB962C8B-B14F-4D97-AF65-F5344CB8AC3E}">
-        <p14:creationId xmlns:p14="http://schemas.microsoft.com/office/powerpoint/2010/main" val="3426718740"/>
+        <p14:creationId xmlns:p14="http://schemas.microsoft.com/office/powerpoint/2010/main" val="3683200814"/>
       </p:ext>
     </p:extLst>
   </p:cSld>
@@ -4413,14 +4387,19 @@
         </p:nvSpPr>
         <p:spPr/>
         <p:txBody>
-          <a:bodyPr/>
+          <a:bodyPr>
+            <a:normAutofit fontScale="90000"/>
+          </a:bodyPr>
           <a:lstStyle/>
           <a:p>
             <a:r>
               <a:rPr lang="en-US" dirty="0" smtClean="0"/>
-              <a:t>Interface design 1 </a:t>
-            </a:r>
-            <a:endParaRPr lang="en-US" dirty="0"/>
+              <a:t>Interface </a:t>
+            </a:r>
+            <a:r>
+              <a:rPr lang="en-US" dirty="0"/>
+              <a:t>designs for the online learning system</a:t>
+            </a:r>
           </a:p>
         </p:txBody>
       </p:sp>
@@ -4445,71 +4424,70 @@
               <a:buNone/>
             </a:pPr>
             <a:r>
+              <a:rPr lang="en-US" sz="2000" b="1" dirty="0"/>
+              <a:t>Interface Design 1: </a:t>
+            </a:r>
+            <a:r>
+              <a:rPr lang="en-US" sz="2000" i="1" dirty="0"/>
+              <a:t>Discussion Hub</a:t>
+            </a:r>
+          </a:p>
+          <a:p>
+            <a:pPr marL="0" indent="0">
+              <a:buNone/>
+            </a:pPr>
+            <a:r>
               <a:rPr lang="en-US" sz="2000" b="1" i="1" dirty="0"/>
-              <a:t>Scenario</a:t>
-            </a:r>
-            <a:r>
-              <a:rPr lang="en-US" sz="2000" b="1" i="1" dirty="0" smtClean="0"/>
-              <a:t>:</a:t>
-            </a:r>
-            <a:endParaRPr lang="en-US" sz="2000" b="1" i="1" dirty="0"/>
+              <a:t>Rationale:</a:t>
+            </a:r>
           </a:p>
           <a:p>
             <a:pPr marL="0" indent="0">
               <a:buNone/>
             </a:pPr>
             <a:r>
-              <a:rPr lang="en-US" sz="2000" dirty="0" err="1"/>
-              <a:t>Otieno</a:t>
-            </a:r>
-            <a:r>
               <a:rPr lang="en-US" sz="2000" dirty="0"/>
-              <a:t>, an adult learner, accesses the discussion hub to seek clarification on a grammar rule. He posts his question in the relevant category and receives responses from other learners and instructors within a few hours. He engages in a back-and-forth discussion, gaining a deeper understanding of the concept</a:t>
+              <a:t>This design focuses on promoting active discussions and collaboration among learners. It provides a centralized hub for learners to engage in threaded discussions, ask questions, and share insights, fostering a sense of community and facilitating peer-to-peer learning.</a:t>
+            </a:r>
+          </a:p>
+          <a:p>
+            <a:pPr marL="0" indent="0">
+              <a:buNone/>
+            </a:pPr>
+            <a:r>
+              <a:rPr lang="en-US" sz="2000" b="1" i="1" dirty="0"/>
+              <a:t>Illustration:</a:t>
+            </a:r>
+            <a:r>
+              <a:rPr lang="en-US" sz="2000" dirty="0"/>
+              <a:t>	</a:t>
+            </a:r>
+            <a:endParaRPr lang="en-US" sz="2000" dirty="0" smtClean="0"/>
+          </a:p>
+          <a:p>
+            <a:pPr marL="0" indent="0">
+              <a:buNone/>
+            </a:pPr>
+            <a:r>
+              <a:rPr lang="en-US" sz="2000" dirty="0" smtClean="0"/>
+              <a:t>The </a:t>
+            </a:r>
+            <a:r>
+              <a:rPr lang="en-US" sz="2000" dirty="0"/>
+              <a:t>interface includes a main discussion feed displaying recent posts, a search function to find specific topics, and options to filter discussions by category or relevance. Each discussion thread shows the post content, comments, and likes</a:t>
             </a:r>
             <a:r>
               <a:rPr lang="en-US" sz="2000" dirty="0" smtClean="0"/>
               <a:t>.</a:t>
             </a:r>
-          </a:p>
-          <a:p>
-            <a:pPr marL="0" indent="0">
-              <a:buNone/>
-            </a:pPr>
             <a:endParaRPr lang="en-US" sz="2000" dirty="0"/>
-          </a:p>
-          <a:p>
-            <a:pPr marL="0" indent="0">
-              <a:buNone/>
-            </a:pPr>
-            <a:r>
-              <a:rPr lang="en-US" sz="2000" b="1" i="1" dirty="0"/>
-              <a:t>Assessment:</a:t>
-            </a:r>
-          </a:p>
-          <a:p>
-            <a:pPr marL="0" indent="0">
-              <a:buNone/>
-            </a:pPr>
-            <a:r>
-              <a:rPr lang="en-US" sz="2000" dirty="0"/>
-              <a:t>User feedback indicates that the discussion hub enhances learner engagement, encourages interaction, and provides a valuable platform for knowledge sharing. Learners appreciate the ability to connect with peers, receive diverse perspectives, and receive timely responses from instructors.</a:t>
-            </a:r>
-          </a:p>
-          <a:p>
-            <a:endParaRPr lang="en-US" dirty="0"/>
-          </a:p>
-          <a:p>
-            <a:pPr marL="0" indent="0">
-              <a:buNone/>
-            </a:pPr>
-            <a:endParaRPr lang="en-US" dirty="0"/>
           </a:p>
         </p:txBody>
       </p:sp>
     </p:spTree>
     <p:extLst>
       <p:ext uri="{BB962C8B-B14F-4D97-AF65-F5344CB8AC3E}">
-        <p14:creationId xmlns:p14="http://schemas.microsoft.com/office/powerpoint/2010/main" val="3882476868"/>
+        <p14:creationId xmlns:p14="http://schemas.microsoft.com/office/powerpoint/2010/main" val="3426718740"/>
       </p:ext>
     </p:extLst>
   </p:cSld>
@@ -4560,7 +4538,7 @@
           <a:p>
             <a:r>
               <a:rPr lang="en-US" dirty="0" smtClean="0"/>
-              <a:t>Interface designs</a:t>
+              <a:t>Interface design 1 </a:t>
             </a:r>
             <a:endParaRPr lang="en-US" dirty="0"/>
           </a:p>
@@ -4587,35 +4565,36 @@
               <a:buNone/>
             </a:pPr>
             <a:r>
-              <a:rPr lang="en-US" sz="2000" b="1" dirty="0"/>
-              <a:t>Interface Design 2: </a:t>
-            </a:r>
-            <a:r>
-              <a:rPr lang="en-US" sz="2000" i="1" dirty="0"/>
-              <a:t>Virtual Classroom</a:t>
-            </a:r>
+              <a:rPr lang="en-US" sz="2000" b="1" i="1" dirty="0"/>
+              <a:t>Scenario</a:t>
+            </a:r>
+            <a:r>
+              <a:rPr lang="en-US" sz="2000" b="1" i="1" dirty="0" smtClean="0"/>
+              <a:t>:</a:t>
+            </a:r>
+            <a:endParaRPr lang="en-US" sz="2000" b="1" i="1" dirty="0"/>
           </a:p>
           <a:p>
             <a:pPr marL="0" indent="0">
               <a:buNone/>
             </a:pPr>
             <a:r>
-              <a:rPr lang="en-US" sz="2000" b="1" i="1" dirty="0"/>
-              <a:t>Rationale:</a:t>
-            </a:r>
-          </a:p>
-          <a:p>
-            <a:pPr marL="0" indent="0">
-              <a:buNone/>
-            </a:pPr>
+              <a:rPr lang="en-US" sz="2000" dirty="0" err="1"/>
+              <a:t>Otieno</a:t>
+            </a:r>
             <a:r>
               <a:rPr lang="en-US" sz="2000" dirty="0"/>
-              <a:t>This design focuses on replicating the traditional classroom experience in a virtual setting. It enables live interactions, real-time discussions, and instructor-led sessions, allowing learners to actively participate and engage with course content</a:t>
+              <a:t>, an adult learner, accesses the discussion hub to seek clarification on a grammar rule. He posts his question in the relevant category and receives responses from other learners and instructors within a few hours. He engages in a back-and-forth discussion, gaining a deeper understanding of the concept</a:t>
             </a:r>
             <a:r>
               <a:rPr lang="en-US" sz="2000" dirty="0" smtClean="0"/>
               <a:t>.</a:t>
             </a:r>
+          </a:p>
+          <a:p>
+            <a:pPr marL="0" indent="0">
+              <a:buNone/>
+            </a:pPr>
             <a:endParaRPr lang="en-US" sz="2000" dirty="0"/>
           </a:p>
           <a:p>
@@ -4624,7 +4603,7 @@
             </a:pPr>
             <a:r>
               <a:rPr lang="en-US" sz="2000" b="1" i="1" dirty="0"/>
-              <a:t>Illustration:</a:t>
+              <a:t>Assessment:</a:t>
             </a:r>
           </a:p>
           <a:p>
@@ -4633,10 +4612,16 @@
             </a:pPr>
             <a:r>
               <a:rPr lang="en-US" sz="2000" dirty="0"/>
-              <a:t>The interface features a virtual classroom with video conferencing capabilities. It includes a main screen displaying the instructor's video feed, a chat window for text-based communication, and a shared whiteboard for collaborative activities. Learners can raise hand, ask questions, and participate in polls.</a:t>
-            </a:r>
-          </a:p>
-          <a:p>
+              <a:t>User feedback indicates that the discussion hub enhances learner engagement, encourages interaction, and provides a valuable platform for knowledge sharing. Learners appreciate the ability to connect with peers, receive diverse perspectives, and receive timely responses from instructors.</a:t>
+            </a:r>
+          </a:p>
+          <a:p>
+            <a:endParaRPr lang="en-US" dirty="0"/>
+          </a:p>
+          <a:p>
+            <a:pPr marL="0" indent="0">
+              <a:buNone/>
+            </a:pPr>
             <a:endParaRPr lang="en-US" dirty="0"/>
           </a:p>
         </p:txBody>
@@ -4644,7 +4629,7 @@
     </p:spTree>
     <p:extLst>
       <p:ext uri="{BB962C8B-B14F-4D97-AF65-F5344CB8AC3E}">
-        <p14:creationId xmlns:p14="http://schemas.microsoft.com/office/powerpoint/2010/main" val="1669359259"/>
+        <p14:creationId xmlns:p14="http://schemas.microsoft.com/office/powerpoint/2010/main" val="3882476868"/>
       </p:ext>
     </p:extLst>
   </p:cSld>
@@ -4695,7 +4680,7 @@
           <a:p>
             <a:r>
               <a:rPr lang="en-US" dirty="0" smtClean="0"/>
-              <a:t>Interface design 2 </a:t>
+              <a:t>Interface designs</a:t>
             </a:r>
             <a:endParaRPr lang="en-US" dirty="0"/>
           </a:p>
@@ -4722,8 +4707,21 @@
               <a:buNone/>
             </a:pPr>
             <a:r>
+              <a:rPr lang="en-US" sz="2000" b="1" dirty="0"/>
+              <a:t>Interface Design 2: </a:t>
+            </a:r>
+            <a:r>
+              <a:rPr lang="en-US" sz="2000" i="1" dirty="0"/>
+              <a:t>Virtual Classroom</a:t>
+            </a:r>
+          </a:p>
+          <a:p>
+            <a:pPr marL="0" indent="0">
+              <a:buNone/>
+            </a:pPr>
+            <a:r>
               <a:rPr lang="en-US" sz="2000" b="1" i="1" dirty="0"/>
-              <a:t>Scenario:</a:t>
+              <a:t>Rationale:</a:t>
             </a:r>
           </a:p>
           <a:p>
@@ -4732,8 +4730,13 @@
             </a:pPr>
             <a:r>
               <a:rPr lang="en-US" sz="2000" dirty="0"/>
-              <a:t>Victor, an adult learner, joins a virtual classroom session conducted by his instructor. He sees the instructor's video feed and presentation on the main screen. He actively participates by typing questions in the chat window and contributing to the discussion. The instructor addresses his questions and encourages input from other learners.</a:t>
-            </a:r>
+              <a:t>This design focuses on replicating the traditional classroom experience in a virtual setting. It enables live interactions, real-time discussions, and instructor-led sessions, allowing learners to actively participate and engage with course content</a:t>
+            </a:r>
+            <a:r>
+              <a:rPr lang="en-US" sz="2000" dirty="0" smtClean="0"/>
+              <a:t>.</a:t>
+            </a:r>
+            <a:endParaRPr lang="en-US" sz="2000" dirty="0"/>
           </a:p>
           <a:p>
             <a:pPr marL="0" indent="0">
@@ -4741,7 +4744,7 @@
             </a:pPr>
             <a:r>
               <a:rPr lang="en-US" sz="2000" b="1" i="1" dirty="0"/>
-              <a:t>Assessment:</a:t>
+              <a:t>Illustration:</a:t>
             </a:r>
           </a:p>
           <a:p>
@@ -4750,7 +4753,7 @@
             </a:pPr>
             <a:r>
               <a:rPr lang="en-US" sz="2000" dirty="0"/>
-              <a:t>Feedback from users indicates that the virtual classroom design provides a dynamic and engaging learning experience. Learners appreciate the ability to interact with instructors and peers in real-time, fostering a sense of connection and active participation</a:t>
+              <a:t>The interface features a virtual classroom with video conferencing capabilities. It includes a main screen displaying the instructor's video feed, a chat window for text-based communication, and a shared whiteboard for collaborative activities. Learners can raise hand, ask questions, and participate in polls.</a:t>
             </a:r>
           </a:p>
           <a:p>
@@ -4761,7 +4764,7 @@
     </p:spTree>
     <p:extLst>
       <p:ext uri="{BB962C8B-B14F-4D97-AF65-F5344CB8AC3E}">
-        <p14:creationId xmlns:p14="http://schemas.microsoft.com/office/powerpoint/2010/main" val="1150248468"/>
+        <p14:creationId xmlns:p14="http://schemas.microsoft.com/office/powerpoint/2010/main" val="1669359259"/>
       </p:ext>
     </p:extLst>
   </p:cSld>
@@ -4812,7 +4815,7 @@
           <a:p>
             <a:r>
               <a:rPr lang="en-US" dirty="0" smtClean="0"/>
-              <a:t>Interface designs</a:t>
+              <a:t>Interface design 2 </a:t>
             </a:r>
             <a:endParaRPr lang="en-US" dirty="0"/>
           </a:p>
@@ -4839,12 +4842,8 @@
               <a:buNone/>
             </a:pPr>
             <a:r>
-              <a:rPr lang="en-US" sz="2000" b="1" dirty="0"/>
-              <a:t>Interface Design 3: </a:t>
-            </a:r>
-            <a:r>
-              <a:rPr lang="en-US" sz="2000" i="1" dirty="0"/>
-              <a:t>Personalized Progress Tracker</a:t>
+              <a:rPr lang="en-US" sz="2000" b="1" i="1" dirty="0"/>
+              <a:t>Scenario:</a:t>
             </a:r>
           </a:p>
           <a:p>
@@ -4852,8 +4851,17 @@
               <a:buNone/>
             </a:pPr>
             <a:r>
+              <a:rPr lang="en-US" sz="2000" dirty="0"/>
+              <a:t>Victor, an adult learner, joins a virtual classroom session conducted by his instructor. He sees the instructor's video feed and presentation on the main screen. He actively participates by typing questions in the chat window and contributing to the discussion. The instructor addresses his questions and encourages input from other learners.</a:t>
+            </a:r>
+          </a:p>
+          <a:p>
+            <a:pPr marL="0" indent="0">
+              <a:buNone/>
+            </a:pPr>
+            <a:r>
               <a:rPr lang="en-US" sz="2000" b="1" i="1" dirty="0"/>
-              <a:t>Rationale:</a:t>
+              <a:t>Assessment:</a:t>
             </a:r>
           </a:p>
           <a:p>
@@ -4862,25 +4870,7 @@
             </a:pPr>
             <a:r>
               <a:rPr lang="en-US" sz="2000" dirty="0"/>
-              <a:t>This design focuses on empowering learners to track their progress and set goals. It provides personalized feedback, performance analytics, and goal-setting features, enabling learners to monitor their language learning journey and stay motivated.</a:t>
-            </a:r>
-          </a:p>
-          <a:p>
-            <a:pPr marL="0" indent="0">
-              <a:buNone/>
-            </a:pPr>
-            <a:r>
-              <a:rPr lang="en-US" sz="2000" b="1" i="1" dirty="0"/>
-              <a:t>Illustration:</a:t>
-            </a:r>
-          </a:p>
-          <a:p>
-            <a:pPr marL="0" indent="0">
-              <a:buNone/>
-            </a:pPr>
-            <a:r>
-              <a:rPr lang="en-US" sz="2000" dirty="0"/>
-              <a:t>The interface includes a dashboard displaying a learner's progress, achievements, and recommendations. It shows completed lessons, quiz scores, and areas for improvement. Learners can set goals, track their performance over time, and receive personalized feedback from instructors.</a:t>
+              <a:t>Feedback from users indicates that the virtual classroom design provides a dynamic and engaging learning experience. Learners appreciate the ability to interact with instructors and peers in real-time, fostering a sense of connection and active participation</a:t>
             </a:r>
           </a:p>
           <a:p>
@@ -4891,7 +4881,7 @@
     </p:spTree>
     <p:extLst>
       <p:ext uri="{BB962C8B-B14F-4D97-AF65-F5344CB8AC3E}">
-        <p14:creationId xmlns:p14="http://schemas.microsoft.com/office/powerpoint/2010/main" val="2261140792"/>
+        <p14:creationId xmlns:p14="http://schemas.microsoft.com/office/powerpoint/2010/main" val="1150248468"/>
       </p:ext>
     </p:extLst>
   </p:cSld>
@@ -4942,7 +4932,7 @@
           <a:p>
             <a:r>
               <a:rPr lang="en-US" dirty="0" smtClean="0"/>
-              <a:t>Interface design 3 </a:t>
+              <a:t>Interface designs</a:t>
             </a:r>
             <a:endParaRPr lang="en-US" dirty="0"/>
           </a:p>
@@ -4969,8 +4959,21 @@
               <a:buNone/>
             </a:pPr>
             <a:r>
+              <a:rPr lang="en-US" sz="2000" b="1" dirty="0"/>
+              <a:t>Interface Design 3: </a:t>
+            </a:r>
+            <a:r>
+              <a:rPr lang="en-US" sz="2000" i="1" dirty="0"/>
+              <a:t>Personalized Progress Tracker</a:t>
+            </a:r>
+          </a:p>
+          <a:p>
+            <a:pPr marL="0" indent="0">
+              <a:buNone/>
+            </a:pPr>
+            <a:r>
               <a:rPr lang="en-US" sz="2000" b="1" i="1" dirty="0"/>
-              <a:t>Scenario:</a:t>
+              <a:t>Rationale:</a:t>
             </a:r>
           </a:p>
           <a:p>
@@ -4979,7 +4982,7 @@
             </a:pPr>
             <a:r>
               <a:rPr lang="en-US" sz="2000" dirty="0"/>
-              <a:t>Sally, an adult learner, logs into her account and accesses her personalized progress tracker. She sees her completion percentage, recent achievements, and areas she needs to focus on. She sets a goal to improve her vocabulary and receives recommendations for relevant lessons and exercises to work on.</a:t>
+              <a:t>This design focuses on empowering learners to track their progress and set goals. It provides personalized feedback, performance analytics, and goal-setting features, enabling learners to monitor their language learning journey and stay motivated.</a:t>
             </a:r>
           </a:p>
           <a:p>
@@ -4988,7 +4991,7 @@
             </a:pPr>
             <a:r>
               <a:rPr lang="en-US" sz="2000" b="1" i="1" dirty="0"/>
-              <a:t>Assessment:</a:t>
+              <a:t>Illustration:</a:t>
             </a:r>
           </a:p>
           <a:p>
@@ -4997,7 +5000,7 @@
             </a:pPr>
             <a:r>
               <a:rPr lang="en-US" sz="2000" dirty="0"/>
-              <a:t>User feedback indicates that the personalized progress tracker design motivates learners and provides them with a clear overview of their language learning journey. Learners appreciate the ability to set goals, track their improvement, and receive tailored recommendations for their individual needs.</a:t>
+              <a:t>The interface includes a dashboard displaying a learner's progress, achievements, and recommendations. It shows completed lessons, quiz scores, and areas for improvement. Learners can set goals, track their performance over time, and receive personalized feedback from instructors.</a:t>
             </a:r>
           </a:p>
           <a:p>
@@ -5008,7 +5011,7 @@
     </p:spTree>
     <p:extLst>
       <p:ext uri="{BB962C8B-B14F-4D97-AF65-F5344CB8AC3E}">
-        <p14:creationId xmlns:p14="http://schemas.microsoft.com/office/powerpoint/2010/main" val="4265265142"/>
+        <p14:creationId xmlns:p14="http://schemas.microsoft.com/office/powerpoint/2010/main" val="2261140792"/>
       </p:ext>
     </p:extLst>
   </p:cSld>
@@ -5058,9 +5061,10 @@
           <a:lstStyle/>
           <a:p>
             <a:r>
-              <a:rPr lang="en-US" dirty="0"/>
-              <a:t>Explanation for Design Choices</a:t>
-            </a:r>
+              <a:rPr lang="en-US" dirty="0" smtClean="0"/>
+              <a:t>Interface design 3 </a:t>
+            </a:r>
+            <a:endParaRPr lang="en-US" dirty="0"/>
           </a:p>
         </p:txBody>
       </p:sp>
@@ -5081,24 +5085,50 @@
           </a:bodyPr>
           <a:lstStyle/>
           <a:p>
-            <a:endParaRPr lang="en-US" sz="2400" dirty="0" smtClean="0"/>
-          </a:p>
-          <a:p>
-            <a:r>
-              <a:rPr lang="en-US" sz="2000" dirty="0" smtClean="0"/>
-              <a:t>These </a:t>
-            </a:r>
+            <a:pPr marL="0" indent="0">
+              <a:buNone/>
+            </a:pPr>
+            <a:r>
+              <a:rPr lang="en-US" sz="2000" b="1" i="1" dirty="0"/>
+              <a:t>Scenario:</a:t>
+            </a:r>
+          </a:p>
+          <a:p>
+            <a:pPr marL="0" indent="0">
+              <a:buNone/>
+            </a:pPr>
             <a:r>
               <a:rPr lang="en-US" sz="2000" dirty="0"/>
-              <a:t>three interface designs were chosen to explore different aspects of the online learning system that support communication and collaboration among users. The discussion hub emphasizes peer-to-peer interaction and knowledge sharing, the virtual classroom focuses on real-time engagement and instructor-led sessions, and the personalized progress tracker empowers learners to monitor their own progress and receive personalized feedback.</a:t>
-            </a:r>
+              <a:t>Sally, an adult learner, logs into her account and accesses her personalized progress tracker. She sees her completion percentage, recent achievements, and areas she needs to focus on. She sets a goal to improve her vocabulary and receives recommendations for relevant lessons and exercises to work on.</a:t>
+            </a:r>
+          </a:p>
+          <a:p>
+            <a:pPr marL="0" indent="0">
+              <a:buNone/>
+            </a:pPr>
+            <a:r>
+              <a:rPr lang="en-US" sz="2000" b="1" i="1" dirty="0"/>
+              <a:t>Assessment:</a:t>
+            </a:r>
+          </a:p>
+          <a:p>
+            <a:pPr marL="0" indent="0">
+              <a:buNone/>
+            </a:pPr>
+            <a:r>
+              <a:rPr lang="en-US" sz="2000" dirty="0"/>
+              <a:t>User feedback indicates that the personalized progress tracker design motivates learners and provides them with a clear overview of their language learning journey. Learners appreciate the ability to set goals, track their improvement, and receive tailored recommendations for their individual needs.</a:t>
+            </a:r>
+          </a:p>
+          <a:p>
+            <a:endParaRPr lang="en-US" dirty="0"/>
           </a:p>
         </p:txBody>
       </p:sp>
     </p:spTree>
     <p:extLst>
       <p:ext uri="{BB962C8B-B14F-4D97-AF65-F5344CB8AC3E}">
-        <p14:creationId xmlns:p14="http://schemas.microsoft.com/office/powerpoint/2010/main" val="149105787"/>
+        <p14:creationId xmlns:p14="http://schemas.microsoft.com/office/powerpoint/2010/main" val="4265265142"/>
       </p:ext>
     </p:extLst>
   </p:cSld>
@@ -5144,14 +5174,12 @@
         </p:nvSpPr>
         <p:spPr/>
         <p:txBody>
-          <a:bodyPr>
-            <a:normAutofit fontScale="90000"/>
-          </a:bodyPr>
+          <a:bodyPr/>
           <a:lstStyle/>
           <a:p>
             <a:r>
               <a:rPr lang="en-US" dirty="0"/>
-              <a:t>Modifications to Requirements Specification and Usability Criteria</a:t>
+              <a:t>Explanation for Design Choices</a:t>
             </a:r>
           </a:p>
         </p:txBody>
@@ -5178,11 +5206,11 @@
           <a:p>
             <a:r>
               <a:rPr lang="en-US" sz="2000" dirty="0" smtClean="0"/>
-              <a:t>Based </a:t>
+              <a:t>These </a:t>
             </a:r>
             <a:r>
               <a:rPr lang="en-US" sz="2000" dirty="0"/>
-              <a:t>on the exploration of these interface designs and user feedback, the requirements specification and usability criteria may be modified to include specific features related to the discussion hub, virtual classroom, and personalized progress tracker. The modifications will reflect the importance of promoting collaboration, real-time interactions, personalized tracking, and feedback in the design of the online learning system.</a:t>
+              <a:t>three interface designs were chosen to explore different aspects of the online learning system that support communication and collaboration among users. The discussion hub emphasizes peer-to-peer interaction and knowledge sharing, the virtual classroom focuses on real-time engagement and instructor-led sessions, and the personalized progress tracker empowers learners to monitor their own progress and receive personalized feedback.</a:t>
             </a:r>
           </a:p>
         </p:txBody>
@@ -5190,7 +5218,7 @@
     </p:spTree>
     <p:extLst>
       <p:ext uri="{BB962C8B-B14F-4D97-AF65-F5344CB8AC3E}">
-        <p14:creationId xmlns:p14="http://schemas.microsoft.com/office/powerpoint/2010/main" val="728700153"/>
+        <p14:creationId xmlns:p14="http://schemas.microsoft.com/office/powerpoint/2010/main" val="149105787"/>
       </p:ext>
     </p:extLst>
   </p:cSld>
@@ -5236,12 +5264,14 @@
         </p:nvSpPr>
         <p:spPr/>
         <p:txBody>
-          <a:bodyPr/>
+          <a:bodyPr>
+            <a:normAutofit fontScale="90000"/>
+          </a:bodyPr>
           <a:lstStyle/>
           <a:p>
             <a:r>
               <a:rPr lang="en-US" dirty="0"/>
-              <a:t>Overall Description of Final Design</a:t>
+              <a:t>Modifications to Requirements Specification and Usability Criteria</a:t>
             </a:r>
           </a:p>
         </p:txBody>
@@ -5268,16 +5298,19 @@
           <a:p>
             <a:r>
               <a:rPr lang="en-US" sz="2000" dirty="0" smtClean="0"/>
-              <a:t>The final design of the online learning system is a comprehensive platform that incorporates key features to support effective language learning, communication, collaboration, and progress tracking. The design aims to create an engaging and user-friendly interface that caters to the needs of adult learners, instructors, and support staff. It emphasizes personalized learning, interactive experiences, and seamless communication channels.</a:t>
-            </a:r>
-            <a:endParaRPr lang="en-US" sz="2000" dirty="0"/>
+              <a:t>Based </a:t>
+            </a:r>
+            <a:r>
+              <a:rPr lang="en-US" sz="2000" dirty="0"/>
+              <a:t>on the exploration of these interface designs and user feedback, the requirements specification and usability criteria may be modified to include specific features related to the discussion hub, virtual classroom, and personalized progress tracker. The modifications will reflect the importance of promoting collaboration, real-time interactions, personalized tracking, and feedback in the design of the online learning system.</a:t>
+            </a:r>
           </a:p>
         </p:txBody>
       </p:sp>
     </p:spTree>
     <p:extLst>
       <p:ext uri="{BB962C8B-B14F-4D97-AF65-F5344CB8AC3E}">
-        <p14:creationId xmlns:p14="http://schemas.microsoft.com/office/powerpoint/2010/main" val="261279653"/>
+        <p14:creationId xmlns:p14="http://schemas.microsoft.com/office/powerpoint/2010/main" val="728700153"/>
       </p:ext>
     </p:extLst>
   </p:cSld>
@@ -5327,10 +5360,9 @@
           <a:lstStyle/>
           <a:p>
             <a:r>
-              <a:rPr lang="en-US" dirty="0" smtClean="0"/>
-              <a:t>Prototypes</a:t>
-            </a:r>
-            <a:endParaRPr lang="en-US" dirty="0"/>
+              <a:rPr lang="en-US" dirty="0"/>
+              <a:t>Overall Description of Final Design</a:t>
+            </a:r>
           </a:p>
         </p:txBody>
       </p:sp>
@@ -5351,108 +5383,21 @@
           </a:bodyPr>
           <a:lstStyle/>
           <a:p>
-            <a:pPr marL="0" indent="0">
-              <a:buNone/>
-            </a:pPr>
-            <a:r>
-              <a:rPr lang="en-US" sz="2000" b="1" dirty="0"/>
-              <a:t>Prototype 1: </a:t>
-            </a:r>
-            <a:r>
-              <a:rPr lang="en-US" sz="2000" i="1" dirty="0"/>
-              <a:t>Interactive Lesson </a:t>
-            </a:r>
-            <a:r>
-              <a:rPr lang="en-US" sz="2000" i="1" dirty="0" smtClean="0"/>
-              <a:t>Module</a:t>
-            </a:r>
-          </a:p>
-          <a:p>
-            <a:pPr marL="0" indent="0">
-              <a:buNone/>
-            </a:pPr>
-            <a:endParaRPr lang="en-US" sz="2000" i="1" dirty="0"/>
-          </a:p>
-          <a:p>
-            <a:pPr marL="0" indent="0">
-              <a:buNone/>
-            </a:pPr>
-            <a:r>
-              <a:rPr lang="en-US" sz="2000" b="1" i="1" dirty="0" smtClean="0"/>
-              <a:t>Visual </a:t>
-            </a:r>
-            <a:r>
-              <a:rPr lang="en-US" sz="2000" b="1" i="1" dirty="0"/>
-              <a:t>Material: </a:t>
-            </a:r>
-            <a:r>
-              <a:rPr lang="en-US" sz="2000" dirty="0"/>
-              <a:t>The prototype includes a lesson module interface with interactive elements such as videos, audio exercises, and interactive quizzes</a:t>
-            </a:r>
+            <a:endParaRPr lang="en-US" sz="2400" dirty="0" smtClean="0"/>
+          </a:p>
+          <a:p>
             <a:r>
               <a:rPr lang="en-US" sz="2000" dirty="0" smtClean="0"/>
-              <a:t>.</a:t>
-            </a:r>
-          </a:p>
-          <a:p>
-            <a:pPr marL="0" indent="0">
-              <a:buNone/>
-            </a:pPr>
+              <a:t>The final design of the online learning system is a comprehensive platform that incorporates key features to support effective language learning, communication, collaboration, and progress tracking. The design aims to create an engaging and user-friendly interface that caters to the needs of adult learners, instructors, and support staff. It emphasizes personalized learning, interactive experiences, and seamless communication channels.</a:t>
+            </a:r>
             <a:endParaRPr lang="en-US" sz="2000" dirty="0"/>
-          </a:p>
-          <a:p>
-            <a:pPr marL="0" indent="0">
-              <a:buNone/>
-            </a:pPr>
-            <a:r>
-              <a:rPr lang="en-US" sz="2000" b="1" i="1" dirty="0" smtClean="0"/>
-              <a:t>Scenario</a:t>
-            </a:r>
-            <a:r>
-              <a:rPr lang="en-US" sz="2000" b="1" i="1" dirty="0"/>
-              <a:t>: </a:t>
-            </a:r>
-            <a:r>
-              <a:rPr lang="en-US" sz="2000" dirty="0"/>
-              <a:t>Sarah, an adult learner, accesses a lesson module on verb tenses. She watches a short instructional video, practices verb conjugation through interactive exercises, and completes a quiz to test her understanding</a:t>
-            </a:r>
-            <a:r>
-              <a:rPr lang="en-US" sz="2000" dirty="0" smtClean="0"/>
-              <a:t>.</a:t>
-            </a:r>
-          </a:p>
-          <a:p>
-            <a:pPr marL="0" indent="0">
-              <a:buNone/>
-            </a:pPr>
-            <a:endParaRPr lang="en-US" sz="2000" dirty="0"/>
-          </a:p>
-          <a:p>
-            <a:pPr marL="0" indent="0">
-              <a:buNone/>
-            </a:pPr>
-            <a:r>
-              <a:rPr lang="en-US" sz="2000" b="1" i="1" dirty="0" smtClean="0"/>
-              <a:t>Assessment</a:t>
-            </a:r>
-            <a:r>
-              <a:rPr lang="en-US" sz="2000" b="1" i="1" dirty="0"/>
-              <a:t>: </a:t>
-            </a:r>
-            <a:r>
-              <a:rPr lang="en-US" sz="2000" dirty="0"/>
-              <a:t>User feedback indicates that the interactive lesson module design enhances learner engagement, provides multimedia learning experiences, and allows for immediate feedback on performance.</a:t>
-            </a:r>
-          </a:p>
-          <a:p>
-            <a:endParaRPr lang="en-US" dirty="0"/>
           </a:p>
         </p:txBody>
       </p:sp>
     </p:spTree>
     <p:extLst>
       <p:ext uri="{BB962C8B-B14F-4D97-AF65-F5344CB8AC3E}">
-        <p14:creationId xmlns:p14="http://schemas.microsoft.com/office/powerpoint/2010/main" val="302315143"/>
+        <p14:creationId xmlns:p14="http://schemas.microsoft.com/office/powerpoint/2010/main" val="261279653"/>
       </p:ext>
     </p:extLst>
   </p:cSld>
@@ -5522,7 +5467,7 @@
         <p:spPr/>
         <p:txBody>
           <a:bodyPr>
-            <a:normAutofit lnSpcReduction="10000"/>
+            <a:normAutofit/>
           </a:bodyPr>
           <a:lstStyle/>
           <a:p>
@@ -5530,23 +5475,23 @@
               <a:buNone/>
             </a:pPr>
             <a:r>
-              <a:rPr lang="en-US" sz="2000" b="1" i="1" dirty="0"/>
-              <a:t>Prototype 2: </a:t>
+              <a:rPr lang="en-US" sz="2000" b="1" dirty="0"/>
+              <a:t>Prototype 1: </a:t>
             </a:r>
             <a:r>
               <a:rPr lang="en-US" sz="2000" i="1" dirty="0"/>
-              <a:t>Collaborative Project </a:t>
+              <a:t>Interactive Lesson </a:t>
             </a:r>
             <a:r>
               <a:rPr lang="en-US" sz="2000" i="1" dirty="0" smtClean="0"/>
-              <a:t>Workspace.</a:t>
+              <a:t>Module</a:t>
             </a:r>
           </a:p>
           <a:p>
             <a:pPr marL="0" indent="0">
               <a:buNone/>
             </a:pPr>
-            <a:endParaRPr lang="en-US" sz="2000" dirty="0"/>
+            <a:endParaRPr lang="en-US" sz="2000" i="1" dirty="0"/>
           </a:p>
           <a:p>
             <a:pPr marL="0" indent="0">
@@ -5562,7 +5507,7 @@
             </a:r>
             <a:r>
               <a:rPr lang="en-US" sz="2000" dirty="0"/>
-              <a:t>The prototype showcases a collaborative project workspace where learners can collaborate on group assignments, share documents, and communicate with team members</a:t>
+              <a:t>The prototype includes a lesson module interface with interactive elements such as videos, audio exercises, and interactive quizzes</a:t>
             </a:r>
             <a:r>
               <a:rPr lang="en-US" sz="2000" dirty="0" smtClean="0"/>
@@ -5589,7 +5534,7 @@
             </a:r>
             <a:r>
               <a:rPr lang="en-US" sz="2000" dirty="0"/>
-              <a:t>Sam, Nelson, and Esther form a study group and access the project workspace. They create a shared document, discuss ideas through a chat feature, and contribute to the project simultaneously</a:t>
+              <a:t>Sarah, an adult learner, accesses a lesson module on verb tenses. She watches a short instructional video, practices verb conjugation through interactive exercises, and completes a quiz to test her understanding</a:t>
             </a:r>
             <a:r>
               <a:rPr lang="en-US" sz="2000" dirty="0" smtClean="0"/>
@@ -5616,7 +5561,7 @@
             </a:r>
             <a:r>
               <a:rPr lang="en-US" sz="2000" dirty="0"/>
-              <a:t>User feedback suggests that the collaborative project workspace design fosters teamwork, facilitates effective communication and coordination among group members, and promotes a sense of shared responsibility and accomplishment.</a:t>
+              <a:t>User feedback indicates that the interactive lesson module design enhances learner engagement, provides multimedia learning experiences, and allows for immediate feedback on performance.</a:t>
             </a:r>
           </a:p>
           <a:p>
@@ -5627,7 +5572,7 @@
     </p:spTree>
     <p:extLst>
       <p:ext uri="{BB962C8B-B14F-4D97-AF65-F5344CB8AC3E}">
-        <p14:creationId xmlns:p14="http://schemas.microsoft.com/office/powerpoint/2010/main" val="2165232331"/>
+        <p14:creationId xmlns:p14="http://schemas.microsoft.com/office/powerpoint/2010/main" val="302315143"/>
       </p:ext>
     </p:extLst>
   </p:cSld>
@@ -5834,23 +5779,23 @@
               <a:buNone/>
             </a:pPr>
             <a:r>
-              <a:rPr lang="en-US" sz="2000" b="1" dirty="0"/>
-              <a:t>Prototype 3: </a:t>
+              <a:rPr lang="en-US" sz="2000" b="1" i="1" dirty="0"/>
+              <a:t>Prototype 2: </a:t>
             </a:r>
             <a:r>
               <a:rPr lang="en-US" sz="2000" i="1" dirty="0"/>
-              <a:t>Personalized Progress </a:t>
+              <a:t>Collaborative Project </a:t>
             </a:r>
             <a:r>
               <a:rPr lang="en-US" sz="2000" i="1" dirty="0" smtClean="0"/>
-              <a:t>Dashboard.</a:t>
+              <a:t>Workspace.</a:t>
             </a:r>
           </a:p>
           <a:p>
             <a:pPr marL="0" indent="0">
               <a:buNone/>
             </a:pPr>
-            <a:endParaRPr lang="en-US" sz="2000" i="1" dirty="0"/>
+            <a:endParaRPr lang="en-US" sz="2000" dirty="0"/>
           </a:p>
           <a:p>
             <a:pPr marL="0" indent="0">
@@ -5866,7 +5811,7 @@
             </a:r>
             <a:r>
               <a:rPr lang="en-US" sz="2000" dirty="0"/>
-              <a:t>The prototype presents a personalized progress dashboard that displays a learner's overall progress, achievements, and areas for improvement</a:t>
+              <a:t>The prototype showcases a collaborative project workspace where learners can collaborate on group assignments, share documents, and communicate with team members</a:t>
             </a:r>
             <a:r>
               <a:rPr lang="en-US" sz="2000" dirty="0" smtClean="0"/>
@@ -5893,7 +5838,7 @@
             </a:r>
             <a:r>
               <a:rPr lang="en-US" sz="2000" dirty="0"/>
-              <a:t>Esther logs into her account and views her progress dashboard. She sees her completion percentage, recent achievements, and a breakdown of her performance in different language skills. She sets new goals based on the feedback and recommendations provided</a:t>
+              <a:t>Sam, Nelson, and Esther form a study group and access the project workspace. They create a shared document, discuss ideas through a chat feature, and contribute to the project simultaneously</a:t>
             </a:r>
             <a:r>
               <a:rPr lang="en-US" sz="2000" dirty="0" smtClean="0"/>
@@ -5920,7 +5865,7 @@
             </a:r>
             <a:r>
               <a:rPr lang="en-US" sz="2000" dirty="0"/>
-              <a:t>User feedback indicates that the personalized progress dashboard design empowers learners, provides a comprehensive overview of their language learning journey, and motivates them to achieve their goals.</a:t>
+              <a:t>User feedback suggests that the collaborative project workspace design fosters teamwork, facilitates effective communication and coordination among group members, and promotes a sense of shared responsibility and accomplishment.</a:t>
             </a:r>
           </a:p>
           <a:p>
@@ -5931,7 +5876,7 @@
     </p:spTree>
     <p:extLst>
       <p:ext uri="{BB962C8B-B14F-4D97-AF65-F5344CB8AC3E}">
-        <p14:creationId xmlns:p14="http://schemas.microsoft.com/office/powerpoint/2010/main" val="1001441195"/>
+        <p14:creationId xmlns:p14="http://schemas.microsoft.com/office/powerpoint/2010/main" val="2165232331"/>
       </p:ext>
     </p:extLst>
   </p:cSld>
@@ -5981,9 +5926,10 @@
           <a:lstStyle/>
           <a:p>
             <a:r>
-              <a:rPr lang="en-US" dirty="0"/>
-              <a:t>Evaluation Plan</a:t>
-            </a:r>
+              <a:rPr lang="en-US" dirty="0" smtClean="0"/>
+              <a:t>Prototypes</a:t>
+            </a:r>
+            <a:endParaRPr lang="en-US" dirty="0"/>
           </a:p>
         </p:txBody>
       </p:sp>
@@ -6000,31 +5946,47 @@
         <p:spPr/>
         <p:txBody>
           <a:bodyPr>
-            <a:normAutofit/>
+            <a:normAutofit lnSpcReduction="10000"/>
           </a:bodyPr>
           <a:lstStyle/>
           <a:p>
             <a:pPr marL="0" indent="0">
               <a:buNone/>
             </a:pPr>
-            <a:endParaRPr lang="en-US" sz="2000" b="1" dirty="0" smtClean="0"/>
-          </a:p>
-          <a:p>
-            <a:pPr marL="457200" indent="-457200">
-              <a:buFont typeface="+mj-lt"/>
-              <a:buAutoNum type="arabicPeriod"/>
-            </a:pPr>
-            <a:r>
-              <a:rPr lang="en-US" sz="2000" b="1" dirty="0" smtClean="0"/>
-              <a:t>Usability </a:t>
-            </a:r>
             <a:r>
               <a:rPr lang="en-US" sz="2000" b="1" dirty="0"/>
-              <a:t>Testing: </a:t>
+              <a:t>Prototype 3: </a:t>
+            </a:r>
+            <a:r>
+              <a:rPr lang="en-US" sz="2000" i="1" dirty="0"/>
+              <a:t>Personalized Progress </a:t>
+            </a:r>
+            <a:r>
+              <a:rPr lang="en-US" sz="2000" i="1" dirty="0" smtClean="0"/>
+              <a:t>Dashboard.</a:t>
+            </a:r>
+          </a:p>
+          <a:p>
+            <a:pPr marL="0" indent="0">
+              <a:buNone/>
+            </a:pPr>
+            <a:endParaRPr lang="en-US" sz="2000" i="1" dirty="0"/>
+          </a:p>
+          <a:p>
+            <a:pPr marL="0" indent="0">
+              <a:buNone/>
+            </a:pPr>
+            <a:r>
+              <a:rPr lang="en-US" sz="2000" b="1" i="1" dirty="0" smtClean="0"/>
+              <a:t>Visual </a:t>
+            </a:r>
+            <a:r>
+              <a:rPr lang="en-US" sz="2000" b="1" i="1" dirty="0"/>
+              <a:t>Material: </a:t>
             </a:r>
             <a:r>
               <a:rPr lang="en-US" sz="2000" dirty="0"/>
-              <a:t>Conduct usability testing exercises where representative users navigate the system, perform specific tasks, and provide feedback on the overall usability, intuitive design, and ease of use. This exercise will validate the usability criteria and identify areas for improvement</a:t>
+              <a:t>The prototype presents a personalized progress dashboard that displays a learner's overall progress, achievements, and areas for improvement</a:t>
             </a:r>
             <a:r>
               <a:rPr lang="en-US" sz="2000" dirty="0" smtClean="0"/>
@@ -6038,34 +6000,58 @@
             <a:endParaRPr lang="en-US" sz="2000" dirty="0"/>
           </a:p>
           <a:p>
-            <a:pPr marL="457200" indent="-457200">
-              <a:buFont typeface="+mj-lt"/>
-              <a:buAutoNum type="arabicPeriod" startAt="2"/>
-            </a:pPr>
-            <a:r>
-              <a:rPr lang="en-US" sz="2000" b="1" dirty="0" smtClean="0"/>
-              <a:t>Focus </a:t>
-            </a:r>
-            <a:r>
-              <a:rPr lang="en-US" sz="2000" b="1" dirty="0"/>
-              <a:t>Groups: </a:t>
+            <a:pPr marL="0" indent="0">
+              <a:buNone/>
+            </a:pPr>
+            <a:r>
+              <a:rPr lang="en-US" sz="2000" b="1" i="1" dirty="0" smtClean="0"/>
+              <a:t>Scenario</a:t>
+            </a:r>
+            <a:r>
+              <a:rPr lang="en-US" sz="2000" b="1" i="1" dirty="0"/>
+              <a:t>: </a:t>
             </a:r>
             <a:r>
               <a:rPr lang="en-US" sz="2000" dirty="0"/>
-              <a:t>Organize focus groups with learners, instructors, and support staff to gather qualitative feedback on specific features, functionalities, and user experiences. This exercise will help identify user preferences, pain points, and suggestions for enhancing communication, collaboration, and personalization</a:t>
+              <a:t>Esther logs into her account and views her progress dashboard. She sees her completion percentage, recent achievements, and a breakdown of her performance in different language skills. She sets new goals based on the feedback and recommendations provided</a:t>
             </a:r>
             <a:r>
               <a:rPr lang="en-US" sz="2000" dirty="0" smtClean="0"/>
               <a:t>.</a:t>
             </a:r>
+          </a:p>
+          <a:p>
+            <a:pPr marL="0" indent="0">
+              <a:buNone/>
+            </a:pPr>
             <a:endParaRPr lang="en-US" sz="2000" dirty="0"/>
+          </a:p>
+          <a:p>
+            <a:pPr marL="0" indent="0">
+              <a:buNone/>
+            </a:pPr>
+            <a:r>
+              <a:rPr lang="en-US" sz="2000" b="1" i="1" dirty="0" smtClean="0"/>
+              <a:t>Assessment</a:t>
+            </a:r>
+            <a:r>
+              <a:rPr lang="en-US" sz="2000" b="1" i="1" dirty="0"/>
+              <a:t>: </a:t>
+            </a:r>
+            <a:r>
+              <a:rPr lang="en-US" sz="2000" dirty="0"/>
+              <a:t>User feedback indicates that the personalized progress dashboard design empowers learners, provides a comprehensive overview of their language learning journey, and motivates them to achieve their goals.</a:t>
+            </a:r>
+          </a:p>
+          <a:p>
+            <a:endParaRPr lang="en-US" dirty="0"/>
           </a:p>
         </p:txBody>
       </p:sp>
     </p:spTree>
     <p:extLst>
       <p:ext uri="{BB962C8B-B14F-4D97-AF65-F5344CB8AC3E}">
-        <p14:creationId xmlns:p14="http://schemas.microsoft.com/office/powerpoint/2010/main" val="823266812"/>
+        <p14:creationId xmlns:p14="http://schemas.microsoft.com/office/powerpoint/2010/main" val="1001441195"/>
       </p:ext>
     </p:extLst>
   </p:cSld>
@@ -6115,6 +6101,140 @@
           <a:lstStyle/>
           <a:p>
             <a:r>
+              <a:rPr lang="en-US" dirty="0"/>
+              <a:t>Evaluation Plan</a:t>
+            </a:r>
+          </a:p>
+        </p:txBody>
+      </p:sp>
+      <p:sp>
+        <p:nvSpPr>
+          <p:cNvPr id="3" name="Content Placeholder 2"/>
+          <p:cNvSpPr>
+            <a:spLocks noGrp="1"/>
+          </p:cNvSpPr>
+          <p:nvPr>
+            <p:ph idx="1"/>
+          </p:nvPr>
+        </p:nvSpPr>
+        <p:spPr/>
+        <p:txBody>
+          <a:bodyPr>
+            <a:normAutofit/>
+          </a:bodyPr>
+          <a:lstStyle/>
+          <a:p>
+            <a:pPr marL="0" indent="0">
+              <a:buNone/>
+            </a:pPr>
+            <a:endParaRPr lang="en-US" sz="2000" b="1" dirty="0" smtClean="0"/>
+          </a:p>
+          <a:p>
+            <a:pPr marL="457200" indent="-457200">
+              <a:buFont typeface="+mj-lt"/>
+              <a:buAutoNum type="arabicPeriod"/>
+            </a:pPr>
+            <a:r>
+              <a:rPr lang="en-US" sz="2000" b="1" dirty="0" smtClean="0"/>
+              <a:t>Usability </a:t>
+            </a:r>
+            <a:r>
+              <a:rPr lang="en-US" sz="2000" b="1" dirty="0"/>
+              <a:t>Testing: </a:t>
+            </a:r>
+            <a:r>
+              <a:rPr lang="en-US" sz="2000" dirty="0"/>
+              <a:t>Conduct usability testing exercises where representative users navigate the system, perform specific tasks, and provide feedback on the overall usability, intuitive design, and ease of use. This exercise will validate the usability criteria and identify areas for improvement</a:t>
+            </a:r>
+            <a:r>
+              <a:rPr lang="en-US" sz="2000" dirty="0" smtClean="0"/>
+              <a:t>.</a:t>
+            </a:r>
+          </a:p>
+          <a:p>
+            <a:pPr marL="0" indent="0">
+              <a:buNone/>
+            </a:pPr>
+            <a:endParaRPr lang="en-US" sz="2000" dirty="0"/>
+          </a:p>
+          <a:p>
+            <a:pPr marL="457200" indent="-457200">
+              <a:buFont typeface="+mj-lt"/>
+              <a:buAutoNum type="arabicPeriod" startAt="2"/>
+            </a:pPr>
+            <a:r>
+              <a:rPr lang="en-US" sz="2000" b="1" dirty="0" smtClean="0"/>
+              <a:t>Focus </a:t>
+            </a:r>
+            <a:r>
+              <a:rPr lang="en-US" sz="2000" b="1" dirty="0"/>
+              <a:t>Groups: </a:t>
+            </a:r>
+            <a:r>
+              <a:rPr lang="en-US" sz="2000" dirty="0"/>
+              <a:t>Organize focus groups with learners, instructors, and support staff to gather qualitative feedback on specific features, functionalities, and user experiences. This exercise will help identify user preferences, pain points, and suggestions for enhancing communication, collaboration, and personalization</a:t>
+            </a:r>
+            <a:r>
+              <a:rPr lang="en-US" sz="2000" dirty="0" smtClean="0"/>
+              <a:t>.</a:t>
+            </a:r>
+            <a:endParaRPr lang="en-US" sz="2000" dirty="0"/>
+          </a:p>
+        </p:txBody>
+      </p:sp>
+    </p:spTree>
+    <p:extLst>
+      <p:ext uri="{BB962C8B-B14F-4D97-AF65-F5344CB8AC3E}">
+        <p14:creationId xmlns:p14="http://schemas.microsoft.com/office/powerpoint/2010/main" val="823266812"/>
+      </p:ext>
+    </p:extLst>
+  </p:cSld>
+  <p:clrMapOvr>
+    <a:masterClrMapping/>
+  </p:clrMapOvr>
+  <p:timing>
+    <p:tnLst>
+      <p:par>
+        <p:cTn id="1" dur="indefinite" restart="never" nodeType="tmRoot"/>
+      </p:par>
+    </p:tnLst>
+  </p:timing>
+</p:sld>
+</file>
+
+<file path=ppt/slides/slide33.xml><?xml version="1.0" encoding="utf-8"?>
+<p:sld xmlns:a="http://schemas.openxmlformats.org/drawingml/2006/main" xmlns:r="http://schemas.openxmlformats.org/officeDocument/2006/relationships" xmlns:p="http://schemas.openxmlformats.org/presentationml/2006/main">
+  <p:cSld>
+    <p:spTree>
+      <p:nvGrpSpPr>
+        <p:cNvPr id="1" name=""/>
+        <p:cNvGrpSpPr/>
+        <p:nvPr/>
+      </p:nvGrpSpPr>
+      <p:grpSpPr>
+        <a:xfrm>
+          <a:off x="0" y="0"/>
+          <a:ext cx="0" cy="0"/>
+          <a:chOff x="0" y="0"/>
+          <a:chExt cx="0" cy="0"/>
+        </a:xfrm>
+      </p:grpSpPr>
+      <p:sp>
+        <p:nvSpPr>
+          <p:cNvPr id="2" name="Title 1"/>
+          <p:cNvSpPr>
+            <a:spLocks noGrp="1"/>
+          </p:cNvSpPr>
+          <p:nvPr>
+            <p:ph type="title"/>
+          </p:nvPr>
+        </p:nvSpPr>
+        <p:spPr/>
+        <p:txBody>
+          <a:bodyPr/>
+          <a:lstStyle/>
+          <a:p>
+            <a:r>
               <a:rPr lang="en-US" dirty="0" smtClean="0"/>
               <a:t>Evaluation Plan</a:t>
             </a:r>
@@ -6239,7 +6359,7 @@
 </p:sld>
 </file>
 
-<file path=ppt/slides/slide33.xml><?xml version="1.0" encoding="utf-8"?>
+<file path=ppt/slides/slide34.xml><?xml version="1.0" encoding="utf-8"?>
 <p:sld xmlns:a="http://schemas.openxmlformats.org/drawingml/2006/main" xmlns:r="http://schemas.openxmlformats.org/officeDocument/2006/relationships" xmlns:p="http://schemas.openxmlformats.org/presentationml/2006/main">
   <p:cSld>
     <p:spTree>

--- a/Presentation1.pptx
+++ b/Presentation1.pptx
@@ -4302,9 +4302,10 @@
           <a:lstStyle/>
           <a:p>
             <a:r>
-              <a:rPr lang="en-US" dirty="0"/>
-              <a:t>Problem Definition</a:t>
-            </a:r>
+              <a:rPr lang="en-US" dirty="0" smtClean="0"/>
+              <a:t>User Analysis</a:t>
+            </a:r>
+            <a:endParaRPr lang="en-US" dirty="0"/>
           </a:p>
         </p:txBody>
       </p:sp>
@@ -4325,16 +4326,167 @@
           </a:bodyPr>
           <a:lstStyle/>
           <a:p>
-            <a:r>
-              <a:rPr lang="en-US" sz="2000" dirty="0"/>
-              <a:t>The Destined Adult School requires the development of an online learning system to cater to adult learners, particularly high-profile individuals, who are reluctant to attend physical classes due to privacy concerns. The system is needed to provide a secure and private environment for these learners to access educational resources, participate in classes remotely, and improve their English language skills.</a:t>
-            </a:r>
+            <a:pPr marL="457200" indent="-457200">
+              <a:buFont typeface="+mj-lt"/>
+              <a:buAutoNum type="arabicPeriod"/>
+            </a:pPr>
+            <a:endParaRPr lang="en-US" sz="2000" b="1" i="1" dirty="0" smtClean="0"/>
           </a:p>
           <a:p>
             <a:pPr marL="0" indent="0">
               <a:buNone/>
             </a:pPr>
-            <a:endParaRPr lang="en-US" dirty="0"/>
+            <a:r>
+              <a:rPr lang="en-US" sz="1600" b="1" dirty="0" smtClean="0"/>
+              <a:t>Language </a:t>
+            </a:r>
+            <a:r>
+              <a:rPr lang="en-US" sz="1600" b="1" dirty="0"/>
+              <a:t>Learners</a:t>
+            </a:r>
+            <a:r>
+              <a:rPr lang="en-US" sz="1600" b="1" dirty="0" smtClean="0"/>
+              <a:t>: </a:t>
+            </a:r>
+            <a:r>
+              <a:rPr lang="en-US" sz="1600" dirty="0" smtClean="0"/>
+              <a:t>Demographics</a:t>
+            </a:r>
+            <a:r>
+              <a:rPr lang="en-US" sz="1600" dirty="0"/>
+              <a:t>: Varied age groups, backgrounds, and proficiency levels</a:t>
+            </a:r>
+            <a:r>
+              <a:rPr lang="en-US" sz="1600" dirty="0" smtClean="0"/>
+              <a:t>. </a:t>
+            </a:r>
+          </a:p>
+          <a:p>
+            <a:pPr marL="0" indent="0">
+              <a:buNone/>
+            </a:pPr>
+            <a:r>
+              <a:rPr lang="en-US" sz="1600" dirty="0" smtClean="0"/>
+              <a:t>Needs</a:t>
+            </a:r>
+            <a:r>
+              <a:rPr lang="en-US" sz="1600" dirty="0"/>
+              <a:t>: Desire to learn a new language or improve existing language skills</a:t>
+            </a:r>
+            <a:r>
+              <a:rPr lang="en-US" sz="1600" dirty="0" smtClean="0"/>
+              <a:t>. </a:t>
+            </a:r>
+          </a:p>
+          <a:p>
+            <a:pPr marL="0" indent="0">
+              <a:buNone/>
+            </a:pPr>
+            <a:r>
+              <a:rPr lang="en-US" sz="1600" dirty="0" smtClean="0"/>
+              <a:t>Goals</a:t>
+            </a:r>
+            <a:r>
+              <a:rPr lang="en-US" sz="1600" dirty="0"/>
+              <a:t>: Achieving fluency and confidence in speaking, listening, reading, and writing</a:t>
+            </a:r>
+            <a:r>
+              <a:rPr lang="en-US" sz="1600" dirty="0" smtClean="0"/>
+              <a:t>. </a:t>
+            </a:r>
+          </a:p>
+          <a:p>
+            <a:pPr marL="0" indent="0">
+              <a:buNone/>
+            </a:pPr>
+            <a:r>
+              <a:rPr lang="en-US" sz="1600" dirty="0" smtClean="0"/>
+              <a:t>Preferences</a:t>
+            </a:r>
+            <a:r>
+              <a:rPr lang="en-US" sz="1600" dirty="0"/>
+              <a:t>: Prefer interactive and engaging learning experiences; value flexibility and personalization in learning </a:t>
+            </a:r>
+            <a:r>
+              <a:rPr lang="en-US" sz="1600" dirty="0" smtClean="0"/>
+              <a:t>paths.</a:t>
+            </a:r>
+          </a:p>
+          <a:p>
+            <a:pPr marL="0" indent="0">
+              <a:buNone/>
+            </a:pPr>
+            <a:r>
+              <a:rPr lang="en-US" sz="1600" b="1" dirty="0" smtClean="0"/>
+              <a:t>Educators/Tutors: </a:t>
+            </a:r>
+          </a:p>
+          <a:p>
+            <a:pPr marL="0" indent="0">
+              <a:buNone/>
+            </a:pPr>
+            <a:r>
+              <a:rPr lang="en-US" sz="1600" dirty="0" smtClean="0"/>
+              <a:t>Demographics</a:t>
+            </a:r>
+            <a:r>
+              <a:rPr lang="en-US" sz="1600" dirty="0"/>
+              <a:t>: Language teachers, tutors, or language enthusiasts</a:t>
+            </a:r>
+            <a:r>
+              <a:rPr lang="en-US" sz="1600" dirty="0" smtClean="0"/>
+              <a:t>. Needs</a:t>
+            </a:r>
+            <a:r>
+              <a:rPr lang="en-US" sz="1600" dirty="0"/>
+              <a:t>: Access to effective teaching resources and tools to support students' language learning journey</a:t>
+            </a:r>
+            <a:r>
+              <a:rPr lang="en-US" sz="1600" dirty="0" smtClean="0"/>
+              <a:t>. Goals</a:t>
+            </a:r>
+            <a:r>
+              <a:rPr lang="en-US" sz="1600" dirty="0"/>
+              <a:t>: Enhancing students' language proficiency; providing engaging and comprehensive learning materials</a:t>
+            </a:r>
+            <a:r>
+              <a:rPr lang="en-US" sz="1600" dirty="0" smtClean="0"/>
+              <a:t>.</a:t>
+            </a:r>
+          </a:p>
+          <a:p>
+            <a:pPr marL="0" indent="0">
+              <a:buNone/>
+            </a:pPr>
+            <a:r>
+              <a:rPr lang="en-US" sz="1600" dirty="0" smtClean="0"/>
+              <a:t> Preferences</a:t>
+            </a:r>
+            <a:r>
+              <a:rPr lang="en-US" sz="1600" dirty="0"/>
+              <a:t>: User-friendly platforms with customizable content creation features; tools for progress monitoring and assessment</a:t>
+            </a:r>
+            <a:r>
+              <a:rPr lang="en-US" sz="1600" dirty="0" smtClean="0"/>
+              <a:t>.</a:t>
+            </a:r>
+          </a:p>
+          <a:p>
+            <a:pPr marL="0" indent="0">
+              <a:buNone/>
+            </a:pPr>
+            <a:r>
+              <a:rPr lang="en-US" sz="1600" b="1" i="1" dirty="0" smtClean="0"/>
+              <a:t>Administrators</a:t>
+            </a:r>
+            <a:r>
+              <a:rPr lang="en-US" sz="1600" b="1" i="1" dirty="0"/>
+              <a:t>: </a:t>
+            </a:r>
+            <a:r>
+              <a:rPr lang="en-US" sz="1600" dirty="0"/>
+              <a:t>Those responsible for managing and maintaining the platform, including content moderation, user management, and technical support.</a:t>
+            </a:r>
           </a:p>
         </p:txBody>
       </p:sp>
